--- a/Code Gate Proposal to Altech for Enclosures App.pptx
+++ b/Code Gate Proposal to Altech for Enclosures App.pptx
@@ -5,31 +5,28 @@
     <p:sldMasterId id="2147483660" r:id="rId1"/>
   </p:sldMasterIdLst>
   <p:notesMasterIdLst>
-    <p:notesMasterId r:id="rId21"/>
+    <p:notesMasterId r:id="rId18"/>
   </p:notesMasterIdLst>
   <p:handoutMasterIdLst>
-    <p:handoutMasterId r:id="rId22"/>
+    <p:handoutMasterId r:id="rId19"/>
   </p:handoutMasterIdLst>
   <p:sldIdLst>
     <p:sldId id="348" r:id="rId2"/>
     <p:sldId id="455" r:id="rId3"/>
     <p:sldId id="471" r:id="rId4"/>
     <p:sldId id="502" r:id="rId5"/>
-    <p:sldId id="525" r:id="rId6"/>
-    <p:sldId id="526" r:id="rId7"/>
-    <p:sldId id="527" r:id="rId8"/>
-    <p:sldId id="528" r:id="rId9"/>
-    <p:sldId id="514" r:id="rId10"/>
-    <p:sldId id="513" r:id="rId11"/>
-    <p:sldId id="521" r:id="rId12"/>
-    <p:sldId id="522" r:id="rId13"/>
-    <p:sldId id="523" r:id="rId14"/>
-    <p:sldId id="524" r:id="rId15"/>
-    <p:sldId id="482" r:id="rId16"/>
-    <p:sldId id="506" r:id="rId17"/>
-    <p:sldId id="460" r:id="rId18"/>
-    <p:sldId id="529" r:id="rId19"/>
-    <p:sldId id="355" r:id="rId20"/>
+    <p:sldId id="530" r:id="rId6"/>
+    <p:sldId id="531" r:id="rId7"/>
+    <p:sldId id="514" r:id="rId8"/>
+    <p:sldId id="513" r:id="rId9"/>
+    <p:sldId id="532" r:id="rId10"/>
+    <p:sldId id="521" r:id="rId11"/>
+    <p:sldId id="522" r:id="rId12"/>
+    <p:sldId id="482" r:id="rId13"/>
+    <p:sldId id="506" r:id="rId14"/>
+    <p:sldId id="460" r:id="rId15"/>
+    <p:sldId id="529" r:id="rId16"/>
+    <p:sldId id="355" r:id="rId17"/>
   </p:sldIdLst>
   <p:sldSz cx="9144000" cy="5143500" type="screen16x9"/>
   <p:notesSz cx="6858000" cy="9144000"/>
@@ -935,13 +932,23 @@
         <a:lstStyle/>
         <a:p>
           <a:r>
-            <a:rPr lang="en-US" b="1" dirty="0">
+            <a:rPr lang="en-US" dirty="0">
+              <a:solidFill>
+                <a:schemeClr val="dk1"/>
+              </a:solidFill>
               <a:latin typeface="Proxima Nova" charset="0"/>
               <a:ea typeface="Proxima Nova" charset="0"/>
               <a:cs typeface="Proxima Nova" charset="0"/>
+              <a:sym typeface="Proxima Nova"/>
+              <a:rtl val="0"/>
             </a:rPr>
-            <a:t>Core app</a:t>
+            <a:t>Enclosures Finder Web App</a:t>
           </a:r>
+          <a:endParaRPr lang="en-US" b="1" dirty="0">
+            <a:latin typeface="Proxima Nova" charset="0"/>
+            <a:ea typeface="Proxima Nova" charset="0"/>
+            <a:cs typeface="Proxima Nova" charset="0"/>
+          </a:endParaRPr>
         </a:p>
       </dgm:t>
     </dgm:pt>
@@ -988,7 +995,7 @@
               <a:ea typeface="Proxima Nova" charset="0"/>
               <a:cs typeface="Proxima Nova" charset="0"/>
             </a:rPr>
-            <a:t>Study management</a:t>
+            <a:t>List Enclosures</a:t>
           </a:r>
         </a:p>
       </dgm:t>
@@ -1036,7 +1043,7 @@
               <a:ea typeface="Proxima Nova" charset="0"/>
               <a:cs typeface="Proxima Nova" charset="0"/>
             </a:rPr>
-            <a:t>Productivity reports</a:t>
+            <a:t>Filter Enclosures</a:t>
           </a:r>
         </a:p>
       </dgm:t>
@@ -1079,13 +1086,23 @@
         <a:lstStyle/>
         <a:p>
           <a:r>
-            <a:rPr lang="en-US" b="1" dirty="0">
+            <a:rPr lang="en-US" dirty="0">
+              <a:solidFill>
+                <a:schemeClr val="dk1"/>
+              </a:solidFill>
               <a:latin typeface="Proxima Nova" charset="0"/>
               <a:ea typeface="Proxima Nova" charset="0"/>
               <a:cs typeface="Proxima Nova" charset="0"/>
+              <a:sym typeface="Proxima Nova"/>
+              <a:rtl val="0"/>
             </a:rPr>
-            <a:t>Web site</a:t>
+            <a:t>Enclosures and part numbers integration service</a:t>
           </a:r>
+          <a:endParaRPr lang="en-US" b="1" dirty="0">
+            <a:latin typeface="Proxima Nova" charset="0"/>
+            <a:ea typeface="Proxima Nova" charset="0"/>
+            <a:cs typeface="Proxima Nova" charset="0"/>
+          </a:endParaRPr>
         </a:p>
       </dgm:t>
     </dgm:pt>
@@ -1132,7 +1149,7 @@
               <a:ea typeface="Proxima Nova" charset="0"/>
               <a:cs typeface="Proxima Nova" charset="0"/>
             </a:rPr>
-            <a:t>Taskmaster description</a:t>
+            <a:t>Map enclosure with part number</a:t>
           </a:r>
         </a:p>
       </dgm:t>
@@ -1180,7 +1197,7 @@
               <a:ea typeface="Proxima Nova" charset="0"/>
               <a:cs typeface="Proxima Nova" charset="0"/>
             </a:rPr>
-            <a:t>Studies organization</a:t>
+            <a:t>Find Enclosure</a:t>
           </a:r>
         </a:p>
       </dgm:t>
@@ -1223,12 +1240,17 @@
         <a:lstStyle/>
         <a:p>
           <a:r>
-            <a:rPr lang="en-US" b="1" dirty="0">
+            <a:rPr lang="en-US" dirty="0">
+              <a:solidFill>
+                <a:schemeClr val="dk1"/>
+              </a:solidFill>
               <a:latin typeface="Proxima Nova" charset="0"/>
               <a:ea typeface="Proxima Nova" charset="0"/>
               <a:cs typeface="Proxima Nova" charset="0"/>
+              <a:sym typeface="Proxima Nova"/>
+              <a:rtl val="0"/>
             </a:rPr>
-            <a:t>Payments</a:t>
+            <a:t>Enclosures repository feeder program</a:t>
           </a:r>
           <a:endParaRPr lang="en-US" b="0" dirty="0">
             <a:latin typeface="Proxima Nova" charset="0"/>
@@ -1281,7 +1303,7 @@
               <a:ea typeface="Proxima Nova" charset="0"/>
               <a:cs typeface="Proxima Nova" charset="0"/>
             </a:rPr>
-            <a:t>Subscription billing</a:t>
+            <a:t>Data reader from Excel</a:t>
           </a:r>
         </a:p>
       </dgm:t>
@@ -1321,7 +1343,7 @@
               <a:ea typeface="Proxima Nova" charset="0"/>
               <a:cs typeface="Proxima Nova" charset="0"/>
             </a:rPr>
-            <a:t>Process payments</a:t>
+            <a:t>Data reader from directories</a:t>
           </a:r>
         </a:p>
       </dgm:t>
@@ -1361,7 +1383,7 @@
               <a:ea typeface="Proxima Nova" charset="0"/>
               <a:cs typeface="Proxima Nova" charset="0"/>
             </a:rPr>
-            <a:t>Subscription events</a:t>
+            <a:t>Repository seeds from data readers</a:t>
           </a:r>
         </a:p>
       </dgm:t>
@@ -1388,7 +1410,7 @@
         </a:p>
       </dgm:t>
     </dgm:pt>
-    <dgm:pt modelId="{BD3BD290-C72E-4177-8989-830BC6EAB69C}">
+    <dgm:pt modelId="{357DB336-6585-41EB-8DDB-C14B890D1F5C}">
       <dgm:prSet phldrT="[Text]"/>
       <dgm:spPr/>
       <dgm:t>
@@ -1401,32 +1423,18 @@
               <a:ea typeface="Proxima Nova" charset="0"/>
               <a:cs typeface="Proxima Nova" charset="0"/>
             </a:rPr>
-            <a:t>Taskmaster features</a:t>
+            <a:t>Detail of enclosure</a:t>
           </a:r>
         </a:p>
       </dgm:t>
     </dgm:pt>
-    <dgm:pt modelId="{5005AB87-428E-4F8A-ADCC-BDF9ADFD9993}" type="parTrans" cxnId="{D030096E-0A13-4769-BD97-AD4A97C853BF}">
+    <dgm:pt modelId="{6BB87B3C-859F-4153-8B39-955D8DF085B9}" type="parTrans" cxnId="{6CC931B5-7436-42CB-A2F1-9932CF26A3A2}">
       <dgm:prSet/>
       <dgm:spPr/>
-      <dgm:t>
-        <a:bodyPr/>
-        <a:lstStyle/>
-        <a:p>
-          <a:endParaRPr lang="en-US"/>
-        </a:p>
-      </dgm:t>
     </dgm:pt>
-    <dgm:pt modelId="{625A9D60-0E90-4850-8C13-D8425429B721}" type="sibTrans" cxnId="{D030096E-0A13-4769-BD97-AD4A97C853BF}">
+    <dgm:pt modelId="{3E2AE505-677E-49F9-8A67-D2D699760BAD}" type="sibTrans" cxnId="{6CC931B5-7436-42CB-A2F1-9932CF26A3A2}">
       <dgm:prSet/>
       <dgm:spPr/>
-      <dgm:t>
-        <a:bodyPr/>
-        <a:lstStyle/>
-        <a:p>
-          <a:endParaRPr lang="en-US"/>
-        </a:p>
-      </dgm:t>
     </dgm:pt>
     <dgm:pt modelId="{2F5CDB75-A159-2047-A59C-FFEAF060B73D}" type="pres">
       <dgm:prSet presAssocID="{D7569426-2470-E543-B176-167358857A7E}" presName="theList" presStyleCnt="0">
@@ -1490,6 +1498,18 @@
       </dgm:prSet>
       <dgm:spPr/>
     </dgm:pt>
+    <dgm:pt modelId="{2BE227C2-D939-4A54-82AD-B6D0EB22C886}" type="pres">
+      <dgm:prSet presAssocID="{5D92AF42-CCEF-A54B-80FD-AEF53107D49D}" presName="aSpace2" presStyleCnt="0"/>
+      <dgm:spPr/>
+    </dgm:pt>
+    <dgm:pt modelId="{F6C3A0BD-9F73-424A-BF53-022DE2D5FE50}" type="pres">
+      <dgm:prSet presAssocID="{357DB336-6585-41EB-8DDB-C14B890D1F5C}" presName="childNode" presStyleLbl="node1" presStyleIdx="3" presStyleCnt="8">
+        <dgm:presLayoutVars>
+          <dgm:bulletEnabled val="1"/>
+        </dgm:presLayoutVars>
+      </dgm:prSet>
+      <dgm:spPr/>
+    </dgm:pt>
     <dgm:pt modelId="{45E686C8-01AE-7142-A60E-D259AB855532}" type="pres">
       <dgm:prSet presAssocID="{0F79B6C1-6FC8-0E49-A571-B8A4C65F941F}" presName="aSpace" presStyleCnt="0"/>
       <dgm:spPr/>
@@ -1515,7 +1535,7 @@
       <dgm:spPr/>
     </dgm:pt>
     <dgm:pt modelId="{12D9F88B-B804-4A2C-8BA3-90AA17D96FE0}" type="pres">
-      <dgm:prSet presAssocID="{AEB670EB-E9C6-4792-B32C-E5C336500FD5}" presName="childNode" presStyleLbl="node1" presStyleIdx="3" presStyleCnt="8">
+      <dgm:prSet presAssocID="{AEB670EB-E9C6-4792-B32C-E5C336500FD5}" presName="childNode" presStyleLbl="node1" presStyleIdx="4" presStyleCnt="8">
         <dgm:presLayoutVars>
           <dgm:bulletEnabled val="1"/>
         </dgm:presLayoutVars>
@@ -1527,7 +1547,7 @@
       <dgm:spPr/>
     </dgm:pt>
     <dgm:pt modelId="{D4B4B978-DB59-4E1C-A3DD-73309F1B5F60}" type="pres">
-      <dgm:prSet presAssocID="{7789AF55-7036-4D56-A800-2D242C7F73BA}" presName="childNode" presStyleLbl="node1" presStyleIdx="4" presStyleCnt="8">
+      <dgm:prSet presAssocID="{7789AF55-7036-4D56-A800-2D242C7F73BA}" presName="childNode" presStyleLbl="node1" presStyleIdx="5" presStyleCnt="8">
         <dgm:presLayoutVars>
           <dgm:bulletEnabled val="1"/>
         </dgm:presLayoutVars>
@@ -1539,7 +1559,7 @@
       <dgm:spPr/>
     </dgm:pt>
     <dgm:pt modelId="{28376B70-F0AD-4AB7-B686-C2B23BD8FF96}" type="pres">
-      <dgm:prSet presAssocID="{E579A04B-2FE6-4FF0-85F0-C396C36EAB31}" presName="childNode" presStyleLbl="node1" presStyleIdx="5" presStyleCnt="8">
+      <dgm:prSet presAssocID="{E579A04B-2FE6-4FF0-85F0-C396C36EAB31}" presName="childNode" presStyleLbl="node1" presStyleIdx="6" presStyleCnt="8">
         <dgm:presLayoutVars>
           <dgm:bulletEnabled val="1"/>
         </dgm:presLayoutVars>
@@ -1571,19 +1591,7 @@
       <dgm:spPr/>
     </dgm:pt>
     <dgm:pt modelId="{6EC4EA53-06F8-0949-8BC9-ADE8842FA5D5}" type="pres">
-      <dgm:prSet presAssocID="{4E442D17-0831-F341-AB5B-D5D6F83154E7}" presName="childNode" presStyleLbl="node1" presStyleIdx="6" presStyleCnt="8">
-        <dgm:presLayoutVars>
-          <dgm:bulletEnabled val="1"/>
-        </dgm:presLayoutVars>
-      </dgm:prSet>
-      <dgm:spPr/>
-    </dgm:pt>
-    <dgm:pt modelId="{79D5930C-F4FB-49C9-8DEE-D229A108A05B}" type="pres">
-      <dgm:prSet presAssocID="{4E442D17-0831-F341-AB5B-D5D6F83154E7}" presName="aSpace2" presStyleCnt="0"/>
-      <dgm:spPr/>
-    </dgm:pt>
-    <dgm:pt modelId="{D6B01CFE-C009-4AE7-92D6-25C02E80AB3E}" type="pres">
-      <dgm:prSet presAssocID="{BD3BD290-C72E-4177-8989-830BC6EAB69C}" presName="childNode" presStyleLbl="node1" presStyleIdx="7" presStyleCnt="8">
+      <dgm:prSet presAssocID="{4E442D17-0831-F341-AB5B-D5D6F83154E7}" presName="childNode" presStyleLbl="node1" presStyleIdx="7" presStyleCnt="8">
         <dgm:presLayoutVars>
           <dgm:bulletEnabled val="1"/>
         </dgm:presLayoutVars>
@@ -1602,6 +1610,7 @@
     <dgm:cxn modelId="{310815DE-546D-484A-8D46-3A69CA946A19}" type="presOf" srcId="{15158CD5-5036-7F4F-833E-D2F3F6E94817}" destId="{859DB472-E0EB-4137-9C97-0FB26220B085}" srcOrd="0" destOrd="0" presId="urn:microsoft.com/office/officeart/2005/8/layout/lProcess2"/>
     <dgm:cxn modelId="{704CA3C7-2065-1B45-A3CE-CD94F94C3928}" type="presOf" srcId="{B5F762A7-CA73-E24F-8C8A-83BED812B611}" destId="{025F1818-EE30-EF4C-8E2C-9B6EC72D5FDA}" srcOrd="0" destOrd="0" presId="urn:microsoft.com/office/officeart/2005/8/layout/lProcess2"/>
     <dgm:cxn modelId="{59F73B20-A287-45CB-92DA-06D65D6EC4D3}" type="presOf" srcId="{7789AF55-7036-4D56-A800-2D242C7F73BA}" destId="{D4B4B978-DB59-4E1C-A3DD-73309F1B5F60}" srcOrd="0" destOrd="0" presId="urn:microsoft.com/office/officeart/2005/8/layout/lProcess2"/>
+    <dgm:cxn modelId="{F9727A5D-E5FA-4229-99E9-B25476832F17}" type="presOf" srcId="{357DB336-6585-41EB-8DDB-C14B890D1F5C}" destId="{F6C3A0BD-9F73-424A-BF53-022DE2D5FE50}" srcOrd="0" destOrd="0" presId="urn:microsoft.com/office/officeart/2005/8/layout/lProcess2"/>
     <dgm:cxn modelId="{D73204E9-DABD-4DF8-8391-1832797387A9}" type="presOf" srcId="{4E442D17-0831-F341-AB5B-D5D6F83154E7}" destId="{6EC4EA53-06F8-0949-8BC9-ADE8842FA5D5}" srcOrd="0" destOrd="0" presId="urn:microsoft.com/office/officeart/2005/8/layout/lProcess2"/>
     <dgm:cxn modelId="{643733B8-5DFA-D947-906F-B6B05B851D6E}" srcId="{D7569426-2470-E543-B176-167358857A7E}" destId="{DB006076-C4EE-FB43-B651-C19A4355D01D}" srcOrd="1" destOrd="0" parTransId="{FD7E9F50-57EB-404A-9A75-AE9B13F032F6}" sibTransId="{B8E9CA3C-2CFA-CA45-97BA-2328AB1EB4D3}"/>
     <dgm:cxn modelId="{07885882-8A79-4DFB-B26B-F74490DEB3EB}" srcId="{DB006076-C4EE-FB43-B651-C19A4355D01D}" destId="{7789AF55-7036-4D56-A800-2D242C7F73BA}" srcOrd="1" destOrd="0" parTransId="{886A9988-3E0A-4200-A6AD-922B3497B50D}" sibTransId="{D6CF8ED4-2E10-49C7-9871-F72B54D25712}"/>
@@ -1615,9 +1624,8 @@
     <dgm:cxn modelId="{CCF542CA-66B4-4B98-A225-9619EF1E6B89}" srcId="{DB006076-C4EE-FB43-B651-C19A4355D01D}" destId="{E579A04B-2FE6-4FF0-85F0-C396C36EAB31}" srcOrd="2" destOrd="0" parTransId="{92F13800-BC6C-4291-AADA-934463F3D295}" sibTransId="{020B4B67-9FB2-4238-A85D-0C4EF8C14FBB}"/>
     <dgm:cxn modelId="{84C633C6-8275-5241-B819-6CF4BEE95246}" srcId="{0F79B6C1-6FC8-0E49-A571-B8A4C65F941F}" destId="{E75835CB-F0A8-524F-811C-BE6D0347BD95}" srcOrd="0" destOrd="0" parTransId="{9BF83AA9-6CFA-F340-9D93-F4975B84C982}" sibTransId="{1C15B4A9-E1C8-6E43-A550-CF2EBA01724D}"/>
     <dgm:cxn modelId="{8BD1E72D-E20C-F347-90AB-22BF055D31F6}" type="presOf" srcId="{E75835CB-F0A8-524F-811C-BE6D0347BD95}" destId="{6011F80E-D04F-BD40-8DC8-C329610B98AC}" srcOrd="0" destOrd="0" presId="urn:microsoft.com/office/officeart/2005/8/layout/lProcess2"/>
-    <dgm:cxn modelId="{D030096E-0A13-4769-BD97-AD4A97C853BF}" srcId="{15158CD5-5036-7F4F-833E-D2F3F6E94817}" destId="{BD3BD290-C72E-4177-8989-830BC6EAB69C}" srcOrd="1" destOrd="0" parTransId="{5005AB87-428E-4F8A-ADCC-BDF9ADFD9993}" sibTransId="{625A9D60-0E90-4850-8C13-D8425429B721}"/>
+    <dgm:cxn modelId="{6CC931B5-7436-42CB-A2F1-9932CF26A3A2}" srcId="{0F79B6C1-6FC8-0E49-A571-B8A4C65F941F}" destId="{357DB336-6585-41EB-8DDB-C14B890D1F5C}" srcOrd="3" destOrd="0" parTransId="{6BB87B3C-859F-4153-8B39-955D8DF085B9}" sibTransId="{3E2AE505-677E-49F9-8A67-D2D699760BAD}"/>
     <dgm:cxn modelId="{4F6CA3E1-318D-4602-B36D-3B36D461EA8A}" type="presOf" srcId="{15158CD5-5036-7F4F-833E-D2F3F6E94817}" destId="{FFF168A4-BFCA-4A5F-B0E3-E575E5CB6D70}" srcOrd="1" destOrd="0" presId="urn:microsoft.com/office/officeart/2005/8/layout/lProcess2"/>
-    <dgm:cxn modelId="{6A144F32-7C26-4354-81C4-1466FB8B6AC9}" type="presOf" srcId="{BD3BD290-C72E-4177-8989-830BC6EAB69C}" destId="{D6B01CFE-C009-4AE7-92D6-25C02E80AB3E}" srcOrd="0" destOrd="0" presId="urn:microsoft.com/office/officeart/2005/8/layout/lProcess2"/>
     <dgm:cxn modelId="{63233EF4-0EA0-464E-A65E-6F4F025701E6}" type="presParOf" srcId="{2F5CDB75-A159-2047-A59C-FFEAF060B73D}" destId="{40BFA76C-B610-B244-87DF-6592AB1CB3E8}" srcOrd="0" destOrd="0" presId="urn:microsoft.com/office/officeart/2005/8/layout/lProcess2"/>
     <dgm:cxn modelId="{1A2B8182-7CF9-4E41-A30E-E12110D73A61}" type="presParOf" srcId="{40BFA76C-B610-B244-87DF-6592AB1CB3E8}" destId="{91C72D2C-2F9D-9F40-A5F8-1992A8D4D65A}" srcOrd="0" destOrd="0" presId="urn:microsoft.com/office/officeart/2005/8/layout/lProcess2"/>
     <dgm:cxn modelId="{D79F9042-C5F7-6B4D-B561-7AFBF42B4D36}" type="presParOf" srcId="{40BFA76C-B610-B244-87DF-6592AB1CB3E8}" destId="{E7B81BAE-61D5-BE40-A90F-A67B5E60B38D}" srcOrd="1" destOrd="0" presId="urn:microsoft.com/office/officeart/2005/8/layout/lProcess2"/>
@@ -1628,6 +1636,8 @@
     <dgm:cxn modelId="{E3B8FCF7-A328-9A44-B092-C7DED51003C2}" type="presParOf" srcId="{9291237F-37C7-824E-B2F2-061E9C28FA19}" destId="{025F1818-EE30-EF4C-8E2C-9B6EC72D5FDA}" srcOrd="2" destOrd="0" presId="urn:microsoft.com/office/officeart/2005/8/layout/lProcess2"/>
     <dgm:cxn modelId="{51B0EACB-D04C-9D40-8404-FBA6D8173FF4}" type="presParOf" srcId="{9291237F-37C7-824E-B2F2-061E9C28FA19}" destId="{9EB4E4BE-83CB-1344-BBB6-204EC273086F}" srcOrd="3" destOrd="0" presId="urn:microsoft.com/office/officeart/2005/8/layout/lProcess2"/>
     <dgm:cxn modelId="{490C16E0-A572-BD46-9BDD-D358844A69B7}" type="presParOf" srcId="{9291237F-37C7-824E-B2F2-061E9C28FA19}" destId="{C12D1CED-58BD-7B4C-88CF-BDC94F42DE5F}" srcOrd="4" destOrd="0" presId="urn:microsoft.com/office/officeart/2005/8/layout/lProcess2"/>
+    <dgm:cxn modelId="{854C7802-5B45-4E19-8AE2-0DD154C3B9E7}" type="presParOf" srcId="{9291237F-37C7-824E-B2F2-061E9C28FA19}" destId="{2BE227C2-D939-4A54-82AD-B6D0EB22C886}" srcOrd="5" destOrd="0" presId="urn:microsoft.com/office/officeart/2005/8/layout/lProcess2"/>
+    <dgm:cxn modelId="{2C620890-A2C1-4F57-92AA-A8E37DA1D555}" type="presParOf" srcId="{9291237F-37C7-824E-B2F2-061E9C28FA19}" destId="{F6C3A0BD-9F73-424A-BF53-022DE2D5FE50}" srcOrd="6" destOrd="0" presId="urn:microsoft.com/office/officeart/2005/8/layout/lProcess2"/>
     <dgm:cxn modelId="{97281A7D-D472-D046-823B-1768807BDABC}" type="presParOf" srcId="{2F5CDB75-A159-2047-A59C-FFEAF060B73D}" destId="{45E686C8-01AE-7142-A60E-D259AB855532}" srcOrd="1" destOrd="0" presId="urn:microsoft.com/office/officeart/2005/8/layout/lProcess2"/>
     <dgm:cxn modelId="{D7F55DD6-ECE6-4D6B-A2D4-028F12070431}" type="presParOf" srcId="{2F5CDB75-A159-2047-A59C-FFEAF060B73D}" destId="{36BF6972-DAB1-42E4-8576-F8EFF16379CC}" srcOrd="2" destOrd="0" presId="urn:microsoft.com/office/officeart/2005/8/layout/lProcess2"/>
     <dgm:cxn modelId="{DFB65B7A-029B-40EE-A51D-7A28D77C4ACD}" type="presParOf" srcId="{36BF6972-DAB1-42E4-8576-F8EFF16379CC}" destId="{21946D00-D9DE-42FE-8C8F-FCD7D9A7BA2A}" srcOrd="0" destOrd="0" presId="urn:microsoft.com/office/officeart/2005/8/layout/lProcess2"/>
@@ -1646,8 +1656,6 @@
     <dgm:cxn modelId="{74B4F0E9-DEF7-4272-9258-2D565B6F3B43}" type="presParOf" srcId="{0125A054-D005-436C-A897-08990E3FDE5B}" destId="{460DCCF9-3352-40C2-BC64-E58F694ED15C}" srcOrd="2" destOrd="0" presId="urn:microsoft.com/office/officeart/2005/8/layout/lProcess2"/>
     <dgm:cxn modelId="{427EC9AD-7F28-4A75-9B0D-A42FA24415BE}" type="presParOf" srcId="{460DCCF9-3352-40C2-BC64-E58F694ED15C}" destId="{A8226D9E-4BFC-4817-B18D-E8C3DF17B0D3}" srcOrd="0" destOrd="0" presId="urn:microsoft.com/office/officeart/2005/8/layout/lProcess2"/>
     <dgm:cxn modelId="{5BB76B07-7F57-4741-92BB-C9AEB3452609}" type="presParOf" srcId="{A8226D9E-4BFC-4817-B18D-E8C3DF17B0D3}" destId="{6EC4EA53-06F8-0949-8BC9-ADE8842FA5D5}" srcOrd="0" destOrd="0" presId="urn:microsoft.com/office/officeart/2005/8/layout/lProcess2"/>
-    <dgm:cxn modelId="{37F04741-5853-4ABD-98B7-365F8423209F}" type="presParOf" srcId="{A8226D9E-4BFC-4817-B18D-E8C3DF17B0D3}" destId="{79D5930C-F4FB-49C9-8DEE-D229A108A05B}" srcOrd="1" destOrd="0" presId="urn:microsoft.com/office/officeart/2005/8/layout/lProcess2"/>
-    <dgm:cxn modelId="{72BD57E4-25D0-48DD-83D6-4E8F86560CBD}" type="presParOf" srcId="{A8226D9E-4BFC-4817-B18D-E8C3DF17B0D3}" destId="{D6B01CFE-C009-4AE7-92D6-25C02E80AB3E}" srcOrd="2" destOrd="0" presId="urn:microsoft.com/office/officeart/2005/8/layout/lProcess2"/>
   </dgm:cxnLst>
   <dgm:bg/>
   <dgm:whole/>
@@ -1709,12 +1717,12 @@
         <a:fontRef idx="minor"/>
       </dsp:style>
       <dsp:txBody>
-        <a:bodyPr spcFirstLastPara="0" vert="horz" wrap="square" lIns="106680" tIns="106680" rIns="106680" bIns="106680" numCol="1" spcCol="1270" anchor="ctr" anchorCtr="0">
+        <a:bodyPr spcFirstLastPara="0" vert="horz" wrap="square" lIns="68580" tIns="68580" rIns="68580" bIns="68580" numCol="1" spcCol="1270" anchor="ctr" anchorCtr="0">
           <a:noAutofit/>
         </a:bodyPr>
         <a:lstStyle/>
         <a:p>
-          <a:pPr marL="0" lvl="0" indent="0" algn="ctr" defTabSz="1244600">
+          <a:pPr marL="0" lvl="0" indent="0" algn="ctr" defTabSz="800100">
             <a:lnSpc>
               <a:spcPct val="90000"/>
             </a:lnSpc>
@@ -1727,13 +1735,23 @@
             <a:buNone/>
           </a:pPr>
           <a:r>
-            <a:rPr lang="en-US" sz="2800" b="1" kern="1200" dirty="0">
+            <a:rPr lang="en-US" sz="1800" kern="1200" dirty="0">
+              <a:solidFill>
+                <a:schemeClr val="dk1"/>
+              </a:solidFill>
               <a:latin typeface="Proxima Nova" charset="0"/>
               <a:ea typeface="Proxima Nova" charset="0"/>
               <a:cs typeface="Proxima Nova" charset="0"/>
+              <a:sym typeface="Proxima Nova"/>
+              <a:rtl val="0"/>
             </a:rPr>
-            <a:t>Core app</a:t>
+            <a:t>Enclosures Finder Web App</a:t>
           </a:r>
+          <a:endParaRPr lang="en-US" sz="1800" b="1" kern="1200" dirty="0">
+            <a:latin typeface="Proxima Nova" charset="0"/>
+            <a:ea typeface="Proxima Nova" charset="0"/>
+            <a:cs typeface="Proxima Nova" charset="0"/>
+          </a:endParaRPr>
         </a:p>
       </dsp:txBody>
       <dsp:txXfrm>
@@ -1748,8 +1766,8 @@
       </dsp:nvSpPr>
       <dsp:spPr>
         <a:xfrm>
-          <a:off x="194220" y="1123644"/>
-          <a:ext cx="1547812" cy="735627"/>
+          <a:off x="194220" y="1123415"/>
+          <a:ext cx="1547812" cy="545481"/>
         </a:xfrm>
         <a:prstGeom prst="roundRect">
           <a:avLst>
@@ -1792,12 +1810,12 @@
         </a:fontRef>
       </dsp:style>
       <dsp:txBody>
-        <a:bodyPr spcFirstLastPara="0" vert="horz" wrap="square" lIns="45720" tIns="34290" rIns="45720" bIns="34290" numCol="1" spcCol="1270" anchor="ctr" anchorCtr="0">
+        <a:bodyPr spcFirstLastPara="0" vert="horz" wrap="square" lIns="38100" tIns="28575" rIns="38100" bIns="28575" numCol="1" spcCol="1270" anchor="ctr" anchorCtr="0">
           <a:noAutofit/>
         </a:bodyPr>
         <a:lstStyle/>
         <a:p>
-          <a:pPr marL="0" lvl="0" indent="0" algn="ctr" defTabSz="800100">
+          <a:pPr marL="0" lvl="0" indent="0" algn="ctr" defTabSz="666750">
             <a:lnSpc>
               <a:spcPct val="90000"/>
             </a:lnSpc>
@@ -1810,18 +1828,18 @@
             <a:buNone/>
           </a:pPr>
           <a:r>
-            <a:rPr lang="en-US" sz="1800" b="0" kern="1200" dirty="0">
+            <a:rPr lang="en-US" sz="1500" b="0" kern="1200" dirty="0">
               <a:latin typeface="Proxima Nova" charset="0"/>
               <a:ea typeface="Proxima Nova" charset="0"/>
               <a:cs typeface="Proxima Nova" charset="0"/>
             </a:rPr>
-            <a:t>Study management</a:t>
+            <a:t>List Enclosures</a:t>
           </a:r>
         </a:p>
       </dsp:txBody>
       <dsp:txXfrm>
-        <a:off x="215766" y="1145190"/>
-        <a:ext cx="1504720" cy="692535"/>
+        <a:off x="210197" y="1139392"/>
+        <a:ext cx="1515858" cy="513527"/>
       </dsp:txXfrm>
     </dsp:sp>
     <dsp:sp modelId="{025F1818-EE30-EF4C-8E2C-9B6EC72D5FDA}">
@@ -1831,8 +1849,8 @@
       </dsp:nvSpPr>
       <dsp:spPr>
         <a:xfrm>
-          <a:off x="194220" y="1972445"/>
-          <a:ext cx="1547812" cy="735627"/>
+          <a:off x="194220" y="1752817"/>
+          <a:ext cx="1547812" cy="545481"/>
         </a:xfrm>
         <a:prstGeom prst="roundRect">
           <a:avLst>
@@ -1875,12 +1893,12 @@
         </a:fontRef>
       </dsp:style>
       <dsp:txBody>
-        <a:bodyPr spcFirstLastPara="0" vert="horz" wrap="square" lIns="45720" tIns="34290" rIns="45720" bIns="34290" numCol="1" spcCol="1270" anchor="ctr" anchorCtr="0">
+        <a:bodyPr spcFirstLastPara="0" vert="horz" wrap="square" lIns="38100" tIns="28575" rIns="38100" bIns="28575" numCol="1" spcCol="1270" anchor="ctr" anchorCtr="0">
           <a:noAutofit/>
         </a:bodyPr>
         <a:lstStyle/>
         <a:p>
-          <a:pPr marL="0" lvl="0" indent="0" algn="ctr" defTabSz="800100">
+          <a:pPr marL="0" lvl="0" indent="0" algn="ctr" defTabSz="666750">
             <a:lnSpc>
               <a:spcPct val="90000"/>
             </a:lnSpc>
@@ -1893,18 +1911,18 @@
             <a:buNone/>
           </a:pPr>
           <a:r>
-            <a:rPr lang="en-US" sz="1800" b="0" kern="1200" dirty="0">
+            <a:rPr lang="en-US" sz="1500" b="0" kern="1200" dirty="0">
               <a:latin typeface="Proxima Nova" charset="0"/>
               <a:ea typeface="Proxima Nova" charset="0"/>
               <a:cs typeface="Proxima Nova" charset="0"/>
             </a:rPr>
-            <a:t>Studies organization</a:t>
+            <a:t>Find Enclosure</a:t>
           </a:r>
         </a:p>
       </dsp:txBody>
       <dsp:txXfrm>
-        <a:off x="215766" y="1993991"/>
-        <a:ext cx="1504720" cy="692535"/>
+        <a:off x="210197" y="1768794"/>
+        <a:ext cx="1515858" cy="513527"/>
       </dsp:txXfrm>
     </dsp:sp>
     <dsp:sp modelId="{C12D1CED-58BD-7B4C-88CF-BDC94F42DE5F}">
@@ -1914,8 +1932,8 @@
       </dsp:nvSpPr>
       <dsp:spPr>
         <a:xfrm>
-          <a:off x="194220" y="2821246"/>
-          <a:ext cx="1547812" cy="735627"/>
+          <a:off x="194220" y="2382219"/>
+          <a:ext cx="1547812" cy="545481"/>
         </a:xfrm>
         <a:prstGeom prst="roundRect">
           <a:avLst>
@@ -1958,12 +1976,12 @@
         </a:fontRef>
       </dsp:style>
       <dsp:txBody>
-        <a:bodyPr spcFirstLastPara="0" vert="horz" wrap="square" lIns="45720" tIns="34290" rIns="45720" bIns="34290" numCol="1" spcCol="1270" anchor="ctr" anchorCtr="0">
+        <a:bodyPr spcFirstLastPara="0" vert="horz" wrap="square" lIns="38100" tIns="28575" rIns="38100" bIns="28575" numCol="1" spcCol="1270" anchor="ctr" anchorCtr="0">
           <a:noAutofit/>
         </a:bodyPr>
         <a:lstStyle/>
         <a:p>
-          <a:pPr marL="0" lvl="0" indent="0" algn="ctr" defTabSz="800100">
+          <a:pPr marL="0" lvl="0" indent="0" algn="ctr" defTabSz="666750">
             <a:lnSpc>
               <a:spcPct val="90000"/>
             </a:lnSpc>
@@ -1976,18 +1994,101 @@
             <a:buNone/>
           </a:pPr>
           <a:r>
-            <a:rPr lang="en-US" sz="1800" b="0" kern="1200" dirty="0">
+            <a:rPr lang="en-US" sz="1500" b="0" kern="1200" dirty="0">
               <a:latin typeface="Proxima Nova" charset="0"/>
               <a:ea typeface="Proxima Nova" charset="0"/>
               <a:cs typeface="Proxima Nova" charset="0"/>
             </a:rPr>
-            <a:t>Productivity reports</a:t>
+            <a:t>Filter Enclosures</a:t>
           </a:r>
         </a:p>
       </dsp:txBody>
       <dsp:txXfrm>
-        <a:off x="215766" y="2842792"/>
-        <a:ext cx="1504720" cy="692535"/>
+        <a:off x="210197" y="2398196"/>
+        <a:ext cx="1515858" cy="513527"/>
+      </dsp:txXfrm>
+    </dsp:sp>
+    <dsp:sp modelId="{F6C3A0BD-9F73-424A-BF53-022DE2D5FE50}">
+      <dsp:nvSpPr>
+        <dsp:cNvPr id="0" name=""/>
+        <dsp:cNvSpPr/>
+      </dsp:nvSpPr>
+      <dsp:spPr>
+        <a:xfrm>
+          <a:off x="194220" y="3011621"/>
+          <a:ext cx="1547812" cy="545481"/>
+        </a:xfrm>
+        <a:prstGeom prst="roundRect">
+          <a:avLst>
+            <a:gd name="adj" fmla="val 10000"/>
+          </a:avLst>
+        </a:prstGeom>
+        <a:solidFill>
+          <a:schemeClr val="accent1">
+            <a:hueOff val="0"/>
+            <a:satOff val="0"/>
+            <a:lumOff val="0"/>
+            <a:alphaOff val="0"/>
+          </a:schemeClr>
+        </a:solidFill>
+        <a:ln w="25400" cap="flat" cmpd="sng" algn="ctr">
+          <a:solidFill>
+            <a:schemeClr val="lt1">
+              <a:hueOff val="0"/>
+              <a:satOff val="0"/>
+              <a:lumOff val="0"/>
+              <a:alphaOff val="0"/>
+            </a:schemeClr>
+          </a:solidFill>
+          <a:prstDash val="solid"/>
+        </a:ln>
+        <a:effectLst/>
+      </dsp:spPr>
+      <dsp:style>
+        <a:lnRef idx="2">
+          <a:scrgbClr r="0" g="0" b="0"/>
+        </a:lnRef>
+        <a:fillRef idx="1">
+          <a:scrgbClr r="0" g="0" b="0"/>
+        </a:fillRef>
+        <a:effectRef idx="0">
+          <a:scrgbClr r="0" g="0" b="0"/>
+        </a:effectRef>
+        <a:fontRef idx="minor">
+          <a:schemeClr val="lt1"/>
+        </a:fontRef>
+      </dsp:style>
+      <dsp:txBody>
+        <a:bodyPr spcFirstLastPara="0" vert="horz" wrap="square" lIns="38100" tIns="28575" rIns="38100" bIns="28575" numCol="1" spcCol="1270" anchor="ctr" anchorCtr="0">
+          <a:noAutofit/>
+        </a:bodyPr>
+        <a:lstStyle/>
+        <a:p>
+          <a:pPr marL="0" lvl="0" indent="0" algn="ctr" defTabSz="666750">
+            <a:lnSpc>
+              <a:spcPct val="90000"/>
+            </a:lnSpc>
+            <a:spcBef>
+              <a:spcPct val="0"/>
+            </a:spcBef>
+            <a:spcAft>
+              <a:spcPct val="35000"/>
+            </a:spcAft>
+            <a:buNone/>
+          </a:pPr>
+          <a:r>
+            <a:rPr lang="en-US" sz="1500" b="0" kern="1200" dirty="0">
+              <a:latin typeface="Proxima Nova" charset="0"/>
+              <a:ea typeface="Proxima Nova" charset="0"/>
+              <a:cs typeface="Proxima Nova" charset="0"/>
+            </a:rPr>
+            <a:t>Detail of enclosure</a:t>
+          </a:r>
+        </a:p>
+      </dsp:txBody>
+      <dsp:txXfrm>
+        <a:off x="210197" y="3027598"/>
+        <a:ext cx="1515858" cy="513527"/>
       </dsp:txXfrm>
     </dsp:sp>
     <dsp:sp modelId="{21946D00-D9DE-42FE-8C8F-FCD7D9A7BA2A}">
@@ -2032,12 +2133,12 @@
         <a:fontRef idx="minor"/>
       </dsp:style>
       <dsp:txBody>
-        <a:bodyPr spcFirstLastPara="0" vert="horz" wrap="square" lIns="106680" tIns="106680" rIns="106680" bIns="106680" numCol="1" spcCol="1270" anchor="ctr" anchorCtr="0">
+        <a:bodyPr spcFirstLastPara="0" vert="horz" wrap="square" lIns="68580" tIns="68580" rIns="68580" bIns="68580" numCol="1" spcCol="1270" anchor="ctr" anchorCtr="0">
           <a:noAutofit/>
         </a:bodyPr>
         <a:lstStyle/>
         <a:p>
-          <a:pPr marL="0" lvl="0" indent="0" algn="ctr" defTabSz="1244600">
+          <a:pPr marL="0" lvl="0" indent="0" algn="ctr" defTabSz="800100">
             <a:lnSpc>
               <a:spcPct val="90000"/>
             </a:lnSpc>
@@ -2050,14 +2151,19 @@
             <a:buNone/>
           </a:pPr>
           <a:r>
-            <a:rPr lang="en-US" sz="2800" b="1" kern="1200" dirty="0">
+            <a:rPr lang="en-US" sz="1800" kern="1200" dirty="0">
+              <a:solidFill>
+                <a:schemeClr val="dk1"/>
+              </a:solidFill>
               <a:latin typeface="Proxima Nova" charset="0"/>
               <a:ea typeface="Proxima Nova" charset="0"/>
               <a:cs typeface="Proxima Nova" charset="0"/>
+              <a:sym typeface="Proxima Nova"/>
+              <a:rtl val="0"/>
             </a:rPr>
-            <a:t>Payments</a:t>
+            <a:t>Enclosures repository feeder program</a:t>
           </a:r>
-          <a:endParaRPr lang="en-US" sz="2800" b="0" kern="1200" dirty="0">
+          <a:endParaRPr lang="en-US" sz="1800" b="0" kern="1200" dirty="0">
             <a:latin typeface="Proxima Nova" charset="0"/>
             <a:ea typeface="Proxima Nova" charset="0"/>
             <a:cs typeface="Proxima Nova" charset="0"/>
@@ -2120,12 +2226,12 @@
         </a:fontRef>
       </dsp:style>
       <dsp:txBody>
-        <a:bodyPr spcFirstLastPara="0" vert="horz" wrap="square" lIns="45720" tIns="34290" rIns="45720" bIns="34290" numCol="1" spcCol="1270" anchor="ctr" anchorCtr="0">
+        <a:bodyPr spcFirstLastPara="0" vert="horz" wrap="square" lIns="38100" tIns="28575" rIns="38100" bIns="28575" numCol="1" spcCol="1270" anchor="ctr" anchorCtr="0">
           <a:noAutofit/>
         </a:bodyPr>
         <a:lstStyle/>
         <a:p>
-          <a:pPr marL="0" lvl="0" indent="0" algn="ctr" defTabSz="800100">
+          <a:pPr marL="0" lvl="0" indent="0" algn="ctr" defTabSz="666750">
             <a:lnSpc>
               <a:spcPct val="90000"/>
             </a:lnSpc>
@@ -2138,12 +2244,12 @@
             <a:buNone/>
           </a:pPr>
           <a:r>
-            <a:rPr lang="en-US" sz="1800" b="0" kern="1200" dirty="0">
+            <a:rPr lang="en-US" sz="1500" b="0" kern="1200" dirty="0">
               <a:latin typeface="Proxima Nova" charset="0"/>
               <a:ea typeface="Proxima Nova" charset="0"/>
               <a:cs typeface="Proxima Nova" charset="0"/>
             </a:rPr>
-            <a:t>Subscription billing</a:t>
+            <a:t>Data reader from Excel</a:t>
           </a:r>
         </a:p>
       </dsp:txBody>
@@ -2203,12 +2309,12 @@
         </a:fontRef>
       </dsp:style>
       <dsp:txBody>
-        <a:bodyPr spcFirstLastPara="0" vert="horz" wrap="square" lIns="45720" tIns="34290" rIns="45720" bIns="34290" numCol="1" spcCol="1270" anchor="ctr" anchorCtr="0">
+        <a:bodyPr spcFirstLastPara="0" vert="horz" wrap="square" lIns="38100" tIns="28575" rIns="38100" bIns="28575" numCol="1" spcCol="1270" anchor="ctr" anchorCtr="0">
           <a:noAutofit/>
         </a:bodyPr>
         <a:lstStyle/>
         <a:p>
-          <a:pPr marL="0" lvl="0" indent="0" algn="ctr" defTabSz="800100">
+          <a:pPr marL="0" lvl="0" indent="0" algn="ctr" defTabSz="666750">
             <a:lnSpc>
               <a:spcPct val="90000"/>
             </a:lnSpc>
@@ -2221,12 +2327,12 @@
             <a:buNone/>
           </a:pPr>
           <a:r>
-            <a:rPr lang="en-US" sz="1800" b="0" kern="1200" dirty="0">
+            <a:rPr lang="en-US" sz="1500" b="0" kern="1200" dirty="0">
               <a:latin typeface="Proxima Nova" charset="0"/>
               <a:ea typeface="Proxima Nova" charset="0"/>
               <a:cs typeface="Proxima Nova" charset="0"/>
             </a:rPr>
-            <a:t>Process payments</a:t>
+            <a:t>Data reader from directories</a:t>
           </a:r>
         </a:p>
       </dsp:txBody>
@@ -2286,12 +2392,12 @@
         </a:fontRef>
       </dsp:style>
       <dsp:txBody>
-        <a:bodyPr spcFirstLastPara="0" vert="horz" wrap="square" lIns="45720" tIns="34290" rIns="45720" bIns="34290" numCol="1" spcCol="1270" anchor="ctr" anchorCtr="0">
+        <a:bodyPr spcFirstLastPara="0" vert="horz" wrap="square" lIns="38100" tIns="28575" rIns="38100" bIns="28575" numCol="1" spcCol="1270" anchor="ctr" anchorCtr="0">
           <a:noAutofit/>
         </a:bodyPr>
         <a:lstStyle/>
         <a:p>
-          <a:pPr marL="0" lvl="0" indent="0" algn="ctr" defTabSz="800100">
+          <a:pPr marL="0" lvl="0" indent="0" algn="ctr" defTabSz="666750">
             <a:lnSpc>
               <a:spcPct val="90000"/>
             </a:lnSpc>
@@ -2304,12 +2410,12 @@
             <a:buNone/>
           </a:pPr>
           <a:r>
-            <a:rPr lang="en-US" sz="1800" b="0" kern="1200" dirty="0">
+            <a:rPr lang="en-US" sz="1500" b="0" kern="1200" dirty="0">
               <a:latin typeface="Proxima Nova" charset="0"/>
               <a:ea typeface="Proxima Nova" charset="0"/>
               <a:cs typeface="Proxima Nova" charset="0"/>
             </a:rPr>
-            <a:t>Subscription events</a:t>
+            <a:t>Repository seeds from data readers</a:t>
           </a:r>
         </a:p>
       </dsp:txBody>
@@ -2360,12 +2466,12 @@
         <a:fontRef idx="minor"/>
       </dsp:style>
       <dsp:txBody>
-        <a:bodyPr spcFirstLastPara="0" vert="horz" wrap="square" lIns="106680" tIns="106680" rIns="106680" bIns="106680" numCol="1" spcCol="1270" anchor="ctr" anchorCtr="0">
+        <a:bodyPr spcFirstLastPara="0" vert="horz" wrap="square" lIns="68580" tIns="68580" rIns="68580" bIns="68580" numCol="1" spcCol="1270" anchor="ctr" anchorCtr="0">
           <a:noAutofit/>
         </a:bodyPr>
         <a:lstStyle/>
         <a:p>
-          <a:pPr marL="0" lvl="0" indent="0" algn="ctr" defTabSz="1244600">
+          <a:pPr marL="0" lvl="0" indent="0" algn="ctr" defTabSz="800100">
             <a:lnSpc>
               <a:spcPct val="90000"/>
             </a:lnSpc>
@@ -2378,13 +2484,23 @@
             <a:buNone/>
           </a:pPr>
           <a:r>
-            <a:rPr lang="en-US" sz="2800" b="1" kern="1200" dirty="0">
+            <a:rPr lang="en-US" sz="1800" kern="1200" dirty="0">
+              <a:solidFill>
+                <a:schemeClr val="dk1"/>
+              </a:solidFill>
               <a:latin typeface="Proxima Nova" charset="0"/>
               <a:ea typeface="Proxima Nova" charset="0"/>
               <a:cs typeface="Proxima Nova" charset="0"/>
+              <a:sym typeface="Proxima Nova"/>
+              <a:rtl val="0"/>
             </a:rPr>
-            <a:t>Web site</a:t>
+            <a:t>Enclosures and part numbers integration service</a:t>
           </a:r>
+          <a:endParaRPr lang="en-US" sz="1800" b="1" kern="1200" dirty="0">
+            <a:latin typeface="Proxima Nova" charset="0"/>
+            <a:ea typeface="Proxima Nova" charset="0"/>
+            <a:cs typeface="Proxima Nova" charset="0"/>
+          </a:endParaRPr>
         </a:p>
       </dsp:txBody>
       <dsp:txXfrm>
@@ -2399,8 +2515,8 @@
       </dsp:nvSpPr>
       <dsp:spPr>
         <a:xfrm>
-          <a:off x="4353966" y="1124421"/>
-          <a:ext cx="1547812" cy="1128992"/>
+          <a:off x="4353966" y="1123324"/>
+          <a:ext cx="1547812" cy="2433869"/>
         </a:xfrm>
         <a:prstGeom prst="roundRect">
           <a:avLst>
@@ -2443,12 +2559,12 @@
         </a:fontRef>
       </dsp:style>
       <dsp:txBody>
-        <a:bodyPr spcFirstLastPara="0" vert="horz" wrap="square" lIns="45720" tIns="34290" rIns="45720" bIns="34290" numCol="1" spcCol="1270" anchor="ctr" anchorCtr="0">
+        <a:bodyPr spcFirstLastPara="0" vert="horz" wrap="square" lIns="38100" tIns="28575" rIns="38100" bIns="28575" numCol="1" spcCol="1270" anchor="ctr" anchorCtr="0">
           <a:noAutofit/>
         </a:bodyPr>
         <a:lstStyle/>
         <a:p>
-          <a:pPr marL="0" lvl="0" indent="0" algn="ctr" defTabSz="800100">
+          <a:pPr marL="0" lvl="0" indent="0" algn="ctr" defTabSz="666750">
             <a:lnSpc>
               <a:spcPct val="90000"/>
             </a:lnSpc>
@@ -2461,101 +2577,18 @@
             <a:buNone/>
           </a:pPr>
           <a:r>
-            <a:rPr lang="en-US" sz="1800" b="0" kern="1200" dirty="0">
+            <a:rPr lang="en-US" sz="1500" b="0" kern="1200" dirty="0">
               <a:latin typeface="Proxima Nova" charset="0"/>
               <a:ea typeface="Proxima Nova" charset="0"/>
               <a:cs typeface="Proxima Nova" charset="0"/>
             </a:rPr>
-            <a:t>Taskmaster description</a:t>
+            <a:t>Map enclosure with part number</a:t>
           </a:r>
         </a:p>
       </dsp:txBody>
       <dsp:txXfrm>
-        <a:off x="4387033" y="1157488"/>
-        <a:ext cx="1481678" cy="1062858"/>
-      </dsp:txXfrm>
-    </dsp:sp>
-    <dsp:sp modelId="{D6B01CFE-C009-4AE7-92D6-25C02E80AB3E}">
-      <dsp:nvSpPr>
-        <dsp:cNvPr id="0" name=""/>
-        <dsp:cNvSpPr/>
-      </dsp:nvSpPr>
-      <dsp:spPr>
-        <a:xfrm>
-          <a:off x="4353966" y="2427104"/>
-          <a:ext cx="1547812" cy="1128992"/>
-        </a:xfrm>
-        <a:prstGeom prst="roundRect">
-          <a:avLst>
-            <a:gd name="adj" fmla="val 10000"/>
-          </a:avLst>
-        </a:prstGeom>
-        <a:solidFill>
-          <a:schemeClr val="accent1">
-            <a:hueOff val="0"/>
-            <a:satOff val="0"/>
-            <a:lumOff val="0"/>
-            <a:alphaOff val="0"/>
-          </a:schemeClr>
-        </a:solidFill>
-        <a:ln w="25400" cap="flat" cmpd="sng" algn="ctr">
-          <a:solidFill>
-            <a:schemeClr val="lt1">
-              <a:hueOff val="0"/>
-              <a:satOff val="0"/>
-              <a:lumOff val="0"/>
-              <a:alphaOff val="0"/>
-            </a:schemeClr>
-          </a:solidFill>
-          <a:prstDash val="solid"/>
-        </a:ln>
-        <a:effectLst/>
-      </dsp:spPr>
-      <dsp:style>
-        <a:lnRef idx="2">
-          <a:scrgbClr r="0" g="0" b="0"/>
-        </a:lnRef>
-        <a:fillRef idx="1">
-          <a:scrgbClr r="0" g="0" b="0"/>
-        </a:fillRef>
-        <a:effectRef idx="0">
-          <a:scrgbClr r="0" g="0" b="0"/>
-        </a:effectRef>
-        <a:fontRef idx="minor">
-          <a:schemeClr val="lt1"/>
-        </a:fontRef>
-      </dsp:style>
-      <dsp:txBody>
-        <a:bodyPr spcFirstLastPara="0" vert="horz" wrap="square" lIns="45720" tIns="34290" rIns="45720" bIns="34290" numCol="1" spcCol="1270" anchor="ctr" anchorCtr="0">
-          <a:noAutofit/>
-        </a:bodyPr>
-        <a:lstStyle/>
-        <a:p>
-          <a:pPr marL="0" lvl="0" indent="0" algn="ctr" defTabSz="800100">
-            <a:lnSpc>
-              <a:spcPct val="90000"/>
-            </a:lnSpc>
-            <a:spcBef>
-              <a:spcPct val="0"/>
-            </a:spcBef>
-            <a:spcAft>
-              <a:spcPct val="35000"/>
-            </a:spcAft>
-            <a:buNone/>
-          </a:pPr>
-          <a:r>
-            <a:rPr lang="en-US" sz="1800" b="0" kern="1200" dirty="0">
-              <a:latin typeface="Proxima Nova" charset="0"/>
-              <a:ea typeface="Proxima Nova" charset="0"/>
-              <a:cs typeface="Proxima Nova" charset="0"/>
-            </a:rPr>
-            <a:t>Taskmaster features</a:t>
-          </a:r>
-        </a:p>
-      </dsp:txBody>
-      <dsp:txXfrm>
-        <a:off x="4387033" y="2460171"/>
-        <a:ext cx="1481678" cy="1062858"/>
+        <a:off x="4399300" y="1168658"/>
+        <a:ext cx="1457144" cy="2343201"/>
       </dsp:txXfrm>
     </dsp:sp>
   </dsp:spTree>
@@ -3905,7 +3938,7 @@
           <a:p>
             <a:fld id="{DF988260-A97E-4A0F-9CFB-70FB264335D6}" type="datetimeFigureOut">
               <a:rPr lang="en-US" smtClean="0"/>
-              <a:t>10/17/2016</a:t>
+              <a:t>10/31/2016</a:t>
             </a:fld>
             <a:endParaRPr lang="en-US"/>
           </a:p>
@@ -4071,7 +4104,7 @@
           <a:p>
             <a:fld id="{5F1CBD95-E902-A149-AE90-305C920D7D58}" type="datetimeFigureOut">
               <a:rPr lang="en-US" smtClean="0"/>
-              <a:t>10/17/2016</a:t>
+              <a:t>10/31/2016</a:t>
             </a:fld>
             <a:endParaRPr lang="en-US" dirty="0"/>
           </a:p>
@@ -4561,7 +4594,7 @@
     </p:spTree>
     <p:extLst>
       <p:ext uri="{BB962C8B-B14F-4D97-AF65-F5344CB8AC3E}">
-        <p14:creationId xmlns:p14="http://schemas.microsoft.com/office/powerpoint/2010/main" val="612625155"/>
+        <p14:creationId xmlns:p14="http://schemas.microsoft.com/office/powerpoint/2010/main" val="990423308"/>
       </p:ext>
     </p:extLst>
   </p:cSld>
@@ -4677,7 +4710,7 @@
     </p:spTree>
     <p:extLst>
       <p:ext uri="{BB962C8B-B14F-4D97-AF65-F5344CB8AC3E}">
-        <p14:creationId xmlns:p14="http://schemas.microsoft.com/office/powerpoint/2010/main" val="990423308"/>
+        <p14:creationId xmlns:p14="http://schemas.microsoft.com/office/powerpoint/2010/main" val="2252189522"/>
       </p:ext>
     </p:extLst>
   </p:cSld>
@@ -4786,14 +4819,14 @@
               </a:spcBef>
               <a:buNone/>
             </a:pPr>
-            <a:endParaRPr/>
+            <a:endParaRPr dirty="0"/>
           </a:p>
         </p:txBody>
       </p:sp>
     </p:spTree>
     <p:extLst>
       <p:ext uri="{BB962C8B-B14F-4D97-AF65-F5344CB8AC3E}">
-        <p14:creationId xmlns:p14="http://schemas.microsoft.com/office/powerpoint/2010/main" val="2252189522"/>
+        <p14:creationId xmlns:p14="http://schemas.microsoft.com/office/powerpoint/2010/main" val="3521877608"/>
       </p:ext>
     </p:extLst>
   </p:cSld>
@@ -4808,7 +4841,7 @@
   <p:cSld>
     <p:spTree>
       <p:nvGrpSpPr>
-        <p:cNvPr id="1" name="Shape 328"/>
+        <p:cNvPr id="1" name="Shape 580"/>
         <p:cNvGrpSpPr/>
         <p:nvPr/>
       </p:nvGrpSpPr>
@@ -4822,7 +4855,7 @@
       </p:grpSpPr>
       <p:sp>
         <p:nvSpPr>
-          <p:cNvPr id="329" name="Shape 329"/>
+          <p:cNvPr id="581" name="Shape 581"/>
           <p:cNvSpPr>
             <a:spLocks noGrp="1" noRot="1" noChangeAspect="1"/>
           </p:cNvSpPr>
@@ -4873,7 +4906,7 @@
       </p:sp>
       <p:sp>
         <p:nvSpPr>
-          <p:cNvPr id="330" name="Shape 330"/>
+          <p:cNvPr id="582" name="Shape 582"/>
           <p:cNvSpPr txBox="1">
             <a:spLocks noGrp="1"/>
           </p:cNvSpPr>
@@ -4896,7 +4929,7 @@
           </a:bodyPr>
           <a:lstStyle/>
           <a:p>
-            <a:pPr lvl="0" rtl="0">
+            <a:pPr>
               <a:spcBef>
                 <a:spcPts val="0"/>
               </a:spcBef>
@@ -4909,7 +4942,7 @@
     </p:spTree>
     <p:extLst>
       <p:ext uri="{BB962C8B-B14F-4D97-AF65-F5344CB8AC3E}">
-        <p14:creationId xmlns:p14="http://schemas.microsoft.com/office/powerpoint/2010/main" val="3819561096"/>
+        <p14:creationId xmlns:p14="http://schemas.microsoft.com/office/powerpoint/2010/main" val="152512194"/>
       </p:ext>
     </p:extLst>
   </p:cSld>
@@ -5025,7 +5058,7 @@
     </p:spTree>
     <p:extLst>
       <p:ext uri="{BB962C8B-B14F-4D97-AF65-F5344CB8AC3E}">
-        <p14:creationId xmlns:p14="http://schemas.microsoft.com/office/powerpoint/2010/main" val="1829636451"/>
+        <p14:creationId xmlns:p14="http://schemas.microsoft.com/office/powerpoint/2010/main" val="3632167265"/>
       </p:ext>
     </p:extLst>
   </p:cSld>
@@ -5036,354 +5069,6 @@
 </file>
 
 <file path=ppt/notesSlides/notesSlide15.xml><?xml version="1.0" encoding="utf-8"?>
-<p:notes xmlns:a="http://schemas.openxmlformats.org/drawingml/2006/main" xmlns:r="http://schemas.openxmlformats.org/officeDocument/2006/relationships" xmlns:p="http://schemas.openxmlformats.org/presentationml/2006/main" showMasterSp="0" showMasterPhAnim="0">
-  <p:cSld>
-    <p:spTree>
-      <p:nvGrpSpPr>
-        <p:cNvPr id="1" name="Shape 328"/>
-        <p:cNvGrpSpPr/>
-        <p:nvPr/>
-      </p:nvGrpSpPr>
-      <p:grpSpPr>
-        <a:xfrm>
-          <a:off x="0" y="0"/>
-          <a:ext cx="0" cy="0"/>
-          <a:chOff x="0" y="0"/>
-          <a:chExt cx="0" cy="0"/>
-        </a:xfrm>
-      </p:grpSpPr>
-      <p:sp>
-        <p:nvSpPr>
-          <p:cNvPr id="329" name="Shape 329"/>
-          <p:cNvSpPr>
-            <a:spLocks noGrp="1" noRot="1" noChangeAspect="1"/>
-          </p:cNvSpPr>
-          <p:nvPr>
-            <p:ph type="sldImg" idx="2"/>
-          </p:nvPr>
-        </p:nvSpPr>
-        <p:spPr>
-          <a:xfrm>
-            <a:off x="381000" y="685800"/>
-            <a:ext cx="6096000" cy="3429000"/>
-          </a:xfrm>
-          <a:custGeom>
-            <a:avLst/>
-            <a:gdLst/>
-            <a:ahLst/>
-            <a:cxnLst/>
-            <a:rect l="0" t="0" r="0" b="0"/>
-            <a:pathLst>
-              <a:path w="120000" h="120000" extrusionOk="0">
-                <a:moveTo>
-                  <a:pt x="0" y="0"/>
-                </a:moveTo>
-                <a:lnTo>
-                  <a:pt x="120000" y="0"/>
-                </a:lnTo>
-                <a:lnTo>
-                  <a:pt x="120000" y="120000"/>
-                </a:lnTo>
-                <a:lnTo>
-                  <a:pt x="0" y="120000"/>
-                </a:lnTo>
-                <a:close/>
-              </a:path>
-            </a:pathLst>
-          </a:custGeom>
-          <a:noFill/>
-          <a:ln w="9525" cap="flat">
-            <a:solidFill>
-              <a:srgbClr val="000000"/>
-            </a:solidFill>
-            <a:prstDash val="solid"/>
-            <a:round/>
-            <a:headEnd type="none" w="med" len="med"/>
-            <a:tailEnd type="none" w="med" len="med"/>
-          </a:ln>
-        </p:spPr>
-      </p:sp>
-      <p:sp>
-        <p:nvSpPr>
-          <p:cNvPr id="330" name="Shape 330"/>
-          <p:cNvSpPr txBox="1">
-            <a:spLocks noGrp="1"/>
-          </p:cNvSpPr>
-          <p:nvPr>
-            <p:ph type="body" idx="1"/>
-          </p:nvPr>
-        </p:nvSpPr>
-        <p:spPr>
-          <a:xfrm>
-            <a:off x="685800" y="4343400"/>
-            <a:ext cx="5486399" cy="4114800"/>
-          </a:xfrm>
-          <a:prstGeom prst="rect">
-            <a:avLst/>
-          </a:prstGeom>
-        </p:spPr>
-        <p:txBody>
-          <a:bodyPr lIns="91425" tIns="91425" rIns="91425" bIns="91425" anchor="t" anchorCtr="0">
-            <a:noAutofit/>
-          </a:bodyPr>
-          <a:lstStyle/>
-          <a:p>
-            <a:pPr lvl="0" rtl="0">
-              <a:spcBef>
-                <a:spcPts val="0"/>
-              </a:spcBef>
-              <a:buNone/>
-            </a:pPr>
-            <a:endParaRPr dirty="0"/>
-          </a:p>
-        </p:txBody>
-      </p:sp>
-    </p:spTree>
-    <p:extLst>
-      <p:ext uri="{BB962C8B-B14F-4D97-AF65-F5344CB8AC3E}">
-        <p14:creationId xmlns:p14="http://schemas.microsoft.com/office/powerpoint/2010/main" val="3521877608"/>
-      </p:ext>
-    </p:extLst>
-  </p:cSld>
-  <p:clrMapOvr>
-    <a:masterClrMapping/>
-  </p:clrMapOvr>
-</p:notes>
-</file>
-
-<file path=ppt/notesSlides/notesSlide16.xml><?xml version="1.0" encoding="utf-8"?>
-<p:notes xmlns:a="http://schemas.openxmlformats.org/drawingml/2006/main" xmlns:r="http://schemas.openxmlformats.org/officeDocument/2006/relationships" xmlns:p="http://schemas.openxmlformats.org/presentationml/2006/main" showMasterSp="0" showMasterPhAnim="0">
-  <p:cSld>
-    <p:spTree>
-      <p:nvGrpSpPr>
-        <p:cNvPr id="1" name="Shape 580"/>
-        <p:cNvGrpSpPr/>
-        <p:nvPr/>
-      </p:nvGrpSpPr>
-      <p:grpSpPr>
-        <a:xfrm>
-          <a:off x="0" y="0"/>
-          <a:ext cx="0" cy="0"/>
-          <a:chOff x="0" y="0"/>
-          <a:chExt cx="0" cy="0"/>
-        </a:xfrm>
-      </p:grpSpPr>
-      <p:sp>
-        <p:nvSpPr>
-          <p:cNvPr id="581" name="Shape 581"/>
-          <p:cNvSpPr>
-            <a:spLocks noGrp="1" noRot="1" noChangeAspect="1"/>
-          </p:cNvSpPr>
-          <p:nvPr>
-            <p:ph type="sldImg" idx="2"/>
-          </p:nvPr>
-        </p:nvSpPr>
-        <p:spPr>
-          <a:xfrm>
-            <a:off x="381000" y="685800"/>
-            <a:ext cx="6096000" cy="3429000"/>
-          </a:xfrm>
-          <a:custGeom>
-            <a:avLst/>
-            <a:gdLst/>
-            <a:ahLst/>
-            <a:cxnLst/>
-            <a:rect l="0" t="0" r="0" b="0"/>
-            <a:pathLst>
-              <a:path w="120000" h="120000" extrusionOk="0">
-                <a:moveTo>
-                  <a:pt x="0" y="0"/>
-                </a:moveTo>
-                <a:lnTo>
-                  <a:pt x="120000" y="0"/>
-                </a:lnTo>
-                <a:lnTo>
-                  <a:pt x="120000" y="120000"/>
-                </a:lnTo>
-                <a:lnTo>
-                  <a:pt x="0" y="120000"/>
-                </a:lnTo>
-                <a:close/>
-              </a:path>
-            </a:pathLst>
-          </a:custGeom>
-          <a:noFill/>
-          <a:ln w="9525" cap="flat">
-            <a:solidFill>
-              <a:srgbClr val="000000"/>
-            </a:solidFill>
-            <a:prstDash val="solid"/>
-            <a:round/>
-            <a:headEnd type="none" w="med" len="med"/>
-            <a:tailEnd type="none" w="med" len="med"/>
-          </a:ln>
-        </p:spPr>
-      </p:sp>
-      <p:sp>
-        <p:nvSpPr>
-          <p:cNvPr id="582" name="Shape 582"/>
-          <p:cNvSpPr txBox="1">
-            <a:spLocks noGrp="1"/>
-          </p:cNvSpPr>
-          <p:nvPr>
-            <p:ph type="body" idx="1"/>
-          </p:nvPr>
-        </p:nvSpPr>
-        <p:spPr>
-          <a:xfrm>
-            <a:off x="685800" y="4343400"/>
-            <a:ext cx="5486399" cy="4114800"/>
-          </a:xfrm>
-          <a:prstGeom prst="rect">
-            <a:avLst/>
-          </a:prstGeom>
-        </p:spPr>
-        <p:txBody>
-          <a:bodyPr lIns="91425" tIns="91425" rIns="91425" bIns="91425" anchor="t" anchorCtr="0">
-            <a:noAutofit/>
-          </a:bodyPr>
-          <a:lstStyle/>
-          <a:p>
-            <a:pPr>
-              <a:spcBef>
-                <a:spcPts val="0"/>
-              </a:spcBef>
-              <a:buNone/>
-            </a:pPr>
-            <a:endParaRPr/>
-          </a:p>
-        </p:txBody>
-      </p:sp>
-    </p:spTree>
-    <p:extLst>
-      <p:ext uri="{BB962C8B-B14F-4D97-AF65-F5344CB8AC3E}">
-        <p14:creationId xmlns:p14="http://schemas.microsoft.com/office/powerpoint/2010/main" val="152512194"/>
-      </p:ext>
-    </p:extLst>
-  </p:cSld>
-  <p:clrMapOvr>
-    <a:masterClrMapping/>
-  </p:clrMapOvr>
-</p:notes>
-</file>
-
-<file path=ppt/notesSlides/notesSlide17.xml><?xml version="1.0" encoding="utf-8"?>
-<p:notes xmlns:a="http://schemas.openxmlformats.org/drawingml/2006/main" xmlns:r="http://schemas.openxmlformats.org/officeDocument/2006/relationships" xmlns:p="http://schemas.openxmlformats.org/presentationml/2006/main" showMasterSp="0" showMasterPhAnim="0">
-  <p:cSld>
-    <p:spTree>
-      <p:nvGrpSpPr>
-        <p:cNvPr id="1" name="Shape 328"/>
-        <p:cNvGrpSpPr/>
-        <p:nvPr/>
-      </p:nvGrpSpPr>
-      <p:grpSpPr>
-        <a:xfrm>
-          <a:off x="0" y="0"/>
-          <a:ext cx="0" cy="0"/>
-          <a:chOff x="0" y="0"/>
-          <a:chExt cx="0" cy="0"/>
-        </a:xfrm>
-      </p:grpSpPr>
-      <p:sp>
-        <p:nvSpPr>
-          <p:cNvPr id="329" name="Shape 329"/>
-          <p:cNvSpPr>
-            <a:spLocks noGrp="1" noRot="1" noChangeAspect="1"/>
-          </p:cNvSpPr>
-          <p:nvPr>
-            <p:ph type="sldImg" idx="2"/>
-          </p:nvPr>
-        </p:nvSpPr>
-        <p:spPr>
-          <a:xfrm>
-            <a:off x="381000" y="685800"/>
-            <a:ext cx="6096000" cy="3429000"/>
-          </a:xfrm>
-          <a:custGeom>
-            <a:avLst/>
-            <a:gdLst/>
-            <a:ahLst/>
-            <a:cxnLst/>
-            <a:rect l="0" t="0" r="0" b="0"/>
-            <a:pathLst>
-              <a:path w="120000" h="120000" extrusionOk="0">
-                <a:moveTo>
-                  <a:pt x="0" y="0"/>
-                </a:moveTo>
-                <a:lnTo>
-                  <a:pt x="120000" y="0"/>
-                </a:lnTo>
-                <a:lnTo>
-                  <a:pt x="120000" y="120000"/>
-                </a:lnTo>
-                <a:lnTo>
-                  <a:pt x="0" y="120000"/>
-                </a:lnTo>
-                <a:close/>
-              </a:path>
-            </a:pathLst>
-          </a:custGeom>
-          <a:noFill/>
-          <a:ln w="9525" cap="flat">
-            <a:solidFill>
-              <a:srgbClr val="000000"/>
-            </a:solidFill>
-            <a:prstDash val="solid"/>
-            <a:round/>
-            <a:headEnd type="none" w="med" len="med"/>
-            <a:tailEnd type="none" w="med" len="med"/>
-          </a:ln>
-        </p:spPr>
-      </p:sp>
-      <p:sp>
-        <p:nvSpPr>
-          <p:cNvPr id="330" name="Shape 330"/>
-          <p:cNvSpPr txBox="1">
-            <a:spLocks noGrp="1"/>
-          </p:cNvSpPr>
-          <p:nvPr>
-            <p:ph type="body" idx="1"/>
-          </p:nvPr>
-        </p:nvSpPr>
-        <p:spPr>
-          <a:xfrm>
-            <a:off x="685800" y="4343400"/>
-            <a:ext cx="5486399" cy="4114800"/>
-          </a:xfrm>
-          <a:prstGeom prst="rect">
-            <a:avLst/>
-          </a:prstGeom>
-        </p:spPr>
-        <p:txBody>
-          <a:bodyPr lIns="91425" tIns="91425" rIns="91425" bIns="91425" anchor="t" anchorCtr="0">
-            <a:noAutofit/>
-          </a:bodyPr>
-          <a:lstStyle/>
-          <a:p>
-            <a:pPr lvl="0" rtl="0">
-              <a:spcBef>
-                <a:spcPts val="0"/>
-              </a:spcBef>
-              <a:buNone/>
-            </a:pPr>
-            <a:endParaRPr/>
-          </a:p>
-        </p:txBody>
-      </p:sp>
-    </p:spTree>
-    <p:extLst>
-      <p:ext uri="{BB962C8B-B14F-4D97-AF65-F5344CB8AC3E}">
-        <p14:creationId xmlns:p14="http://schemas.microsoft.com/office/powerpoint/2010/main" val="3632167265"/>
-      </p:ext>
-    </p:extLst>
-  </p:cSld>
-  <p:clrMapOvr>
-    <a:masterClrMapping/>
-  </p:clrMapOvr>
-</p:notes>
-</file>
-
-<file path=ppt/notesSlides/notesSlide18.xml><?xml version="1.0" encoding="utf-8"?>
 <p:notes xmlns:a="http://schemas.openxmlformats.org/drawingml/2006/main" xmlns:r="http://schemas.openxmlformats.org/officeDocument/2006/relationships" xmlns:p="http://schemas.openxmlformats.org/presentationml/2006/main" showMasterSp="0" showMasterPhAnim="0">
   <p:cSld>
     <p:spTree>
@@ -5499,7 +5184,7 @@
 </p:notes>
 </file>
 
-<file path=ppt/notesSlides/notesSlide19.xml><?xml version="1.0" encoding="utf-8"?>
+<file path=ppt/notesSlides/notesSlide16.xml><?xml version="1.0" encoding="utf-8"?>
 <p:notes xmlns:a="http://schemas.openxmlformats.org/drawingml/2006/main" xmlns:r="http://schemas.openxmlformats.org/officeDocument/2006/relationships" xmlns:p="http://schemas.openxmlformats.org/presentationml/2006/main" showMasterSp="0" showMasterPhAnim="0">
   <p:cSld>
     <p:spTree>
@@ -6069,7 +5754,7 @@
     </p:spTree>
     <p:extLst>
       <p:ext uri="{BB962C8B-B14F-4D97-AF65-F5344CB8AC3E}">
-        <p14:creationId xmlns:p14="http://schemas.microsoft.com/office/powerpoint/2010/main" val="4226566456"/>
+        <p14:creationId xmlns:p14="http://schemas.microsoft.com/office/powerpoint/2010/main" val="985975467"/>
       </p:ext>
     </p:extLst>
   </p:cSld>
@@ -6185,7 +5870,7 @@
     </p:spTree>
     <p:extLst>
       <p:ext uri="{BB962C8B-B14F-4D97-AF65-F5344CB8AC3E}">
-        <p14:creationId xmlns:p14="http://schemas.microsoft.com/office/powerpoint/2010/main" val="2543811049"/>
+        <p14:creationId xmlns:p14="http://schemas.microsoft.com/office/powerpoint/2010/main" val="3614993003"/>
       </p:ext>
     </p:extLst>
   </p:cSld>
@@ -6294,14 +5979,14 @@
               </a:spcBef>
               <a:buNone/>
             </a:pPr>
-            <a:endParaRPr dirty="0"/>
+            <a:endParaRPr/>
           </a:p>
         </p:txBody>
       </p:sp>
     </p:spTree>
     <p:extLst>
       <p:ext uri="{BB962C8B-B14F-4D97-AF65-F5344CB8AC3E}">
-        <p14:creationId xmlns:p14="http://schemas.microsoft.com/office/powerpoint/2010/main" val="1952929524"/>
+        <p14:creationId xmlns:p14="http://schemas.microsoft.com/office/powerpoint/2010/main" val="684437560"/>
       </p:ext>
     </p:extLst>
   </p:cSld>
@@ -6410,14 +6095,14 @@
               </a:spcBef>
               <a:buNone/>
             </a:pPr>
-            <a:endParaRPr dirty="0"/>
+            <a:endParaRPr/>
           </a:p>
         </p:txBody>
       </p:sp>
     </p:spTree>
     <p:extLst>
       <p:ext uri="{BB962C8B-B14F-4D97-AF65-F5344CB8AC3E}">
-        <p14:creationId xmlns:p14="http://schemas.microsoft.com/office/powerpoint/2010/main" val="2802137231"/>
+        <p14:creationId xmlns:p14="http://schemas.microsoft.com/office/powerpoint/2010/main" val="612625155"/>
       </p:ext>
     </p:extLst>
   </p:cSld>
@@ -6533,7 +6218,7 @@
     </p:spTree>
     <p:extLst>
       <p:ext uri="{BB962C8B-B14F-4D97-AF65-F5344CB8AC3E}">
-        <p14:creationId xmlns:p14="http://schemas.microsoft.com/office/powerpoint/2010/main" val="684437560"/>
+        <p14:creationId xmlns:p14="http://schemas.microsoft.com/office/powerpoint/2010/main" val="2323289694"/>
       </p:ext>
     </p:extLst>
   </p:cSld>
@@ -6827,282 +6512,6 @@
 </file>
 
 <file path=ppt/slideLayouts/slideLayout2.xml><?xml version="1.0" encoding="utf-8"?>
-<p:sldLayout xmlns:a="http://schemas.openxmlformats.org/drawingml/2006/main" xmlns:r="http://schemas.openxmlformats.org/officeDocument/2006/relationships" xmlns:p="http://schemas.openxmlformats.org/presentationml/2006/main" type="twoColTx">
-  <p:cSld name="Title and Two Columns">
-    <p:spTree>
-      <p:nvGrpSpPr>
-        <p:cNvPr id="1" name="Shape 13"/>
-        <p:cNvGrpSpPr/>
-        <p:nvPr/>
-      </p:nvGrpSpPr>
-      <p:grpSpPr>
-        <a:xfrm>
-          <a:off x="0" y="0"/>
-          <a:ext cx="0" cy="0"/>
-          <a:chOff x="0" y="0"/>
-          <a:chExt cx="0" cy="0"/>
-        </a:xfrm>
-      </p:grpSpPr>
-      <p:sp>
-        <p:nvSpPr>
-          <p:cNvPr id="14" name="Shape 14"/>
-          <p:cNvSpPr txBox="1">
-            <a:spLocks noGrp="1"/>
-          </p:cNvSpPr>
-          <p:nvPr>
-            <p:ph type="title"/>
-          </p:nvPr>
-        </p:nvSpPr>
-        <p:spPr>
-          <a:xfrm>
-            <a:off x="457200" y="205978"/>
-            <a:ext cx="8229600" cy="857250"/>
-          </a:xfrm>
-          <a:prstGeom prst="rect">
-            <a:avLst/>
-          </a:prstGeom>
-        </p:spPr>
-        <p:txBody>
-          <a:bodyPr lIns="91425" tIns="91425" rIns="91425" bIns="91425" anchor="b" anchorCtr="0"/>
-          <a:lstStyle>
-            <a:lvl1pPr>
-              <a:spcBef>
-                <a:spcPts val="0"/>
-              </a:spcBef>
-              <a:defRPr/>
-            </a:lvl1pPr>
-            <a:lvl2pPr>
-              <a:spcBef>
-                <a:spcPts val="0"/>
-              </a:spcBef>
-              <a:defRPr/>
-            </a:lvl2pPr>
-            <a:lvl3pPr>
-              <a:spcBef>
-                <a:spcPts val="0"/>
-              </a:spcBef>
-              <a:defRPr/>
-            </a:lvl3pPr>
-            <a:lvl4pPr>
-              <a:spcBef>
-                <a:spcPts val="0"/>
-              </a:spcBef>
-              <a:defRPr/>
-            </a:lvl4pPr>
-            <a:lvl5pPr>
-              <a:spcBef>
-                <a:spcPts val="0"/>
-              </a:spcBef>
-              <a:defRPr/>
-            </a:lvl5pPr>
-            <a:lvl6pPr>
-              <a:spcBef>
-                <a:spcPts val="0"/>
-              </a:spcBef>
-              <a:defRPr/>
-            </a:lvl6pPr>
-            <a:lvl7pPr>
-              <a:spcBef>
-                <a:spcPts val="0"/>
-              </a:spcBef>
-              <a:defRPr/>
-            </a:lvl7pPr>
-            <a:lvl8pPr>
-              <a:spcBef>
-                <a:spcPts val="0"/>
-              </a:spcBef>
-              <a:defRPr/>
-            </a:lvl8pPr>
-            <a:lvl9pPr>
-              <a:spcBef>
-                <a:spcPts val="0"/>
-              </a:spcBef>
-              <a:defRPr/>
-            </a:lvl9pPr>
-          </a:lstStyle>
-          <a:p>
-            <a:endParaRPr/>
-          </a:p>
-        </p:txBody>
-      </p:sp>
-      <p:sp>
-        <p:nvSpPr>
-          <p:cNvPr id="15" name="Shape 15"/>
-          <p:cNvSpPr txBox="1">
-            <a:spLocks noGrp="1"/>
-          </p:cNvSpPr>
-          <p:nvPr>
-            <p:ph type="body" idx="1"/>
-          </p:nvPr>
-        </p:nvSpPr>
-        <p:spPr>
-          <a:xfrm>
-            <a:off x="457206" y="1200150"/>
-            <a:ext cx="3994525" cy="3725680"/>
-          </a:xfrm>
-          <a:prstGeom prst="rect">
-            <a:avLst/>
-          </a:prstGeom>
-        </p:spPr>
-        <p:txBody>
-          <a:bodyPr lIns="91425" tIns="91425" rIns="91425" bIns="91425" anchor="t" anchorCtr="0"/>
-          <a:lstStyle>
-            <a:lvl1pPr>
-              <a:spcBef>
-                <a:spcPts val="0"/>
-              </a:spcBef>
-              <a:defRPr/>
-            </a:lvl1pPr>
-            <a:lvl2pPr>
-              <a:spcBef>
-                <a:spcPts val="0"/>
-              </a:spcBef>
-              <a:defRPr/>
-            </a:lvl2pPr>
-            <a:lvl3pPr>
-              <a:spcBef>
-                <a:spcPts val="0"/>
-              </a:spcBef>
-              <a:defRPr/>
-            </a:lvl3pPr>
-            <a:lvl4pPr>
-              <a:spcBef>
-                <a:spcPts val="0"/>
-              </a:spcBef>
-              <a:defRPr/>
-            </a:lvl4pPr>
-            <a:lvl5pPr>
-              <a:spcBef>
-                <a:spcPts val="0"/>
-              </a:spcBef>
-              <a:defRPr/>
-            </a:lvl5pPr>
-            <a:lvl6pPr>
-              <a:spcBef>
-                <a:spcPts val="0"/>
-              </a:spcBef>
-              <a:defRPr/>
-            </a:lvl6pPr>
-            <a:lvl7pPr>
-              <a:spcBef>
-                <a:spcPts val="0"/>
-              </a:spcBef>
-              <a:defRPr/>
-            </a:lvl7pPr>
-            <a:lvl8pPr>
-              <a:spcBef>
-                <a:spcPts val="0"/>
-              </a:spcBef>
-              <a:defRPr/>
-            </a:lvl8pPr>
-            <a:lvl9pPr>
-              <a:spcBef>
-                <a:spcPts val="0"/>
-              </a:spcBef>
-              <a:defRPr/>
-            </a:lvl9pPr>
-          </a:lstStyle>
-          <a:p>
-            <a:endParaRPr/>
-          </a:p>
-        </p:txBody>
-      </p:sp>
-      <p:sp>
-        <p:nvSpPr>
-          <p:cNvPr id="16" name="Shape 16"/>
-          <p:cNvSpPr txBox="1">
-            <a:spLocks noGrp="1"/>
-          </p:cNvSpPr>
-          <p:nvPr>
-            <p:ph type="body" idx="2"/>
-          </p:nvPr>
-        </p:nvSpPr>
-        <p:spPr>
-          <a:xfrm>
-            <a:off x="4692279" y="1200150"/>
-            <a:ext cx="3994525" cy="3725680"/>
-          </a:xfrm>
-          <a:prstGeom prst="rect">
-            <a:avLst/>
-          </a:prstGeom>
-        </p:spPr>
-        <p:txBody>
-          <a:bodyPr lIns="91425" tIns="91425" rIns="91425" bIns="91425" anchor="t" anchorCtr="0"/>
-          <a:lstStyle>
-            <a:lvl1pPr>
-              <a:spcBef>
-                <a:spcPts val="0"/>
-              </a:spcBef>
-              <a:defRPr/>
-            </a:lvl1pPr>
-            <a:lvl2pPr>
-              <a:spcBef>
-                <a:spcPts val="0"/>
-              </a:spcBef>
-              <a:defRPr/>
-            </a:lvl2pPr>
-            <a:lvl3pPr>
-              <a:spcBef>
-                <a:spcPts val="0"/>
-              </a:spcBef>
-              <a:defRPr/>
-            </a:lvl3pPr>
-            <a:lvl4pPr>
-              <a:spcBef>
-                <a:spcPts val="0"/>
-              </a:spcBef>
-              <a:defRPr/>
-            </a:lvl4pPr>
-            <a:lvl5pPr>
-              <a:spcBef>
-                <a:spcPts val="0"/>
-              </a:spcBef>
-              <a:defRPr/>
-            </a:lvl5pPr>
-            <a:lvl6pPr>
-              <a:spcBef>
-                <a:spcPts val="0"/>
-              </a:spcBef>
-              <a:defRPr/>
-            </a:lvl6pPr>
-            <a:lvl7pPr>
-              <a:spcBef>
-                <a:spcPts val="0"/>
-              </a:spcBef>
-              <a:defRPr/>
-            </a:lvl7pPr>
-            <a:lvl8pPr>
-              <a:spcBef>
-                <a:spcPts val="0"/>
-              </a:spcBef>
-              <a:defRPr/>
-            </a:lvl8pPr>
-            <a:lvl9pPr>
-              <a:spcBef>
-                <a:spcPts val="0"/>
-              </a:spcBef>
-              <a:defRPr/>
-            </a:lvl9pPr>
-          </a:lstStyle>
-          <a:p>
-            <a:endParaRPr/>
-          </a:p>
-        </p:txBody>
-      </p:sp>
-    </p:spTree>
-    <p:extLst>
-      <p:ext uri="{BB962C8B-B14F-4D97-AF65-F5344CB8AC3E}">
-        <p14:creationId xmlns:p14="http://schemas.microsoft.com/office/powerpoint/2010/main" val="672220429"/>
-      </p:ext>
-    </p:extLst>
-  </p:cSld>
-  <p:clrMapOvr>
-    <a:masterClrMapping/>
-  </p:clrMapOvr>
-</p:sldLayout>
-</file>
-
-<file path=ppt/slideLayouts/slideLayout3.xml><?xml version="1.0" encoding="utf-8"?>
 <p:sldLayout xmlns:a="http://schemas.openxmlformats.org/drawingml/2006/main" xmlns:r="http://schemas.openxmlformats.org/officeDocument/2006/relationships" xmlns:p="http://schemas.openxmlformats.org/presentationml/2006/main" type="titleOnly">
   <p:cSld name="Title Only">
     <p:spTree>
@@ -7214,7 +6623,7 @@
 </p:sldLayout>
 </file>
 
-<file path=ppt/slideLayouts/slideLayout4.xml><?xml version="1.0" encoding="utf-8"?>
+<file path=ppt/slideLayouts/slideLayout3.xml><?xml version="1.0" encoding="utf-8"?>
 <p:sldLayout xmlns:a="http://schemas.openxmlformats.org/drawingml/2006/main" xmlns:r="http://schemas.openxmlformats.org/officeDocument/2006/relationships" xmlns:p="http://schemas.openxmlformats.org/presentationml/2006/main">
   <p:cSld name="Caption">
     <p:spTree>
@@ -7280,7 +6689,7 @@
 </p:sldLayout>
 </file>
 
-<file path=ppt/slideLayouts/slideLayout5.xml><?xml version="1.0" encoding="utf-8"?>
+<file path=ppt/slideLayouts/slideLayout4.xml><?xml version="1.0" encoding="utf-8"?>
 <p:sldLayout xmlns:a="http://schemas.openxmlformats.org/drawingml/2006/main" xmlns:r="http://schemas.openxmlformats.org/officeDocument/2006/relationships" xmlns:p="http://schemas.openxmlformats.org/presentationml/2006/main" type="tx">
   <p:cSld name="Title and Body">
     <p:spTree>
@@ -7474,7 +6883,7 @@
 </p:sldLayout>
 </file>
 
-<file path=ppt/slideLayouts/slideLayout6.xml><?xml version="1.0" encoding="utf-8"?>
+<file path=ppt/slideLayouts/slideLayout5.xml><?xml version="1.0" encoding="utf-8"?>
 <p:sldLayout xmlns:a="http://schemas.openxmlformats.org/drawingml/2006/main" xmlns:r="http://schemas.openxmlformats.org/officeDocument/2006/relationships" xmlns:p="http://schemas.openxmlformats.org/presentationml/2006/main" userDrawn="1">
   <p:cSld name="Section">
     <p:spTree>
@@ -7898,11 +7307,10 @@
   <p:clrMap bg1="lt1" tx1="dk1" bg2="dk2" tx2="lt2" accent1="accent1" accent2="accent2" accent3="accent3" accent4="accent4" accent5="accent5" accent6="accent6" hlink="hlink" folHlink="folHlink"/>
   <p:sldLayoutIdLst>
     <p:sldLayoutId id="2147483661" r:id="rId1"/>
-    <p:sldLayoutId id="2147483662" r:id="rId2"/>
-    <p:sldLayoutId id="2147483663" r:id="rId3"/>
-    <p:sldLayoutId id="2147483664" r:id="rId4"/>
-    <p:sldLayoutId id="2147483665" r:id="rId5"/>
-    <p:sldLayoutId id="2147483668" r:id="rId6"/>
+    <p:sldLayoutId id="2147483663" r:id="rId2"/>
+    <p:sldLayoutId id="2147483664" r:id="rId3"/>
+    <p:sldLayoutId id="2147483665" r:id="rId4"/>
+    <p:sldLayoutId id="2147483668" r:id="rId5"/>
   </p:sldLayoutIdLst>
   <p:hf sldNum="0" hdr="0" ftr="0" dt="0"/>
   <p:txStyles>
@@ -8462,7 +7870,7 @@
                 <a:cs typeface="Montserrat"/>
                 <a:sym typeface="Montserrat"/>
               </a:rPr>
-              <a:t>Proposal to build Enclosures App for </a:t>
+              <a:t>Proposal to build Enclosures Finder Solution for </a:t>
             </a:r>
             <a:r>
               <a:rPr lang="en-US" sz="2000" b="0" dirty="0" err="1">
@@ -8508,8 +7916,8 @@
         </p:nvSpPr>
         <p:spPr>
           <a:xfrm>
-            <a:off x="35496" y="4094951"/>
-            <a:ext cx="1800200" cy="461665"/>
+            <a:off x="35495" y="4094951"/>
+            <a:ext cx="2824739" cy="646331"/>
           </a:xfrm>
           <a:prstGeom prst="rect">
             <a:avLst/>
@@ -8562,6 +7970,15 @@
               </a:rPr>
               <a:t>AitBrahim</a:t>
             </a:r>
+            <a:endParaRPr lang="en-US" sz="1200" dirty="0">
+              <a:solidFill>
+                <a:schemeClr val="bg1"/>
+              </a:solidFill>
+              <a:latin typeface="Proxima Nova Regular"/>
+              <a:cs typeface="Proxima Nova Regular"/>
+            </a:endParaRPr>
+          </a:p>
+          <a:p>
             <a:r>
               <a:rPr lang="en-US" sz="1200" dirty="0">
                 <a:solidFill>
@@ -8570,7 +7987,7 @@
                 <a:latin typeface="Proxima Nova Regular"/>
                 <a:cs typeface="Proxima Nova Regular"/>
               </a:rPr>
-              <a:t> October 2016</a:t>
+              <a:t>Software Developer / Owner of Code Gate October 2016</a:t>
             </a:r>
           </a:p>
         </p:txBody>
@@ -8663,7 +8080,6 @@
           </a:bodyPr>
           <a:lstStyle/>
           <a:p>
-            <a:pPr lvl="0"/>
             <a:r>
               <a:rPr lang="en-US" sz="3000" dirty="0">
                 <a:solidFill>
@@ -8674,8 +8090,26 @@
                 <a:cs typeface="Montserrat"/>
                 <a:sym typeface="Montserrat"/>
               </a:rPr>
-              <a:t>FEATURE LIST – Core app</a:t>
+              <a:t>FEATURE LIST – </a:t>
             </a:r>
+            <a:r>
+              <a:rPr lang="en-US" sz="3200" dirty="0">
+                <a:latin typeface="Proxima Nova" charset="0"/>
+                <a:ea typeface="Proxima Nova" charset="0"/>
+                <a:cs typeface="Proxima Nova" charset="0"/>
+                <a:sym typeface="Proxima Nova"/>
+              </a:rPr>
+              <a:t>Enclosures repository feeder program</a:t>
+            </a:r>
+            <a:endParaRPr lang="en-US" sz="3000" dirty="0">
+              <a:solidFill>
+                <a:srgbClr val="000000"/>
+              </a:solidFill>
+              <a:latin typeface="Montserrat"/>
+              <a:ea typeface="Montserrat"/>
+              <a:cs typeface="Montserrat"/>
+              <a:sym typeface="Montserrat"/>
+            </a:endParaRPr>
           </a:p>
         </p:txBody>
       </p:sp>
@@ -8714,14 +8148,14 @@
           <p:nvPr>
             <p:extLst>
               <p:ext uri="{D42A27DB-BD31-4B8C-83A1-F6EECF244321}">
-                <p14:modId xmlns:p14="http://schemas.microsoft.com/office/powerpoint/2010/main" val="3214023739"/>
+                <p14:modId xmlns:p14="http://schemas.microsoft.com/office/powerpoint/2010/main" val="2927204032"/>
               </p:ext>
             </p:extLst>
           </p:nvPr>
         </p:nvGraphicFramePr>
         <p:xfrm>
-          <a:off x="171450" y="1505550"/>
-          <a:ext cx="8712967" cy="1835923"/>
+          <a:off x="171450" y="1006080"/>
+          <a:ext cx="8712967" cy="3443743"/>
         </p:xfrm>
         <a:graphic>
           <a:graphicData uri="http://schemas.openxmlformats.org/drawingml/2006/table">
@@ -8764,7 +8198,7 @@
                           <a:ea typeface="Proxima Nova" charset="0"/>
                           <a:cs typeface="Proxima Nova" charset="0"/>
                         </a:rPr>
-                        <a:t>R1</a:t>
+                        <a:t>R5</a:t>
                       </a:r>
                     </a:p>
                   </a:txBody>
@@ -8803,15 +8237,32 @@
                     <a:bodyPr/>
                     <a:lstStyle/>
                     <a:p>
-                      <a:pPr marL="18288" indent="-18288" algn="l"/>
+                      <a:pPr marL="18288" marR="0" lvl="0" indent="-18288" algn="l" defTabSz="914400" rtl="0" eaLnBrk="1" fontAlgn="auto" latinLnBrk="0" hangingPunct="1">
+                        <a:lnSpc>
+                          <a:spcPct val="100000"/>
+                        </a:lnSpc>
+                        <a:spcBef>
+                          <a:spcPts val="0"/>
+                        </a:spcBef>
+                        <a:spcAft>
+                          <a:spcPts val="0"/>
+                        </a:spcAft>
+                        <a:buClrTx/>
+                        <a:buSzTx/>
+                        <a:buFontTx/>
+                        <a:buNone/>
+                        <a:tabLst/>
+                        <a:defRPr/>
+                      </a:pPr>
                       <a:r>
                         <a:rPr lang="en-US" sz="1100" b="1" dirty="0">
                           <a:latin typeface="Proxima Nova" charset="0"/>
                           <a:ea typeface="Proxima Nova" charset="0"/>
                           <a:cs typeface="Proxima Nova" charset="0"/>
                         </a:rPr>
-                        <a:t>Create and edit MODAPTS study</a:t>
+                        <a:t>Data reader from Excel</a:t>
                       </a:r>
+                      <a:endParaRPr lang="en-US" sz="1100" b="1" dirty="0"/>
                     </a:p>
                   </a:txBody>
                   <a:tcPr anchor="ctr">
@@ -8867,7 +8318,20 @@
                           <a:sym typeface="Arial"/>
                           <a:rtl val="0"/>
                         </a:rPr>
-                        <a:t>Create and edit study from any device.</a:t>
+                        <a:t>Read data from </a:t>
+                      </a:r>
+                      <a:r>
+                        <a:rPr lang="en-US" sz="1100" dirty="0">
+                          <a:solidFill>
+                            <a:schemeClr val="dk1"/>
+                          </a:solidFill>
+                          <a:latin typeface="Proxima Nova" charset="0"/>
+                          <a:ea typeface="Proxima Nova" charset="0"/>
+                          <a:cs typeface="Proxima Nova" charset="0"/>
+                          <a:sym typeface="Proxima Nova"/>
+                          <a:rtl val="0"/>
+                        </a:rPr>
+                        <a:t>“AltechEnclosureFinder.xlsx”</a:t>
                       </a:r>
                     </a:p>
                     <a:p>
@@ -8877,6 +8341,28 @@
                         </a:spcAft>
                         <a:buFont typeface="Arial" charset="0"/>
                         <a:buChar char="•"/>
+                      </a:pPr>
+                      <a:r>
+                        <a:rPr lang="en-US" sz="1100" dirty="0">
+                          <a:solidFill>
+                            <a:schemeClr val="dk1"/>
+                          </a:solidFill>
+                          <a:latin typeface="Proxima Nova" charset="0"/>
+                          <a:ea typeface="Proxima Nova" charset="0"/>
+                          <a:cs typeface="Proxima Nova" charset="0"/>
+                          <a:sym typeface="Proxima Nova"/>
+                          <a:rtl val="0"/>
+                        </a:rPr>
+                        <a:t>“AltechEnclosureFinder.xlsx” has the following columns in this order:</a:t>
+                      </a:r>
+                    </a:p>
+                    <a:p>
+                      <a:pPr marL="228600" indent="-228600">
+                        <a:spcAft>
+                          <a:spcPts val="300"/>
+                        </a:spcAft>
+                        <a:buFont typeface="+mj-lt"/>
+                        <a:buAutoNum type="arabicPeriod"/>
                       </a:pPr>
                       <a:r>
                         <a:rPr lang="en-US" sz="1100" b="0" i="0" u="none" strike="noStrike" cap="none" baseline="0" dirty="0">
@@ -8889,16 +8375,16 @@
                           <a:sym typeface="Arial"/>
                           <a:rtl val="0"/>
                         </a:rPr>
-                        <a:t>Save completed or in process studies.</a:t>
+                        <a:t>Length (in)                                                     10. Outdoor Use</a:t>
                       </a:r>
                     </a:p>
                     <a:p>
-                      <a:pPr marL="171450" indent="-171450">
+                      <a:pPr marL="228600" indent="-228600">
                         <a:spcAft>
                           <a:spcPts val="300"/>
                         </a:spcAft>
-                        <a:buFont typeface="Arial" charset="0"/>
-                        <a:buChar char="•"/>
+                        <a:buFont typeface="+mj-lt"/>
+                        <a:buAutoNum type="arabicPeriod"/>
                       </a:pPr>
                       <a:r>
                         <a:rPr lang="en-US" sz="1100" b="0" i="0" u="none" strike="noStrike" cap="none" baseline="0" dirty="0">
@@ -8911,7 +8397,171 @@
                           <a:sym typeface="Arial"/>
                           <a:rtl val="0"/>
                         </a:rPr>
-                        <a:t>Copy a study.</a:t>
+                        <a:t>Width (in)                                                      11. UL approval</a:t>
+                      </a:r>
+                    </a:p>
+                    <a:p>
+                      <a:pPr marL="228600" indent="-228600">
+                        <a:spcAft>
+                          <a:spcPts val="300"/>
+                        </a:spcAft>
+                        <a:buFont typeface="+mj-lt"/>
+                        <a:buAutoNum type="arabicPeriod"/>
+                      </a:pPr>
+                      <a:r>
+                        <a:rPr lang="en-US" sz="1100" b="0" i="0" u="none" strike="noStrike" cap="none" baseline="0" dirty="0">
+                          <a:solidFill>
+                            <a:schemeClr val="dk1"/>
+                          </a:solidFill>
+                          <a:latin typeface="Proxima Nova" charset="0"/>
+                          <a:ea typeface="Proxima Nova" charset="0"/>
+                          <a:cs typeface="Proxima Nova" charset="0"/>
+                          <a:sym typeface="Arial"/>
+                          <a:rtl val="0"/>
+                        </a:rPr>
+                        <a:t>Depth (in)                                                      12. NEMA 4X</a:t>
+                      </a:r>
+                    </a:p>
+                    <a:p>
+                      <a:pPr marL="228600" indent="-228600">
+                        <a:spcAft>
+                          <a:spcPts val="300"/>
+                        </a:spcAft>
+                        <a:buFont typeface="+mj-lt"/>
+                        <a:buAutoNum type="arabicPeriod"/>
+                      </a:pPr>
+                      <a:r>
+                        <a:rPr lang="en-US" sz="1100" b="0" i="0" u="none" strike="noStrike" cap="none" baseline="0" dirty="0">
+                          <a:solidFill>
+                            <a:schemeClr val="dk1"/>
+                          </a:solidFill>
+                          <a:latin typeface="Proxima Nova" charset="0"/>
+                          <a:ea typeface="Proxima Nova" charset="0"/>
+                          <a:cs typeface="Proxima Nova" charset="0"/>
+                          <a:sym typeface="Arial"/>
+                          <a:rtl val="0"/>
+                        </a:rPr>
+                        <a:t>Length (mm)                                                 13. Type</a:t>
+                      </a:r>
+                    </a:p>
+                    <a:p>
+                      <a:pPr marL="228600" indent="-228600">
+                        <a:spcAft>
+                          <a:spcPts val="300"/>
+                        </a:spcAft>
+                        <a:buFont typeface="+mj-lt"/>
+                        <a:buAutoNum type="arabicPeriod"/>
+                      </a:pPr>
+                      <a:r>
+                        <a:rPr lang="en-US" sz="1100" b="0" i="0" u="none" strike="noStrike" cap="none" baseline="0" dirty="0">
+                          <a:solidFill>
+                            <a:schemeClr val="dk1"/>
+                          </a:solidFill>
+                          <a:latin typeface="Proxima Nova" charset="0"/>
+                          <a:ea typeface="Proxima Nova" charset="0"/>
+                          <a:cs typeface="Proxima Nova" charset="0"/>
+                          <a:sym typeface="Arial"/>
+                          <a:rtl val="0"/>
+                        </a:rPr>
+                        <a:t>Width (mm)                                                  14. Part Number	</a:t>
+                      </a:r>
+                    </a:p>
+                    <a:p>
+                      <a:pPr marL="228600" indent="-228600">
+                        <a:spcAft>
+                          <a:spcPts val="300"/>
+                        </a:spcAft>
+                        <a:buFont typeface="+mj-lt"/>
+                        <a:buAutoNum type="arabicPeriod"/>
+                      </a:pPr>
+                      <a:r>
+                        <a:rPr lang="en-US" sz="1100" b="0" i="0" u="none" strike="noStrike" cap="none" baseline="0" dirty="0">
+                          <a:solidFill>
+                            <a:schemeClr val="dk1"/>
+                          </a:solidFill>
+                          <a:latin typeface="Proxima Nova" charset="0"/>
+                          <a:ea typeface="Proxima Nova" charset="0"/>
+                          <a:cs typeface="Proxima Nova" charset="0"/>
+                          <a:sym typeface="Arial"/>
+                          <a:rtl val="0"/>
+                        </a:rPr>
+                        <a:t>Depth (mm)                                                  15. Description	</a:t>
+                      </a:r>
+                    </a:p>
+                    <a:p>
+                      <a:pPr marL="228600" indent="-228600">
+                        <a:spcAft>
+                          <a:spcPts val="300"/>
+                        </a:spcAft>
+                        <a:buFont typeface="+mj-lt"/>
+                        <a:buAutoNum type="arabicPeriod"/>
+                      </a:pPr>
+                      <a:r>
+                        <a:rPr lang="en-US" sz="1100" b="0" i="0" u="none" strike="noStrike" cap="none" baseline="0" dirty="0">
+                          <a:solidFill>
+                            <a:schemeClr val="dk1"/>
+                          </a:solidFill>
+                          <a:latin typeface="Proxima Nova" charset="0"/>
+                          <a:ea typeface="Proxima Nova" charset="0"/>
+                          <a:cs typeface="Proxima Nova" charset="0"/>
+                          <a:sym typeface="Arial"/>
+                          <a:rtl val="0"/>
+                        </a:rPr>
+                        <a:t>Material                                                         16. Image	</a:t>
+                      </a:r>
+                    </a:p>
+                    <a:p>
+                      <a:pPr marL="228600" indent="-228600">
+                        <a:spcAft>
+                          <a:spcPts val="300"/>
+                        </a:spcAft>
+                        <a:buFont typeface="+mj-lt"/>
+                        <a:buAutoNum type="arabicPeriod"/>
+                      </a:pPr>
+                      <a:r>
+                        <a:rPr lang="en-US" sz="1100" b="0" i="0" u="none" strike="noStrike" cap="none" baseline="0" dirty="0">
+                          <a:solidFill>
+                            <a:schemeClr val="dk1"/>
+                          </a:solidFill>
+                          <a:latin typeface="Proxima Nova" charset="0"/>
+                          <a:ea typeface="Proxima Nova" charset="0"/>
+                          <a:cs typeface="Proxima Nova" charset="0"/>
+                          <a:sym typeface="Arial"/>
+                          <a:rtl val="0"/>
+                        </a:rPr>
+                        <a:t>IP Protection                                                 17. PDF Link	</a:t>
+                      </a:r>
+                    </a:p>
+                    <a:p>
+                      <a:pPr marL="228600" marR="0" lvl="0" indent="-228600" algn="l" defTabSz="914400" rtl="0" eaLnBrk="1" fontAlgn="auto" latinLnBrk="0" hangingPunct="1">
+                        <a:lnSpc>
+                          <a:spcPct val="100000"/>
+                        </a:lnSpc>
+                        <a:spcBef>
+                          <a:spcPts val="0"/>
+                        </a:spcBef>
+                        <a:spcAft>
+                          <a:spcPts val="300"/>
+                        </a:spcAft>
+                        <a:buClrTx/>
+                        <a:buSzTx/>
+                        <a:buFont typeface="+mj-lt"/>
+                        <a:buAutoNum type="arabicPeriod"/>
+                        <a:tabLst/>
+                        <a:defRPr/>
+                      </a:pPr>
+                      <a:r>
+                        <a:rPr lang="en-US" sz="1100" b="0" i="0" u="none" strike="noStrike" cap="none" baseline="0" dirty="0">
+                          <a:solidFill>
+                            <a:schemeClr val="dk1"/>
+                          </a:solidFill>
+                          <a:latin typeface="Proxima Nova" charset="0"/>
+                          <a:ea typeface="Proxima Nova" charset="0"/>
+                          <a:cs typeface="Proxima Nova" charset="0"/>
+                          <a:sym typeface="Arial"/>
+                          <a:rtl val="0"/>
+                        </a:rPr>
+                        <a:t>Drawing	                                                   18. Model</a:t>
                       </a:r>
                     </a:p>
                   </a:txBody>
@@ -8963,7 +8613,7 @@
                           <a:ea typeface="Proxima Nova" charset="0"/>
                           <a:cs typeface="Proxima Nova" charset="0"/>
                         </a:rPr>
-                        <a:t>R2</a:t>
+                        <a:t>R6</a:t>
                       </a:r>
                     </a:p>
                   </a:txBody>
@@ -9008,7 +8658,7 @@
                     <a:bodyPr/>
                     <a:lstStyle/>
                     <a:p>
-                      <a:pPr marL="18288" marR="0" indent="-18288" algn="l" defTabSz="914400" rtl="0" eaLnBrk="1" fontAlgn="auto" latinLnBrk="0" hangingPunct="1">
+                      <a:pPr marL="18288" marR="0" lvl="0" indent="-18288" algn="l" defTabSz="914400" rtl="0" eaLnBrk="1" fontAlgn="auto" latinLnBrk="0" hangingPunct="1">
                         <a:lnSpc>
                           <a:spcPct val="100000"/>
                         </a:lnSpc>
@@ -9031,7 +8681,7 @@
                           <a:ea typeface="Proxima Nova" charset="0"/>
                           <a:cs typeface="Proxima Nova" charset="0"/>
                         </a:rPr>
-                        <a:t>MODAPTS Help guide</a:t>
+                        <a:t>Data reader from directories</a:t>
                       </a:r>
                     </a:p>
                   </a:txBody>
@@ -9099,35 +8749,52 @@
                           <a:ea typeface="Proxima Nova" charset="0"/>
                           <a:cs typeface="Proxima Nova" charset="0"/>
                         </a:rPr>
-                        <a:t>Written description with rules and recommendations.</a:t>
+                        <a:t>Read image, PDF, drawing, model files provided in </a:t>
                       </a:r>
-                    </a:p>
-                    <a:p>
-                      <a:pPr marL="174625" marR="0" indent="-174625" algn="just" defTabSz="914400" rtl="0" eaLnBrk="1" fontAlgn="auto" latinLnBrk="0" hangingPunct="1">
-                        <a:lnSpc>
-                          <a:spcPct val="100000"/>
-                        </a:lnSpc>
-                        <a:spcBef>
-                          <a:spcPts val="0"/>
-                        </a:spcBef>
-                        <a:spcAft>
-                          <a:spcPts val="300"/>
-                        </a:spcAft>
-                        <a:buClrTx/>
-                        <a:buSzTx/>
-                        <a:buFont typeface="Arial"/>
-                        <a:buChar char="•"/>
-                        <a:tabLst/>
-                        <a:defRPr/>
-                      </a:pPr>
                       <a:r>
-                        <a:rPr lang="en-US" sz="1100" baseline="0" dirty="0">
+                        <a:rPr lang="en-US" sz="1100" dirty="0">
+                          <a:solidFill>
+                            <a:schemeClr val="dk1"/>
+                          </a:solidFill>
                           <a:latin typeface="Proxima Nova" charset="0"/>
                           <a:ea typeface="Proxima Nova" charset="0"/>
                           <a:cs typeface="Proxima Nova" charset="0"/>
+                          <a:sym typeface="Proxima Nova"/>
+                          <a:rtl val="0"/>
                         </a:rPr>
-                        <a:t>Very short video for each MODAPTS code.</a:t>
+                        <a:t>“AltechEnclosureFinder.xlsx” directly from their</a:t>
                       </a:r>
+                      <a:r>
+                        <a:rPr lang="en-US" sz="1100" baseline="0" dirty="0">
+                          <a:solidFill>
+                            <a:schemeClr val="dk1"/>
+                          </a:solidFill>
+                          <a:latin typeface="Proxima Nova" charset="0"/>
+                          <a:ea typeface="Proxima Nova" charset="0"/>
+                          <a:cs typeface="Proxima Nova" charset="0"/>
+                          <a:sym typeface="Proxima Nova"/>
+                          <a:rtl val="0"/>
+                        </a:rPr>
+                        <a:t> directories' location</a:t>
+                      </a:r>
+                      <a:r>
+                        <a:rPr lang="en-US" sz="1100" dirty="0">
+                          <a:solidFill>
+                            <a:schemeClr val="dk1"/>
+                          </a:solidFill>
+                          <a:latin typeface="Proxima Nova" charset="0"/>
+                          <a:ea typeface="Proxima Nova" charset="0"/>
+                          <a:cs typeface="Proxima Nova" charset="0"/>
+                          <a:sym typeface="Proxima Nova"/>
+                          <a:rtl val="0"/>
+                        </a:rPr>
+                        <a:t>.</a:t>
+                      </a:r>
+                      <a:endParaRPr lang="en-US" sz="1100" baseline="0" dirty="0">
+                        <a:latin typeface="Proxima Nova" charset="0"/>
+                        <a:ea typeface="Proxima Nova" charset="0"/>
+                        <a:cs typeface="Proxima Nova" charset="0"/>
+                      </a:endParaRPr>
                     </a:p>
                   </a:txBody>
                   <a:tcPr anchor="ctr">
@@ -9172,7 +8839,7 @@
                   </a:ext>
                 </a:extLst>
               </a:tr>
-              <a:tr h="494803">
+              <a:tr h="247402">
                 <a:tc>
                   <a:txBody>
                     <a:bodyPr/>
@@ -9184,7 +8851,7 @@
                           <a:ea typeface="Proxima Nova" charset="0"/>
                           <a:cs typeface="Proxima Nova" charset="0"/>
                         </a:rPr>
-                        <a:t>R3</a:t>
+                        <a:t>R7</a:t>
                       </a:r>
                     </a:p>
                   </a:txBody>
@@ -9229,7 +8896,7 @@
                     <a:bodyPr/>
                     <a:lstStyle/>
                     <a:p>
-                      <a:pPr marL="182880" marR="0" indent="-457200" algn="l" defTabSz="914400" rtl="0" eaLnBrk="1" fontAlgn="auto" latinLnBrk="0" hangingPunct="1">
+                      <a:pPr marL="18288" marR="0" lvl="0" indent="-18288" algn="l" defTabSz="914400" rtl="0" eaLnBrk="1" fontAlgn="auto" latinLnBrk="0" hangingPunct="1">
                         <a:lnSpc>
                           <a:spcPct val="100000"/>
                         </a:lnSpc>
@@ -9252,621 +8919,9 @@
                           <a:ea typeface="Proxima Nova" charset="0"/>
                           <a:cs typeface="Proxima Nova" charset="0"/>
                         </a:rPr>
-                        <a:t>MODAPTS string input</a:t>
+                        <a:t>Repository seeds from data readers</a:t>
                       </a:r>
-                    </a:p>
-                  </a:txBody>
-                  <a:tcPr anchor="ctr">
-                    <a:lnL w="12700" cmpd="sng">
-                      <a:noFill/>
-                    </a:lnL>
-                    <a:lnR w="12700" cmpd="sng">
-                      <a:noFill/>
-                    </a:lnR>
-                    <a:lnT w="6350" cap="flat" cmpd="sng" algn="ctr">
-                      <a:solidFill>
-                        <a:srgbClr val="3A81BA"/>
-                      </a:solidFill>
-                      <a:prstDash val="sysDash"/>
-                      <a:round/>
-                      <a:headEnd type="none" w="med" len="med"/>
-                      <a:tailEnd type="none" w="med" len="med"/>
-                    </a:lnT>
-                    <a:lnB w="6350" cap="flat" cmpd="sng" algn="ctr">
-                      <a:solidFill>
-                        <a:srgbClr val="3A81BA"/>
-                      </a:solidFill>
-                      <a:prstDash val="sysDash"/>
-                      <a:round/>
-                      <a:headEnd type="none" w="med" len="med"/>
-                      <a:tailEnd type="none" w="med" len="med"/>
-                    </a:lnB>
-                    <a:lnTlToBr w="12700" cmpd="sng">
-                      <a:noFill/>
-                      <a:prstDash val="solid"/>
-                    </a:lnTlToBr>
-                    <a:lnBlToTr w="12700" cmpd="sng">
-                      <a:noFill/>
-                      <a:prstDash val="solid"/>
-                    </a:lnBlToTr>
-                    <a:noFill/>
-                  </a:tcPr>
-                </a:tc>
-                <a:tc>
-                  <a:txBody>
-                    <a:bodyPr/>
-                    <a:lstStyle/>
-                    <a:p>
-                      <a:pPr marL="174625" indent="-174625" algn="just">
-                        <a:spcBef>
-                          <a:spcPts val="0"/>
-                        </a:spcBef>
-                        <a:spcAft>
-                          <a:spcPts val="300"/>
-                        </a:spcAft>
-                        <a:buFont typeface="Arial" panose="020B0604020202020204" pitchFamily="34" charset="0"/>
-                        <a:buChar char="•"/>
-                        <a:tabLst/>
-                      </a:pPr>
-                      <a:r>
-                        <a:rPr lang="en-US" sz="1100" baseline="0" dirty="0">
-                          <a:latin typeface="Proxima Nova" charset="0"/>
-                          <a:ea typeface="Proxima Nova" charset="0"/>
-                          <a:cs typeface="Proxima Nova" charset="0"/>
-                        </a:rPr>
-                        <a:t>User selects MODAPTS code in pairing mode to build MODAPTS string. </a:t>
-                      </a:r>
-                    </a:p>
-                    <a:p>
-                      <a:pPr marL="174625" indent="-174625" algn="just">
-                        <a:spcBef>
-                          <a:spcPts val="0"/>
-                        </a:spcBef>
-                        <a:spcAft>
-                          <a:spcPts val="300"/>
-                        </a:spcAft>
-                        <a:buFont typeface="Arial" panose="020B0604020202020204" pitchFamily="34" charset="0"/>
-                        <a:buChar char="•"/>
-                        <a:tabLst/>
-                      </a:pPr>
-                      <a:r>
-                        <a:rPr lang="en-US" sz="1100" baseline="0" dirty="0">
-                          <a:latin typeface="Proxima Nova" charset="0"/>
-                          <a:ea typeface="Proxima Nova" charset="0"/>
-                          <a:cs typeface="Proxima Nova" charset="0"/>
-                        </a:rPr>
-                        <a:t>Rules for low/high conscience and simultaneous motions will be enforced upon each selection.</a:t>
-                      </a:r>
-                    </a:p>
-                    <a:p>
-                      <a:pPr marL="174625" indent="-174625" algn="just">
-                        <a:spcBef>
-                          <a:spcPts val="0"/>
-                        </a:spcBef>
-                        <a:spcAft>
-                          <a:spcPts val="300"/>
-                        </a:spcAft>
-                        <a:buFont typeface="Arial" panose="020B0604020202020204" pitchFamily="34" charset="0"/>
-                        <a:buChar char="•"/>
-                        <a:tabLst/>
-                      </a:pPr>
-                      <a:r>
-                        <a:rPr lang="en-US" sz="1100" baseline="0" dirty="0">
-                          <a:latin typeface="Proxima Nova" charset="0"/>
-                          <a:ea typeface="Proxima Nova" charset="0"/>
-                          <a:cs typeface="Proxima Nova" charset="0"/>
-                        </a:rPr>
-                        <a:t>Translating MODAPTS string to modules and time.</a:t>
-                      </a:r>
-                    </a:p>
-                  </a:txBody>
-                  <a:tcPr anchor="ctr">
-                    <a:lnL w="12700" cmpd="sng">
-                      <a:noFill/>
-                    </a:lnL>
-                    <a:lnR w="12700" cmpd="sng">
-                      <a:noFill/>
-                    </a:lnR>
-                    <a:lnT w="6350" cap="flat" cmpd="sng" algn="ctr">
-                      <a:solidFill>
-                        <a:srgbClr val="3A81BA"/>
-                      </a:solidFill>
-                      <a:prstDash val="sysDash"/>
-                      <a:round/>
-                      <a:headEnd type="none" w="med" len="med"/>
-                      <a:tailEnd type="none" w="med" len="med"/>
-                    </a:lnT>
-                    <a:lnB w="6350" cap="flat" cmpd="sng" algn="ctr">
-                      <a:solidFill>
-                        <a:srgbClr val="3A81BA"/>
-                      </a:solidFill>
-                      <a:prstDash val="sysDash"/>
-                      <a:round/>
-                      <a:headEnd type="none" w="med" len="med"/>
-                      <a:tailEnd type="none" w="med" len="med"/>
-                    </a:lnB>
-                    <a:lnTlToBr w="12700" cmpd="sng">
-                      <a:noFill/>
-                      <a:prstDash val="solid"/>
-                    </a:lnTlToBr>
-                    <a:lnBlToTr w="12700" cmpd="sng">
-                      <a:noFill/>
-                      <a:prstDash val="solid"/>
-                    </a:lnBlToTr>
-                    <a:noFill/>
-                  </a:tcPr>
-                </a:tc>
-                <a:extLst>
-                  <a:ext uri="{0D108BD9-81ED-4DB2-BD59-A6C34878D82A}">
-                    <a16:rowId xmlns:a16="http://schemas.microsoft.com/office/drawing/2014/main" val="10002"/>
-                  </a:ext>
-                </a:extLst>
-              </a:tr>
-            </a:tbl>
-          </a:graphicData>
-        </a:graphic>
-      </p:graphicFrame>
-      <p:pic>
-        <p:nvPicPr>
-          <p:cNvPr id="7" name="Picture 6"/>
-          <p:cNvPicPr>
-            <a:picLocks noChangeAspect="1"/>
-          </p:cNvPicPr>
-          <p:nvPr/>
-        </p:nvPicPr>
-        <p:blipFill>
-          <a:blip r:embed="rId3" cstate="print">
-            <a:extLst>
-              <a:ext uri="{28A0092B-C50C-407E-A947-70E740481C1C}">
-                <a14:useLocalDpi xmlns:a14="http://schemas.microsoft.com/office/drawing/2010/main" val="0"/>
-              </a:ext>
-            </a:extLst>
-          </a:blip>
-          <a:stretch>
-            <a:fillRect/>
-          </a:stretch>
-        </p:blipFill>
-        <p:spPr>
-          <a:xfrm>
-            <a:off x="7376038" y="-17104"/>
-            <a:ext cx="1596512" cy="414480"/>
-          </a:xfrm>
-          <a:prstGeom prst="rect">
-            <a:avLst/>
-          </a:prstGeom>
-        </p:spPr>
-      </p:pic>
-      <p:sp>
-        <p:nvSpPr>
-          <p:cNvPr id="9" name="TextBox 8"/>
-          <p:cNvSpPr txBox="1"/>
-          <p:nvPr/>
-        </p:nvSpPr>
-        <p:spPr>
-          <a:xfrm>
-            <a:off x="-1" y="1009060"/>
-            <a:ext cx="9143999" cy="338554"/>
-          </a:xfrm>
-          <a:prstGeom prst="rect">
-            <a:avLst/>
-          </a:prstGeom>
-          <a:noFill/>
-        </p:spPr>
-        <p:txBody>
-          <a:bodyPr wrap="square" rtlCol="0">
-            <a:spAutoFit/>
-          </a:bodyPr>
-          <a:lstStyle/>
-          <a:p>
-            <a:pPr algn="ctr"/>
-            <a:r>
-              <a:rPr lang="en-US" sz="1600" dirty="0">
-                <a:latin typeface="Proxima Nova" charset="0"/>
-                <a:ea typeface="Proxima Nova" charset="0"/>
-                <a:cs typeface="Proxima Nova" charset="0"/>
-              </a:rPr>
-              <a:t>Study Management </a:t>
-            </a:r>
-          </a:p>
-        </p:txBody>
-      </p:sp>
-    </p:spTree>
-    <p:extLst>
-      <p:ext uri="{BB962C8B-B14F-4D97-AF65-F5344CB8AC3E}">
-        <p14:creationId xmlns:p14="http://schemas.microsoft.com/office/powerpoint/2010/main" val="610664424"/>
-      </p:ext>
-    </p:extLst>
-  </p:cSld>
-  <p:clrMapOvr>
-    <a:masterClrMapping/>
-  </p:clrMapOvr>
-  <p:transition spd="slow">
-    <p:cut/>
-  </p:transition>
-</p:sld>
-</file>
-
-<file path=ppt/slides/slide11.xml><?xml version="1.0" encoding="utf-8"?>
-<p:sld xmlns:a="http://schemas.openxmlformats.org/drawingml/2006/main" xmlns:r="http://schemas.openxmlformats.org/officeDocument/2006/relationships" xmlns:p="http://schemas.openxmlformats.org/presentationml/2006/main">
-  <p:cSld>
-    <p:spTree>
-      <p:nvGrpSpPr>
-        <p:cNvPr id="1" name="Shape 312"/>
-        <p:cNvGrpSpPr/>
-        <p:nvPr/>
-      </p:nvGrpSpPr>
-      <p:grpSpPr>
-        <a:xfrm>
-          <a:off x="0" y="0"/>
-          <a:ext cx="0" cy="0"/>
-          <a:chOff x="0" y="0"/>
-          <a:chExt cx="0" cy="0"/>
-        </a:xfrm>
-      </p:grpSpPr>
-      <p:sp>
-        <p:nvSpPr>
-          <p:cNvPr id="18" name="Shape 115"/>
-          <p:cNvSpPr txBox="1">
-            <a:spLocks noGrp="1"/>
-          </p:cNvSpPr>
-          <p:nvPr>
-            <p:ph type="ctrTitle"/>
-          </p:nvPr>
-        </p:nvSpPr>
-        <p:spPr>
-          <a:xfrm>
-            <a:off x="0" y="380067"/>
-            <a:ext cx="9143999" cy="535499"/>
-          </a:xfrm>
-          <a:prstGeom prst="rect">
-            <a:avLst/>
-          </a:prstGeom>
-        </p:spPr>
-        <p:txBody>
-          <a:bodyPr lIns="91425" tIns="91425" rIns="91425" bIns="91425" anchor="ctr" anchorCtr="0">
-            <a:noAutofit/>
-          </a:bodyPr>
-          <a:lstStyle/>
-          <a:p>
-            <a:pPr lvl="0"/>
-            <a:r>
-              <a:rPr lang="en-US" sz="3000" dirty="0">
-                <a:solidFill>
-                  <a:srgbClr val="000000"/>
-                </a:solidFill>
-                <a:latin typeface="Montserrat"/>
-                <a:ea typeface="Montserrat"/>
-                <a:cs typeface="Montserrat"/>
-                <a:sym typeface="Montserrat"/>
-              </a:rPr>
-              <a:t>FEATURE LIST – Core app</a:t>
-            </a:r>
-          </a:p>
-        </p:txBody>
-      </p:sp>
-      <p:cxnSp>
-        <p:nvCxnSpPr>
-          <p:cNvPr id="11" name="Shape 77"/>
-          <p:cNvCxnSpPr/>
-          <p:nvPr/>
-        </p:nvCxnSpPr>
-        <p:spPr>
-          <a:xfrm>
-            <a:off x="171450" y="383240"/>
-            <a:ext cx="8801100" cy="0"/>
-          </a:xfrm>
-          <a:prstGeom prst="straightConnector1">
-            <a:avLst/>
-          </a:prstGeom>
-          <a:noFill/>
-          <a:ln w="9525" cap="flat">
-            <a:solidFill>
-              <a:srgbClr val="D9D9D9"/>
-            </a:solidFill>
-            <a:prstDash val="solid"/>
-            <a:round/>
-            <a:headEnd type="none" w="lg" len="lg"/>
-            <a:tailEnd type="none" w="lg" len="lg"/>
-          </a:ln>
-        </p:spPr>
-      </p:cxnSp>
-      <p:graphicFrame>
-        <p:nvGraphicFramePr>
-          <p:cNvPr id="6" name="Table 5"/>
-          <p:cNvGraphicFramePr>
-            <a:graphicFrameLocks noGrp="1"/>
-          </p:cNvGraphicFramePr>
-          <p:nvPr>
-            <p:extLst>
-              <p:ext uri="{D42A27DB-BD31-4B8C-83A1-F6EECF244321}">
-                <p14:modId xmlns:p14="http://schemas.microsoft.com/office/powerpoint/2010/main" val="2790852012"/>
-              </p:ext>
-            </p:extLst>
-          </p:nvPr>
-        </p:nvGraphicFramePr>
-        <p:xfrm>
-          <a:off x="171450" y="1505550"/>
-          <a:ext cx="8712967" cy="989606"/>
-        </p:xfrm>
-        <a:graphic>
-          <a:graphicData uri="http://schemas.openxmlformats.org/drawingml/2006/table">
-            <a:tbl>
-              <a:tblPr>
-                <a:tableStyleId>{5C22544A-7EE6-4342-B048-85BDC9FD1C3A}</a:tableStyleId>
-              </a:tblPr>
-              <a:tblGrid>
-                <a:gridCol w="544165">
-                  <a:extLst>
-                    <a:ext uri="{9D8B030D-6E8A-4147-A177-3AD203B41FA5}">
-                      <a16:colId xmlns:a16="http://schemas.microsoft.com/office/drawing/2014/main" val="20000"/>
-                    </a:ext>
-                  </a:extLst>
-                </a:gridCol>
-                <a:gridCol w="1872208">
-                  <a:extLst>
-                    <a:ext uri="{9D8B030D-6E8A-4147-A177-3AD203B41FA5}">
-                      <a16:colId xmlns:a16="http://schemas.microsoft.com/office/drawing/2014/main" val="20001"/>
-                    </a:ext>
-                  </a:extLst>
-                </a:gridCol>
-                <a:gridCol w="6296594">
-                  <a:extLst>
-                    <a:ext uri="{9D8B030D-6E8A-4147-A177-3AD203B41FA5}">
-                      <a16:colId xmlns:a16="http://schemas.microsoft.com/office/drawing/2014/main" val="20002"/>
-                    </a:ext>
-                  </a:extLst>
-                </a:gridCol>
-              </a:tblGrid>
-              <a:tr h="494803">
-                <a:tc>
-                  <a:txBody>
-                    <a:bodyPr/>
-                    <a:lstStyle/>
-                    <a:p>
-                      <a:r>
-                        <a:rPr lang="en-US" sz="1100" b="1" dirty="0">
-                          <a:latin typeface="Proxima Nova" charset="0"/>
-                          <a:ea typeface="Proxima Nova" charset="0"/>
-                          <a:cs typeface="Proxima Nova" charset="0"/>
-                        </a:rPr>
-                        <a:t>R4</a:t>
-                      </a:r>
-                    </a:p>
-                  </a:txBody>
-                  <a:tcPr anchor="ctr">
-                    <a:lnL w="12700" cmpd="sng">
-                      <a:noFill/>
-                    </a:lnL>
-                    <a:lnR w="12700" cmpd="sng">
-                      <a:noFill/>
-                    </a:lnR>
-                    <a:lnT w="12700" cmpd="sng">
-                      <a:noFill/>
-                    </a:lnT>
-                    <a:lnB w="6350" cap="flat" cmpd="sng" algn="ctr">
-                      <a:solidFill>
-                        <a:srgbClr val="3A81BA"/>
-                      </a:solidFill>
-                      <a:prstDash val="sysDash"/>
-                      <a:round/>
-                      <a:headEnd type="none" w="med" len="med"/>
-                      <a:tailEnd type="none" w="med" len="med"/>
-                    </a:lnB>
-                    <a:lnTlToBr w="12700" cmpd="sng">
-                      <a:noFill/>
-                      <a:prstDash val="solid"/>
-                    </a:lnTlToBr>
-                    <a:lnBlToTr w="12700" cmpd="sng">
-                      <a:noFill/>
-                      <a:prstDash val="solid"/>
-                    </a:lnBlToTr>
-                    <a:noFill/>
-                  </a:tcPr>
-                </a:tc>
-                <a:tc>
-                  <a:txBody>
-                    <a:bodyPr/>
-                    <a:lstStyle/>
-                    <a:p>
-                      <a:pPr marL="18288" indent="-18288" algn="l"/>
-                      <a:r>
-                        <a:rPr lang="en-US" sz="1100" b="1" dirty="0">
-                          <a:latin typeface="Proxima Nova" charset="0"/>
-                          <a:ea typeface="Proxima Nova" charset="0"/>
-                          <a:cs typeface="Proxima Nova" charset="0"/>
-                        </a:rPr>
-                        <a:t>Work elements &amp; steps</a:t>
-                      </a:r>
-                    </a:p>
-                  </a:txBody>
-                  <a:tcPr anchor="ctr">
-                    <a:lnL w="12700" cmpd="sng">
-                      <a:noFill/>
-                    </a:lnL>
-                    <a:lnR w="12700" cmpd="sng">
-                      <a:noFill/>
-                    </a:lnR>
-                    <a:lnT w="12700" cmpd="sng">
-                      <a:noFill/>
-                    </a:lnT>
-                    <a:lnB w="6350" cap="flat" cmpd="sng" algn="ctr">
-                      <a:solidFill>
-                        <a:srgbClr val="3A81BA"/>
-                      </a:solidFill>
-                      <a:prstDash val="sysDash"/>
-                      <a:round/>
-                      <a:headEnd type="none" w="med" len="med"/>
-                      <a:tailEnd type="none" w="med" len="med"/>
-                    </a:lnB>
-                    <a:lnTlToBr w="12700" cmpd="sng">
-                      <a:noFill/>
-                      <a:prstDash val="solid"/>
-                    </a:lnTlToBr>
-                    <a:lnBlToTr w="12700" cmpd="sng">
-                      <a:noFill/>
-                      <a:prstDash val="solid"/>
-                    </a:lnBlToTr>
-                    <a:noFill/>
-                  </a:tcPr>
-                </a:tc>
-                <a:tc>
-                  <a:txBody>
-                    <a:bodyPr/>
-                    <a:lstStyle/>
-                    <a:p>
-                      <a:pPr marL="171450" indent="-171450">
-                        <a:spcAft>
-                          <a:spcPts val="300"/>
-                        </a:spcAft>
-                        <a:buFont typeface="Arial" charset="0"/>
-                        <a:buChar char="•"/>
-                      </a:pPr>
-                      <a:r>
-                        <a:rPr lang="en-US" sz="1100" b="0" i="0" u="none" strike="noStrike" cap="none" baseline="0" dirty="0">
-                          <a:solidFill>
-                            <a:schemeClr val="dk1"/>
-                          </a:solidFill>
-                          <a:latin typeface="Proxima Nova" charset="0"/>
-                          <a:ea typeface="Proxima Nova" charset="0"/>
-                          <a:cs typeface="Proxima Nova" charset="0"/>
-                          <a:sym typeface="Arial"/>
-                          <a:rtl val="0"/>
-                        </a:rPr>
-                        <a:t>Order work elements and work steps by drag and drop operations.</a:t>
-                      </a:r>
-                    </a:p>
-                  </a:txBody>
-                  <a:tcPr anchor="ctr">
-                    <a:lnL w="12700" cmpd="sng">
-                      <a:noFill/>
-                    </a:lnL>
-                    <a:lnR w="12700" cmpd="sng">
-                      <a:noFill/>
-                    </a:lnR>
-                    <a:lnT w="12700" cmpd="sng">
-                      <a:noFill/>
-                    </a:lnT>
-                    <a:lnB w="6350" cap="flat" cmpd="sng" algn="ctr">
-                      <a:solidFill>
-                        <a:srgbClr val="3A81BA"/>
-                      </a:solidFill>
-                      <a:prstDash val="sysDash"/>
-                      <a:round/>
-                      <a:headEnd type="none" w="med" len="med"/>
-                      <a:tailEnd type="none" w="med" len="med"/>
-                    </a:lnB>
-                    <a:lnTlToBr w="12700" cmpd="sng">
-                      <a:noFill/>
-                      <a:prstDash val="solid"/>
-                    </a:lnTlToBr>
-                    <a:lnBlToTr w="12700" cmpd="sng">
-                      <a:noFill/>
-                      <a:prstDash val="solid"/>
-                    </a:lnBlToTr>
-                    <a:noFill/>
-                  </a:tcPr>
-                </a:tc>
-                <a:extLst>
-                  <a:ext uri="{0D108BD9-81ED-4DB2-BD59-A6C34878D82A}">
-                    <a16:rowId xmlns:a16="http://schemas.microsoft.com/office/drawing/2014/main" val="10000"/>
-                  </a:ext>
-                </a:extLst>
-              </a:tr>
-              <a:tr h="494803">
-                <a:tc>
-                  <a:txBody>
-                    <a:bodyPr/>
-                    <a:lstStyle/>
-                    <a:p>
-                      <a:r>
-                        <a:rPr lang="en-US" sz="1100" b="1" dirty="0">
-                          <a:latin typeface="Proxima Nova" charset="0"/>
-                          <a:ea typeface="Proxima Nova" charset="0"/>
-                          <a:cs typeface="Proxima Nova" charset="0"/>
-                        </a:rPr>
-                        <a:t>R5</a:t>
-                      </a:r>
-                    </a:p>
-                  </a:txBody>
-                  <a:tcPr anchor="ctr">
-                    <a:lnL w="12700" cmpd="sng">
-                      <a:noFill/>
-                    </a:lnL>
-                    <a:lnR w="12700" cmpd="sng">
-                      <a:noFill/>
-                    </a:lnR>
-                    <a:lnT w="6350" cap="flat" cmpd="sng" algn="ctr">
-                      <a:solidFill>
-                        <a:srgbClr val="3A81BA"/>
-                      </a:solidFill>
-                      <a:prstDash val="sysDash"/>
-                      <a:round/>
-                      <a:headEnd type="none" w="med" len="med"/>
-                      <a:tailEnd type="none" w="med" len="med"/>
-                    </a:lnT>
-                    <a:lnB w="6350" cap="flat" cmpd="sng" algn="ctr">
-                      <a:solidFill>
-                        <a:srgbClr val="3A81BA"/>
-                      </a:solidFill>
-                      <a:prstDash val="sysDash"/>
-                      <a:round/>
-                      <a:headEnd type="none" w="med" len="med"/>
-                      <a:tailEnd type="none" w="med" len="med"/>
-                    </a:lnB>
-                    <a:lnTlToBr w="12700" cmpd="sng">
-                      <a:noFill/>
-                      <a:prstDash val="solid"/>
-                    </a:lnTlToBr>
-                    <a:lnBlToTr w="12700" cmpd="sng">
-                      <a:noFill/>
-                      <a:prstDash val="solid"/>
-                    </a:lnBlToTr>
-                    <a:noFill/>
-                  </a:tcPr>
-                </a:tc>
-                <a:tc>
-                  <a:txBody>
-                    <a:bodyPr/>
-                    <a:lstStyle/>
-                    <a:p>
-                      <a:pPr marL="18288" marR="0" indent="-18288" algn="l" defTabSz="914400" rtl="0" eaLnBrk="1" fontAlgn="auto" latinLnBrk="0" hangingPunct="1">
-                        <a:lnSpc>
-                          <a:spcPct val="100000"/>
-                        </a:lnSpc>
-                        <a:spcBef>
-                          <a:spcPts val="0"/>
-                        </a:spcBef>
-                        <a:spcAft>
-                          <a:spcPts val="0"/>
-                        </a:spcAft>
-                        <a:buClrTx/>
-                        <a:buSzTx/>
-                        <a:buFontTx/>
-                        <a:buNone/>
-                        <a:tabLst/>
-                        <a:defRPr/>
-                      </a:pPr>
-                      <a:r>
-                        <a:rPr lang="en-US" sz="1100" b="1" dirty="0">
-                          <a:latin typeface="Proxima Nova" charset="0"/>
-                          <a:ea typeface="Proxima Nova" charset="0"/>
-                          <a:cs typeface="Proxima Nova" charset="0"/>
-                        </a:rPr>
-                        <a:t>MODAPTS Study</a:t>
-                      </a:r>
-                      <a:r>
-                        <a:rPr lang="en-US" sz="1100" b="1" baseline="0" dirty="0">
-                          <a:latin typeface="Proxima Nova" charset="0"/>
-                          <a:ea typeface="Proxima Nova" charset="0"/>
-                          <a:cs typeface="Proxima Nova" charset="0"/>
-                        </a:rPr>
-                        <a:t> storage</a:t>
-                      </a:r>
-                      <a:endParaRPr lang="en-US" sz="1100" b="1" dirty="0">
-                        <a:latin typeface="Proxima Nova" charset="0"/>
-                        <a:ea typeface="Proxima Nova" charset="0"/>
-                        <a:cs typeface="Proxima Nova" charset="0"/>
-                      </a:endParaRPr>
+                      <a:endParaRPr lang="en-US" sz="1100" b="1" dirty="0"/>
                     </a:p>
                   </a:txBody>
                   <a:tcPr anchor="ctr">
@@ -9933,7 +8988,55 @@
                           <a:ea typeface="Proxima Nova" charset="0"/>
                           <a:cs typeface="Proxima Nova" charset="0"/>
                         </a:rPr>
-                        <a:t>Store MODAPTS studies by plant, department/area, team/zone, station/operation.</a:t>
+                        <a:t>Seeds the read data into the Enclosure’s repository for the first time of use.</a:t>
+                      </a:r>
+                    </a:p>
+                    <a:p>
+                      <a:pPr marL="174625" marR="0" indent="-174625" algn="just" defTabSz="914400" rtl="0" eaLnBrk="1" fontAlgn="auto" latinLnBrk="0" hangingPunct="1">
+                        <a:lnSpc>
+                          <a:spcPct val="100000"/>
+                        </a:lnSpc>
+                        <a:spcBef>
+                          <a:spcPts val="0"/>
+                        </a:spcBef>
+                        <a:spcAft>
+                          <a:spcPts val="300"/>
+                        </a:spcAft>
+                        <a:buClrTx/>
+                        <a:buSzTx/>
+                        <a:buFont typeface="Arial"/>
+                        <a:buChar char="•"/>
+                        <a:tabLst/>
+                        <a:defRPr/>
+                      </a:pPr>
+                      <a:r>
+                        <a:rPr lang="en-US" sz="1100" baseline="0" dirty="0">
+                          <a:latin typeface="Proxima Nova" charset="0"/>
+                          <a:ea typeface="Proxima Nova" charset="0"/>
+                          <a:cs typeface="Proxima Nova" charset="0"/>
+                        </a:rPr>
+                        <a:t>After the seed, a smart synchronization occurs to write the delta from the modified </a:t>
+                      </a:r>
+                      <a:r>
+                        <a:rPr lang="en-US" sz="1100" dirty="0">
+                          <a:solidFill>
+                            <a:schemeClr val="dk1"/>
+                          </a:solidFill>
+                          <a:latin typeface="Proxima Nova" charset="0"/>
+                          <a:ea typeface="Proxima Nova" charset="0"/>
+                          <a:cs typeface="Proxima Nova" charset="0"/>
+                          <a:sym typeface="Proxima Nova"/>
+                          <a:rtl val="0"/>
+                        </a:rPr>
+                        <a:t>“AltechEnclosureFinder.xlsx”</a:t>
+                      </a:r>
+                      <a:r>
+                        <a:rPr lang="en-US" sz="1100" baseline="0" dirty="0">
+                          <a:latin typeface="Proxima Nova" charset="0"/>
+                          <a:ea typeface="Proxima Nova" charset="0"/>
+                          <a:cs typeface="Proxima Nova" charset="0"/>
+                        </a:rPr>
+                        <a:t> into the repository.</a:t>
                       </a:r>
                     </a:p>
                   </a:txBody>
@@ -9975,7 +9078,7 @@
                 </a:tc>
                 <a:extLst>
                   <a:ext uri="{0D108BD9-81ED-4DB2-BD59-A6C34878D82A}">
-                    <a16:rowId xmlns:a16="http://schemas.microsoft.com/office/drawing/2014/main" val="10001"/>
+                    <a16:rowId xmlns:a16="http://schemas.microsoft.com/office/drawing/2014/main" val="1672968079"/>
                   </a:ext>
                 </a:extLst>
               </a:tr>
@@ -10013,40 +9116,6 @@
           </a:prstGeom>
         </p:spPr>
       </p:pic>
-      <p:sp>
-        <p:nvSpPr>
-          <p:cNvPr id="9" name="TextBox 8"/>
-          <p:cNvSpPr txBox="1"/>
-          <p:nvPr/>
-        </p:nvSpPr>
-        <p:spPr>
-          <a:xfrm>
-            <a:off x="-1" y="1009060"/>
-            <a:ext cx="9143999" cy="338554"/>
-          </a:xfrm>
-          <a:prstGeom prst="rect">
-            <a:avLst/>
-          </a:prstGeom>
-          <a:noFill/>
-        </p:spPr>
-        <p:txBody>
-          <a:bodyPr wrap="square" rtlCol="0">
-            <a:spAutoFit/>
-          </a:bodyPr>
-          <a:lstStyle/>
-          <a:p>
-            <a:pPr algn="ctr"/>
-            <a:r>
-              <a:rPr lang="en-US" sz="1600" dirty="0">
-                <a:latin typeface="Proxima Nova" charset="0"/>
-                <a:ea typeface="Proxima Nova" charset="0"/>
-                <a:cs typeface="Proxima Nova" charset="0"/>
-              </a:rPr>
-              <a:t>Studies Organization </a:t>
-            </a:r>
-          </a:p>
-        </p:txBody>
-      </p:sp>
     </p:spTree>
     <p:extLst>
       <p:ext uri="{BB962C8B-B14F-4D97-AF65-F5344CB8AC3E}">
@@ -10063,7 +9132,7 @@
 </p:sld>
 </file>
 
-<file path=ppt/slides/slide12.xml><?xml version="1.0" encoding="utf-8"?>
+<file path=ppt/slides/slide11.xml><?xml version="1.0" encoding="utf-8"?>
 <p:sld xmlns:a="http://schemas.openxmlformats.org/drawingml/2006/main" xmlns:r="http://schemas.openxmlformats.org/officeDocument/2006/relationships" xmlns:p="http://schemas.openxmlformats.org/presentationml/2006/main">
   <p:cSld>
     <p:spTree>
@@ -10092,8 +9161,8 @@
         </p:nvSpPr>
         <p:spPr>
           <a:xfrm>
-            <a:off x="0" y="380067"/>
-            <a:ext cx="9143999" cy="535499"/>
+            <a:off x="0" y="397375"/>
+            <a:ext cx="9143999" cy="1094039"/>
           </a:xfrm>
           <a:prstGeom prst="rect">
             <a:avLst/>
@@ -10105,7 +9174,6 @@
           </a:bodyPr>
           <a:lstStyle/>
           <a:p>
-            <a:pPr lvl="0"/>
             <a:r>
               <a:rPr lang="en-US" sz="3000" dirty="0">
                 <a:solidFill>
@@ -10116,8 +9184,26 @@
                 <a:cs typeface="Montserrat"/>
                 <a:sym typeface="Montserrat"/>
               </a:rPr>
-              <a:t>FEATURE LIST – Core app</a:t>
+              <a:t>FEATURE LIST – </a:t>
             </a:r>
+            <a:r>
+              <a:rPr lang="en-US" sz="3200" dirty="0">
+                <a:latin typeface="Proxima Nova" charset="0"/>
+                <a:ea typeface="Proxima Nova" charset="0"/>
+                <a:cs typeface="Proxima Nova" charset="0"/>
+                <a:sym typeface="Proxima Nova"/>
+              </a:rPr>
+              <a:t>Enclosures and part numbers integration service</a:t>
+            </a:r>
+            <a:endParaRPr lang="en-US" sz="3000" dirty="0">
+              <a:solidFill>
+                <a:srgbClr val="000000"/>
+              </a:solidFill>
+              <a:latin typeface="Montserrat"/>
+              <a:ea typeface="Montserrat"/>
+              <a:cs typeface="Montserrat"/>
+              <a:sym typeface="Montserrat"/>
+            </a:endParaRPr>
           </a:p>
         </p:txBody>
       </p:sp>
@@ -10156,14 +9242,14 @@
           <p:nvPr>
             <p:extLst>
               <p:ext uri="{D42A27DB-BD31-4B8C-83A1-F6EECF244321}">
-                <p14:modId xmlns:p14="http://schemas.microsoft.com/office/powerpoint/2010/main" val="681479539"/>
+                <p14:modId xmlns:p14="http://schemas.microsoft.com/office/powerpoint/2010/main" val="427316943"/>
               </p:ext>
             </p:extLst>
           </p:nvPr>
         </p:nvGraphicFramePr>
         <p:xfrm>
-          <a:off x="171450" y="1505550"/>
-          <a:ext cx="8712967" cy="1498248"/>
+          <a:off x="171450" y="2067694"/>
+          <a:ext cx="8712967" cy="876300"/>
         </p:xfrm>
         <a:graphic>
           <a:graphicData uri="http://schemas.openxmlformats.org/drawingml/2006/table">
@@ -10206,7 +9292,7 @@
                           <a:ea typeface="Proxima Nova" charset="0"/>
                           <a:cs typeface="Proxima Nova" charset="0"/>
                         </a:rPr>
-                        <a:t>R6</a:t>
+                        <a:t>R8</a:t>
                       </a:r>
                     </a:p>
                   </a:txBody>
@@ -10245,14 +9331,30 @@
                     <a:bodyPr/>
                     <a:lstStyle/>
                     <a:p>
-                      <a:pPr marL="18288" indent="-18288" algn="l"/>
+                      <a:pPr marL="18288" marR="0" lvl="0" indent="-18288" algn="l" defTabSz="914400" rtl="0" eaLnBrk="1" fontAlgn="auto" latinLnBrk="0" hangingPunct="1">
+                        <a:lnSpc>
+                          <a:spcPct val="100000"/>
+                        </a:lnSpc>
+                        <a:spcBef>
+                          <a:spcPts val="0"/>
+                        </a:spcBef>
+                        <a:spcAft>
+                          <a:spcPts val="0"/>
+                        </a:spcAft>
+                        <a:buClrTx/>
+                        <a:buSzTx/>
+                        <a:buFontTx/>
+                        <a:buNone/>
+                        <a:tabLst/>
+                        <a:defRPr/>
+                      </a:pPr>
                       <a:r>
                         <a:rPr lang="en-US" sz="1100" b="1" dirty="0">
                           <a:latin typeface="Proxima Nova" charset="0"/>
                           <a:ea typeface="Proxima Nova" charset="0"/>
                           <a:cs typeface="Proxima Nova" charset="0"/>
                         </a:rPr>
-                        <a:t>OIS report</a:t>
+                        <a:t>Map enclosure with part number</a:t>
                       </a:r>
                     </a:p>
                   </a:txBody>
@@ -10309,8 +9411,82 @@
                           <a:sym typeface="Arial"/>
                           <a:rtl val="0"/>
                         </a:rPr>
-                        <a:t>Operator Instruction Sheet generated from the element description fields.</a:t>
+                        <a:t>Fetch the enclosure’s stock based on its part number.</a:t>
                       </a:r>
+                    </a:p>
+                    <a:p>
+                      <a:pPr marL="171450" indent="-171450">
+                        <a:spcAft>
+                          <a:spcPts val="300"/>
+                        </a:spcAft>
+                        <a:buFont typeface="Arial" charset="0"/>
+                        <a:buChar char="•"/>
+                      </a:pPr>
+                      <a:r>
+                        <a:rPr lang="en-US" sz="1100" b="1" i="0" u="none" strike="noStrike" cap="none" baseline="0" dirty="0">
+                          <a:solidFill>
+                            <a:srgbClr val="FF0000"/>
+                          </a:solidFill>
+                          <a:latin typeface="Proxima Nova" charset="0"/>
+                          <a:ea typeface="Proxima Nova" charset="0"/>
+                          <a:cs typeface="Proxima Nova" charset="0"/>
+                          <a:sym typeface="Arial"/>
+                          <a:rtl val="0"/>
+                        </a:rPr>
+                        <a:t>Where to display the enclosure’s stock? Or just link from the enclosure to the cross reference search:</a:t>
+                      </a:r>
+                    </a:p>
+                    <a:p>
+                      <a:pPr marL="0" indent="0">
+                        <a:spcAft>
+                          <a:spcPts val="300"/>
+                        </a:spcAft>
+                        <a:buFont typeface="Arial" charset="0"/>
+                        <a:buNone/>
+                      </a:pPr>
+                      <a:r>
+                        <a:rPr lang="en-US" sz="1100" b="1" i="0" u="none" strike="noStrike" cap="none" baseline="0">
+                          <a:solidFill>
+                            <a:srgbClr val="FF0000"/>
+                          </a:solidFill>
+                          <a:latin typeface="Proxima Nova" charset="0"/>
+                          <a:ea typeface="Proxima Nova" charset="0"/>
+                          <a:cs typeface="Proxima Nova" charset="0"/>
+                          <a:sym typeface="Arial"/>
+                          <a:hlinkClick r:id="rId3"/>
+                          <a:rtl val="0"/>
+                        </a:rPr>
+                        <a:t>http://www.altechcorp.com/search/</a:t>
+                      </a:r>
+                      <a:endParaRPr lang="en-US" sz="1100" b="1" i="0" u="none" strike="noStrike" cap="none" baseline="0">
+                        <a:solidFill>
+                          <a:srgbClr val="FF0000"/>
+                        </a:solidFill>
+                        <a:latin typeface="Proxima Nova" charset="0"/>
+                        <a:ea typeface="Proxima Nova" charset="0"/>
+                        <a:cs typeface="Proxima Nova" charset="0"/>
+                        <a:sym typeface="Arial"/>
+                        <a:rtl val="0"/>
+                      </a:endParaRPr>
+                    </a:p>
+                    <a:p>
+                      <a:pPr marL="171450" indent="-171450">
+                        <a:spcAft>
+                          <a:spcPts val="300"/>
+                        </a:spcAft>
+                        <a:buFont typeface="Arial" charset="0"/>
+                        <a:buChar char="•"/>
+                      </a:pPr>
+                      <a:endParaRPr lang="en-US" sz="1100" b="1" i="0" u="none" strike="noStrike" cap="none" baseline="0" dirty="0">
+                        <a:solidFill>
+                          <a:srgbClr val="FF0000"/>
+                        </a:solidFill>
+                        <a:latin typeface="Proxima Nova" charset="0"/>
+                        <a:ea typeface="Proxima Nova" charset="0"/>
+                        <a:cs typeface="Proxima Nova" charset="0"/>
+                        <a:sym typeface="Arial"/>
+                        <a:rtl val="0"/>
+                      </a:endParaRPr>
                     </a:p>
                   </a:txBody>
                   <a:tcPr anchor="ctr">
@@ -10349,411 +9525,6 @@
                   </a:ext>
                 </a:extLst>
               </a:tr>
-              <a:tr h="499389">
-                <a:tc>
-                  <a:txBody>
-                    <a:bodyPr/>
-                    <a:lstStyle/>
-                    <a:p>
-                      <a:r>
-                        <a:rPr lang="en-US" sz="1100" b="1" i="0" u="none" strike="noStrike" cap="none" baseline="0" dirty="0">
-                          <a:solidFill>
-                            <a:schemeClr val="dk1"/>
-                          </a:solidFill>
-                          <a:latin typeface="Proxima Nova" charset="0"/>
-                          <a:ea typeface="Proxima Nova" charset="0"/>
-                          <a:cs typeface="Proxima Nova" charset="0"/>
-                          <a:sym typeface="Arial"/>
-                          <a:rtl val="0"/>
-                        </a:rPr>
-                        <a:t>R7</a:t>
-                      </a:r>
-                    </a:p>
-                  </a:txBody>
-                  <a:tcPr anchor="ctr">
-                    <a:lnL w="12700" cmpd="sng">
-                      <a:noFill/>
-                    </a:lnL>
-                    <a:lnR w="12700" cmpd="sng">
-                      <a:noFill/>
-                    </a:lnR>
-                    <a:lnT w="6350" cap="flat" cmpd="sng" algn="ctr">
-                      <a:solidFill>
-                        <a:srgbClr val="3A81BA"/>
-                      </a:solidFill>
-                      <a:prstDash val="sysDash"/>
-                      <a:round/>
-                      <a:headEnd type="none" w="med" len="med"/>
-                      <a:tailEnd type="none" w="med" len="med"/>
-                    </a:lnT>
-                    <a:lnB w="6350" cap="flat" cmpd="sng" algn="ctr">
-                      <a:solidFill>
-                        <a:srgbClr val="3A81BA"/>
-                      </a:solidFill>
-                      <a:prstDash val="sysDash"/>
-                      <a:round/>
-                      <a:headEnd type="none" w="med" len="med"/>
-                      <a:tailEnd type="none" w="med" len="med"/>
-                    </a:lnB>
-                    <a:lnTlToBr w="12700" cmpd="sng">
-                      <a:noFill/>
-                      <a:prstDash val="solid"/>
-                    </a:lnTlToBr>
-                    <a:lnBlToTr w="12700" cmpd="sng">
-                      <a:noFill/>
-                      <a:prstDash val="solid"/>
-                    </a:lnBlToTr>
-                    <a:noFill/>
-                  </a:tcPr>
-                </a:tc>
-                <a:tc>
-                  <a:txBody>
-                    <a:bodyPr/>
-                    <a:lstStyle/>
-                    <a:p>
-                      <a:pPr marL="18288" marR="0" indent="-18288" algn="l" defTabSz="914400" rtl="0" eaLnBrk="1" fontAlgn="auto" latinLnBrk="0" hangingPunct="1">
-                        <a:lnSpc>
-                          <a:spcPct val="100000"/>
-                        </a:lnSpc>
-                        <a:spcBef>
-                          <a:spcPts val="0"/>
-                        </a:spcBef>
-                        <a:spcAft>
-                          <a:spcPts val="0"/>
-                        </a:spcAft>
-                        <a:buClrTx/>
-                        <a:buSzTx/>
-                        <a:buFontTx/>
-                        <a:buNone/>
-                        <a:tabLst/>
-                        <a:defRPr/>
-                      </a:pPr>
-                      <a:r>
-                        <a:rPr lang="en-US" sz="1100" b="1" dirty="0">
-                          <a:latin typeface="Proxima Nova" charset="0"/>
-                          <a:ea typeface="Proxima Nova" charset="0"/>
-                          <a:cs typeface="Proxima Nova" charset="0"/>
-                        </a:rPr>
-                        <a:t>Operator Utilization %</a:t>
-                      </a:r>
-                    </a:p>
-                  </a:txBody>
-                  <a:tcPr anchor="ctr">
-                    <a:lnL w="12700" cmpd="sng">
-                      <a:noFill/>
-                    </a:lnL>
-                    <a:lnR w="12700" cmpd="sng">
-                      <a:noFill/>
-                    </a:lnR>
-                    <a:lnT w="6350" cap="flat" cmpd="sng" algn="ctr">
-                      <a:solidFill>
-                        <a:srgbClr val="3A81BA"/>
-                      </a:solidFill>
-                      <a:prstDash val="sysDash"/>
-                      <a:round/>
-                      <a:headEnd type="none" w="med" len="med"/>
-                      <a:tailEnd type="none" w="med" len="med"/>
-                    </a:lnT>
-                    <a:lnB w="6350" cap="flat" cmpd="sng" algn="ctr">
-                      <a:solidFill>
-                        <a:srgbClr val="3A81BA"/>
-                      </a:solidFill>
-                      <a:prstDash val="sysDash"/>
-                      <a:round/>
-                      <a:headEnd type="none" w="med" len="med"/>
-                      <a:tailEnd type="none" w="med" len="med"/>
-                    </a:lnB>
-                    <a:lnTlToBr w="12700" cmpd="sng">
-                      <a:noFill/>
-                      <a:prstDash val="solid"/>
-                    </a:lnTlToBr>
-                    <a:lnBlToTr w="12700" cmpd="sng">
-                      <a:noFill/>
-                      <a:prstDash val="solid"/>
-                    </a:lnBlToTr>
-                    <a:noFill/>
-                  </a:tcPr>
-                </a:tc>
-                <a:tc>
-                  <a:txBody>
-                    <a:bodyPr/>
-                    <a:lstStyle/>
-                    <a:p>
-                      <a:pPr marL="171450" indent="-171450">
-                        <a:spcAft>
-                          <a:spcPts val="300"/>
-                        </a:spcAft>
-                        <a:buFont typeface="Arial" charset="0"/>
-                        <a:buChar char="•"/>
-                      </a:pPr>
-                      <a:r>
-                        <a:rPr lang="en-US" sz="1100" b="0" i="0" u="none" strike="noStrike" cap="none" baseline="0" dirty="0">
-                          <a:solidFill>
-                            <a:schemeClr val="dk1"/>
-                          </a:solidFill>
-                          <a:latin typeface="Proxima Nova" charset="0"/>
-                          <a:ea typeface="Proxima Nova" charset="0"/>
-                          <a:cs typeface="Proxima Nova" charset="0"/>
-                          <a:sym typeface="Arial"/>
-                          <a:rtl val="0"/>
-                        </a:rPr>
-                        <a:t>Unit Cycle Time, Cost Per Piece.</a:t>
-                      </a:r>
-                    </a:p>
-                  </a:txBody>
-                  <a:tcPr anchor="ctr">
-                    <a:lnL w="12700" cmpd="sng">
-                      <a:noFill/>
-                    </a:lnL>
-                    <a:lnR w="12700" cmpd="sng">
-                      <a:noFill/>
-                    </a:lnR>
-                    <a:lnT w="6350" cap="flat" cmpd="sng" algn="ctr">
-                      <a:solidFill>
-                        <a:srgbClr val="3A81BA"/>
-                      </a:solidFill>
-                      <a:prstDash val="sysDash"/>
-                      <a:round/>
-                      <a:headEnd type="none" w="med" len="med"/>
-                      <a:tailEnd type="none" w="med" len="med"/>
-                    </a:lnT>
-                    <a:lnB w="6350" cap="flat" cmpd="sng" algn="ctr">
-                      <a:solidFill>
-                        <a:srgbClr val="3A81BA"/>
-                      </a:solidFill>
-                      <a:prstDash val="sysDash"/>
-                      <a:round/>
-                      <a:headEnd type="none" w="med" len="med"/>
-                      <a:tailEnd type="none" w="med" len="med"/>
-                    </a:lnB>
-                    <a:lnTlToBr w="12700" cmpd="sng">
-                      <a:noFill/>
-                      <a:prstDash val="solid"/>
-                    </a:lnTlToBr>
-                    <a:lnBlToTr w="12700" cmpd="sng">
-                      <a:noFill/>
-                      <a:prstDash val="solid"/>
-                    </a:lnBlToTr>
-                    <a:noFill/>
-                  </a:tcPr>
-                </a:tc>
-                <a:extLst>
-                  <a:ext uri="{0D108BD9-81ED-4DB2-BD59-A6C34878D82A}">
-                    <a16:rowId xmlns:a16="http://schemas.microsoft.com/office/drawing/2014/main" val="10001"/>
-                  </a:ext>
-                </a:extLst>
-              </a:tr>
-              <a:tr h="504056">
-                <a:tc>
-                  <a:txBody>
-                    <a:bodyPr/>
-                    <a:lstStyle/>
-                    <a:p>
-                      <a:r>
-                        <a:rPr lang="en-US" sz="1100" b="1" dirty="0">
-                          <a:latin typeface="Proxima Nova" charset="0"/>
-                          <a:ea typeface="Proxima Nova" charset="0"/>
-                          <a:cs typeface="Proxima Nova" charset="0"/>
-                        </a:rPr>
-                        <a:t>R8</a:t>
-                      </a:r>
-                    </a:p>
-                  </a:txBody>
-                  <a:tcPr anchor="ctr">
-                    <a:lnL w="12700" cmpd="sng">
-                      <a:noFill/>
-                    </a:lnL>
-                    <a:lnR w="12700" cmpd="sng">
-                      <a:noFill/>
-                    </a:lnR>
-                    <a:lnT w="6350" cap="flat" cmpd="sng" algn="ctr">
-                      <a:solidFill>
-                        <a:srgbClr val="3A81BA"/>
-                      </a:solidFill>
-                      <a:prstDash val="sysDash"/>
-                      <a:round/>
-                      <a:headEnd type="none" w="med" len="med"/>
-                      <a:tailEnd type="none" w="med" len="med"/>
-                    </a:lnT>
-                    <a:lnB w="6350" cap="flat" cmpd="sng" algn="ctr">
-                      <a:solidFill>
-                        <a:srgbClr val="3A81BA"/>
-                      </a:solidFill>
-                      <a:prstDash val="sysDash"/>
-                      <a:round/>
-                      <a:headEnd type="none" w="med" len="med"/>
-                      <a:tailEnd type="none" w="med" len="med"/>
-                    </a:lnB>
-                    <a:lnTlToBr w="12700" cmpd="sng">
-                      <a:noFill/>
-                      <a:prstDash val="solid"/>
-                    </a:lnTlToBr>
-                    <a:lnBlToTr w="12700" cmpd="sng">
-                      <a:noFill/>
-                      <a:prstDash val="solid"/>
-                    </a:lnBlToTr>
-                    <a:noFill/>
-                  </a:tcPr>
-                </a:tc>
-                <a:tc>
-                  <a:txBody>
-                    <a:bodyPr/>
-                    <a:lstStyle/>
-                    <a:p>
-                      <a:pPr marL="18288" marR="0" indent="-18288" algn="l" defTabSz="914400" rtl="0" eaLnBrk="1" fontAlgn="auto" latinLnBrk="0" hangingPunct="1">
-                        <a:lnSpc>
-                          <a:spcPct val="100000"/>
-                        </a:lnSpc>
-                        <a:spcBef>
-                          <a:spcPts val="0"/>
-                        </a:spcBef>
-                        <a:spcAft>
-                          <a:spcPts val="0"/>
-                        </a:spcAft>
-                        <a:buClrTx/>
-                        <a:buSzTx/>
-                        <a:buFontTx/>
-                        <a:buNone/>
-                        <a:tabLst/>
-                        <a:defRPr/>
-                      </a:pPr>
-                      <a:r>
-                        <a:rPr lang="en-US" sz="1100" b="1" dirty="0">
-                          <a:latin typeface="Proxima Nova" charset="0"/>
-                          <a:ea typeface="Proxima Nova" charset="0"/>
-                          <a:cs typeface="Proxima Nova" charset="0"/>
-                        </a:rPr>
-                        <a:t>Work Balance Board</a:t>
-                      </a:r>
-                    </a:p>
-                  </a:txBody>
-                  <a:tcPr anchor="ctr">
-                    <a:lnL w="12700" cmpd="sng">
-                      <a:noFill/>
-                    </a:lnL>
-                    <a:lnR w="12700" cmpd="sng">
-                      <a:noFill/>
-                    </a:lnR>
-                    <a:lnT w="6350" cap="flat" cmpd="sng" algn="ctr">
-                      <a:solidFill>
-                        <a:srgbClr val="3A81BA"/>
-                      </a:solidFill>
-                      <a:prstDash val="sysDash"/>
-                      <a:round/>
-                      <a:headEnd type="none" w="med" len="med"/>
-                      <a:tailEnd type="none" w="med" len="med"/>
-                    </a:lnT>
-                    <a:lnB w="6350" cap="flat" cmpd="sng" algn="ctr">
-                      <a:solidFill>
-                        <a:srgbClr val="3A81BA"/>
-                      </a:solidFill>
-                      <a:prstDash val="sysDash"/>
-                      <a:round/>
-                      <a:headEnd type="none" w="med" len="med"/>
-                      <a:tailEnd type="none" w="med" len="med"/>
-                    </a:lnB>
-                    <a:lnTlToBr w="12700" cmpd="sng">
-                      <a:noFill/>
-                      <a:prstDash val="solid"/>
-                    </a:lnTlToBr>
-                    <a:lnBlToTr w="12700" cmpd="sng">
-                      <a:noFill/>
-                      <a:prstDash val="solid"/>
-                    </a:lnBlToTr>
-                    <a:noFill/>
-                  </a:tcPr>
-                </a:tc>
-                <a:tc>
-                  <a:txBody>
-                    <a:bodyPr/>
-                    <a:lstStyle/>
-                    <a:p>
-                      <a:pPr marL="171450" indent="-171450">
-                        <a:spcAft>
-                          <a:spcPts val="300"/>
-                        </a:spcAft>
-                        <a:buFont typeface="Arial" charset="0"/>
-                        <a:buChar char="•"/>
-                      </a:pPr>
-                      <a:r>
-                        <a:rPr lang="en-US" sz="1100" b="0" i="0" u="none" strike="noStrike" cap="none" baseline="0" dirty="0">
-                          <a:solidFill>
-                            <a:schemeClr val="dk1"/>
-                          </a:solidFill>
-                          <a:latin typeface="Proxima Nova" charset="0"/>
-                          <a:ea typeface="Proxima Nova" charset="0"/>
-                          <a:cs typeface="Proxima Nova" charset="0"/>
-                          <a:sym typeface="Arial"/>
-                          <a:rtl val="0"/>
-                        </a:rPr>
-                        <a:t>Bar chart for each station showing VA, NVA, NVABN.</a:t>
-                      </a:r>
-                    </a:p>
-                    <a:p>
-                      <a:pPr marL="171450" indent="-171450">
-                        <a:spcAft>
-                          <a:spcPts val="300"/>
-                        </a:spcAft>
-                        <a:buFont typeface="Arial" charset="0"/>
-                        <a:buChar char="•"/>
-                      </a:pPr>
-                      <a:r>
-                        <a:rPr lang="en-US" sz="1100" b="0" i="0" u="none" strike="noStrike" cap="none" baseline="0" dirty="0">
-                          <a:solidFill>
-                            <a:schemeClr val="dk1"/>
-                          </a:solidFill>
-                          <a:latin typeface="Proxima Nova" charset="0"/>
-                          <a:ea typeface="Proxima Nova" charset="0"/>
-                          <a:cs typeface="Proxima Nova" charset="0"/>
-                          <a:sym typeface="Arial"/>
-                          <a:rtl val="0"/>
-                        </a:rPr>
-                        <a:t>Bar chart with the element description and time.</a:t>
-                      </a:r>
-                    </a:p>
-                  </a:txBody>
-                  <a:tcPr anchor="ctr">
-                    <a:lnL w="12700" cmpd="sng">
-                      <a:noFill/>
-                    </a:lnL>
-                    <a:lnR w="12700" cmpd="sng">
-                      <a:noFill/>
-                    </a:lnR>
-                    <a:lnT w="6350" cap="flat" cmpd="sng" algn="ctr">
-                      <a:solidFill>
-                        <a:srgbClr val="3A81BA"/>
-                      </a:solidFill>
-                      <a:prstDash val="sysDash"/>
-                      <a:round/>
-                      <a:headEnd type="none" w="med" len="med"/>
-                      <a:tailEnd type="none" w="med" len="med"/>
-                    </a:lnT>
-                    <a:lnB w="6350" cap="flat" cmpd="sng" algn="ctr">
-                      <a:solidFill>
-                        <a:srgbClr val="3A81BA"/>
-                      </a:solidFill>
-                      <a:prstDash val="sysDash"/>
-                      <a:round/>
-                      <a:headEnd type="none" w="med" len="med"/>
-                      <a:tailEnd type="none" w="med" len="med"/>
-                    </a:lnB>
-                    <a:lnTlToBr w="12700" cmpd="sng">
-                      <a:noFill/>
-                      <a:prstDash val="solid"/>
-                    </a:lnTlToBr>
-                    <a:lnBlToTr w="12700" cmpd="sng">
-                      <a:noFill/>
-                      <a:prstDash val="solid"/>
-                    </a:lnBlToTr>
-                    <a:noFill/>
-                  </a:tcPr>
-                </a:tc>
-                <a:extLst>
-                  <a:ext uri="{0D108BD9-81ED-4DB2-BD59-A6C34878D82A}">
-                    <a16:rowId xmlns:a16="http://schemas.microsoft.com/office/drawing/2014/main" val="3674994167"/>
-                  </a:ext>
-                </a:extLst>
-              </a:tr>
             </a:tbl>
           </a:graphicData>
         </a:graphic>
@@ -10767,7 +9538,7 @@
           <p:nvPr/>
         </p:nvPicPr>
         <p:blipFill>
-          <a:blip r:embed="rId3" cstate="print">
+          <a:blip r:embed="rId4" cstate="print">
             <a:extLst>
               <a:ext uri="{28A0092B-C50C-407E-A947-70E740481C1C}">
                 <a14:useLocalDpi xmlns:a14="http://schemas.microsoft.com/office/drawing/2010/main" val="0"/>
@@ -10788,40 +9559,6 @@
           </a:prstGeom>
         </p:spPr>
       </p:pic>
-      <p:sp>
-        <p:nvSpPr>
-          <p:cNvPr id="9" name="TextBox 8"/>
-          <p:cNvSpPr txBox="1"/>
-          <p:nvPr/>
-        </p:nvSpPr>
-        <p:spPr>
-          <a:xfrm>
-            <a:off x="-1" y="1009060"/>
-            <a:ext cx="9143999" cy="338554"/>
-          </a:xfrm>
-          <a:prstGeom prst="rect">
-            <a:avLst/>
-          </a:prstGeom>
-          <a:noFill/>
-        </p:spPr>
-        <p:txBody>
-          <a:bodyPr wrap="square" rtlCol="0">
-            <a:spAutoFit/>
-          </a:bodyPr>
-          <a:lstStyle/>
-          <a:p>
-            <a:pPr algn="ctr"/>
-            <a:r>
-              <a:rPr lang="en-US" sz="1600" dirty="0">
-                <a:latin typeface="Proxima Nova" charset="0"/>
-                <a:ea typeface="Proxima Nova" charset="0"/>
-                <a:cs typeface="Proxima Nova" charset="0"/>
-              </a:rPr>
-              <a:t>Productivity reports </a:t>
-            </a:r>
-          </a:p>
-        </p:txBody>
-      </p:sp>
     </p:spTree>
     <p:extLst>
       <p:ext uri="{BB962C8B-B14F-4D97-AF65-F5344CB8AC3E}">
@@ -10838,1390 +9575,7 @@
 </p:sld>
 </file>
 
-<file path=ppt/slides/slide13.xml><?xml version="1.0" encoding="utf-8"?>
-<p:sld xmlns:a="http://schemas.openxmlformats.org/drawingml/2006/main" xmlns:r="http://schemas.openxmlformats.org/officeDocument/2006/relationships" xmlns:p="http://schemas.openxmlformats.org/presentationml/2006/main">
-  <p:cSld>
-    <p:spTree>
-      <p:nvGrpSpPr>
-        <p:cNvPr id="1" name="Shape 312"/>
-        <p:cNvGrpSpPr/>
-        <p:nvPr/>
-      </p:nvGrpSpPr>
-      <p:grpSpPr>
-        <a:xfrm>
-          <a:off x="0" y="0"/>
-          <a:ext cx="0" cy="0"/>
-          <a:chOff x="0" y="0"/>
-          <a:chExt cx="0" cy="0"/>
-        </a:xfrm>
-      </p:grpSpPr>
-      <p:sp>
-        <p:nvSpPr>
-          <p:cNvPr id="18" name="Shape 115"/>
-          <p:cNvSpPr txBox="1">
-            <a:spLocks noGrp="1"/>
-          </p:cNvSpPr>
-          <p:nvPr>
-            <p:ph type="ctrTitle"/>
-          </p:nvPr>
-        </p:nvSpPr>
-        <p:spPr>
-          <a:xfrm>
-            <a:off x="0" y="380067"/>
-            <a:ext cx="9143999" cy="535499"/>
-          </a:xfrm>
-          <a:prstGeom prst="rect">
-            <a:avLst/>
-          </a:prstGeom>
-        </p:spPr>
-        <p:txBody>
-          <a:bodyPr lIns="91425" tIns="91425" rIns="91425" bIns="91425" anchor="ctr" anchorCtr="0">
-            <a:noAutofit/>
-          </a:bodyPr>
-          <a:lstStyle/>
-          <a:p>
-            <a:pPr lvl="0"/>
-            <a:r>
-              <a:rPr lang="en-US" sz="3000" dirty="0">
-                <a:solidFill>
-                  <a:srgbClr val="000000"/>
-                </a:solidFill>
-                <a:latin typeface="Montserrat"/>
-                <a:ea typeface="Montserrat"/>
-                <a:cs typeface="Montserrat"/>
-                <a:sym typeface="Montserrat"/>
-              </a:rPr>
-              <a:t>FEATURE LIST – Payments</a:t>
-            </a:r>
-          </a:p>
-        </p:txBody>
-      </p:sp>
-      <p:cxnSp>
-        <p:nvCxnSpPr>
-          <p:cNvPr id="11" name="Shape 77"/>
-          <p:cNvCxnSpPr/>
-          <p:nvPr/>
-        </p:nvCxnSpPr>
-        <p:spPr>
-          <a:xfrm>
-            <a:off x="171450" y="383240"/>
-            <a:ext cx="8801100" cy="0"/>
-          </a:xfrm>
-          <a:prstGeom prst="straightConnector1">
-            <a:avLst/>
-          </a:prstGeom>
-          <a:noFill/>
-          <a:ln w="9525" cap="flat">
-            <a:solidFill>
-              <a:srgbClr val="D9D9D9"/>
-            </a:solidFill>
-            <a:prstDash val="solid"/>
-            <a:round/>
-            <a:headEnd type="none" w="lg" len="lg"/>
-            <a:tailEnd type="none" w="lg" len="lg"/>
-          </a:ln>
-        </p:spPr>
-      </p:cxnSp>
-      <p:graphicFrame>
-        <p:nvGraphicFramePr>
-          <p:cNvPr id="6" name="Table 5"/>
-          <p:cNvGraphicFramePr>
-            <a:graphicFrameLocks noGrp="1"/>
-          </p:cNvGraphicFramePr>
-          <p:nvPr>
-            <p:extLst>
-              <p:ext uri="{D42A27DB-BD31-4B8C-83A1-F6EECF244321}">
-                <p14:modId xmlns:p14="http://schemas.microsoft.com/office/powerpoint/2010/main" val="2428122490"/>
-              </p:ext>
-            </p:extLst>
-          </p:nvPr>
-        </p:nvGraphicFramePr>
-        <p:xfrm>
-          <a:off x="171450" y="1505550"/>
-          <a:ext cx="8712967" cy="1664752"/>
-        </p:xfrm>
-        <a:graphic>
-          <a:graphicData uri="http://schemas.openxmlformats.org/drawingml/2006/table">
-            <a:tbl>
-              <a:tblPr>
-                <a:tableStyleId>{5C22544A-7EE6-4342-B048-85BDC9FD1C3A}</a:tableStyleId>
-              </a:tblPr>
-              <a:tblGrid>
-                <a:gridCol w="544165">
-                  <a:extLst>
-                    <a:ext uri="{9D8B030D-6E8A-4147-A177-3AD203B41FA5}">
-                      <a16:colId xmlns:a16="http://schemas.microsoft.com/office/drawing/2014/main" val="20000"/>
-                    </a:ext>
-                  </a:extLst>
-                </a:gridCol>
-                <a:gridCol w="1872208">
-                  <a:extLst>
-                    <a:ext uri="{9D8B030D-6E8A-4147-A177-3AD203B41FA5}">
-                      <a16:colId xmlns:a16="http://schemas.microsoft.com/office/drawing/2014/main" val="20001"/>
-                    </a:ext>
-                  </a:extLst>
-                </a:gridCol>
-                <a:gridCol w="6296594">
-                  <a:extLst>
-                    <a:ext uri="{9D8B030D-6E8A-4147-A177-3AD203B41FA5}">
-                      <a16:colId xmlns:a16="http://schemas.microsoft.com/office/drawing/2014/main" val="20002"/>
-                    </a:ext>
-                  </a:extLst>
-                </a:gridCol>
-              </a:tblGrid>
-              <a:tr h="494803">
-                <a:tc>
-                  <a:txBody>
-                    <a:bodyPr/>
-                    <a:lstStyle/>
-                    <a:p>
-                      <a:r>
-                        <a:rPr lang="en-US" sz="1100" b="1" dirty="0">
-                          <a:latin typeface="Proxima Nova" charset="0"/>
-                          <a:ea typeface="Proxima Nova" charset="0"/>
-                          <a:cs typeface="Proxima Nova" charset="0"/>
-                        </a:rPr>
-                        <a:t>R9</a:t>
-                      </a:r>
-                    </a:p>
-                  </a:txBody>
-                  <a:tcPr anchor="ctr">
-                    <a:lnL w="12700" cmpd="sng">
-                      <a:noFill/>
-                    </a:lnL>
-                    <a:lnR w="12700" cmpd="sng">
-                      <a:noFill/>
-                    </a:lnR>
-                    <a:lnT w="12700" cmpd="sng">
-                      <a:noFill/>
-                    </a:lnT>
-                    <a:lnB w="6350" cap="flat" cmpd="sng" algn="ctr">
-                      <a:solidFill>
-                        <a:srgbClr val="3A81BA"/>
-                      </a:solidFill>
-                      <a:prstDash val="sysDash"/>
-                      <a:round/>
-                      <a:headEnd type="none" w="med" len="med"/>
-                      <a:tailEnd type="none" w="med" len="med"/>
-                    </a:lnB>
-                    <a:lnTlToBr w="12700" cmpd="sng">
-                      <a:noFill/>
-                      <a:prstDash val="solid"/>
-                    </a:lnTlToBr>
-                    <a:lnBlToTr w="12700" cmpd="sng">
-                      <a:noFill/>
-                      <a:prstDash val="solid"/>
-                    </a:lnBlToTr>
-                    <a:noFill/>
-                  </a:tcPr>
-                </a:tc>
-                <a:tc>
-                  <a:txBody>
-                    <a:bodyPr/>
-                    <a:lstStyle/>
-                    <a:p>
-                      <a:pPr marL="18288" indent="-18288" algn="l"/>
-                      <a:r>
-                        <a:rPr lang="en-US" sz="1100" b="1" dirty="0">
-                          <a:latin typeface="Proxima Nova" charset="0"/>
-                          <a:ea typeface="Proxima Nova" charset="0"/>
-                          <a:cs typeface="Proxima Nova" charset="0"/>
-                        </a:rPr>
-                        <a:t>Subscription billing</a:t>
-                      </a:r>
-                    </a:p>
-                  </a:txBody>
-                  <a:tcPr anchor="ctr">
-                    <a:lnL w="12700" cmpd="sng">
-                      <a:noFill/>
-                    </a:lnL>
-                    <a:lnR w="12700" cmpd="sng">
-                      <a:noFill/>
-                    </a:lnR>
-                    <a:lnT w="12700" cmpd="sng">
-                      <a:noFill/>
-                    </a:lnT>
-                    <a:lnB w="6350" cap="flat" cmpd="sng" algn="ctr">
-                      <a:solidFill>
-                        <a:srgbClr val="3A81BA"/>
-                      </a:solidFill>
-                      <a:prstDash val="sysDash"/>
-                      <a:round/>
-                      <a:headEnd type="none" w="med" len="med"/>
-                      <a:tailEnd type="none" w="med" len="med"/>
-                    </a:lnB>
-                    <a:lnTlToBr w="12700" cmpd="sng">
-                      <a:noFill/>
-                      <a:prstDash val="solid"/>
-                    </a:lnTlToBr>
-                    <a:lnBlToTr w="12700" cmpd="sng">
-                      <a:noFill/>
-                      <a:prstDash val="solid"/>
-                    </a:lnBlToTr>
-                    <a:noFill/>
-                  </a:tcPr>
-                </a:tc>
-                <a:tc>
-                  <a:txBody>
-                    <a:bodyPr/>
-                    <a:lstStyle/>
-                    <a:p>
-                      <a:pPr marL="171450" indent="-171450">
-                        <a:spcAft>
-                          <a:spcPts val="300"/>
-                        </a:spcAft>
-                        <a:buFont typeface="Arial" charset="0"/>
-                        <a:buChar char="•"/>
-                      </a:pPr>
-                      <a:r>
-                        <a:rPr lang="en-US" sz="1100" b="0" i="0" u="none" strike="noStrike" cap="none" baseline="0" dirty="0">
-                          <a:solidFill>
-                            <a:schemeClr val="dk1"/>
-                          </a:solidFill>
-                          <a:latin typeface="Proxima Nova" charset="0"/>
-                          <a:ea typeface="Proxima Nova" charset="0"/>
-                          <a:cs typeface="Proxima Nova" charset="0"/>
-                          <a:sym typeface="Arial"/>
-                          <a:rtl val="0"/>
-                        </a:rPr>
-                        <a:t>Plans management.</a:t>
-                      </a:r>
-                    </a:p>
-                    <a:p>
-                      <a:pPr marL="171450" indent="-171450">
-                        <a:spcAft>
-                          <a:spcPts val="300"/>
-                        </a:spcAft>
-                        <a:buFont typeface="Arial" charset="0"/>
-                        <a:buChar char="•"/>
-                      </a:pPr>
-                      <a:r>
-                        <a:rPr lang="en-US" sz="1100" b="0" i="0" u="none" strike="noStrike" cap="none" baseline="0" dirty="0">
-                          <a:solidFill>
-                            <a:schemeClr val="dk1"/>
-                          </a:solidFill>
-                          <a:latin typeface="Proxima Nova" charset="0"/>
-                          <a:ea typeface="Proxima Nova" charset="0"/>
-                          <a:cs typeface="Proxima Nova" charset="0"/>
-                          <a:sym typeface="Arial"/>
-                          <a:rtl val="0"/>
-                        </a:rPr>
-                        <a:t>Collect billing information.</a:t>
-                      </a:r>
-                    </a:p>
-                  </a:txBody>
-                  <a:tcPr anchor="ctr">
-                    <a:lnL w="12700" cmpd="sng">
-                      <a:noFill/>
-                    </a:lnL>
-                    <a:lnR w="12700" cmpd="sng">
-                      <a:noFill/>
-                    </a:lnR>
-                    <a:lnT w="12700" cmpd="sng">
-                      <a:noFill/>
-                    </a:lnT>
-                    <a:lnB w="6350" cap="flat" cmpd="sng" algn="ctr">
-                      <a:solidFill>
-                        <a:srgbClr val="3A81BA"/>
-                      </a:solidFill>
-                      <a:prstDash val="sysDash"/>
-                      <a:round/>
-                      <a:headEnd type="none" w="med" len="med"/>
-                      <a:tailEnd type="none" w="med" len="med"/>
-                    </a:lnB>
-                    <a:lnTlToBr w="12700" cmpd="sng">
-                      <a:noFill/>
-                      <a:prstDash val="solid"/>
-                    </a:lnTlToBr>
-                    <a:lnBlToTr w="12700" cmpd="sng">
-                      <a:noFill/>
-                      <a:prstDash val="solid"/>
-                    </a:lnBlToTr>
-                    <a:noFill/>
-                  </a:tcPr>
-                </a:tc>
-                <a:extLst>
-                  <a:ext uri="{0D108BD9-81ED-4DB2-BD59-A6C34878D82A}">
-                    <a16:rowId xmlns:a16="http://schemas.microsoft.com/office/drawing/2014/main" val="10000"/>
-                  </a:ext>
-                </a:extLst>
-              </a:tr>
-              <a:tr h="499389">
-                <a:tc>
-                  <a:txBody>
-                    <a:bodyPr/>
-                    <a:lstStyle/>
-                    <a:p>
-                      <a:r>
-                        <a:rPr lang="en-US" sz="1100" b="1" i="0" u="none" strike="noStrike" cap="none" baseline="0" dirty="0">
-                          <a:solidFill>
-                            <a:schemeClr val="dk1"/>
-                          </a:solidFill>
-                          <a:latin typeface="Proxima Nova" charset="0"/>
-                          <a:ea typeface="Proxima Nova" charset="0"/>
-                          <a:cs typeface="Proxima Nova" charset="0"/>
-                          <a:sym typeface="Arial"/>
-                          <a:rtl val="0"/>
-                        </a:rPr>
-                        <a:t>R10</a:t>
-                      </a:r>
-                    </a:p>
-                  </a:txBody>
-                  <a:tcPr anchor="ctr">
-                    <a:lnL w="12700" cmpd="sng">
-                      <a:noFill/>
-                    </a:lnL>
-                    <a:lnR w="12700" cmpd="sng">
-                      <a:noFill/>
-                    </a:lnR>
-                    <a:lnT w="6350" cap="flat" cmpd="sng" algn="ctr">
-                      <a:solidFill>
-                        <a:srgbClr val="3A81BA"/>
-                      </a:solidFill>
-                      <a:prstDash val="sysDash"/>
-                      <a:round/>
-                      <a:headEnd type="none" w="med" len="med"/>
-                      <a:tailEnd type="none" w="med" len="med"/>
-                    </a:lnT>
-                    <a:lnB w="6350" cap="flat" cmpd="sng" algn="ctr">
-                      <a:solidFill>
-                        <a:srgbClr val="3A81BA"/>
-                      </a:solidFill>
-                      <a:prstDash val="sysDash"/>
-                      <a:round/>
-                      <a:headEnd type="none" w="med" len="med"/>
-                      <a:tailEnd type="none" w="med" len="med"/>
-                    </a:lnB>
-                    <a:lnTlToBr w="12700" cmpd="sng">
-                      <a:noFill/>
-                      <a:prstDash val="solid"/>
-                    </a:lnTlToBr>
-                    <a:lnBlToTr w="12700" cmpd="sng">
-                      <a:noFill/>
-                      <a:prstDash val="solid"/>
-                    </a:lnBlToTr>
-                    <a:noFill/>
-                  </a:tcPr>
-                </a:tc>
-                <a:tc>
-                  <a:txBody>
-                    <a:bodyPr/>
-                    <a:lstStyle/>
-                    <a:p>
-                      <a:pPr marL="18288" marR="0" indent="-18288" algn="l" defTabSz="914400" rtl="0" eaLnBrk="1" fontAlgn="auto" latinLnBrk="0" hangingPunct="1">
-                        <a:lnSpc>
-                          <a:spcPct val="100000"/>
-                        </a:lnSpc>
-                        <a:spcBef>
-                          <a:spcPts val="0"/>
-                        </a:spcBef>
-                        <a:spcAft>
-                          <a:spcPts val="0"/>
-                        </a:spcAft>
-                        <a:buClrTx/>
-                        <a:buSzTx/>
-                        <a:buFontTx/>
-                        <a:buNone/>
-                        <a:tabLst/>
-                        <a:defRPr/>
-                      </a:pPr>
-                      <a:r>
-                        <a:rPr lang="en-US" sz="1100" b="1" dirty="0">
-                          <a:latin typeface="Proxima Nova" charset="0"/>
-                          <a:ea typeface="Proxima Nova" charset="0"/>
-                          <a:cs typeface="Proxima Nova" charset="0"/>
-                        </a:rPr>
-                        <a:t>Process payment</a:t>
-                      </a:r>
-                    </a:p>
-                  </a:txBody>
-                  <a:tcPr anchor="ctr">
-                    <a:lnL w="12700" cmpd="sng">
-                      <a:noFill/>
-                    </a:lnL>
-                    <a:lnR w="12700" cmpd="sng">
-                      <a:noFill/>
-                    </a:lnR>
-                    <a:lnT w="6350" cap="flat" cmpd="sng" algn="ctr">
-                      <a:solidFill>
-                        <a:srgbClr val="3A81BA"/>
-                      </a:solidFill>
-                      <a:prstDash val="sysDash"/>
-                      <a:round/>
-                      <a:headEnd type="none" w="med" len="med"/>
-                      <a:tailEnd type="none" w="med" len="med"/>
-                    </a:lnT>
-                    <a:lnB w="6350" cap="flat" cmpd="sng" algn="ctr">
-                      <a:solidFill>
-                        <a:srgbClr val="3A81BA"/>
-                      </a:solidFill>
-                      <a:prstDash val="sysDash"/>
-                      <a:round/>
-                      <a:headEnd type="none" w="med" len="med"/>
-                      <a:tailEnd type="none" w="med" len="med"/>
-                    </a:lnB>
-                    <a:lnTlToBr w="12700" cmpd="sng">
-                      <a:noFill/>
-                      <a:prstDash val="solid"/>
-                    </a:lnTlToBr>
-                    <a:lnBlToTr w="12700" cmpd="sng">
-                      <a:noFill/>
-                      <a:prstDash val="solid"/>
-                    </a:lnBlToTr>
-                    <a:noFill/>
-                  </a:tcPr>
-                </a:tc>
-                <a:tc>
-                  <a:txBody>
-                    <a:bodyPr/>
-                    <a:lstStyle/>
-                    <a:p>
-                      <a:pPr marL="171450" indent="-171450">
-                        <a:spcAft>
-                          <a:spcPts val="300"/>
-                        </a:spcAft>
-                        <a:buFont typeface="Arial" charset="0"/>
-                        <a:buChar char="•"/>
-                      </a:pPr>
-                      <a:r>
-                        <a:rPr lang="en-US" sz="1100" b="0" i="0" u="none" strike="noStrike" cap="none" baseline="0" dirty="0">
-                          <a:solidFill>
-                            <a:schemeClr val="dk1"/>
-                          </a:solidFill>
-                          <a:latin typeface="Proxima Nova" charset="0"/>
-                          <a:ea typeface="Proxima Nova" charset="0"/>
-                          <a:cs typeface="Proxima Nova" charset="0"/>
-                          <a:sym typeface="Arial"/>
-                          <a:rtl val="0"/>
-                        </a:rPr>
-                        <a:t>Invoice payment succeeded or failed.</a:t>
-                      </a:r>
-                    </a:p>
-                  </a:txBody>
-                  <a:tcPr anchor="ctr">
-                    <a:lnL w="12700" cmpd="sng">
-                      <a:noFill/>
-                    </a:lnL>
-                    <a:lnR w="12700" cmpd="sng">
-                      <a:noFill/>
-                    </a:lnR>
-                    <a:lnT w="6350" cap="flat" cmpd="sng" algn="ctr">
-                      <a:solidFill>
-                        <a:srgbClr val="3A81BA"/>
-                      </a:solidFill>
-                      <a:prstDash val="sysDash"/>
-                      <a:round/>
-                      <a:headEnd type="none" w="med" len="med"/>
-                      <a:tailEnd type="none" w="med" len="med"/>
-                    </a:lnT>
-                    <a:lnB w="6350" cap="flat" cmpd="sng" algn="ctr">
-                      <a:solidFill>
-                        <a:srgbClr val="3A81BA"/>
-                      </a:solidFill>
-                      <a:prstDash val="sysDash"/>
-                      <a:round/>
-                      <a:headEnd type="none" w="med" len="med"/>
-                      <a:tailEnd type="none" w="med" len="med"/>
-                    </a:lnB>
-                    <a:lnTlToBr w="12700" cmpd="sng">
-                      <a:noFill/>
-                      <a:prstDash val="solid"/>
-                    </a:lnTlToBr>
-                    <a:lnBlToTr w="12700" cmpd="sng">
-                      <a:noFill/>
-                      <a:prstDash val="solid"/>
-                    </a:lnBlToTr>
-                    <a:noFill/>
-                  </a:tcPr>
-                </a:tc>
-                <a:extLst>
-                  <a:ext uri="{0D108BD9-81ED-4DB2-BD59-A6C34878D82A}">
-                    <a16:rowId xmlns:a16="http://schemas.microsoft.com/office/drawing/2014/main" val="10001"/>
-                  </a:ext>
-                </a:extLst>
-              </a:tr>
-              <a:tr h="504056">
-                <a:tc>
-                  <a:txBody>
-                    <a:bodyPr/>
-                    <a:lstStyle/>
-                    <a:p>
-                      <a:r>
-                        <a:rPr lang="en-US" sz="1100" b="1" dirty="0">
-                          <a:latin typeface="Proxima Nova" charset="0"/>
-                          <a:ea typeface="Proxima Nova" charset="0"/>
-                          <a:cs typeface="Proxima Nova" charset="0"/>
-                        </a:rPr>
-                        <a:t>R11</a:t>
-                      </a:r>
-                    </a:p>
-                  </a:txBody>
-                  <a:tcPr anchor="ctr">
-                    <a:lnL w="12700" cmpd="sng">
-                      <a:noFill/>
-                    </a:lnL>
-                    <a:lnR w="12700" cmpd="sng">
-                      <a:noFill/>
-                    </a:lnR>
-                    <a:lnT w="6350" cap="flat" cmpd="sng" algn="ctr">
-                      <a:solidFill>
-                        <a:srgbClr val="3A81BA"/>
-                      </a:solidFill>
-                      <a:prstDash val="sysDash"/>
-                      <a:round/>
-                      <a:headEnd type="none" w="med" len="med"/>
-                      <a:tailEnd type="none" w="med" len="med"/>
-                    </a:lnT>
-                    <a:lnB w="6350" cap="flat" cmpd="sng" algn="ctr">
-                      <a:solidFill>
-                        <a:srgbClr val="3A81BA"/>
-                      </a:solidFill>
-                      <a:prstDash val="sysDash"/>
-                      <a:round/>
-                      <a:headEnd type="none" w="med" len="med"/>
-                      <a:tailEnd type="none" w="med" len="med"/>
-                    </a:lnB>
-                    <a:lnTlToBr w="12700" cmpd="sng">
-                      <a:noFill/>
-                      <a:prstDash val="solid"/>
-                    </a:lnTlToBr>
-                    <a:lnBlToTr w="12700" cmpd="sng">
-                      <a:noFill/>
-                      <a:prstDash val="solid"/>
-                    </a:lnBlToTr>
-                    <a:noFill/>
-                  </a:tcPr>
-                </a:tc>
-                <a:tc>
-                  <a:txBody>
-                    <a:bodyPr/>
-                    <a:lstStyle/>
-                    <a:p>
-                      <a:pPr marL="18288" marR="0" indent="-18288" algn="l" defTabSz="914400" rtl="0" eaLnBrk="1" fontAlgn="auto" latinLnBrk="0" hangingPunct="1">
-                        <a:lnSpc>
-                          <a:spcPct val="100000"/>
-                        </a:lnSpc>
-                        <a:spcBef>
-                          <a:spcPts val="0"/>
-                        </a:spcBef>
-                        <a:spcAft>
-                          <a:spcPts val="0"/>
-                        </a:spcAft>
-                        <a:buClrTx/>
-                        <a:buSzTx/>
-                        <a:buFontTx/>
-                        <a:buNone/>
-                        <a:tabLst/>
-                        <a:defRPr/>
-                      </a:pPr>
-                      <a:r>
-                        <a:rPr lang="en-US" sz="1100" b="1" dirty="0">
-                          <a:latin typeface="Proxima Nova" charset="0"/>
-                          <a:ea typeface="Proxima Nova" charset="0"/>
-                          <a:cs typeface="Proxima Nova" charset="0"/>
-                        </a:rPr>
-                        <a:t>Subscription events</a:t>
-                      </a:r>
-                    </a:p>
-                  </a:txBody>
-                  <a:tcPr anchor="ctr">
-                    <a:lnL w="12700" cmpd="sng">
-                      <a:noFill/>
-                    </a:lnL>
-                    <a:lnR w="12700" cmpd="sng">
-                      <a:noFill/>
-                    </a:lnR>
-                    <a:lnT w="6350" cap="flat" cmpd="sng" algn="ctr">
-                      <a:solidFill>
-                        <a:srgbClr val="3A81BA"/>
-                      </a:solidFill>
-                      <a:prstDash val="sysDash"/>
-                      <a:round/>
-                      <a:headEnd type="none" w="med" len="med"/>
-                      <a:tailEnd type="none" w="med" len="med"/>
-                    </a:lnT>
-                    <a:lnB w="6350" cap="flat" cmpd="sng" algn="ctr">
-                      <a:solidFill>
-                        <a:srgbClr val="3A81BA"/>
-                      </a:solidFill>
-                      <a:prstDash val="sysDash"/>
-                      <a:round/>
-                      <a:headEnd type="none" w="med" len="med"/>
-                      <a:tailEnd type="none" w="med" len="med"/>
-                    </a:lnB>
-                    <a:lnTlToBr w="12700" cmpd="sng">
-                      <a:noFill/>
-                      <a:prstDash val="solid"/>
-                    </a:lnTlToBr>
-                    <a:lnBlToTr w="12700" cmpd="sng">
-                      <a:noFill/>
-                      <a:prstDash val="solid"/>
-                    </a:lnBlToTr>
-                    <a:noFill/>
-                  </a:tcPr>
-                </a:tc>
-                <a:tc>
-                  <a:txBody>
-                    <a:bodyPr/>
-                    <a:lstStyle/>
-                    <a:p>
-                      <a:pPr marL="171450" indent="-171450">
-                        <a:spcAft>
-                          <a:spcPts val="300"/>
-                        </a:spcAft>
-                        <a:buFont typeface="Arial" charset="0"/>
-                        <a:buChar char="•"/>
-                      </a:pPr>
-                      <a:r>
-                        <a:rPr lang="en-US" sz="1100" b="0" i="0" u="none" strike="noStrike" cap="none" baseline="0" dirty="0">
-                          <a:solidFill>
-                            <a:schemeClr val="dk1"/>
-                          </a:solidFill>
-                          <a:latin typeface="Proxima Nova" charset="0"/>
-                          <a:ea typeface="Proxima Nova" charset="0"/>
-                          <a:cs typeface="Proxima Nova" charset="0"/>
-                          <a:sym typeface="Arial"/>
-                          <a:rtl val="0"/>
-                        </a:rPr>
-                        <a:t>Subscription trial.</a:t>
-                      </a:r>
-                    </a:p>
-                    <a:p>
-                      <a:pPr marL="171450" indent="-171450">
-                        <a:spcAft>
-                          <a:spcPts val="300"/>
-                        </a:spcAft>
-                        <a:buFont typeface="Arial" charset="0"/>
-                        <a:buChar char="•"/>
-                      </a:pPr>
-                      <a:r>
-                        <a:rPr lang="en-US" sz="1100" b="0" i="0" u="none" strike="noStrike" cap="none" baseline="0" dirty="0">
-                          <a:solidFill>
-                            <a:schemeClr val="dk1"/>
-                          </a:solidFill>
-                          <a:latin typeface="Proxima Nova" charset="0"/>
-                          <a:ea typeface="Proxima Nova" charset="0"/>
-                          <a:cs typeface="Proxima Nova" charset="0"/>
-                          <a:sym typeface="Arial"/>
-                          <a:rtl val="0"/>
-                        </a:rPr>
-                        <a:t>Change plan.</a:t>
-                      </a:r>
-                    </a:p>
-                    <a:p>
-                      <a:pPr marL="171450" indent="-171450">
-                        <a:spcAft>
-                          <a:spcPts val="300"/>
-                        </a:spcAft>
-                        <a:buFont typeface="Arial" charset="0"/>
-                        <a:buChar char="•"/>
-                      </a:pPr>
-                      <a:r>
-                        <a:rPr lang="en-US" sz="1100" b="0" i="0" u="none" strike="noStrike" cap="none" baseline="0" dirty="0">
-                          <a:solidFill>
-                            <a:schemeClr val="dk1"/>
-                          </a:solidFill>
-                          <a:latin typeface="Proxima Nova" charset="0"/>
-                          <a:ea typeface="Proxima Nova" charset="0"/>
-                          <a:cs typeface="Proxima Nova" charset="0"/>
-                          <a:sym typeface="Arial"/>
-                          <a:rtl val="0"/>
-                        </a:rPr>
-                        <a:t>Cancel plan.</a:t>
-                      </a:r>
-                    </a:p>
-                  </a:txBody>
-                  <a:tcPr anchor="ctr">
-                    <a:lnL w="12700" cmpd="sng">
-                      <a:noFill/>
-                    </a:lnL>
-                    <a:lnR w="12700" cmpd="sng">
-                      <a:noFill/>
-                    </a:lnR>
-                    <a:lnT w="6350" cap="flat" cmpd="sng" algn="ctr">
-                      <a:solidFill>
-                        <a:srgbClr val="3A81BA"/>
-                      </a:solidFill>
-                      <a:prstDash val="sysDash"/>
-                      <a:round/>
-                      <a:headEnd type="none" w="med" len="med"/>
-                      <a:tailEnd type="none" w="med" len="med"/>
-                    </a:lnT>
-                    <a:lnB w="6350" cap="flat" cmpd="sng" algn="ctr">
-                      <a:solidFill>
-                        <a:srgbClr val="3A81BA"/>
-                      </a:solidFill>
-                      <a:prstDash val="sysDash"/>
-                      <a:round/>
-                      <a:headEnd type="none" w="med" len="med"/>
-                      <a:tailEnd type="none" w="med" len="med"/>
-                    </a:lnB>
-                    <a:lnTlToBr w="12700" cmpd="sng">
-                      <a:noFill/>
-                      <a:prstDash val="solid"/>
-                    </a:lnTlToBr>
-                    <a:lnBlToTr w="12700" cmpd="sng">
-                      <a:noFill/>
-                      <a:prstDash val="solid"/>
-                    </a:lnBlToTr>
-                    <a:noFill/>
-                  </a:tcPr>
-                </a:tc>
-                <a:extLst>
-                  <a:ext uri="{0D108BD9-81ED-4DB2-BD59-A6C34878D82A}">
-                    <a16:rowId xmlns:a16="http://schemas.microsoft.com/office/drawing/2014/main" val="3674994167"/>
-                  </a:ext>
-                </a:extLst>
-              </a:tr>
-            </a:tbl>
-          </a:graphicData>
-        </a:graphic>
-      </p:graphicFrame>
-      <p:pic>
-        <p:nvPicPr>
-          <p:cNvPr id="7" name="Picture 6"/>
-          <p:cNvPicPr>
-            <a:picLocks noChangeAspect="1"/>
-          </p:cNvPicPr>
-          <p:nvPr/>
-        </p:nvPicPr>
-        <p:blipFill>
-          <a:blip r:embed="rId3" cstate="print">
-            <a:extLst>
-              <a:ext uri="{28A0092B-C50C-407E-A947-70E740481C1C}">
-                <a14:useLocalDpi xmlns:a14="http://schemas.microsoft.com/office/drawing/2010/main" val="0"/>
-              </a:ext>
-            </a:extLst>
-          </a:blip>
-          <a:stretch>
-            <a:fillRect/>
-          </a:stretch>
-        </p:blipFill>
-        <p:spPr>
-          <a:xfrm>
-            <a:off x="7376038" y="-17104"/>
-            <a:ext cx="1596512" cy="414480"/>
-          </a:xfrm>
-          <a:prstGeom prst="rect">
-            <a:avLst/>
-          </a:prstGeom>
-        </p:spPr>
-      </p:pic>
-      <p:sp>
-        <p:nvSpPr>
-          <p:cNvPr id="9" name="TextBox 8"/>
-          <p:cNvSpPr txBox="1"/>
-          <p:nvPr/>
-        </p:nvSpPr>
-        <p:spPr>
-          <a:xfrm>
-            <a:off x="-1" y="1009060"/>
-            <a:ext cx="9143999" cy="338554"/>
-          </a:xfrm>
-          <a:prstGeom prst="rect">
-            <a:avLst/>
-          </a:prstGeom>
-          <a:noFill/>
-        </p:spPr>
-        <p:txBody>
-          <a:bodyPr wrap="square" rtlCol="0">
-            <a:spAutoFit/>
-          </a:bodyPr>
-          <a:lstStyle/>
-          <a:p>
-            <a:pPr algn="ctr"/>
-            <a:r>
-              <a:rPr lang="en-US" sz="1600" dirty="0">
-                <a:latin typeface="Proxima Nova" charset="0"/>
-                <a:ea typeface="Proxima Nova" charset="0"/>
-                <a:cs typeface="Proxima Nova" charset="0"/>
-              </a:rPr>
-              <a:t>Subscription Billing </a:t>
-            </a:r>
-          </a:p>
-        </p:txBody>
-      </p:sp>
-    </p:spTree>
-    <p:extLst>
-      <p:ext uri="{BB962C8B-B14F-4D97-AF65-F5344CB8AC3E}">
-        <p14:creationId xmlns:p14="http://schemas.microsoft.com/office/powerpoint/2010/main" val="1382403587"/>
-      </p:ext>
-    </p:extLst>
-  </p:cSld>
-  <p:clrMapOvr>
-    <a:masterClrMapping/>
-  </p:clrMapOvr>
-  <p:transition spd="slow">
-    <p:cut/>
-  </p:transition>
-</p:sld>
-</file>
-
-<file path=ppt/slides/slide14.xml><?xml version="1.0" encoding="utf-8"?>
-<p:sld xmlns:a="http://schemas.openxmlformats.org/drawingml/2006/main" xmlns:r="http://schemas.openxmlformats.org/officeDocument/2006/relationships" xmlns:p="http://schemas.openxmlformats.org/presentationml/2006/main">
-  <p:cSld>
-    <p:spTree>
-      <p:nvGrpSpPr>
-        <p:cNvPr id="1" name="Shape 312"/>
-        <p:cNvGrpSpPr/>
-        <p:nvPr/>
-      </p:nvGrpSpPr>
-      <p:grpSpPr>
-        <a:xfrm>
-          <a:off x="0" y="0"/>
-          <a:ext cx="0" cy="0"/>
-          <a:chOff x="0" y="0"/>
-          <a:chExt cx="0" cy="0"/>
-        </a:xfrm>
-      </p:grpSpPr>
-      <p:sp>
-        <p:nvSpPr>
-          <p:cNvPr id="18" name="Shape 115"/>
-          <p:cNvSpPr txBox="1">
-            <a:spLocks noGrp="1"/>
-          </p:cNvSpPr>
-          <p:nvPr>
-            <p:ph type="ctrTitle"/>
-          </p:nvPr>
-        </p:nvSpPr>
-        <p:spPr>
-          <a:xfrm>
-            <a:off x="0" y="380067"/>
-            <a:ext cx="9143999" cy="535499"/>
-          </a:xfrm>
-          <a:prstGeom prst="rect">
-            <a:avLst/>
-          </a:prstGeom>
-        </p:spPr>
-        <p:txBody>
-          <a:bodyPr lIns="91425" tIns="91425" rIns="91425" bIns="91425" anchor="ctr" anchorCtr="0">
-            <a:noAutofit/>
-          </a:bodyPr>
-          <a:lstStyle/>
-          <a:p>
-            <a:pPr lvl="0"/>
-            <a:r>
-              <a:rPr lang="en-US" sz="3000" dirty="0">
-                <a:solidFill>
-                  <a:srgbClr val="000000"/>
-                </a:solidFill>
-                <a:latin typeface="Montserrat"/>
-                <a:ea typeface="Montserrat"/>
-                <a:cs typeface="Montserrat"/>
-                <a:sym typeface="Montserrat"/>
-              </a:rPr>
-              <a:t>FEATURE LIST – Payments</a:t>
-            </a:r>
-          </a:p>
-        </p:txBody>
-      </p:sp>
-      <p:cxnSp>
-        <p:nvCxnSpPr>
-          <p:cNvPr id="11" name="Shape 77"/>
-          <p:cNvCxnSpPr/>
-          <p:nvPr/>
-        </p:nvCxnSpPr>
-        <p:spPr>
-          <a:xfrm>
-            <a:off x="171450" y="383240"/>
-            <a:ext cx="8801100" cy="0"/>
-          </a:xfrm>
-          <a:prstGeom prst="straightConnector1">
-            <a:avLst/>
-          </a:prstGeom>
-          <a:noFill/>
-          <a:ln w="9525" cap="flat">
-            <a:solidFill>
-              <a:srgbClr val="D9D9D9"/>
-            </a:solidFill>
-            <a:prstDash val="solid"/>
-            <a:round/>
-            <a:headEnd type="none" w="lg" len="lg"/>
-            <a:tailEnd type="none" w="lg" len="lg"/>
-          </a:ln>
-        </p:spPr>
-      </p:cxnSp>
-      <p:graphicFrame>
-        <p:nvGraphicFramePr>
-          <p:cNvPr id="6" name="Table 5"/>
-          <p:cNvGraphicFramePr>
-            <a:graphicFrameLocks noGrp="1"/>
-          </p:cNvGraphicFramePr>
-          <p:nvPr>
-            <p:extLst>
-              <p:ext uri="{D42A27DB-BD31-4B8C-83A1-F6EECF244321}">
-                <p14:modId xmlns:p14="http://schemas.microsoft.com/office/powerpoint/2010/main" val="203747974"/>
-              </p:ext>
-            </p:extLst>
-          </p:nvPr>
-        </p:nvGraphicFramePr>
-        <p:xfrm>
-          <a:off x="171450" y="1505550"/>
-          <a:ext cx="8712967" cy="994192"/>
-        </p:xfrm>
-        <a:graphic>
-          <a:graphicData uri="http://schemas.openxmlformats.org/drawingml/2006/table">
-            <a:tbl>
-              <a:tblPr>
-                <a:tableStyleId>{5C22544A-7EE6-4342-B048-85BDC9FD1C3A}</a:tableStyleId>
-              </a:tblPr>
-              <a:tblGrid>
-                <a:gridCol w="544165">
-                  <a:extLst>
-                    <a:ext uri="{9D8B030D-6E8A-4147-A177-3AD203B41FA5}">
-                      <a16:colId xmlns:a16="http://schemas.microsoft.com/office/drawing/2014/main" val="20000"/>
-                    </a:ext>
-                  </a:extLst>
-                </a:gridCol>
-                <a:gridCol w="1872208">
-                  <a:extLst>
-                    <a:ext uri="{9D8B030D-6E8A-4147-A177-3AD203B41FA5}">
-                      <a16:colId xmlns:a16="http://schemas.microsoft.com/office/drawing/2014/main" val="20001"/>
-                    </a:ext>
-                  </a:extLst>
-                </a:gridCol>
-                <a:gridCol w="6296594">
-                  <a:extLst>
-                    <a:ext uri="{9D8B030D-6E8A-4147-A177-3AD203B41FA5}">
-                      <a16:colId xmlns:a16="http://schemas.microsoft.com/office/drawing/2014/main" val="20002"/>
-                    </a:ext>
-                  </a:extLst>
-                </a:gridCol>
-              </a:tblGrid>
-              <a:tr h="494803">
-                <a:tc>
-                  <a:txBody>
-                    <a:bodyPr/>
-                    <a:lstStyle/>
-                    <a:p>
-                      <a:r>
-                        <a:rPr lang="en-US" sz="1100" b="1" dirty="0">
-                          <a:latin typeface="Proxima Nova" charset="0"/>
-                          <a:ea typeface="Proxima Nova" charset="0"/>
-                          <a:cs typeface="Proxima Nova" charset="0"/>
-                        </a:rPr>
-                        <a:t>R12</a:t>
-                      </a:r>
-                    </a:p>
-                  </a:txBody>
-                  <a:tcPr anchor="ctr">
-                    <a:lnL w="12700" cmpd="sng">
-                      <a:noFill/>
-                    </a:lnL>
-                    <a:lnR w="12700" cmpd="sng">
-                      <a:noFill/>
-                    </a:lnR>
-                    <a:lnT w="12700" cmpd="sng">
-                      <a:noFill/>
-                    </a:lnT>
-                    <a:lnB w="6350" cap="flat" cmpd="sng" algn="ctr">
-                      <a:solidFill>
-                        <a:srgbClr val="3A81BA"/>
-                      </a:solidFill>
-                      <a:prstDash val="sysDash"/>
-                      <a:round/>
-                      <a:headEnd type="none" w="med" len="med"/>
-                      <a:tailEnd type="none" w="med" len="med"/>
-                    </a:lnB>
-                    <a:lnTlToBr w="12700" cmpd="sng">
-                      <a:noFill/>
-                      <a:prstDash val="solid"/>
-                    </a:lnTlToBr>
-                    <a:lnBlToTr w="12700" cmpd="sng">
-                      <a:noFill/>
-                      <a:prstDash val="solid"/>
-                    </a:lnBlToTr>
-                    <a:noFill/>
-                  </a:tcPr>
-                </a:tc>
-                <a:tc>
-                  <a:txBody>
-                    <a:bodyPr/>
-                    <a:lstStyle/>
-                    <a:p>
-                      <a:pPr marL="18288" indent="-18288" algn="l"/>
-                      <a:r>
-                        <a:rPr lang="en-US" sz="1100" b="1" dirty="0">
-                          <a:latin typeface="Proxima Nova" charset="0"/>
-                          <a:ea typeface="Proxima Nova" charset="0"/>
-                          <a:cs typeface="Proxima Nova" charset="0"/>
-                        </a:rPr>
-                        <a:t>Taskmaster description</a:t>
-                      </a:r>
-                    </a:p>
-                  </a:txBody>
-                  <a:tcPr anchor="ctr">
-                    <a:lnL w="12700" cmpd="sng">
-                      <a:noFill/>
-                    </a:lnL>
-                    <a:lnR w="12700" cmpd="sng">
-                      <a:noFill/>
-                    </a:lnR>
-                    <a:lnT w="12700" cmpd="sng">
-                      <a:noFill/>
-                    </a:lnT>
-                    <a:lnB w="6350" cap="flat" cmpd="sng" algn="ctr">
-                      <a:solidFill>
-                        <a:srgbClr val="3A81BA"/>
-                      </a:solidFill>
-                      <a:prstDash val="sysDash"/>
-                      <a:round/>
-                      <a:headEnd type="none" w="med" len="med"/>
-                      <a:tailEnd type="none" w="med" len="med"/>
-                    </a:lnB>
-                    <a:lnTlToBr w="12700" cmpd="sng">
-                      <a:noFill/>
-                      <a:prstDash val="solid"/>
-                    </a:lnTlToBr>
-                    <a:lnBlToTr w="12700" cmpd="sng">
-                      <a:noFill/>
-                      <a:prstDash val="solid"/>
-                    </a:lnBlToTr>
-                    <a:noFill/>
-                  </a:tcPr>
-                </a:tc>
-                <a:tc>
-                  <a:txBody>
-                    <a:bodyPr/>
-                    <a:lstStyle/>
-                    <a:p>
-                      <a:pPr marL="171450" indent="-171450">
-                        <a:spcAft>
-                          <a:spcPts val="300"/>
-                        </a:spcAft>
-                        <a:buFont typeface="Arial" charset="0"/>
-                        <a:buChar char="•"/>
-                      </a:pPr>
-                      <a:r>
-                        <a:rPr lang="en-US" sz="1100" b="0" i="0" u="none" strike="noStrike" cap="none" baseline="0" dirty="0">
-                          <a:solidFill>
-                            <a:schemeClr val="dk1"/>
-                          </a:solidFill>
-                          <a:latin typeface="Proxima Nova" charset="0"/>
-                          <a:ea typeface="Proxima Nova" charset="0"/>
-                          <a:cs typeface="Proxima Nova" charset="0"/>
-                          <a:sym typeface="Arial"/>
-                          <a:rtl val="0"/>
-                        </a:rPr>
-                        <a:t>Description content with images.</a:t>
-                      </a:r>
-                    </a:p>
-                  </a:txBody>
-                  <a:tcPr anchor="ctr">
-                    <a:lnL w="12700" cmpd="sng">
-                      <a:noFill/>
-                    </a:lnL>
-                    <a:lnR w="12700" cmpd="sng">
-                      <a:noFill/>
-                    </a:lnR>
-                    <a:lnT w="12700" cmpd="sng">
-                      <a:noFill/>
-                    </a:lnT>
-                    <a:lnB w="6350" cap="flat" cmpd="sng" algn="ctr">
-                      <a:solidFill>
-                        <a:srgbClr val="3A81BA"/>
-                      </a:solidFill>
-                      <a:prstDash val="sysDash"/>
-                      <a:round/>
-                      <a:headEnd type="none" w="med" len="med"/>
-                      <a:tailEnd type="none" w="med" len="med"/>
-                    </a:lnB>
-                    <a:lnTlToBr w="12700" cmpd="sng">
-                      <a:noFill/>
-                      <a:prstDash val="solid"/>
-                    </a:lnTlToBr>
-                    <a:lnBlToTr w="12700" cmpd="sng">
-                      <a:noFill/>
-                      <a:prstDash val="solid"/>
-                    </a:lnBlToTr>
-                    <a:noFill/>
-                  </a:tcPr>
-                </a:tc>
-                <a:extLst>
-                  <a:ext uri="{0D108BD9-81ED-4DB2-BD59-A6C34878D82A}">
-                    <a16:rowId xmlns:a16="http://schemas.microsoft.com/office/drawing/2014/main" val="10000"/>
-                  </a:ext>
-                </a:extLst>
-              </a:tr>
-              <a:tr h="499389">
-                <a:tc>
-                  <a:txBody>
-                    <a:bodyPr/>
-                    <a:lstStyle/>
-                    <a:p>
-                      <a:r>
-                        <a:rPr lang="en-US" sz="1100" b="1" i="0" u="none" strike="noStrike" cap="none" baseline="0" dirty="0">
-                          <a:solidFill>
-                            <a:schemeClr val="dk1"/>
-                          </a:solidFill>
-                          <a:latin typeface="Proxima Nova" charset="0"/>
-                          <a:ea typeface="Proxima Nova" charset="0"/>
-                          <a:cs typeface="Proxima Nova" charset="0"/>
-                          <a:sym typeface="Arial"/>
-                          <a:rtl val="0"/>
-                        </a:rPr>
-                        <a:t>R13</a:t>
-                      </a:r>
-                    </a:p>
-                  </a:txBody>
-                  <a:tcPr anchor="ctr">
-                    <a:lnL w="12700" cmpd="sng">
-                      <a:noFill/>
-                    </a:lnL>
-                    <a:lnR w="12700" cmpd="sng">
-                      <a:noFill/>
-                    </a:lnR>
-                    <a:lnT w="6350" cap="flat" cmpd="sng" algn="ctr">
-                      <a:solidFill>
-                        <a:srgbClr val="3A81BA"/>
-                      </a:solidFill>
-                      <a:prstDash val="sysDash"/>
-                      <a:round/>
-                      <a:headEnd type="none" w="med" len="med"/>
-                      <a:tailEnd type="none" w="med" len="med"/>
-                    </a:lnT>
-                    <a:lnB w="6350" cap="flat" cmpd="sng" algn="ctr">
-                      <a:solidFill>
-                        <a:srgbClr val="3A81BA"/>
-                      </a:solidFill>
-                      <a:prstDash val="sysDash"/>
-                      <a:round/>
-                      <a:headEnd type="none" w="med" len="med"/>
-                      <a:tailEnd type="none" w="med" len="med"/>
-                    </a:lnB>
-                    <a:lnTlToBr w="12700" cmpd="sng">
-                      <a:noFill/>
-                      <a:prstDash val="solid"/>
-                    </a:lnTlToBr>
-                    <a:lnBlToTr w="12700" cmpd="sng">
-                      <a:noFill/>
-                      <a:prstDash val="solid"/>
-                    </a:lnBlToTr>
-                    <a:noFill/>
-                  </a:tcPr>
-                </a:tc>
-                <a:tc>
-                  <a:txBody>
-                    <a:bodyPr/>
-                    <a:lstStyle/>
-                    <a:p>
-                      <a:pPr marL="18288" marR="0" indent="-18288" algn="l" defTabSz="914400" rtl="0" eaLnBrk="1" fontAlgn="auto" latinLnBrk="0" hangingPunct="1">
-                        <a:lnSpc>
-                          <a:spcPct val="100000"/>
-                        </a:lnSpc>
-                        <a:spcBef>
-                          <a:spcPts val="0"/>
-                        </a:spcBef>
-                        <a:spcAft>
-                          <a:spcPts val="0"/>
-                        </a:spcAft>
-                        <a:buClrTx/>
-                        <a:buSzTx/>
-                        <a:buFontTx/>
-                        <a:buNone/>
-                        <a:tabLst/>
-                        <a:defRPr/>
-                      </a:pPr>
-                      <a:r>
-                        <a:rPr lang="en-US" sz="1100" b="1" dirty="0">
-                          <a:latin typeface="Proxima Nova" charset="0"/>
-                          <a:ea typeface="Proxima Nova" charset="0"/>
-                          <a:cs typeface="Proxima Nova" charset="0"/>
-                        </a:rPr>
-                        <a:t>Taskmaster features</a:t>
-                      </a:r>
-                    </a:p>
-                  </a:txBody>
-                  <a:tcPr anchor="ctr">
-                    <a:lnL w="12700" cmpd="sng">
-                      <a:noFill/>
-                    </a:lnL>
-                    <a:lnR w="12700" cmpd="sng">
-                      <a:noFill/>
-                    </a:lnR>
-                    <a:lnT w="6350" cap="flat" cmpd="sng" algn="ctr">
-                      <a:solidFill>
-                        <a:srgbClr val="3A81BA"/>
-                      </a:solidFill>
-                      <a:prstDash val="sysDash"/>
-                      <a:round/>
-                      <a:headEnd type="none" w="med" len="med"/>
-                      <a:tailEnd type="none" w="med" len="med"/>
-                    </a:lnT>
-                    <a:lnB w="6350" cap="flat" cmpd="sng" algn="ctr">
-                      <a:solidFill>
-                        <a:srgbClr val="3A81BA"/>
-                      </a:solidFill>
-                      <a:prstDash val="sysDash"/>
-                      <a:round/>
-                      <a:headEnd type="none" w="med" len="med"/>
-                      <a:tailEnd type="none" w="med" len="med"/>
-                    </a:lnB>
-                    <a:lnTlToBr w="12700" cmpd="sng">
-                      <a:noFill/>
-                      <a:prstDash val="solid"/>
-                    </a:lnTlToBr>
-                    <a:lnBlToTr w="12700" cmpd="sng">
-                      <a:noFill/>
-                      <a:prstDash val="solid"/>
-                    </a:lnBlToTr>
-                    <a:noFill/>
-                  </a:tcPr>
-                </a:tc>
-                <a:tc>
-                  <a:txBody>
-                    <a:bodyPr/>
-                    <a:lstStyle/>
-                    <a:p>
-                      <a:pPr marL="171450" indent="-171450">
-                        <a:spcAft>
-                          <a:spcPts val="300"/>
-                        </a:spcAft>
-                        <a:buFont typeface="Arial" charset="0"/>
-                        <a:buChar char="•"/>
-                      </a:pPr>
-                      <a:r>
-                        <a:rPr lang="en-US" sz="1100" b="0" i="0" u="none" strike="noStrike" cap="none" baseline="0" dirty="0">
-                          <a:solidFill>
-                            <a:schemeClr val="dk1"/>
-                          </a:solidFill>
-                          <a:latin typeface="Proxima Nova" charset="0"/>
-                          <a:ea typeface="Proxima Nova" charset="0"/>
-                          <a:cs typeface="Proxima Nova" charset="0"/>
-                          <a:sym typeface="Arial"/>
-                          <a:rtl val="0"/>
-                        </a:rPr>
-                        <a:t>Feature list.</a:t>
-                      </a:r>
-                    </a:p>
-                  </a:txBody>
-                  <a:tcPr anchor="ctr">
-                    <a:lnL w="12700" cmpd="sng">
-                      <a:noFill/>
-                    </a:lnL>
-                    <a:lnR w="12700" cmpd="sng">
-                      <a:noFill/>
-                    </a:lnR>
-                    <a:lnT w="6350" cap="flat" cmpd="sng" algn="ctr">
-                      <a:solidFill>
-                        <a:srgbClr val="3A81BA"/>
-                      </a:solidFill>
-                      <a:prstDash val="sysDash"/>
-                      <a:round/>
-                      <a:headEnd type="none" w="med" len="med"/>
-                      <a:tailEnd type="none" w="med" len="med"/>
-                    </a:lnT>
-                    <a:lnB w="6350" cap="flat" cmpd="sng" algn="ctr">
-                      <a:solidFill>
-                        <a:srgbClr val="3A81BA"/>
-                      </a:solidFill>
-                      <a:prstDash val="sysDash"/>
-                      <a:round/>
-                      <a:headEnd type="none" w="med" len="med"/>
-                      <a:tailEnd type="none" w="med" len="med"/>
-                    </a:lnB>
-                    <a:lnTlToBr w="12700" cmpd="sng">
-                      <a:noFill/>
-                      <a:prstDash val="solid"/>
-                    </a:lnTlToBr>
-                    <a:lnBlToTr w="12700" cmpd="sng">
-                      <a:noFill/>
-                      <a:prstDash val="solid"/>
-                    </a:lnBlToTr>
-                    <a:noFill/>
-                  </a:tcPr>
-                </a:tc>
-                <a:extLst>
-                  <a:ext uri="{0D108BD9-81ED-4DB2-BD59-A6C34878D82A}">
-                    <a16:rowId xmlns:a16="http://schemas.microsoft.com/office/drawing/2014/main" val="10001"/>
-                  </a:ext>
-                </a:extLst>
-              </a:tr>
-            </a:tbl>
-          </a:graphicData>
-        </a:graphic>
-      </p:graphicFrame>
-      <p:pic>
-        <p:nvPicPr>
-          <p:cNvPr id="7" name="Picture 6"/>
-          <p:cNvPicPr>
-            <a:picLocks noChangeAspect="1"/>
-          </p:cNvPicPr>
-          <p:nvPr/>
-        </p:nvPicPr>
-        <p:blipFill>
-          <a:blip r:embed="rId3" cstate="print">
-            <a:extLst>
-              <a:ext uri="{28A0092B-C50C-407E-A947-70E740481C1C}">
-                <a14:useLocalDpi xmlns:a14="http://schemas.microsoft.com/office/drawing/2010/main" val="0"/>
-              </a:ext>
-            </a:extLst>
-          </a:blip>
-          <a:stretch>
-            <a:fillRect/>
-          </a:stretch>
-        </p:blipFill>
-        <p:spPr>
-          <a:xfrm>
-            <a:off x="7376038" y="-17104"/>
-            <a:ext cx="1596512" cy="414480"/>
-          </a:xfrm>
-          <a:prstGeom prst="rect">
-            <a:avLst/>
-          </a:prstGeom>
-        </p:spPr>
-      </p:pic>
-      <p:sp>
-        <p:nvSpPr>
-          <p:cNvPr id="9" name="TextBox 8"/>
-          <p:cNvSpPr txBox="1"/>
-          <p:nvPr/>
-        </p:nvSpPr>
-        <p:spPr>
-          <a:xfrm>
-            <a:off x="-1" y="1009060"/>
-            <a:ext cx="9143999" cy="338554"/>
-          </a:xfrm>
-          <a:prstGeom prst="rect">
-            <a:avLst/>
-          </a:prstGeom>
-          <a:noFill/>
-        </p:spPr>
-        <p:txBody>
-          <a:bodyPr wrap="square" rtlCol="0">
-            <a:spAutoFit/>
-          </a:bodyPr>
-          <a:lstStyle/>
-          <a:p>
-            <a:pPr algn="ctr"/>
-            <a:r>
-              <a:rPr lang="en-US" sz="1600" dirty="0">
-                <a:latin typeface="Proxima Nova" charset="0"/>
-                <a:ea typeface="Proxima Nova" charset="0"/>
-                <a:cs typeface="Proxima Nova" charset="0"/>
-              </a:rPr>
-              <a:t>Web site </a:t>
-            </a:r>
-          </a:p>
-        </p:txBody>
-      </p:sp>
-    </p:spTree>
-    <p:extLst>
-      <p:ext uri="{BB962C8B-B14F-4D97-AF65-F5344CB8AC3E}">
-        <p14:creationId xmlns:p14="http://schemas.microsoft.com/office/powerpoint/2010/main" val="561184570"/>
-      </p:ext>
-    </p:extLst>
-  </p:cSld>
-  <p:clrMapOvr>
-    <a:masterClrMapping/>
-  </p:clrMapOvr>
-  <p:transition spd="slow">
-    <p:cut/>
-  </p:transition>
-</p:sld>
-</file>
-
-<file path=ppt/slides/slide15.xml><?xml version="1.0" encoding="utf-8"?>
+<file path=ppt/slides/slide12.xml><?xml version="1.0" encoding="utf-8"?>
 <p:sld xmlns:a="http://schemas.openxmlformats.org/drawingml/2006/main" xmlns:r="http://schemas.openxmlformats.org/officeDocument/2006/relationships" xmlns:p="http://schemas.openxmlformats.org/presentationml/2006/main">
   <p:cSld>
     <p:spTree>
@@ -12325,7 +9679,7 @@
                 <a:rtl val="0"/>
               </a:rPr>
               <a:pPr algn="ctr"/>
-              <a:t>15</a:t>
+              <a:t>12</a:t>
             </a:fld>
             <a:r>
               <a:rPr lang="en-US" sz="1000" kern="0" dirty="0">
@@ -12377,7 +9731,7 @@
           <p:nvPr>
             <p:extLst>
               <p:ext uri="{D42A27DB-BD31-4B8C-83A1-F6EECF244321}">
-                <p14:modId xmlns:p14="http://schemas.microsoft.com/office/powerpoint/2010/main" val="2884468127"/>
+                <p14:modId xmlns:p14="http://schemas.microsoft.com/office/powerpoint/2010/main" val="4242703702"/>
               </p:ext>
             </p:extLst>
           </p:nvPr>
@@ -12468,7 +9822,7 @@
                           <a:ea typeface="Proxima Nova" charset="0"/>
                           <a:cs typeface="Proxima Nova Regular"/>
                         </a:rPr>
-                        <a:t>JavaScript</a:t>
+                        <a:t>C# and JavaScript</a:t>
                       </a:r>
                     </a:p>
                   </a:txBody>
@@ -12540,7 +9894,7 @@
                           <a:ea typeface="Proxima Nova" charset="0"/>
                           <a:cs typeface="Proxima Nova Regular"/>
                         </a:rPr>
-                        <a:t>MEAN</a:t>
+                        <a:t>AngularJS,  ASP Web API and Entity Framework</a:t>
                       </a:r>
                     </a:p>
                   </a:txBody>
@@ -12566,7 +9920,7 @@
                           <a:sym typeface="Arial"/>
                           <a:rtl val="0"/>
                         </a:rPr>
-                        <a:t>Payment online</a:t>
+                        <a:t>Database</a:t>
                       </a:r>
                       <a:endParaRPr lang="en-US" sz="1100" dirty="0">
                         <a:latin typeface="Proxima Nova Regular"/>
@@ -12610,7 +9964,7 @@
                           <a:sym typeface="Arial"/>
                           <a:rtl val="0"/>
                         </a:rPr>
-                        <a:t>Stripe</a:t>
+                        <a:t>SQL Server</a:t>
                       </a:r>
                       <a:endParaRPr lang="en-US" sz="1100" baseline="0" dirty="0">
                         <a:latin typeface="Proxima Nova Regular"/>
@@ -12640,7 +9994,7 @@
                           <a:ea typeface="Proxima Nova" charset="0"/>
                           <a:cs typeface="Proxima Nova Regular"/>
                         </a:rPr>
-                        <a:t>Charting library</a:t>
+                        <a:t>Host</a:t>
                       </a:r>
                     </a:p>
                   </a:txBody>
@@ -12674,7 +10028,7 @@
                           <a:ea typeface="Proxima Nova" charset="0"/>
                           <a:cs typeface="Proxima Nova Regular"/>
                         </a:rPr>
-                        <a:t>D3</a:t>
+                        <a:t>Web.com</a:t>
                       </a:r>
                     </a:p>
                   </a:txBody>
@@ -12699,7 +10053,7 @@
                           <a:ea typeface="Proxima Nova" charset="0"/>
                           <a:cs typeface="Proxima Nova Regular"/>
                         </a:rPr>
-                        <a:t>Supported OS</a:t>
+                        <a:t>URL</a:t>
                       </a:r>
                     </a:p>
                   </a:txBody>
@@ -12733,7 +10087,7 @@
                           <a:ea typeface="Proxima Nova" charset="0"/>
                           <a:cs typeface="Proxima Nova Regular"/>
                         </a:rPr>
-                        <a:t>Windows / Linux</a:t>
+                        <a:t>http://www.altechcorp.com/EnclosuresFinder</a:t>
                       </a:r>
                     </a:p>
                   </a:txBody>
@@ -12795,7 +10149,7 @@
 </p:sld>
 </file>
 
-<file path=ppt/slides/slide16.xml><?xml version="1.0" encoding="utf-8"?>
+<file path=ppt/slides/slide13.xml><?xml version="1.0" encoding="utf-8"?>
 <p:sld xmlns:a="http://schemas.openxmlformats.org/drawingml/2006/main" xmlns:r="http://schemas.openxmlformats.org/officeDocument/2006/relationships" xmlns:p="http://schemas.openxmlformats.org/presentationml/2006/main">
   <p:cSld>
     <p:spTree>
@@ -13143,7 +10497,7 @@
 </p:sld>
 </file>
 
-<file path=ppt/slides/slide17.xml><?xml version="1.0" encoding="utf-8"?>
+<file path=ppt/slides/slide14.xml><?xml version="1.0" encoding="utf-8"?>
 <p:sld xmlns:a="http://schemas.openxmlformats.org/drawingml/2006/main" xmlns:r="http://schemas.openxmlformats.org/officeDocument/2006/relationships" xmlns:p="http://schemas.openxmlformats.org/presentationml/2006/main">
   <p:cSld>
     <p:spTree>
@@ -13210,14 +10564,14 @@
           <p:nvPr>
             <p:extLst>
               <p:ext uri="{D42A27DB-BD31-4B8C-83A1-F6EECF244321}">
-                <p14:modId xmlns:p14="http://schemas.microsoft.com/office/powerpoint/2010/main" val="1687940155"/>
+                <p14:modId xmlns:p14="http://schemas.microsoft.com/office/powerpoint/2010/main" val="370546972"/>
               </p:ext>
             </p:extLst>
           </p:nvPr>
         </p:nvGraphicFramePr>
         <p:xfrm>
-          <a:off x="819522" y="1298986"/>
-          <a:ext cx="6992838" cy="2854846"/>
+          <a:off x="755576" y="1298986"/>
+          <a:ext cx="6992838" cy="3068206"/>
         </p:xfrm>
         <a:graphic>
           <a:graphicData uri="http://schemas.openxmlformats.org/drawingml/2006/table">
@@ -13326,21 +10680,7 @@
                           <a:latin typeface="Proxima Nova Regular"/>
                           <a:cs typeface="Proxima Nova Regular"/>
                         </a:rPr>
-                        <a:t>Learning MODAPTS </a:t>
-                      </a:r>
-                      <a:r>
-                        <a:rPr lang="en-US" sz="1400">
-                          <a:latin typeface="Proxima Nova Regular"/>
-                          <a:cs typeface="Proxima Nova Regular"/>
-                        </a:rPr>
-                        <a:t>/ Analyzing </a:t>
-                      </a:r>
-                      <a:r>
-                        <a:rPr lang="en-US" sz="1400" dirty="0">
-                          <a:latin typeface="Proxima Nova Regular"/>
-                          <a:cs typeface="Proxima Nova Regular"/>
-                        </a:rPr>
-                        <a:t>code &amp; requirements</a:t>
+                        <a:t>Analyzing requirements</a:t>
                       </a:r>
                     </a:p>
                   </a:txBody>
@@ -13373,7 +10713,7 @@
                           <a:latin typeface="Proxima Nova Regular"/>
                           <a:cs typeface="Proxima Nova Regular"/>
                         </a:rPr>
-                        <a:t>80.00</a:t>
+                        <a:t>6.00</a:t>
                       </a:r>
                     </a:p>
                   </a:txBody>
@@ -13391,12 +10731,54 @@
                     <a:bodyPr/>
                     <a:lstStyle/>
                     <a:p>
-                      <a:pPr marL="18288" indent="-18288" algn="l"/>
+                      <a:pPr marL="18288" marR="0" lvl="0" indent="-18288" algn="l" defTabSz="914400" rtl="0" eaLnBrk="1" fontAlgn="auto" latinLnBrk="0" hangingPunct="1">
+                        <a:lnSpc>
+                          <a:spcPct val="100000"/>
+                        </a:lnSpc>
+                        <a:spcBef>
+                          <a:spcPts val="0"/>
+                        </a:spcBef>
+                        <a:spcAft>
+                          <a:spcPts val="0"/>
+                        </a:spcAft>
+                        <a:buClrTx/>
+                        <a:buSzTx/>
+                        <a:buFontTx/>
+                        <a:buNone/>
+                        <a:tabLst/>
+                        <a:defRPr/>
+                      </a:pPr>
+                      <a:r>
+                        <a:rPr lang="en-US" dirty="0">
+                          <a:solidFill>
+                            <a:schemeClr val="dk1"/>
+                          </a:solidFill>
+                          <a:latin typeface="Proxima Nova" charset="0"/>
+                          <a:ea typeface="Proxima Nova" charset="0"/>
+                          <a:cs typeface="Proxima Nova" charset="0"/>
+                          <a:sym typeface="Proxima Nova"/>
+                          <a:rtl val="0"/>
+                        </a:rPr>
+                        <a:t>Enclosures Finder Web App</a:t>
+                      </a:r>
+                      <a:r>
+                        <a:rPr lang="en-US" baseline="0" dirty="0">
+                          <a:solidFill>
+                            <a:schemeClr val="tx1"/>
+                          </a:solidFill>
+                          <a:latin typeface="+mn-lt"/>
+                          <a:ea typeface="+mn-ea"/>
+                          <a:cs typeface="+mn-cs"/>
+                          <a:sym typeface="Arial"/>
+                          <a:rtl val="0"/>
+                        </a:rPr>
+                        <a:t> </a:t>
+                      </a:r>
                       <a:r>
                         <a:rPr lang="en-US" sz="1400" dirty="0">
                           <a:latin typeface="Proxima Nova Regular"/>
                         </a:rPr>
-                        <a:t>Core App development</a:t>
+                        <a:t>development</a:t>
                       </a:r>
                     </a:p>
                   </a:txBody>
@@ -13413,7 +10795,7 @@
                           <a:latin typeface="Proxima Nova Regular"/>
                           <a:cs typeface="Proxima Nova Regular"/>
                         </a:rPr>
-                        <a:t>200.00</a:t>
+                        <a:t>40.00</a:t>
                       </a:r>
                     </a:p>
                   </a:txBody>
@@ -13431,12 +10813,41 @@
                     <a:bodyPr/>
                     <a:lstStyle/>
                     <a:p>
-                      <a:pPr marL="18288" indent="-18288" algn="l"/>
+                      <a:pPr marL="18288" marR="0" lvl="0" indent="-18288" algn="l" defTabSz="914400" rtl="0" eaLnBrk="1" fontAlgn="auto" latinLnBrk="0" hangingPunct="1">
+                        <a:lnSpc>
+                          <a:spcPct val="100000"/>
+                        </a:lnSpc>
+                        <a:spcBef>
+                          <a:spcPts val="0"/>
+                        </a:spcBef>
+                        <a:spcAft>
+                          <a:spcPts val="0"/>
+                        </a:spcAft>
+                        <a:buClrTx/>
+                        <a:buSzTx/>
+                        <a:buFontTx/>
+                        <a:buNone/>
+                        <a:tabLst/>
+                        <a:defRPr/>
+                      </a:pPr>
+                      <a:r>
+                        <a:rPr lang="en-US" dirty="0">
+                          <a:solidFill>
+                            <a:schemeClr val="dk1"/>
+                          </a:solidFill>
+                          <a:latin typeface="Proxima Nova" charset="0"/>
+                          <a:ea typeface="Proxima Nova" charset="0"/>
+                          <a:cs typeface="Proxima Nova" charset="0"/>
+                          <a:sym typeface="Proxima Nova"/>
+                          <a:rtl val="0"/>
+                        </a:rPr>
+                        <a:t>Enclosures repository feeder program</a:t>
+                      </a:r>
                       <a:r>
                         <a:rPr lang="en-US" sz="1400" dirty="0">
                           <a:latin typeface="Proxima Nova Regular"/>
                         </a:rPr>
-                        <a:t>Payments development</a:t>
+                        <a:t> development</a:t>
                       </a:r>
                     </a:p>
                   </a:txBody>
@@ -13453,7 +10864,7 @@
                           <a:latin typeface="Proxima Nova Regular"/>
                           <a:cs typeface="Proxima Nova Regular"/>
                         </a:rPr>
-                        <a:t>160.00</a:t>
+                        <a:t>24.00</a:t>
                       </a:r>
                     </a:p>
                   </a:txBody>
@@ -13471,12 +10882,41 @@
                     <a:bodyPr/>
                     <a:lstStyle/>
                     <a:p>
-                      <a:pPr marL="18288" indent="-18288" algn="l"/>
+                      <a:pPr marL="18288" marR="0" lvl="0" indent="-18288" algn="l" defTabSz="914400" rtl="0" eaLnBrk="1" fontAlgn="auto" latinLnBrk="0" hangingPunct="1">
+                        <a:lnSpc>
+                          <a:spcPct val="100000"/>
+                        </a:lnSpc>
+                        <a:spcBef>
+                          <a:spcPts val="0"/>
+                        </a:spcBef>
+                        <a:spcAft>
+                          <a:spcPts val="0"/>
+                        </a:spcAft>
+                        <a:buClrTx/>
+                        <a:buSzTx/>
+                        <a:buFontTx/>
+                        <a:buNone/>
+                        <a:tabLst/>
+                        <a:defRPr/>
+                      </a:pPr>
+                      <a:r>
+                        <a:rPr lang="en-US" dirty="0">
+                          <a:solidFill>
+                            <a:schemeClr val="dk1"/>
+                          </a:solidFill>
+                          <a:latin typeface="Proxima Nova" charset="0"/>
+                          <a:ea typeface="Proxima Nova" charset="0"/>
+                          <a:cs typeface="Proxima Nova" charset="0"/>
+                          <a:sym typeface="Proxima Nova"/>
+                          <a:rtl val="0"/>
+                        </a:rPr>
+                        <a:t>Enclosures and part numbers integration service</a:t>
+                      </a:r>
                       <a:r>
                         <a:rPr lang="en-US" sz="1400" dirty="0">
                           <a:latin typeface="Proxima Nova Regular"/>
                         </a:rPr>
-                        <a:t>Web site development</a:t>
+                        <a:t> development</a:t>
                       </a:r>
                     </a:p>
                   </a:txBody>
@@ -13493,7 +10933,7 @@
                           <a:latin typeface="Proxima Nova Regular"/>
                           <a:cs typeface="Proxima Nova Regular"/>
                         </a:rPr>
-                        <a:t>40.00</a:t>
+                        <a:t>2.00</a:t>
                       </a:r>
                     </a:p>
                   </a:txBody>
@@ -13540,7 +10980,7 @@
                           <a:latin typeface="Proxima Nova Regular"/>
                           <a:cs typeface="Proxima Nova Regular"/>
                         </a:rPr>
-                        <a:t>120.00</a:t>
+                        <a:t>16.00</a:t>
                       </a:r>
                     </a:p>
                   </a:txBody>
@@ -13584,7 +11024,7 @@
                           <a:latin typeface="Proxima Nova Regular"/>
                           <a:cs typeface="Proxima Nova Regular"/>
                         </a:rPr>
-                        <a:t>60.00</a:t>
+                        <a:t>4.00</a:t>
                       </a:r>
                     </a:p>
                   </a:txBody>
@@ -13634,7 +11074,7 @@
                           <a:latin typeface="Proxima Nova Regular"/>
                           <a:cs typeface="Proxima Nova Regular"/>
                         </a:rPr>
-                        <a:t>660.00</a:t>
+                        <a:t>92.00</a:t>
                       </a:r>
                     </a:p>
                   </a:txBody>
@@ -13722,7 +11162,7 @@
 </p:sld>
 </file>
 
-<file path=ppt/slides/slide18.xml><?xml version="1.0" encoding="utf-8"?>
+<file path=ppt/slides/slide15.xml><?xml version="1.0" encoding="utf-8"?>
 <p:sld xmlns:a="http://schemas.openxmlformats.org/drawingml/2006/main" xmlns:r="http://schemas.openxmlformats.org/officeDocument/2006/relationships" xmlns:p="http://schemas.openxmlformats.org/presentationml/2006/main">
   <p:cSld>
     <p:spTree>
@@ -13798,7 +11238,7 @@
           <p:nvPr>
             <p:extLst>
               <p:ext uri="{D42A27DB-BD31-4B8C-83A1-F6EECF244321}">
-                <p14:modId xmlns:p14="http://schemas.microsoft.com/office/powerpoint/2010/main" val="1794839937"/>
+                <p14:modId xmlns:p14="http://schemas.microsoft.com/office/powerpoint/2010/main" val="2945638847"/>
               </p:ext>
             </p:extLst>
           </p:nvPr>
@@ -14007,12 +11447,30 @@
                     <a:p>
                       <a:pPr marL="18288" indent="-18288" algn="l"/>
                       <a:r>
+                        <a:rPr lang="en-US" sz="1400" dirty="0" err="1">
+                          <a:latin typeface="Proxima Nova Regular"/>
+                          <a:cs typeface="Proxima Nova Regular"/>
+                        </a:rPr>
+                        <a:t>Altech</a:t>
+                      </a:r>
+                      <a:r>
                         <a:rPr lang="en-US" sz="1400" dirty="0">
                           <a:latin typeface="Proxima Nova Regular"/>
                           <a:cs typeface="Proxima Nova Regular"/>
                         </a:rPr>
-                        <a:t>Taskmaster 2020 project</a:t>
+                        <a:t> Enclosures</a:t>
                       </a:r>
+                      <a:r>
+                        <a:rPr lang="en-US" sz="1400" baseline="0" dirty="0">
+                          <a:latin typeface="Proxima Nova Regular"/>
+                          <a:cs typeface="Proxima Nova Regular"/>
+                        </a:rPr>
+                        <a:t> Finder Solution</a:t>
+                      </a:r>
+                      <a:endParaRPr lang="en-US" sz="1400" dirty="0">
+                        <a:latin typeface="Proxima Nova Regular"/>
+                        <a:cs typeface="Proxima Nova Regular"/>
+                      </a:endParaRPr>
                     </a:p>
                   </a:txBody>
                   <a:tcPr anchor="ctr"/>
@@ -14044,7 +11502,7 @@
                           <a:latin typeface="Proxima Nova Regular"/>
                           <a:cs typeface="Proxima Nova Regular"/>
                         </a:rPr>
-                        <a:t>660.00 H</a:t>
+                        <a:t>92.00 H</a:t>
                       </a:r>
                     </a:p>
                   </a:txBody>
@@ -14110,7 +11568,7 @@
                           <a:latin typeface="Proxima Nova Regular"/>
                           <a:cs typeface="Proxima Nova Regular"/>
                         </a:rPr>
-                        <a:t>$46,200.00</a:t>
+                        <a:t>$6,440.00</a:t>
                       </a:r>
                     </a:p>
                   </a:txBody>
@@ -14253,12 +11711,16 @@
                     <a:p>
                       <a:pPr algn="r"/>
                       <a:r>
-                        <a:rPr lang="en-US" sz="1400" dirty="0">
+                        <a:rPr lang="en-US" sz="1400">
                           <a:latin typeface="Proxima Nova Regular"/>
                           <a:cs typeface="Proxima Nova Regular"/>
                         </a:rPr>
-                        <a:t>$46,200.00</a:t>
+                        <a:t>$6,440.00</a:t>
                       </a:r>
+                      <a:endParaRPr lang="en-US" sz="1400" dirty="0">
+                        <a:latin typeface="Proxima Nova Regular"/>
+                        <a:cs typeface="Proxima Nova Regular"/>
+                      </a:endParaRPr>
                     </a:p>
                   </a:txBody>
                   <a:tcPr anchor="ctr"/>
@@ -14345,7 +11807,7 @@
 </p:sld>
 </file>
 
-<file path=ppt/slides/slide19.xml><?xml version="1.0" encoding="utf-8"?>
+<file path=ppt/slides/slide16.xml><?xml version="1.0" encoding="utf-8"?>
 <p:sld xmlns:a="http://schemas.openxmlformats.org/drawingml/2006/main" xmlns:r="http://schemas.openxmlformats.org/officeDocument/2006/relationships" xmlns:p="http://schemas.openxmlformats.org/presentationml/2006/main">
   <p:cSld>
     <p:bg>
@@ -14638,8 +12100,84 @@
                 <a:sym typeface="Arial"/>
                 <a:rtl val="0"/>
               </a:rPr>
-              <a:t>Taskmaster 2020 is an upgrade of Taskmaster 2000 with new features and ease of use. </a:t>
+              <a:t>A few years ago </a:t>
             </a:r>
+            <a:r>
+              <a:rPr lang="en-US" sz="1400" dirty="0" err="1">
+                <a:solidFill>
+                  <a:schemeClr val="dk1"/>
+                </a:solidFill>
+                <a:latin typeface="Proxima Nova" charset="0"/>
+                <a:ea typeface="Proxima Nova" charset="0"/>
+                <a:cs typeface="Proxima Nova" charset="0"/>
+                <a:sym typeface="Arial"/>
+                <a:rtl val="0"/>
+              </a:rPr>
+              <a:t>Altech</a:t>
+            </a:r>
+            <a:r>
+              <a:rPr lang="en-US" sz="1400" dirty="0">
+                <a:solidFill>
+                  <a:schemeClr val="dk1"/>
+                </a:solidFill>
+                <a:latin typeface="Proxima Nova" charset="0"/>
+                <a:ea typeface="Proxima Nova" charset="0"/>
+                <a:cs typeface="Proxima Nova" charset="0"/>
+                <a:sym typeface="Arial"/>
+                <a:rtl val="0"/>
+              </a:rPr>
+              <a:t> wanted to put in place an Enclosure Finder App such as the product finder of </a:t>
+            </a:r>
+            <a:r>
+              <a:rPr lang="en-US" sz="1400" dirty="0" err="1">
+                <a:solidFill>
+                  <a:schemeClr val="dk1"/>
+                </a:solidFill>
+                <a:latin typeface="Proxima Nova" charset="0"/>
+                <a:ea typeface="Proxima Nova" charset="0"/>
+                <a:cs typeface="Proxima Nova" charset="0"/>
+                <a:sym typeface="Arial"/>
+                <a:rtl val="0"/>
+              </a:rPr>
+              <a:t>Spelsberg</a:t>
+            </a:r>
+            <a:r>
+              <a:rPr lang="en-US" sz="1400" dirty="0">
+                <a:solidFill>
+                  <a:schemeClr val="dk1"/>
+                </a:solidFill>
+                <a:latin typeface="Proxima Nova" charset="0"/>
+                <a:ea typeface="Proxima Nova" charset="0"/>
+                <a:cs typeface="Proxima Nova" charset="0"/>
+                <a:sym typeface="Arial"/>
+                <a:rtl val="0"/>
+              </a:rPr>
+              <a:t>: </a:t>
+            </a:r>
+            <a:r>
+              <a:rPr lang="en-US" sz="1400" dirty="0">
+                <a:solidFill>
+                  <a:schemeClr val="dk1"/>
+                </a:solidFill>
+                <a:latin typeface="Proxima Nova" charset="0"/>
+                <a:ea typeface="Proxima Nova" charset="0"/>
+                <a:cs typeface="Proxima Nova" charset="0"/>
+                <a:sym typeface="Arial"/>
+                <a:hlinkClick r:id="rId3"/>
+                <a:rtl val="0"/>
+              </a:rPr>
+              <a:t>https://www.spelsberg.co.uk/product-finder/</a:t>
+            </a:r>
+            <a:endParaRPr lang="en-US" sz="1400" dirty="0">
+              <a:solidFill>
+                <a:schemeClr val="dk1"/>
+              </a:solidFill>
+              <a:latin typeface="Proxima Nova" charset="0"/>
+              <a:ea typeface="Proxima Nova" charset="0"/>
+              <a:cs typeface="Proxima Nova" charset="0"/>
+              <a:sym typeface="Arial"/>
+              <a:rtl val="0"/>
+            </a:endParaRPr>
           </a:p>
           <a:p>
             <a:pPr marL="171450" indent="-171450">
@@ -14648,7 +12186,6 @@
               </a:spcAft>
               <a:buFont typeface="Arial" charset="0"/>
               <a:buChar char="•"/>
-              <a:defRPr/>
             </a:pPr>
             <a:r>
               <a:rPr lang="en-US" sz="1400" dirty="0">
@@ -14661,7 +12198,33 @@
                 <a:sym typeface="Arial"/>
                 <a:rtl val="0"/>
               </a:rPr>
-              <a:t>Taskmaster 2020 is an application that manages MODAPTS studies and delivers world class reports.</a:t>
+              <a:t>An estimation quote has been provided to </a:t>
+            </a:r>
+            <a:r>
+              <a:rPr lang="en-US" sz="1400" dirty="0" err="1">
+                <a:solidFill>
+                  <a:schemeClr val="dk1"/>
+                </a:solidFill>
+                <a:latin typeface="Proxima Nova" charset="0"/>
+                <a:ea typeface="Proxima Nova" charset="0"/>
+                <a:cs typeface="Proxima Nova" charset="0"/>
+                <a:sym typeface="Arial"/>
+                <a:rtl val="0"/>
+              </a:rPr>
+              <a:t>Altech</a:t>
+            </a:r>
+            <a:r>
+              <a:rPr lang="en-US" sz="1400" dirty="0">
+                <a:solidFill>
+                  <a:schemeClr val="dk1"/>
+                </a:solidFill>
+                <a:latin typeface="Proxima Nova" charset="0"/>
+                <a:ea typeface="Proxima Nova" charset="0"/>
+                <a:cs typeface="Proxima Nova" charset="0"/>
+                <a:sym typeface="Arial"/>
+                <a:rtl val="0"/>
+              </a:rPr>
+              <a:t> and since then the project was on hold.</a:t>
             </a:r>
           </a:p>
           <a:p>
@@ -14671,7 +12234,41 @@
               </a:spcAft>
               <a:buFont typeface="Arial" charset="0"/>
               <a:buChar char="•"/>
-              <a:defRPr/>
+            </a:pPr>
+            <a:r>
+              <a:rPr lang="en-US" sz="1400" dirty="0" err="1">
+                <a:solidFill>
+                  <a:schemeClr val="dk1"/>
+                </a:solidFill>
+                <a:latin typeface="Proxima Nova" charset="0"/>
+                <a:ea typeface="Proxima Nova" charset="0"/>
+                <a:cs typeface="Proxima Nova" charset="0"/>
+                <a:sym typeface="Arial"/>
+                <a:rtl val="0"/>
+              </a:rPr>
+              <a:t>Altech</a:t>
+            </a:r>
+            <a:r>
+              <a:rPr lang="en-US" sz="1400" dirty="0">
+                <a:solidFill>
+                  <a:schemeClr val="dk1"/>
+                </a:solidFill>
+                <a:latin typeface="Proxima Nova" charset="0"/>
+                <a:ea typeface="Proxima Nova" charset="0"/>
+                <a:cs typeface="Proxima Nova" charset="0"/>
+                <a:sym typeface="Arial"/>
+                <a:rtl val="0"/>
+              </a:rPr>
+              <a:t> prepared and structured the data related to the enclosures in a spreadsheet based on an existing PDF catalog.</a:t>
+            </a:r>
+          </a:p>
+          <a:p>
+            <a:pPr marL="171450" indent="-171450">
+              <a:spcAft>
+                <a:spcPts val="600"/>
+              </a:spcAft>
+              <a:buFont typeface="Arial" charset="0"/>
+              <a:buChar char="•"/>
             </a:pPr>
             <a:r>
               <a:rPr lang="en-US" sz="1400" dirty="0">
@@ -14684,7 +12281,29 @@
                 <a:sym typeface="Arial"/>
                 <a:rtl val="0"/>
               </a:rPr>
-              <a:t>MODAPTS: </a:t>
+              <a:t>Recently the project is revived and a review of the old estimate was requested.</a:t>
+            </a:r>
+          </a:p>
+          <a:p>
+            <a:pPr marL="171450" indent="-171450">
+              <a:spcAft>
+                <a:spcPts val="600"/>
+              </a:spcAft>
+              <a:buFont typeface="Arial" charset="0"/>
+              <a:buChar char="•"/>
+            </a:pPr>
+            <a:r>
+              <a:rPr lang="en-US" sz="1400" dirty="0">
+                <a:solidFill>
+                  <a:schemeClr val="dk1"/>
+                </a:solidFill>
+                <a:latin typeface="Proxima Nova" charset="0"/>
+                <a:ea typeface="Proxima Nova" charset="0"/>
+                <a:cs typeface="Proxima Nova" charset="0"/>
+                <a:sym typeface="Arial"/>
+                <a:rtl val="0"/>
+              </a:rPr>
+              <a:t>The current proposal from Code Gate for the prospective project provides a new estimates based on the new parameters of collaboration with </a:t>
             </a:r>
             <a:r>
               <a:rPr lang="en-US" sz="1400" dirty="0" err="1">
@@ -14697,7 +12316,7 @@
                 <a:sym typeface="Arial"/>
                 <a:rtl val="0"/>
               </a:rPr>
-              <a:t>MODular</a:t>
+              <a:t>Altech</a:t>
             </a:r>
             <a:r>
               <a:rPr lang="en-US" sz="1400" dirty="0">
@@ -14710,7 +12329,7 @@
                 <a:sym typeface="Arial"/>
                 <a:rtl val="0"/>
               </a:rPr>
-              <a:t> Arrangement of Predetermined Times Standards.</a:t>
+              <a:t>.</a:t>
             </a:r>
           </a:p>
           <a:p>
@@ -14720,7 +12339,6 @@
               </a:spcAft>
               <a:buFont typeface="Arial" charset="0"/>
               <a:buChar char="•"/>
-              <a:defRPr/>
             </a:pPr>
             <a:r>
               <a:rPr lang="en-US" sz="1400" dirty="0">
@@ -14733,122 +12351,7 @@
                 <a:sym typeface="Arial"/>
                 <a:rtl val="0"/>
               </a:rPr>
-              <a:t>MODAPTS system applies a modular concept, which relates time values to movements of a worker’s body.</a:t>
-            </a:r>
-          </a:p>
-          <a:p>
-            <a:pPr marL="171450" indent="-171450">
-              <a:spcAft>
-                <a:spcPts val="600"/>
-              </a:spcAft>
-              <a:buFont typeface="Arial" charset="0"/>
-              <a:buChar char="•"/>
-              <a:defRPr/>
-            </a:pPr>
-            <a:r>
-              <a:rPr lang="en-US" sz="1400" dirty="0">
-                <a:solidFill>
-                  <a:schemeClr val="dk1"/>
-                </a:solidFill>
-                <a:latin typeface="Proxima Nova" charset="0"/>
-                <a:ea typeface="Proxima Nova" charset="0"/>
-                <a:cs typeface="Proxima Nova" charset="0"/>
-                <a:sym typeface="Arial"/>
-                <a:rtl val="0"/>
-              </a:rPr>
-              <a:t>Primary features of Taskmaster 2020:</a:t>
-            </a:r>
-          </a:p>
-          <a:p>
-            <a:pPr marL="628650" lvl="1" indent="-171450">
-              <a:spcAft>
-                <a:spcPts val="600"/>
-              </a:spcAft>
-              <a:buFont typeface="Arial" charset="0"/>
-              <a:buChar char="•"/>
-              <a:defRPr/>
-            </a:pPr>
-            <a:r>
-              <a:rPr lang="en-US" sz="1400" dirty="0">
-                <a:solidFill>
-                  <a:schemeClr val="dk1"/>
-                </a:solidFill>
-                <a:latin typeface="Proxima Nova" charset="0"/>
-                <a:ea typeface="Proxima Nova" charset="0"/>
-                <a:cs typeface="Proxima Nova" charset="0"/>
-                <a:sym typeface="Arial"/>
-                <a:rtl val="0"/>
-              </a:rPr>
-              <a:t>UI enhancements for MODAPTS studies and reports.</a:t>
-            </a:r>
-          </a:p>
-          <a:p>
-            <a:pPr marL="628650" lvl="1" indent="-171450">
-              <a:spcAft>
-                <a:spcPts val="600"/>
-              </a:spcAft>
-              <a:buFont typeface="Arial" charset="0"/>
-              <a:buChar char="•"/>
-              <a:defRPr/>
-            </a:pPr>
-            <a:r>
-              <a:rPr lang="en-US" sz="1400" dirty="0">
-                <a:solidFill>
-                  <a:schemeClr val="dk1"/>
-                </a:solidFill>
-                <a:latin typeface="Proxima Nova" charset="0"/>
-                <a:ea typeface="Proxima Nova" charset="0"/>
-                <a:cs typeface="Proxima Nova" charset="0"/>
-                <a:sym typeface="Arial"/>
-                <a:rtl val="0"/>
-              </a:rPr>
-              <a:t>Recurring subscription billing payments.</a:t>
-            </a:r>
-          </a:p>
-          <a:p>
-            <a:pPr marL="628650" lvl="1" indent="-171450">
-              <a:spcAft>
-                <a:spcPts val="600"/>
-              </a:spcAft>
-              <a:buFont typeface="Arial" charset="0"/>
-              <a:buChar char="•"/>
-              <a:defRPr/>
-            </a:pPr>
-            <a:r>
-              <a:rPr lang="en-US" sz="1400" dirty="0">
-                <a:solidFill>
-                  <a:schemeClr val="dk1"/>
-                </a:solidFill>
-                <a:latin typeface="Proxima Nova" charset="0"/>
-                <a:ea typeface="Proxima Nova" charset="0"/>
-                <a:cs typeface="Proxima Nova" charset="0"/>
-                <a:sym typeface="Arial"/>
-                <a:rtl val="0"/>
-              </a:rPr>
-              <a:t>Target mobile devices such as smartphones and tablets.</a:t>
-            </a:r>
-          </a:p>
-          <a:p>
-            <a:pPr marL="628650" lvl="1" indent="-171450">
-              <a:spcAft>
-                <a:spcPts val="600"/>
-              </a:spcAft>
-              <a:buFont typeface="Arial" charset="0"/>
-              <a:buChar char="•"/>
-              <a:defRPr/>
-            </a:pPr>
-            <a:r>
-              <a:rPr lang="en-US" sz="1400" dirty="0">
-                <a:solidFill>
-                  <a:schemeClr val="dk1"/>
-                </a:solidFill>
-                <a:latin typeface="Proxima Nova" charset="0"/>
-                <a:ea typeface="Proxima Nova" charset="0"/>
-                <a:cs typeface="Proxima Nova" charset="0"/>
-                <a:sym typeface="Arial"/>
-                <a:rtl val="0"/>
-              </a:rPr>
-              <a:t> Multi-tenant data architecture.</a:t>
+              <a:t>Code Gate is an offshore tech company based on Casablanca, Morocco and specialized in Software Development.</a:t>
             </a:r>
           </a:p>
           <a:p>
@@ -14900,7 +12403,7 @@
           <p:nvPr/>
         </p:nvPicPr>
         <p:blipFill>
-          <a:blip r:embed="rId3" cstate="print">
+          <a:blip r:embed="rId4" cstate="print">
             <a:extLst>
               <a:ext uri="{28A0092B-C50C-407E-A947-70E740481C1C}">
                 <a14:useLocalDpi xmlns:a14="http://schemas.microsoft.com/office/drawing/2010/main" val="0"/>
@@ -15408,32 +12911,7 @@
                 <a:sym typeface="Proxima Nova"/>
                 <a:rtl val="0"/>
               </a:rPr>
-              <a:t>Code Gate has derived Taskmaster 2020 feature list based upon Taskmaster 2000 and MODAPTS Practitioner Course and categorized the features based upon priority and dependency into 3 packages. </a:t>
-            </a:r>
-          </a:p>
-          <a:p>
-            <a:pPr marL="400050" indent="-293688">
-              <a:lnSpc>
-                <a:spcPct val="110000"/>
-              </a:lnSpc>
-              <a:spcAft>
-                <a:spcPts val="600"/>
-              </a:spcAft>
-              <a:buFont typeface="Wingdings" charset="2"/>
-              <a:buChar char="§"/>
-            </a:pPr>
-            <a:r>
-              <a:rPr lang="en-US" sz="1400" dirty="0">
-                <a:solidFill>
-                  <a:schemeClr val="dk1"/>
-                </a:solidFill>
-                <a:latin typeface="Proxima Nova" charset="0"/>
-                <a:ea typeface="Proxima Nova" charset="0"/>
-                <a:cs typeface="Proxima Nova" charset="0"/>
-                <a:sym typeface="Proxima Nova"/>
-                <a:rtl val="0"/>
-              </a:rPr>
-              <a:t>Inline with </a:t>
+              <a:t>Code Gate has derived </a:t>
             </a:r>
             <a:r>
               <a:rPr lang="en-US" sz="1400" dirty="0" err="1">
@@ -15446,7 +12924,7 @@
                 <a:sym typeface="Proxima Nova"/>
                 <a:rtl val="0"/>
               </a:rPr>
-              <a:t>Eisbrenner</a:t>
+              <a:t>Altech</a:t>
             </a:r>
             <a:r>
               <a:rPr lang="en-US" sz="1400" dirty="0">
@@ -15459,7 +12937,7 @@
                 <a:sym typeface="Proxima Nova"/>
                 <a:rtl val="0"/>
               </a:rPr>
-              <a:t> objectives, the 3 packages address the following requirements of Taskmaster 2020 and its details are listed in subsequent slides:</a:t>
+              <a:t> Enclosures Finder Solution feature list based upon the following sources: </a:t>
             </a:r>
           </a:p>
           <a:p>
@@ -15484,20 +12962,20 @@
                 <a:sym typeface="Proxima Nova"/>
                 <a:rtl val="0"/>
               </a:rPr>
-              <a:t>Package 1: Core application with </a:t>
+              <a:t>The meetings’ notes conducted in the past with Michael Cooper and Jeff </a:t>
             </a:r>
             <a:r>
-              <a:rPr lang="en-US" sz="1400" dirty="0">
+              <a:rPr lang="en-US" sz="1400" dirty="0" err="1">
                 <a:solidFill>
                   <a:schemeClr val="dk1"/>
                 </a:solidFill>
                 <a:latin typeface="Proxima Nova" charset="0"/>
                 <a:ea typeface="Proxima Nova" charset="0"/>
                 <a:cs typeface="Proxima Nova" charset="0"/>
-                <a:sym typeface="Arial"/>
+                <a:sym typeface="Proxima Nova"/>
                 <a:rtl val="0"/>
               </a:rPr>
-              <a:t>new MODAPTS studies and reports management</a:t>
+              <a:t>Roye</a:t>
             </a:r>
             <a:endParaRPr lang="en-US" sz="1400" dirty="0">
               <a:solidFill>
@@ -15532,8 +13010,20 @@
                 <a:sym typeface="Proxima Nova"/>
                 <a:rtl val="0"/>
               </a:rPr>
-              <a:t>Package 2: </a:t>
+              <a:t>The sample sites that provide the same functionality:</a:t>
             </a:r>
+          </a:p>
+          <a:p>
+            <a:pPr marL="1314450" lvl="2" indent="-293688">
+              <a:lnSpc>
+                <a:spcPct val="110000"/>
+              </a:lnSpc>
+              <a:spcAft>
+                <a:spcPts val="600"/>
+              </a:spcAft>
+              <a:buFont typeface="Wingdings" charset="2"/>
+              <a:buChar char="§"/>
+            </a:pPr>
             <a:r>
               <a:rPr lang="en-US" sz="1400" dirty="0">
                 <a:solidFill>
@@ -15542,10 +13032,47 @@
                 <a:latin typeface="Proxima Nova" charset="0"/>
                 <a:ea typeface="Proxima Nova" charset="0"/>
                 <a:cs typeface="Proxima Nova" charset="0"/>
-                <a:sym typeface="Arial"/>
+                <a:sym typeface="Proxima Nova"/>
+                <a:hlinkClick r:id="rId3"/>
                 <a:rtl val="0"/>
               </a:rPr>
-              <a:t>Recurring subscription billing payments</a:t>
+              <a:t>https://www.spelsberg.co.uk/product-finder/</a:t>
+            </a:r>
+            <a:endParaRPr lang="en-US" sz="1400" dirty="0">
+              <a:solidFill>
+                <a:schemeClr val="dk1"/>
+              </a:solidFill>
+              <a:latin typeface="Proxima Nova" charset="0"/>
+              <a:ea typeface="Proxima Nova" charset="0"/>
+              <a:cs typeface="Proxima Nova" charset="0"/>
+              <a:sym typeface="Proxima Nova"/>
+              <a:rtl val="0"/>
+            </a:endParaRPr>
+          </a:p>
+          <a:p>
+            <a:pPr marL="1314450" lvl="2" indent="-293688">
+              <a:lnSpc>
+                <a:spcPct val="110000"/>
+              </a:lnSpc>
+              <a:spcAft>
+                <a:spcPts val="600"/>
+              </a:spcAft>
+              <a:buFont typeface="Wingdings" charset="2"/>
+              <a:buChar char="§"/>
+            </a:pPr>
+            <a:r>
+              <a:rPr lang="en-US" sz="1400" dirty="0">
+                <a:solidFill>
+                  <a:schemeClr val="dk1"/>
+                </a:solidFill>
+                <a:latin typeface="Proxima Nova" charset="0"/>
+                <a:ea typeface="Proxima Nova" charset="0"/>
+                <a:cs typeface="Proxima Nova" charset="0"/>
+                <a:sym typeface="Proxima Nova"/>
+                <a:hlinkClick r:id="rId4"/>
+                <a:rtl val="0"/>
+              </a:rPr>
+              <a:t>http://www.budind.com/product-selector.php</a:t>
             </a:r>
             <a:endParaRPr lang="en-US" sz="1400" dirty="0">
               <a:solidFill>
@@ -15580,11 +13107,11 @@
                 <a:sym typeface="Proxima Nova"/>
                 <a:rtl val="0"/>
               </a:rPr>
-              <a:t>Package 3: Taskmaster web site</a:t>
+              <a:t>The Excel spreadsheet named “AltechEnclosureFinder.xlsx”</a:t>
             </a:r>
           </a:p>
           <a:p>
-            <a:pPr marL="400050" indent="-293688">
+            <a:pPr marL="857250" lvl="1" indent="-293688">
               <a:lnSpc>
                 <a:spcPct val="110000"/>
               </a:lnSpc>
@@ -15605,57 +13132,7 @@
                 <a:sym typeface="Proxima Nova"/>
                 <a:rtl val="0"/>
               </a:rPr>
-              <a:t>Most of the Taskmaster 2020 features are new or fixe features from Taskmaster 2000.</a:t>
-            </a:r>
-          </a:p>
-          <a:p>
-            <a:pPr marL="400050" indent="-293688">
-              <a:lnSpc>
-                <a:spcPct val="110000"/>
-              </a:lnSpc>
-              <a:spcAft>
-                <a:spcPts val="600"/>
-              </a:spcAft>
-              <a:buFont typeface="Wingdings" charset="2"/>
-              <a:buChar char="§"/>
-            </a:pPr>
-            <a:r>
-              <a:rPr lang="en-US" sz="1400" dirty="0">
-                <a:solidFill>
-                  <a:schemeClr val="dk1"/>
-                </a:solidFill>
-                <a:latin typeface="Proxima Nova" charset="0"/>
-                <a:ea typeface="Proxima Nova" charset="0"/>
-                <a:cs typeface="Proxima Nova" charset="0"/>
-                <a:sym typeface="Proxima Nova"/>
-                <a:rtl val="0"/>
-              </a:rPr>
-              <a:t>Taskmaster 2020 will be built from scratch to assure the objectives listed above.</a:t>
-            </a:r>
-          </a:p>
-          <a:p>
-            <a:pPr marL="400050" indent="-293688">
-              <a:lnSpc>
-                <a:spcPct val="110000"/>
-              </a:lnSpc>
-              <a:spcAft>
-                <a:spcPts val="600"/>
-              </a:spcAft>
-              <a:buFont typeface="Wingdings" charset="2"/>
-              <a:buChar char="§"/>
-            </a:pPr>
-            <a:r>
-              <a:rPr lang="en-US" sz="1400" dirty="0">
-                <a:solidFill>
-                  <a:schemeClr val="dk1"/>
-                </a:solidFill>
-                <a:latin typeface="Proxima Nova" charset="0"/>
-                <a:ea typeface="Proxima Nova" charset="0"/>
-                <a:cs typeface="Proxima Nova" charset="0"/>
-                <a:sym typeface="Proxima Nova"/>
-                <a:rtl val="0"/>
-              </a:rPr>
-              <a:t>Code Gate also provides a timeline and a budgetary estimate for implementing the 3 packages as a solution to Taskmaster 2020.</a:t>
+              <a:t>The picture of the desired Enclosures Finder Web App:</a:t>
             </a:r>
           </a:p>
         </p:txBody>
@@ -15669,7 +13146,7 @@
           <p:nvPr/>
         </p:nvPicPr>
         <p:blipFill>
-          <a:blip r:embed="rId3" cstate="print">
+          <a:blip r:embed="rId5" cstate="print">
             <a:extLst>
               <a:ext uri="{28A0092B-C50C-407E-A947-70E740481C1C}">
                 <a14:useLocalDpi xmlns:a14="http://schemas.microsoft.com/office/drawing/2010/main" val="0"/>
@@ -15767,7 +13244,178 @@
                 <a:cs typeface="Montserrat"/>
                 <a:sym typeface="Montserrat"/>
               </a:rPr>
-              <a:t>Why rebuild Taskmaster?</a:t>
+              <a:t>OUR APPROACH</a:t>
+            </a:r>
+            <a:endParaRPr lang="en" sz="3000" dirty="0">
+              <a:solidFill>
+                <a:srgbClr val="000000"/>
+              </a:solidFill>
+              <a:latin typeface="Montserrat"/>
+              <a:ea typeface="Montserrat"/>
+              <a:cs typeface="Montserrat"/>
+              <a:sym typeface="Montserrat"/>
+            </a:endParaRPr>
+          </a:p>
+        </p:txBody>
+      </p:sp>
+      <p:cxnSp>
+        <p:nvCxnSpPr>
+          <p:cNvPr id="9" name="Shape 77"/>
+          <p:cNvCxnSpPr/>
+          <p:nvPr/>
+        </p:nvCxnSpPr>
+        <p:spPr>
+          <a:xfrm>
+            <a:off x="171450" y="348637"/>
+            <a:ext cx="8801100" cy="0"/>
+          </a:xfrm>
+          <a:prstGeom prst="straightConnector1">
+            <a:avLst/>
+          </a:prstGeom>
+          <a:noFill/>
+          <a:ln w="9525" cap="flat">
+            <a:solidFill>
+              <a:srgbClr val="D9D9D9"/>
+            </a:solidFill>
+            <a:prstDash val="solid"/>
+            <a:round/>
+            <a:headEnd type="none" w="lg" len="lg"/>
+            <a:tailEnd type="none" w="lg" len="lg"/>
+          </a:ln>
+        </p:spPr>
+      </p:cxnSp>
+      <p:pic>
+        <p:nvPicPr>
+          <p:cNvPr id="6" name="Picture 5"/>
+          <p:cNvPicPr>
+            <a:picLocks noChangeAspect="1"/>
+          </p:cNvPicPr>
+          <p:nvPr/>
+        </p:nvPicPr>
+        <p:blipFill>
+          <a:blip r:embed="rId3" cstate="print">
+            <a:extLst>
+              <a:ext uri="{28A0092B-C50C-407E-A947-70E740481C1C}">
+                <a14:useLocalDpi xmlns:a14="http://schemas.microsoft.com/office/drawing/2010/main" val="0"/>
+              </a:ext>
+            </a:extLst>
+          </a:blip>
+          <a:stretch>
+            <a:fillRect/>
+          </a:stretch>
+        </p:blipFill>
+        <p:spPr>
+          <a:xfrm>
+            <a:off x="7376038" y="-17104"/>
+            <a:ext cx="1596512" cy="414480"/>
+          </a:xfrm>
+          <a:prstGeom prst="rect">
+            <a:avLst/>
+          </a:prstGeom>
+        </p:spPr>
+      </p:pic>
+      <p:pic>
+        <p:nvPicPr>
+          <p:cNvPr id="2" name="Picture 1"/>
+          <p:cNvPicPr>
+            <a:picLocks noChangeAspect="1"/>
+          </p:cNvPicPr>
+          <p:nvPr/>
+        </p:nvPicPr>
+        <p:blipFill>
+          <a:blip r:embed="rId4"/>
+          <a:stretch>
+            <a:fillRect/>
+          </a:stretch>
+        </p:blipFill>
+        <p:spPr>
+          <a:xfrm>
+            <a:off x="1763688" y="915566"/>
+            <a:ext cx="4896544" cy="4032448"/>
+          </a:xfrm>
+          <a:prstGeom prst="rect">
+            <a:avLst/>
+          </a:prstGeom>
+        </p:spPr>
+      </p:pic>
+    </p:spTree>
+    <p:extLst>
+      <p:ext uri="{BB962C8B-B14F-4D97-AF65-F5344CB8AC3E}">
+        <p14:creationId xmlns:p14="http://schemas.microsoft.com/office/powerpoint/2010/main" val="1771649727"/>
+      </p:ext>
+    </p:extLst>
+  </p:cSld>
+  <p:clrMapOvr>
+    <a:masterClrMapping/>
+  </p:clrMapOvr>
+  <p:transition spd="slow">
+    <p:cut/>
+  </p:transition>
+</p:sld>
+</file>
+
+<file path=ppt/slides/slide6.xml><?xml version="1.0" encoding="utf-8"?>
+<p:sld xmlns:a="http://schemas.openxmlformats.org/drawingml/2006/main" xmlns:r="http://schemas.openxmlformats.org/officeDocument/2006/relationships" xmlns:p="http://schemas.openxmlformats.org/presentationml/2006/main">
+  <p:cSld>
+    <p:spTree>
+      <p:nvGrpSpPr>
+        <p:cNvPr id="1" name="Shape 312"/>
+        <p:cNvGrpSpPr/>
+        <p:nvPr/>
+      </p:nvGrpSpPr>
+      <p:grpSpPr>
+        <a:xfrm>
+          <a:off x="0" y="0"/>
+          <a:ext cx="0" cy="0"/>
+          <a:chOff x="0" y="0"/>
+          <a:chExt cx="0" cy="0"/>
+        </a:xfrm>
+      </p:grpSpPr>
+      <p:sp>
+        <p:nvSpPr>
+          <p:cNvPr id="314" name="Shape 314"/>
+          <p:cNvSpPr txBox="1">
+            <a:spLocks noGrp="1"/>
+          </p:cNvSpPr>
+          <p:nvPr>
+            <p:ph type="ctrTitle"/>
+          </p:nvPr>
+        </p:nvSpPr>
+        <p:spPr>
+          <a:xfrm>
+            <a:off x="0" y="380067"/>
+            <a:ext cx="9144000" cy="535499"/>
+          </a:xfrm>
+          <a:prstGeom prst="rect">
+            <a:avLst/>
+          </a:prstGeom>
+          <a:noFill/>
+          <a:ln>
+            <a:noFill/>
+          </a:ln>
+        </p:spPr>
+        <p:txBody>
+          <a:bodyPr lIns="91425" tIns="91425" rIns="91425" bIns="91425" anchor="ctr" anchorCtr="0">
+            <a:noAutofit/>
+          </a:bodyPr>
+          <a:lstStyle/>
+          <a:p>
+            <a:pPr>
+              <a:buClr>
+                <a:srgbClr val="000000"/>
+              </a:buClr>
+            </a:pPr>
+            <a:r>
+              <a:rPr lang="en-US" sz="3000" dirty="0">
+                <a:solidFill>
+                  <a:srgbClr val="000000"/>
+                </a:solidFill>
+                <a:latin typeface="Montserrat"/>
+                <a:ea typeface="Montserrat"/>
+                <a:cs typeface="Montserrat"/>
+                <a:sym typeface="Montserrat"/>
+              </a:rPr>
+              <a:t>OUR APPROACH</a:t>
             </a:r>
             <a:endParaRPr lang="en" sz="3000" dirty="0">
               <a:solidFill>
@@ -15853,7 +13501,233 @@
                 <a:sym typeface="Proxima Nova"/>
                 <a:rtl val="0"/>
               </a:rPr>
-              <a:t>Organize studies in structured way.</a:t>
+              <a:t>Inline with </a:t>
+            </a:r>
+            <a:r>
+              <a:rPr lang="en-US" sz="1400" dirty="0" err="1">
+                <a:solidFill>
+                  <a:schemeClr val="dk1"/>
+                </a:solidFill>
+                <a:latin typeface="Proxima Nova" charset="0"/>
+                <a:ea typeface="Proxima Nova" charset="0"/>
+                <a:cs typeface="Proxima Nova" charset="0"/>
+                <a:sym typeface="Proxima Nova"/>
+                <a:rtl val="0"/>
+              </a:rPr>
+              <a:t>Altech</a:t>
+            </a:r>
+            <a:r>
+              <a:rPr lang="en-US" sz="1400" dirty="0">
+                <a:solidFill>
+                  <a:schemeClr val="dk1"/>
+                </a:solidFill>
+                <a:latin typeface="Proxima Nova" charset="0"/>
+                <a:ea typeface="Proxima Nova" charset="0"/>
+                <a:cs typeface="Proxima Nova" charset="0"/>
+                <a:sym typeface="Proxima Nova"/>
+                <a:rtl val="0"/>
+              </a:rPr>
+              <a:t> objectives, the Enclosures Finder Solution will consist of 3 components:</a:t>
+            </a:r>
+          </a:p>
+          <a:p>
+            <a:pPr marL="857250" lvl="1" indent="-293688">
+              <a:lnSpc>
+                <a:spcPct val="110000"/>
+              </a:lnSpc>
+              <a:spcAft>
+                <a:spcPts val="600"/>
+              </a:spcAft>
+              <a:buFont typeface="Wingdings" charset="2"/>
+              <a:buChar char="§"/>
+            </a:pPr>
+            <a:r>
+              <a:rPr lang="en-US" sz="1400" dirty="0">
+                <a:solidFill>
+                  <a:schemeClr val="dk1"/>
+                </a:solidFill>
+                <a:latin typeface="Proxima Nova" charset="0"/>
+                <a:ea typeface="Proxima Nova" charset="0"/>
+                <a:cs typeface="Proxima Nova" charset="0"/>
+                <a:sym typeface="Proxima Nova"/>
+                <a:rtl val="0"/>
+              </a:rPr>
+              <a:t>Enclosures Finder Web App allows to list, find, filter, and see details of the enclosures.</a:t>
+            </a:r>
+          </a:p>
+          <a:p>
+            <a:pPr marL="857250" lvl="1" indent="-293688">
+              <a:lnSpc>
+                <a:spcPct val="110000"/>
+              </a:lnSpc>
+              <a:spcAft>
+                <a:spcPts val="600"/>
+              </a:spcAft>
+              <a:buFont typeface="Wingdings" charset="2"/>
+              <a:buChar char="§"/>
+            </a:pPr>
+            <a:r>
+              <a:rPr lang="en-US" sz="1400" dirty="0">
+                <a:solidFill>
+                  <a:schemeClr val="dk1"/>
+                </a:solidFill>
+                <a:latin typeface="Proxima Nova" charset="0"/>
+                <a:ea typeface="Proxima Nova" charset="0"/>
+                <a:cs typeface="Proxima Nova" charset="0"/>
+                <a:sym typeface="Proxima Nova"/>
+                <a:rtl val="0"/>
+              </a:rPr>
+              <a:t>Enclosures repository feeder program seeds and update the Enclosures’ database with data from</a:t>
+            </a:r>
+          </a:p>
+          <a:p>
+            <a:pPr marL="1314450" lvl="2" indent="-293688">
+              <a:lnSpc>
+                <a:spcPct val="110000"/>
+              </a:lnSpc>
+              <a:spcAft>
+                <a:spcPts val="600"/>
+              </a:spcAft>
+              <a:buFont typeface="Wingdings" charset="2"/>
+              <a:buChar char="§"/>
+            </a:pPr>
+            <a:r>
+              <a:rPr lang="en-US" sz="1400" dirty="0">
+                <a:solidFill>
+                  <a:schemeClr val="dk1"/>
+                </a:solidFill>
+                <a:latin typeface="Proxima Nova" charset="0"/>
+                <a:ea typeface="Proxima Nova" charset="0"/>
+                <a:cs typeface="Proxima Nova" charset="0"/>
+                <a:sym typeface="Proxima Nova"/>
+                <a:rtl val="0"/>
+              </a:rPr>
+              <a:t>“AltechEnclosureFinder.xlsx”, </a:t>
+            </a:r>
+          </a:p>
+          <a:p>
+            <a:pPr marL="1314450" lvl="2" indent="-293688">
+              <a:lnSpc>
+                <a:spcPct val="110000"/>
+              </a:lnSpc>
+              <a:spcAft>
+                <a:spcPts val="600"/>
+              </a:spcAft>
+              <a:buFont typeface="Wingdings" charset="2"/>
+              <a:buChar char="§"/>
+            </a:pPr>
+            <a:r>
+              <a:rPr lang="en-US" sz="1400" dirty="0">
+                <a:solidFill>
+                  <a:schemeClr val="dk1"/>
+                </a:solidFill>
+                <a:latin typeface="Proxima Nova" charset="0"/>
+                <a:ea typeface="Proxima Nova" charset="0"/>
+                <a:cs typeface="Proxima Nova" charset="0"/>
+                <a:sym typeface="Proxima Nova"/>
+                <a:rtl val="0"/>
+              </a:rPr>
+              <a:t>location of images, </a:t>
+            </a:r>
+          </a:p>
+          <a:p>
+            <a:pPr marL="1314450" lvl="2" indent="-293688">
+              <a:lnSpc>
+                <a:spcPct val="110000"/>
+              </a:lnSpc>
+              <a:spcAft>
+                <a:spcPts val="600"/>
+              </a:spcAft>
+              <a:buFont typeface="Wingdings" charset="2"/>
+              <a:buChar char="§"/>
+            </a:pPr>
+            <a:r>
+              <a:rPr lang="en-US" sz="1400" dirty="0">
+                <a:solidFill>
+                  <a:schemeClr val="dk1"/>
+                </a:solidFill>
+                <a:latin typeface="Proxima Nova" charset="0"/>
+                <a:ea typeface="Proxima Nova" charset="0"/>
+                <a:cs typeface="Proxima Nova" charset="0"/>
+                <a:sym typeface="Proxima Nova"/>
+                <a:rtl val="0"/>
+              </a:rPr>
+              <a:t>Location of PDF, </a:t>
+            </a:r>
+          </a:p>
+          <a:p>
+            <a:pPr marL="1314450" lvl="2" indent="-293688">
+              <a:lnSpc>
+                <a:spcPct val="110000"/>
+              </a:lnSpc>
+              <a:spcAft>
+                <a:spcPts val="600"/>
+              </a:spcAft>
+              <a:buFont typeface="Wingdings" charset="2"/>
+              <a:buChar char="§"/>
+            </a:pPr>
+            <a:r>
+              <a:rPr lang="en-US" sz="1400" dirty="0">
+                <a:solidFill>
+                  <a:schemeClr val="dk1"/>
+                </a:solidFill>
+                <a:latin typeface="Proxima Nova" charset="0"/>
+                <a:ea typeface="Proxima Nova" charset="0"/>
+                <a:cs typeface="Proxima Nova" charset="0"/>
+                <a:sym typeface="Proxima Nova"/>
+                <a:rtl val="0"/>
+              </a:rPr>
+              <a:t>Location of drawings, </a:t>
+            </a:r>
+          </a:p>
+          <a:p>
+            <a:pPr marL="1314450" lvl="2" indent="-293688">
+              <a:lnSpc>
+                <a:spcPct val="110000"/>
+              </a:lnSpc>
+              <a:spcAft>
+                <a:spcPts val="600"/>
+              </a:spcAft>
+              <a:buFont typeface="Wingdings" charset="2"/>
+              <a:buChar char="§"/>
+            </a:pPr>
+            <a:r>
+              <a:rPr lang="en-US" sz="1400" dirty="0">
+                <a:solidFill>
+                  <a:schemeClr val="dk1"/>
+                </a:solidFill>
+                <a:latin typeface="Proxima Nova" charset="0"/>
+                <a:ea typeface="Proxima Nova" charset="0"/>
+                <a:cs typeface="Proxima Nova" charset="0"/>
+                <a:sym typeface="Proxima Nova"/>
+                <a:rtl val="0"/>
+              </a:rPr>
+              <a:t>Location of model</a:t>
+            </a:r>
+          </a:p>
+          <a:p>
+            <a:pPr marL="857250" lvl="1" indent="-293688">
+              <a:lnSpc>
+                <a:spcPct val="110000"/>
+              </a:lnSpc>
+              <a:spcAft>
+                <a:spcPts val="600"/>
+              </a:spcAft>
+              <a:buFont typeface="Wingdings" charset="2"/>
+              <a:buChar char="§"/>
+            </a:pPr>
+            <a:r>
+              <a:rPr lang="en-US" sz="1400" dirty="0">
+                <a:solidFill>
+                  <a:schemeClr val="dk1"/>
+                </a:solidFill>
+                <a:latin typeface="Proxima Nova" charset="0"/>
+                <a:ea typeface="Proxima Nova" charset="0"/>
+                <a:cs typeface="Proxima Nova" charset="0"/>
+                <a:sym typeface="Proxima Nova"/>
+                <a:rtl val="0"/>
+              </a:rPr>
+              <a:t>Enclosures and part numbers integration service maps each enclosure with a part number in order to get the stock.</a:t>
             </a:r>
           </a:p>
           <a:p>
@@ -15878,180 +13752,8 @@
                 <a:sym typeface="Proxima Nova"/>
                 <a:rtl val="0"/>
               </a:rPr>
-              <a:t>Display study detail in read mode.</a:t>
+              <a:t>Code Gate also provides a timeline and a budgetary estimate for implementing the Enclosures Finder Solution.</a:t>
             </a:r>
-          </a:p>
-          <a:p>
-            <a:pPr marL="400050" indent="-293688">
-              <a:lnSpc>
-                <a:spcPct val="110000"/>
-              </a:lnSpc>
-              <a:spcAft>
-                <a:spcPts val="600"/>
-              </a:spcAft>
-              <a:buFont typeface="Wingdings" charset="2"/>
-              <a:buChar char="§"/>
-            </a:pPr>
-            <a:r>
-              <a:rPr lang="en-US" sz="1400" dirty="0">
-                <a:solidFill>
-                  <a:schemeClr val="dk1"/>
-                </a:solidFill>
-                <a:latin typeface="Proxima Nova" charset="0"/>
-                <a:ea typeface="Proxima Nova" charset="0"/>
-                <a:cs typeface="Proxima Nova" charset="0"/>
-                <a:sym typeface="Proxima Nova"/>
-                <a:rtl val="0"/>
-              </a:rPr>
-              <a:t>Implement edit and copy actions for each study.</a:t>
-            </a:r>
-          </a:p>
-          <a:p>
-            <a:pPr marL="400050" indent="-293688">
-              <a:lnSpc>
-                <a:spcPct val="110000"/>
-              </a:lnSpc>
-              <a:spcAft>
-                <a:spcPts val="600"/>
-              </a:spcAft>
-              <a:buFont typeface="Wingdings" charset="2"/>
-              <a:buChar char="§"/>
-            </a:pPr>
-            <a:r>
-              <a:rPr lang="en-US" sz="1400" dirty="0">
-                <a:solidFill>
-                  <a:schemeClr val="dk1"/>
-                </a:solidFill>
-                <a:latin typeface="Proxima Nova" charset="0"/>
-                <a:ea typeface="Proxima Nova" charset="0"/>
-                <a:cs typeface="Proxima Nova" charset="0"/>
-                <a:sym typeface="Proxima Nova"/>
-                <a:rtl val="0"/>
-              </a:rPr>
-              <a:t>Implement selectable MODAPS code in pairing mode to build MODAPTS string instead of typing it out manually.</a:t>
-            </a:r>
-          </a:p>
-          <a:p>
-            <a:pPr marL="400050" indent="-293688">
-              <a:lnSpc>
-                <a:spcPct val="110000"/>
-              </a:lnSpc>
-              <a:spcAft>
-                <a:spcPts val="600"/>
-              </a:spcAft>
-              <a:buFont typeface="Wingdings" charset="2"/>
-              <a:buChar char="§"/>
-            </a:pPr>
-            <a:r>
-              <a:rPr lang="en-US" sz="1400" dirty="0">
-                <a:solidFill>
-                  <a:schemeClr val="dk1"/>
-                </a:solidFill>
-                <a:latin typeface="Proxima Nova" charset="0"/>
-                <a:ea typeface="Proxima Nova" charset="0"/>
-                <a:cs typeface="Proxima Nova" charset="0"/>
-                <a:sym typeface="Proxima Nova"/>
-                <a:rtl val="0"/>
-              </a:rPr>
-              <a:t>Display detail for each MODAPTS code while selecting it such as:</a:t>
-            </a:r>
-          </a:p>
-          <a:p>
-            <a:pPr marL="857250" lvl="1" indent="-293688">
-              <a:lnSpc>
-                <a:spcPct val="110000"/>
-              </a:lnSpc>
-              <a:spcAft>
-                <a:spcPts val="600"/>
-              </a:spcAft>
-              <a:buFont typeface="Wingdings" charset="2"/>
-              <a:buChar char="§"/>
-            </a:pPr>
-            <a:r>
-              <a:rPr lang="en-US" sz="1400" dirty="0">
-                <a:solidFill>
-                  <a:schemeClr val="dk1"/>
-                </a:solidFill>
-                <a:latin typeface="Proxima Nova" charset="0"/>
-                <a:ea typeface="Proxima Nova" charset="0"/>
-                <a:cs typeface="Proxima Nova" charset="0"/>
-                <a:sym typeface="Proxima Nova"/>
-                <a:rtl val="0"/>
-              </a:rPr>
-              <a:t>Element class: Movement, Terminal, and Auxiliary. </a:t>
-            </a:r>
-          </a:p>
-          <a:p>
-            <a:pPr marL="857250" lvl="1" indent="-293688">
-              <a:lnSpc>
-                <a:spcPct val="110000"/>
-              </a:lnSpc>
-              <a:spcAft>
-                <a:spcPts val="600"/>
-              </a:spcAft>
-              <a:buFont typeface="Wingdings" charset="2"/>
-              <a:buChar char="§"/>
-            </a:pPr>
-            <a:r>
-              <a:rPr lang="en-US" sz="1400" dirty="0">
-                <a:solidFill>
-                  <a:schemeClr val="dk1"/>
-                </a:solidFill>
-                <a:latin typeface="Proxima Nova" charset="0"/>
-                <a:ea typeface="Proxima Nova" charset="0"/>
-                <a:cs typeface="Proxima Nova" charset="0"/>
-                <a:sym typeface="Proxima Nova"/>
-                <a:rtl val="0"/>
-              </a:rPr>
-              <a:t>Movement class such as finger, hand, arm, shoulder, trunk with it usual distance.</a:t>
-            </a:r>
-          </a:p>
-          <a:p>
-            <a:pPr marL="857250" lvl="1" indent="-293688">
-              <a:lnSpc>
-                <a:spcPct val="110000"/>
-              </a:lnSpc>
-              <a:spcAft>
-                <a:spcPts val="600"/>
-              </a:spcAft>
-              <a:buFont typeface="Wingdings" charset="2"/>
-              <a:buChar char="§"/>
-            </a:pPr>
-            <a:r>
-              <a:rPr lang="en-US" sz="1400" dirty="0">
-                <a:solidFill>
-                  <a:schemeClr val="dk1"/>
-                </a:solidFill>
-                <a:latin typeface="Proxima Nova" charset="0"/>
-                <a:ea typeface="Proxima Nova" charset="0"/>
-                <a:cs typeface="Proxima Nova" charset="0"/>
-                <a:sym typeface="Proxima Nova"/>
-                <a:rtl val="0"/>
-              </a:rPr>
-              <a:t>The following slide shows the summary of new MODAPTS string builder: </a:t>
-            </a:r>
-          </a:p>
-          <a:p>
-            <a:pPr marL="857250" lvl="1" indent="-293688">
-              <a:lnSpc>
-                <a:spcPct val="110000"/>
-              </a:lnSpc>
-              <a:spcAft>
-                <a:spcPts val="600"/>
-              </a:spcAft>
-              <a:buFont typeface="Wingdings" charset="2"/>
-              <a:buChar char="§"/>
-            </a:pPr>
-            <a:endParaRPr lang="en-US" sz="1400" dirty="0">
-              <a:solidFill>
-                <a:schemeClr val="dk1"/>
-              </a:solidFill>
-              <a:latin typeface="Proxima Nova" charset="0"/>
-              <a:ea typeface="Proxima Nova" charset="0"/>
-              <a:cs typeface="Proxima Nova" charset="0"/>
-              <a:sym typeface="Proxima Nova"/>
-              <a:rtl val="0"/>
-            </a:endParaRPr>
           </a:p>
         </p:txBody>
       </p:sp>
@@ -16088,120 +13790,7 @@
     </p:spTree>
     <p:extLst>
       <p:ext uri="{BB962C8B-B14F-4D97-AF65-F5344CB8AC3E}">
-        <p14:creationId xmlns:p14="http://schemas.microsoft.com/office/powerpoint/2010/main" val="1146905400"/>
-      </p:ext>
-    </p:extLst>
-  </p:cSld>
-  <p:clrMapOvr>
-    <a:masterClrMapping/>
-  </p:clrMapOvr>
-  <p:transition spd="slow">
-    <p:cut/>
-  </p:transition>
-</p:sld>
-</file>
-
-<file path=ppt/slides/slide6.xml><?xml version="1.0" encoding="utf-8"?>
-<p:sld xmlns:a="http://schemas.openxmlformats.org/drawingml/2006/main" xmlns:r="http://schemas.openxmlformats.org/officeDocument/2006/relationships" xmlns:p="http://schemas.openxmlformats.org/presentationml/2006/main">
-  <p:cSld>
-    <p:spTree>
-      <p:nvGrpSpPr>
-        <p:cNvPr id="1" name="Shape 312"/>
-        <p:cNvGrpSpPr/>
-        <p:nvPr/>
-      </p:nvGrpSpPr>
-      <p:grpSpPr>
-        <a:xfrm>
-          <a:off x="0" y="0"/>
-          <a:ext cx="0" cy="0"/>
-          <a:chOff x="0" y="0"/>
-          <a:chExt cx="0" cy="0"/>
-        </a:xfrm>
-      </p:grpSpPr>
-      <p:cxnSp>
-        <p:nvCxnSpPr>
-          <p:cNvPr id="9" name="Shape 77"/>
-          <p:cNvCxnSpPr/>
-          <p:nvPr/>
-        </p:nvCxnSpPr>
-        <p:spPr>
-          <a:xfrm>
-            <a:off x="171450" y="348637"/>
-            <a:ext cx="8801100" cy="0"/>
-          </a:xfrm>
-          <a:prstGeom prst="straightConnector1">
-            <a:avLst/>
-          </a:prstGeom>
-          <a:noFill/>
-          <a:ln w="9525" cap="flat">
-            <a:solidFill>
-              <a:srgbClr val="D9D9D9"/>
-            </a:solidFill>
-            <a:prstDash val="solid"/>
-            <a:round/>
-            <a:headEnd type="none" w="lg" len="lg"/>
-            <a:tailEnd type="none" w="lg" len="lg"/>
-          </a:ln>
-        </p:spPr>
-      </p:cxnSp>
-      <p:pic>
-        <p:nvPicPr>
-          <p:cNvPr id="6" name="Picture 5"/>
-          <p:cNvPicPr>
-            <a:picLocks noChangeAspect="1"/>
-          </p:cNvPicPr>
-          <p:nvPr/>
-        </p:nvPicPr>
-        <p:blipFill>
-          <a:blip r:embed="rId3" cstate="print">
-            <a:extLst>
-              <a:ext uri="{28A0092B-C50C-407E-A947-70E740481C1C}">
-                <a14:useLocalDpi xmlns:a14="http://schemas.microsoft.com/office/drawing/2010/main" val="0"/>
-              </a:ext>
-            </a:extLst>
-          </a:blip>
-          <a:stretch>
-            <a:fillRect/>
-          </a:stretch>
-        </p:blipFill>
-        <p:spPr>
-          <a:xfrm>
-            <a:off x="7376038" y="-17104"/>
-            <a:ext cx="1596512" cy="414480"/>
-          </a:xfrm>
-          <a:prstGeom prst="rect">
-            <a:avLst/>
-          </a:prstGeom>
-        </p:spPr>
-      </p:pic>
-      <p:pic>
-        <p:nvPicPr>
-          <p:cNvPr id="8" name="Picture 7"/>
-          <p:cNvPicPr>
-            <a:picLocks noChangeAspect="1"/>
-          </p:cNvPicPr>
-          <p:nvPr/>
-        </p:nvPicPr>
-        <p:blipFill>
-          <a:blip r:embed="rId4"/>
-          <a:stretch>
-            <a:fillRect/>
-          </a:stretch>
-        </p:blipFill>
-        <p:spPr>
-          <a:xfrm>
-            <a:off x="107504" y="397376"/>
-            <a:ext cx="8928992" cy="4746124"/>
-          </a:xfrm>
-          <a:prstGeom prst="rect">
-            <a:avLst/>
-          </a:prstGeom>
-        </p:spPr>
-      </p:pic>
-    </p:spTree>
-    <p:extLst>
-      <p:ext uri="{BB962C8B-B14F-4D97-AF65-F5344CB8AC3E}">
-        <p14:creationId xmlns:p14="http://schemas.microsoft.com/office/powerpoint/2010/main" val="437220129"/>
+        <p14:creationId xmlns:p14="http://schemas.microsoft.com/office/powerpoint/2010/main" val="3752179721"/>
       </p:ext>
     </p:extLst>
   </p:cSld>
@@ -16215,740 +13804,6 @@
 </file>
 
 <file path=ppt/slides/slide7.xml><?xml version="1.0" encoding="utf-8"?>
-<p:sld xmlns:a="http://schemas.openxmlformats.org/drawingml/2006/main" xmlns:r="http://schemas.openxmlformats.org/officeDocument/2006/relationships" xmlns:p="http://schemas.openxmlformats.org/presentationml/2006/main">
-  <p:cSld>
-    <p:spTree>
-      <p:nvGrpSpPr>
-        <p:cNvPr id="1" name="Shape 312"/>
-        <p:cNvGrpSpPr/>
-        <p:nvPr/>
-      </p:nvGrpSpPr>
-      <p:grpSpPr>
-        <a:xfrm>
-          <a:off x="0" y="0"/>
-          <a:ext cx="0" cy="0"/>
-          <a:chOff x="0" y="0"/>
-          <a:chExt cx="0" cy="0"/>
-        </a:xfrm>
-      </p:grpSpPr>
-      <p:sp>
-        <p:nvSpPr>
-          <p:cNvPr id="314" name="Shape 314"/>
-          <p:cNvSpPr txBox="1">
-            <a:spLocks noGrp="1"/>
-          </p:cNvSpPr>
-          <p:nvPr>
-            <p:ph type="ctrTitle"/>
-          </p:nvPr>
-        </p:nvSpPr>
-        <p:spPr>
-          <a:xfrm>
-            <a:off x="0" y="380067"/>
-            <a:ext cx="9144000" cy="535499"/>
-          </a:xfrm>
-          <a:prstGeom prst="rect">
-            <a:avLst/>
-          </a:prstGeom>
-          <a:noFill/>
-          <a:ln>
-            <a:noFill/>
-          </a:ln>
-        </p:spPr>
-        <p:txBody>
-          <a:bodyPr lIns="91425" tIns="91425" rIns="91425" bIns="91425" anchor="ctr" anchorCtr="0">
-            <a:noAutofit/>
-          </a:bodyPr>
-          <a:lstStyle/>
-          <a:p>
-            <a:pPr>
-              <a:buClr>
-                <a:srgbClr val="000000"/>
-              </a:buClr>
-            </a:pPr>
-            <a:r>
-              <a:rPr lang="en-US" sz="3000" dirty="0">
-                <a:solidFill>
-                  <a:srgbClr val="000000"/>
-                </a:solidFill>
-                <a:latin typeface="Montserrat"/>
-                <a:ea typeface="Montserrat"/>
-                <a:cs typeface="Montserrat"/>
-                <a:sym typeface="Montserrat"/>
-              </a:rPr>
-              <a:t>Why rebuild Taskmaster?</a:t>
-            </a:r>
-            <a:endParaRPr lang="en" sz="3000" dirty="0">
-              <a:solidFill>
-                <a:srgbClr val="000000"/>
-              </a:solidFill>
-              <a:latin typeface="Montserrat"/>
-              <a:ea typeface="Montserrat"/>
-              <a:cs typeface="Montserrat"/>
-              <a:sym typeface="Montserrat"/>
-            </a:endParaRPr>
-          </a:p>
-        </p:txBody>
-      </p:sp>
-      <p:cxnSp>
-        <p:nvCxnSpPr>
-          <p:cNvPr id="9" name="Shape 77"/>
-          <p:cNvCxnSpPr/>
-          <p:nvPr/>
-        </p:nvCxnSpPr>
-        <p:spPr>
-          <a:xfrm>
-            <a:off x="171450" y="348637"/>
-            <a:ext cx="8801100" cy="0"/>
-          </a:xfrm>
-          <a:prstGeom prst="straightConnector1">
-            <a:avLst/>
-          </a:prstGeom>
-          <a:noFill/>
-          <a:ln w="9525" cap="flat">
-            <a:solidFill>
-              <a:srgbClr val="D9D9D9"/>
-            </a:solidFill>
-            <a:prstDash val="solid"/>
-            <a:round/>
-            <a:headEnd type="none" w="lg" len="lg"/>
-            <a:tailEnd type="none" w="lg" len="lg"/>
-          </a:ln>
-        </p:spPr>
-      </p:cxnSp>
-      <p:sp>
-        <p:nvSpPr>
-          <p:cNvPr id="10" name="Shape 153"/>
-          <p:cNvSpPr txBox="1"/>
-          <p:nvPr/>
-        </p:nvSpPr>
-        <p:spPr>
-          <a:xfrm>
-            <a:off x="171451" y="1059581"/>
-            <a:ext cx="5624686" cy="3878413"/>
-          </a:xfrm>
-          <a:prstGeom prst="rect">
-            <a:avLst/>
-          </a:prstGeom>
-          <a:noFill/>
-          <a:ln>
-            <a:noFill/>
-          </a:ln>
-        </p:spPr>
-        <p:txBody>
-          <a:bodyPr lIns="91425" tIns="91425" rIns="91425" bIns="91425" anchor="t" anchorCtr="0">
-            <a:noAutofit/>
-          </a:bodyPr>
-          <a:lstStyle/>
-          <a:p>
-            <a:pPr marL="400050" indent="-293688">
-              <a:lnSpc>
-                <a:spcPct val="110000"/>
-              </a:lnSpc>
-              <a:spcAft>
-                <a:spcPts val="600"/>
-              </a:spcAft>
-              <a:buFont typeface="Wingdings" charset="2"/>
-              <a:buChar char="§"/>
-            </a:pPr>
-            <a:r>
-              <a:rPr lang="en-US" sz="1400" dirty="0">
-                <a:solidFill>
-                  <a:schemeClr val="dk1"/>
-                </a:solidFill>
-                <a:latin typeface="Proxima Nova" charset="0"/>
-                <a:ea typeface="Proxima Nova" charset="0"/>
-                <a:cs typeface="Proxima Nova" charset="0"/>
-                <a:sym typeface="Proxima Nova"/>
-                <a:rtl val="0"/>
-              </a:rPr>
-              <a:t>Implement MODAPTS code for right and left hands.</a:t>
-            </a:r>
-          </a:p>
-          <a:p>
-            <a:pPr marL="400050" indent="-293688">
-              <a:lnSpc>
-                <a:spcPct val="110000"/>
-              </a:lnSpc>
-              <a:spcAft>
-                <a:spcPts val="600"/>
-              </a:spcAft>
-              <a:buFont typeface="Wingdings" charset="2"/>
-              <a:buChar char="§"/>
-            </a:pPr>
-            <a:r>
-              <a:rPr lang="en-US" sz="1400" dirty="0">
-                <a:solidFill>
-                  <a:schemeClr val="dk1"/>
-                </a:solidFill>
-                <a:latin typeface="Proxima Nova" charset="0"/>
-                <a:ea typeface="Proxima Nova" charset="0"/>
-                <a:cs typeface="Proxima Nova" charset="0"/>
-                <a:sym typeface="Proxima Nova"/>
-                <a:rtl val="0"/>
-              </a:rPr>
-              <a:t>Implement rules for low vs. high conscious control.</a:t>
-            </a:r>
-          </a:p>
-          <a:p>
-            <a:pPr marL="400050" indent="-293688">
-              <a:lnSpc>
-                <a:spcPct val="110000"/>
-              </a:lnSpc>
-              <a:spcAft>
-                <a:spcPts val="600"/>
-              </a:spcAft>
-              <a:buFont typeface="Wingdings" charset="2"/>
-              <a:buChar char="§"/>
-            </a:pPr>
-            <a:r>
-              <a:rPr lang="en-US" sz="1400" dirty="0">
-                <a:solidFill>
-                  <a:schemeClr val="dk1"/>
-                </a:solidFill>
-                <a:latin typeface="Proxima Nova" charset="0"/>
-                <a:ea typeface="Proxima Nova" charset="0"/>
-                <a:cs typeface="Proxima Nova" charset="0"/>
-                <a:sym typeface="Proxima Nova"/>
-                <a:rtl val="0"/>
-              </a:rPr>
-              <a:t>Implement MODAPTS simultaneous rules.</a:t>
-            </a:r>
-          </a:p>
-          <a:p>
-            <a:pPr marL="400050" indent="-293688">
-              <a:lnSpc>
-                <a:spcPct val="110000"/>
-              </a:lnSpc>
-              <a:spcAft>
-                <a:spcPts val="600"/>
-              </a:spcAft>
-              <a:buFont typeface="Wingdings" charset="2"/>
-              <a:buChar char="§"/>
-            </a:pPr>
-            <a:r>
-              <a:rPr lang="en-US" sz="1400" dirty="0">
-                <a:solidFill>
-                  <a:schemeClr val="dk1"/>
-                </a:solidFill>
-                <a:latin typeface="Proxima Nova" charset="0"/>
-                <a:ea typeface="Proxima Nova" charset="0"/>
-                <a:cs typeface="Proxima Nova" charset="0"/>
-                <a:sym typeface="Proxima Nova"/>
-                <a:rtl val="0"/>
-              </a:rPr>
-              <a:t>Build a multi-client supported API (Application Programming Interface).</a:t>
-            </a:r>
-          </a:p>
-          <a:p>
-            <a:pPr marL="400050" indent="-293688">
-              <a:lnSpc>
-                <a:spcPct val="110000"/>
-              </a:lnSpc>
-              <a:spcAft>
-                <a:spcPts val="600"/>
-              </a:spcAft>
-              <a:buFont typeface="Wingdings" charset="2"/>
-              <a:buChar char="§"/>
-            </a:pPr>
-            <a:r>
-              <a:rPr lang="en-US" sz="1400" dirty="0">
-                <a:solidFill>
-                  <a:schemeClr val="dk1"/>
-                </a:solidFill>
-                <a:latin typeface="Proxima Nova" charset="0"/>
-                <a:ea typeface="Proxima Nova" charset="0"/>
-                <a:cs typeface="Proxima Nova" charset="0"/>
-                <a:sym typeface="Proxima Nova"/>
-                <a:rtl val="0"/>
-              </a:rPr>
-              <a:t>Use Taskmaster from a mobile oriented website and a desktop application.</a:t>
-            </a:r>
-          </a:p>
-          <a:p>
-            <a:pPr marL="400050" indent="-293688">
-              <a:lnSpc>
-                <a:spcPct val="110000"/>
-              </a:lnSpc>
-              <a:spcAft>
-                <a:spcPts val="600"/>
-              </a:spcAft>
-              <a:buFont typeface="Wingdings" charset="2"/>
-              <a:buChar char="§"/>
-            </a:pPr>
-            <a:r>
-              <a:rPr lang="en-US" sz="1400" dirty="0">
-                <a:solidFill>
-                  <a:schemeClr val="dk1"/>
-                </a:solidFill>
-                <a:latin typeface="Proxima Nova" charset="0"/>
-                <a:ea typeface="Proxima Nova" charset="0"/>
-                <a:cs typeface="Proxima Nova" charset="0"/>
-                <a:sym typeface="Proxima Nova"/>
-                <a:rtl val="0"/>
-              </a:rPr>
-              <a:t>Implement recurring subscription billing payments:</a:t>
-            </a:r>
-          </a:p>
-          <a:p>
-            <a:pPr marL="857250" lvl="1" indent="-293688">
-              <a:lnSpc>
-                <a:spcPct val="110000"/>
-              </a:lnSpc>
-              <a:spcAft>
-                <a:spcPts val="600"/>
-              </a:spcAft>
-              <a:buFont typeface="Wingdings" charset="2"/>
-              <a:buChar char="§"/>
-            </a:pPr>
-            <a:r>
-              <a:rPr lang="en-US" sz="1400" dirty="0">
-                <a:solidFill>
-                  <a:schemeClr val="dk1"/>
-                </a:solidFill>
-                <a:latin typeface="Proxima Nova" charset="0"/>
-                <a:ea typeface="Proxima Nova" charset="0"/>
-                <a:cs typeface="Proxima Nova" charset="0"/>
-                <a:sym typeface="Proxima Nova"/>
-                <a:rtl val="0"/>
-              </a:rPr>
-              <a:t>Plans management, Collect billing information. </a:t>
-            </a:r>
-          </a:p>
-          <a:p>
-            <a:pPr marL="857250" lvl="1" indent="-293688">
-              <a:lnSpc>
-                <a:spcPct val="110000"/>
-              </a:lnSpc>
-              <a:spcAft>
-                <a:spcPts val="600"/>
-              </a:spcAft>
-              <a:buFont typeface="Wingdings" charset="2"/>
-              <a:buChar char="§"/>
-            </a:pPr>
-            <a:r>
-              <a:rPr lang="en-US" sz="1400" dirty="0">
-                <a:solidFill>
-                  <a:schemeClr val="dk1"/>
-                </a:solidFill>
-                <a:latin typeface="Proxima Nova" charset="0"/>
-                <a:ea typeface="Proxima Nova" charset="0"/>
-                <a:cs typeface="Proxima Nova" charset="0"/>
-                <a:sym typeface="Proxima Nova"/>
-                <a:rtl val="0"/>
-              </a:rPr>
-              <a:t>Create subscription and handling its events: subscription trial will end, Invoice payment succeeded or failed.</a:t>
-            </a:r>
-          </a:p>
-          <a:p>
-            <a:pPr marL="857250" lvl="1" indent="-293688">
-              <a:lnSpc>
-                <a:spcPct val="110000"/>
-              </a:lnSpc>
-              <a:spcAft>
-                <a:spcPts val="600"/>
-              </a:spcAft>
-              <a:buFont typeface="Wingdings" charset="2"/>
-              <a:buChar char="§"/>
-            </a:pPr>
-            <a:r>
-              <a:rPr lang="en-US" sz="1400" dirty="0">
-                <a:solidFill>
-                  <a:schemeClr val="dk1"/>
-                </a:solidFill>
-                <a:latin typeface="Proxima Nova" charset="0"/>
-                <a:ea typeface="Proxima Nova" charset="0"/>
-                <a:cs typeface="Proxima Nova" charset="0"/>
-                <a:sym typeface="Proxima Nova"/>
-                <a:rtl val="0"/>
-              </a:rPr>
-              <a:t>Change plan, cancel subscription.</a:t>
-            </a:r>
-          </a:p>
-          <a:p>
-            <a:pPr marL="400050" indent="-293688">
-              <a:lnSpc>
-                <a:spcPct val="110000"/>
-              </a:lnSpc>
-              <a:spcAft>
-                <a:spcPts val="600"/>
-              </a:spcAft>
-              <a:buFont typeface="Wingdings" charset="2"/>
-              <a:buChar char="§"/>
-            </a:pPr>
-            <a:endParaRPr lang="en-US" sz="1400" dirty="0">
-              <a:solidFill>
-                <a:schemeClr val="dk1"/>
-              </a:solidFill>
-              <a:latin typeface="Proxima Nova" charset="0"/>
-              <a:ea typeface="Proxima Nova" charset="0"/>
-              <a:cs typeface="Proxima Nova" charset="0"/>
-              <a:sym typeface="Proxima Nova"/>
-              <a:rtl val="0"/>
-            </a:endParaRPr>
-          </a:p>
-          <a:p>
-            <a:pPr marL="857250" lvl="1" indent="-293688">
-              <a:lnSpc>
-                <a:spcPct val="110000"/>
-              </a:lnSpc>
-              <a:spcAft>
-                <a:spcPts val="600"/>
-              </a:spcAft>
-              <a:buFont typeface="Wingdings" charset="2"/>
-              <a:buChar char="§"/>
-            </a:pPr>
-            <a:endParaRPr lang="en-US" sz="1400" dirty="0">
-              <a:solidFill>
-                <a:schemeClr val="dk1"/>
-              </a:solidFill>
-              <a:latin typeface="Proxima Nova" charset="0"/>
-              <a:ea typeface="Proxima Nova" charset="0"/>
-              <a:cs typeface="Proxima Nova" charset="0"/>
-              <a:sym typeface="Proxima Nova"/>
-              <a:rtl val="0"/>
-            </a:endParaRPr>
-          </a:p>
-        </p:txBody>
-      </p:sp>
-      <p:pic>
-        <p:nvPicPr>
-          <p:cNvPr id="6" name="Picture 5"/>
-          <p:cNvPicPr>
-            <a:picLocks noChangeAspect="1"/>
-          </p:cNvPicPr>
-          <p:nvPr/>
-        </p:nvPicPr>
-        <p:blipFill>
-          <a:blip r:embed="rId3" cstate="print">
-            <a:extLst>
-              <a:ext uri="{28A0092B-C50C-407E-A947-70E740481C1C}">
-                <a14:useLocalDpi xmlns:a14="http://schemas.microsoft.com/office/drawing/2010/main" val="0"/>
-              </a:ext>
-            </a:extLst>
-          </a:blip>
-          <a:stretch>
-            <a:fillRect/>
-          </a:stretch>
-        </p:blipFill>
-        <p:spPr>
-          <a:xfrm>
-            <a:off x="7376038" y="-17104"/>
-            <a:ext cx="1596512" cy="414480"/>
-          </a:xfrm>
-          <a:prstGeom prst="rect">
-            <a:avLst/>
-          </a:prstGeom>
-        </p:spPr>
-      </p:pic>
-      <p:pic>
-        <p:nvPicPr>
-          <p:cNvPr id="2" name="Picture 1"/>
-          <p:cNvPicPr>
-            <a:picLocks noChangeAspect="1"/>
-          </p:cNvPicPr>
-          <p:nvPr/>
-        </p:nvPicPr>
-        <p:blipFill>
-          <a:blip r:embed="rId4"/>
-          <a:stretch>
-            <a:fillRect/>
-          </a:stretch>
-        </p:blipFill>
-        <p:spPr>
-          <a:xfrm>
-            <a:off x="5724128" y="915566"/>
-            <a:ext cx="2752725" cy="4022429"/>
-          </a:xfrm>
-          <a:prstGeom prst="rect">
-            <a:avLst/>
-          </a:prstGeom>
-        </p:spPr>
-      </p:pic>
-    </p:spTree>
-    <p:extLst>
-      <p:ext uri="{BB962C8B-B14F-4D97-AF65-F5344CB8AC3E}">
-        <p14:creationId xmlns:p14="http://schemas.microsoft.com/office/powerpoint/2010/main" val="4051250487"/>
-      </p:ext>
-    </p:extLst>
-  </p:cSld>
-  <p:clrMapOvr>
-    <a:masterClrMapping/>
-  </p:clrMapOvr>
-  <p:transition spd="slow">
-    <p:cut/>
-  </p:transition>
-</p:sld>
-</file>
-
-<file path=ppt/slides/slide8.xml><?xml version="1.0" encoding="utf-8"?>
-<p:sld xmlns:a="http://schemas.openxmlformats.org/drawingml/2006/main" xmlns:r="http://schemas.openxmlformats.org/officeDocument/2006/relationships" xmlns:p="http://schemas.openxmlformats.org/presentationml/2006/main">
-  <p:cSld>
-    <p:spTree>
-      <p:nvGrpSpPr>
-        <p:cNvPr id="1" name="Shape 312"/>
-        <p:cNvGrpSpPr/>
-        <p:nvPr/>
-      </p:nvGrpSpPr>
-      <p:grpSpPr>
-        <a:xfrm>
-          <a:off x="0" y="0"/>
-          <a:ext cx="0" cy="0"/>
-          <a:chOff x="0" y="0"/>
-          <a:chExt cx="0" cy="0"/>
-        </a:xfrm>
-      </p:grpSpPr>
-      <p:sp>
-        <p:nvSpPr>
-          <p:cNvPr id="314" name="Shape 314"/>
-          <p:cNvSpPr txBox="1">
-            <a:spLocks noGrp="1"/>
-          </p:cNvSpPr>
-          <p:nvPr>
-            <p:ph type="ctrTitle"/>
-          </p:nvPr>
-        </p:nvSpPr>
-        <p:spPr>
-          <a:xfrm>
-            <a:off x="0" y="380067"/>
-            <a:ext cx="9144000" cy="535499"/>
-          </a:xfrm>
-          <a:prstGeom prst="rect">
-            <a:avLst/>
-          </a:prstGeom>
-          <a:noFill/>
-          <a:ln>
-            <a:noFill/>
-          </a:ln>
-        </p:spPr>
-        <p:txBody>
-          <a:bodyPr lIns="91425" tIns="91425" rIns="91425" bIns="91425" anchor="ctr" anchorCtr="0">
-            <a:noAutofit/>
-          </a:bodyPr>
-          <a:lstStyle/>
-          <a:p>
-            <a:pPr>
-              <a:buClr>
-                <a:srgbClr val="000000"/>
-              </a:buClr>
-            </a:pPr>
-            <a:r>
-              <a:rPr lang="en-US" sz="3000" dirty="0">
-                <a:solidFill>
-                  <a:srgbClr val="000000"/>
-                </a:solidFill>
-                <a:latin typeface="Montserrat"/>
-                <a:ea typeface="Montserrat"/>
-                <a:cs typeface="Montserrat"/>
-                <a:sym typeface="Montserrat"/>
-              </a:rPr>
-              <a:t>Why rebuild Taskmaster?</a:t>
-            </a:r>
-            <a:endParaRPr lang="en" sz="3000" dirty="0">
-              <a:solidFill>
-                <a:srgbClr val="000000"/>
-              </a:solidFill>
-              <a:latin typeface="Montserrat"/>
-              <a:ea typeface="Montserrat"/>
-              <a:cs typeface="Montserrat"/>
-              <a:sym typeface="Montserrat"/>
-            </a:endParaRPr>
-          </a:p>
-        </p:txBody>
-      </p:sp>
-      <p:cxnSp>
-        <p:nvCxnSpPr>
-          <p:cNvPr id="9" name="Shape 77"/>
-          <p:cNvCxnSpPr/>
-          <p:nvPr/>
-        </p:nvCxnSpPr>
-        <p:spPr>
-          <a:xfrm>
-            <a:off x="171450" y="348637"/>
-            <a:ext cx="8801100" cy="0"/>
-          </a:xfrm>
-          <a:prstGeom prst="straightConnector1">
-            <a:avLst/>
-          </a:prstGeom>
-          <a:noFill/>
-          <a:ln w="9525" cap="flat">
-            <a:solidFill>
-              <a:srgbClr val="D9D9D9"/>
-            </a:solidFill>
-            <a:prstDash val="solid"/>
-            <a:round/>
-            <a:headEnd type="none" w="lg" len="lg"/>
-            <a:tailEnd type="none" w="lg" len="lg"/>
-          </a:ln>
-        </p:spPr>
-      </p:cxnSp>
-      <p:sp>
-        <p:nvSpPr>
-          <p:cNvPr id="10" name="Shape 153"/>
-          <p:cNvSpPr txBox="1"/>
-          <p:nvPr/>
-        </p:nvSpPr>
-        <p:spPr>
-          <a:xfrm>
-            <a:off x="171450" y="1059582"/>
-            <a:ext cx="8801099" cy="720080"/>
-          </a:xfrm>
-          <a:prstGeom prst="rect">
-            <a:avLst/>
-          </a:prstGeom>
-          <a:noFill/>
-          <a:ln>
-            <a:noFill/>
-          </a:ln>
-        </p:spPr>
-        <p:txBody>
-          <a:bodyPr lIns="91425" tIns="91425" rIns="91425" bIns="91425" anchor="t" anchorCtr="0">
-            <a:noAutofit/>
-          </a:bodyPr>
-          <a:lstStyle/>
-          <a:p>
-            <a:pPr marL="400050" indent="-293688">
-              <a:lnSpc>
-                <a:spcPct val="110000"/>
-              </a:lnSpc>
-              <a:spcAft>
-                <a:spcPts val="600"/>
-              </a:spcAft>
-              <a:buFont typeface="Wingdings" charset="2"/>
-              <a:buChar char="§"/>
-            </a:pPr>
-            <a:r>
-              <a:rPr lang="en-US" sz="1400" dirty="0">
-                <a:solidFill>
-                  <a:schemeClr val="dk1"/>
-                </a:solidFill>
-                <a:latin typeface="Proxima Nova" charset="0"/>
-                <a:ea typeface="Proxima Nova" charset="0"/>
-                <a:cs typeface="Proxima Nova" charset="0"/>
-                <a:sym typeface="Proxima Nova"/>
-                <a:rtl val="0"/>
-              </a:rPr>
-              <a:t>Minimize the operation costs by using open source technology stack, feature-packed payments, and cloud platform with integrated data services and a powerful ecosystem for deploying and running modern app. </a:t>
-            </a:r>
-          </a:p>
-          <a:p>
-            <a:pPr marL="857250" lvl="1" indent="-293688">
-              <a:lnSpc>
-                <a:spcPct val="110000"/>
-              </a:lnSpc>
-              <a:spcAft>
-                <a:spcPts val="600"/>
-              </a:spcAft>
-              <a:buFont typeface="Wingdings" charset="2"/>
-              <a:buChar char="§"/>
-            </a:pPr>
-            <a:endParaRPr lang="en-US" sz="1400" dirty="0">
-              <a:solidFill>
-                <a:schemeClr val="dk1"/>
-              </a:solidFill>
-              <a:latin typeface="Proxima Nova" charset="0"/>
-              <a:ea typeface="Proxima Nova" charset="0"/>
-              <a:cs typeface="Proxima Nova" charset="0"/>
-              <a:sym typeface="Proxima Nova"/>
-              <a:rtl val="0"/>
-            </a:endParaRPr>
-          </a:p>
-        </p:txBody>
-      </p:sp>
-      <p:pic>
-        <p:nvPicPr>
-          <p:cNvPr id="6" name="Picture 5"/>
-          <p:cNvPicPr>
-            <a:picLocks noChangeAspect="1"/>
-          </p:cNvPicPr>
-          <p:nvPr/>
-        </p:nvPicPr>
-        <p:blipFill>
-          <a:blip r:embed="rId3" cstate="print">
-            <a:extLst>
-              <a:ext uri="{28A0092B-C50C-407E-A947-70E740481C1C}">
-                <a14:useLocalDpi xmlns:a14="http://schemas.microsoft.com/office/drawing/2010/main" val="0"/>
-              </a:ext>
-            </a:extLst>
-          </a:blip>
-          <a:stretch>
-            <a:fillRect/>
-          </a:stretch>
-        </p:blipFill>
-        <p:spPr>
-          <a:xfrm>
-            <a:off x="7376038" y="-17104"/>
-            <a:ext cx="1596512" cy="414480"/>
-          </a:xfrm>
-          <a:prstGeom prst="rect">
-            <a:avLst/>
-          </a:prstGeom>
-        </p:spPr>
-      </p:pic>
-      <p:pic>
-        <p:nvPicPr>
-          <p:cNvPr id="2" name="Picture 1"/>
-          <p:cNvPicPr>
-            <a:picLocks noChangeAspect="1"/>
-          </p:cNvPicPr>
-          <p:nvPr/>
-        </p:nvPicPr>
-        <p:blipFill>
-          <a:blip r:embed="rId4"/>
-          <a:stretch>
-            <a:fillRect/>
-          </a:stretch>
-        </p:blipFill>
-        <p:spPr>
-          <a:xfrm>
-            <a:off x="5796855" y="1963188"/>
-            <a:ext cx="3095625" cy="3057525"/>
-          </a:xfrm>
-          <a:prstGeom prst="rect">
-            <a:avLst/>
-          </a:prstGeom>
-        </p:spPr>
-      </p:pic>
-      <p:pic>
-        <p:nvPicPr>
-          <p:cNvPr id="3" name="Picture 2"/>
-          <p:cNvPicPr>
-            <a:picLocks noChangeAspect="1"/>
-          </p:cNvPicPr>
-          <p:nvPr/>
-        </p:nvPicPr>
-        <p:blipFill>
-          <a:blip r:embed="rId5"/>
-          <a:stretch>
-            <a:fillRect/>
-          </a:stretch>
-        </p:blipFill>
-        <p:spPr>
-          <a:xfrm>
-            <a:off x="179512" y="1923678"/>
-            <a:ext cx="5400600" cy="3219822"/>
-          </a:xfrm>
-          <a:prstGeom prst="rect">
-            <a:avLst/>
-          </a:prstGeom>
-        </p:spPr>
-      </p:pic>
-    </p:spTree>
-    <p:extLst>
-      <p:ext uri="{BB962C8B-B14F-4D97-AF65-F5344CB8AC3E}">
-        <p14:creationId xmlns:p14="http://schemas.microsoft.com/office/powerpoint/2010/main" val="1663596371"/>
-      </p:ext>
-    </p:extLst>
-  </p:cSld>
-  <p:clrMapOvr>
-    <a:masterClrMapping/>
-  </p:clrMapOvr>
-  <p:transition spd="slow">
-    <p:cut/>
-  </p:transition>
-</p:sld>
-</file>
-
-<file path=ppt/slides/slide9.xml><?xml version="1.0" encoding="utf-8"?>
 <p:sld xmlns:a="http://schemas.openxmlformats.org/drawingml/2006/main" xmlns:r="http://schemas.openxmlformats.org/officeDocument/2006/relationships" xmlns:p="http://schemas.openxmlformats.org/presentationml/2006/main">
   <p:cSld>
     <p:spTree>
@@ -17001,7 +13856,7 @@
                 <a:cs typeface="Montserrat"/>
                 <a:sym typeface="Montserrat"/>
               </a:rPr>
-              <a:t>PACKAGES</a:t>
+              <a:t>Components</a:t>
             </a:r>
           </a:p>
         </p:txBody>
@@ -17039,7 +13894,7 @@
           <p:nvPr>
             <p:extLst>
               <p:ext uri="{D42A27DB-BD31-4B8C-83A1-F6EECF244321}">
-                <p14:modId xmlns:p14="http://schemas.microsoft.com/office/powerpoint/2010/main" val="2154727375"/>
+                <p14:modId xmlns:p14="http://schemas.microsoft.com/office/powerpoint/2010/main" val="84157940"/>
               </p:ext>
             </p:extLst>
           </p:nvPr>
@@ -17078,12 +13933,20 @@
           <a:p>
             <a:pPr algn="ctr"/>
             <a:r>
+              <a:rPr lang="en-US" sz="1600" dirty="0" err="1">
+                <a:latin typeface="Proxima Nova" charset="0"/>
+                <a:ea typeface="Proxima Nova" charset="0"/>
+                <a:cs typeface="Proxima Nova" charset="0"/>
+              </a:rPr>
+              <a:t>Altech</a:t>
+            </a:r>
+            <a:r>
               <a:rPr lang="en-US" sz="1600" dirty="0">
                 <a:latin typeface="Proxima Nova" charset="0"/>
                 <a:ea typeface="Proxima Nova" charset="0"/>
                 <a:cs typeface="Proxima Nova" charset="0"/>
               </a:rPr>
-              <a:t>Taskmaster 2020 tool features and functionality is divided into the following packages  </a:t>
+              <a:t> Enclosures Finder Solution features and functionality is divided into the following 3 components:  </a:t>
             </a:r>
           </a:p>
         </p:txBody>
@@ -17122,6 +13985,2124 @@
     <p:extLst>
       <p:ext uri="{BB962C8B-B14F-4D97-AF65-F5344CB8AC3E}">
         <p14:creationId xmlns:p14="http://schemas.microsoft.com/office/powerpoint/2010/main" val="1929926664"/>
+      </p:ext>
+    </p:extLst>
+  </p:cSld>
+  <p:clrMapOvr>
+    <a:masterClrMapping/>
+  </p:clrMapOvr>
+  <p:transition spd="slow">
+    <p:cut/>
+  </p:transition>
+</p:sld>
+</file>
+
+<file path=ppt/slides/slide8.xml><?xml version="1.0" encoding="utf-8"?>
+<p:sld xmlns:a="http://schemas.openxmlformats.org/drawingml/2006/main" xmlns:r="http://schemas.openxmlformats.org/officeDocument/2006/relationships" xmlns:p="http://schemas.openxmlformats.org/presentationml/2006/main">
+  <p:cSld>
+    <p:spTree>
+      <p:nvGrpSpPr>
+        <p:cNvPr id="1" name="Shape 312"/>
+        <p:cNvGrpSpPr/>
+        <p:nvPr/>
+      </p:nvGrpSpPr>
+      <p:grpSpPr>
+        <a:xfrm>
+          <a:off x="0" y="0"/>
+          <a:ext cx="0" cy="0"/>
+          <a:chOff x="0" y="0"/>
+          <a:chExt cx="0" cy="0"/>
+        </a:xfrm>
+      </p:grpSpPr>
+      <p:sp>
+        <p:nvSpPr>
+          <p:cNvPr id="18" name="Shape 115"/>
+          <p:cNvSpPr txBox="1">
+            <a:spLocks noGrp="1"/>
+          </p:cNvSpPr>
+          <p:nvPr>
+            <p:ph type="ctrTitle"/>
+          </p:nvPr>
+        </p:nvSpPr>
+        <p:spPr>
+          <a:xfrm>
+            <a:off x="0" y="380067"/>
+            <a:ext cx="9143999" cy="535499"/>
+          </a:xfrm>
+          <a:prstGeom prst="rect">
+            <a:avLst/>
+          </a:prstGeom>
+        </p:spPr>
+        <p:txBody>
+          <a:bodyPr lIns="91425" tIns="91425" rIns="91425" bIns="91425" anchor="ctr" anchorCtr="0">
+            <a:noAutofit/>
+          </a:bodyPr>
+          <a:lstStyle/>
+          <a:p>
+            <a:r>
+              <a:rPr lang="en-US" sz="3000" dirty="0">
+                <a:solidFill>
+                  <a:srgbClr val="000000"/>
+                </a:solidFill>
+                <a:latin typeface="Montserrat"/>
+                <a:ea typeface="Montserrat"/>
+                <a:cs typeface="Montserrat"/>
+                <a:sym typeface="Montserrat"/>
+              </a:rPr>
+              <a:t>FEATURE LIST – </a:t>
+            </a:r>
+            <a:r>
+              <a:rPr lang="en-US" sz="3200" dirty="0">
+                <a:latin typeface="Proxima Nova" charset="0"/>
+                <a:ea typeface="Proxima Nova" charset="0"/>
+                <a:cs typeface="Proxima Nova" charset="0"/>
+                <a:sym typeface="Proxima Nova"/>
+              </a:rPr>
+              <a:t>Enclosures Finder Web App</a:t>
+            </a:r>
+            <a:endParaRPr lang="en-US" sz="3000" dirty="0">
+              <a:solidFill>
+                <a:srgbClr val="000000"/>
+              </a:solidFill>
+              <a:latin typeface="Montserrat"/>
+              <a:ea typeface="Montserrat"/>
+              <a:cs typeface="Montserrat"/>
+              <a:sym typeface="Montserrat"/>
+            </a:endParaRPr>
+          </a:p>
+        </p:txBody>
+      </p:sp>
+      <p:cxnSp>
+        <p:nvCxnSpPr>
+          <p:cNvPr id="11" name="Shape 77"/>
+          <p:cNvCxnSpPr/>
+          <p:nvPr/>
+        </p:nvCxnSpPr>
+        <p:spPr>
+          <a:xfrm>
+            <a:off x="171450" y="383240"/>
+            <a:ext cx="8801100" cy="0"/>
+          </a:xfrm>
+          <a:prstGeom prst="straightConnector1">
+            <a:avLst/>
+          </a:prstGeom>
+          <a:noFill/>
+          <a:ln w="9525" cap="flat">
+            <a:solidFill>
+              <a:srgbClr val="D9D9D9"/>
+            </a:solidFill>
+            <a:prstDash val="solid"/>
+            <a:round/>
+            <a:headEnd type="none" w="lg" len="lg"/>
+            <a:tailEnd type="none" w="lg" len="lg"/>
+          </a:ln>
+        </p:spPr>
+      </p:cxnSp>
+      <p:graphicFrame>
+        <p:nvGraphicFramePr>
+          <p:cNvPr id="6" name="Table 5"/>
+          <p:cNvGraphicFramePr>
+            <a:graphicFrameLocks noGrp="1"/>
+          </p:cNvGraphicFramePr>
+          <p:nvPr>
+            <p:extLst>
+              <p:ext uri="{D42A27DB-BD31-4B8C-83A1-F6EECF244321}">
+                <p14:modId xmlns:p14="http://schemas.microsoft.com/office/powerpoint/2010/main" val="1656221865"/>
+              </p:ext>
+            </p:extLst>
+          </p:nvPr>
+        </p:nvGraphicFramePr>
+        <p:xfrm>
+          <a:off x="179512" y="843558"/>
+          <a:ext cx="8712967" cy="4099063"/>
+        </p:xfrm>
+        <a:graphic>
+          <a:graphicData uri="http://schemas.openxmlformats.org/drawingml/2006/table">
+            <a:tbl>
+              <a:tblPr>
+                <a:tableStyleId>{5C22544A-7EE6-4342-B048-85BDC9FD1C3A}</a:tableStyleId>
+              </a:tblPr>
+              <a:tblGrid>
+                <a:gridCol w="544165">
+                  <a:extLst>
+                    <a:ext uri="{9D8B030D-6E8A-4147-A177-3AD203B41FA5}">
+                      <a16:colId xmlns:a16="http://schemas.microsoft.com/office/drawing/2014/main" val="20000"/>
+                    </a:ext>
+                  </a:extLst>
+                </a:gridCol>
+                <a:gridCol w="1872208">
+                  <a:extLst>
+                    <a:ext uri="{9D8B030D-6E8A-4147-A177-3AD203B41FA5}">
+                      <a16:colId xmlns:a16="http://schemas.microsoft.com/office/drawing/2014/main" val="20001"/>
+                    </a:ext>
+                  </a:extLst>
+                </a:gridCol>
+                <a:gridCol w="6296594">
+                  <a:extLst>
+                    <a:ext uri="{9D8B030D-6E8A-4147-A177-3AD203B41FA5}">
+                      <a16:colId xmlns:a16="http://schemas.microsoft.com/office/drawing/2014/main" val="20002"/>
+                    </a:ext>
+                  </a:extLst>
+                </a:gridCol>
+              </a:tblGrid>
+              <a:tr h="494803">
+                <a:tc>
+                  <a:txBody>
+                    <a:bodyPr/>
+                    <a:lstStyle/>
+                    <a:p>
+                      <a:r>
+                        <a:rPr lang="en-US" sz="1100" b="1" dirty="0">
+                          <a:latin typeface="Proxima Nova" charset="0"/>
+                          <a:ea typeface="Proxima Nova" charset="0"/>
+                          <a:cs typeface="Proxima Nova" charset="0"/>
+                        </a:rPr>
+                        <a:t>R1</a:t>
+                      </a:r>
+                    </a:p>
+                  </a:txBody>
+                  <a:tcPr anchor="ctr">
+                    <a:lnL w="12700" cmpd="sng">
+                      <a:noFill/>
+                    </a:lnL>
+                    <a:lnR w="12700" cmpd="sng">
+                      <a:noFill/>
+                    </a:lnR>
+                    <a:lnT w="12700" cmpd="sng">
+                      <a:noFill/>
+                    </a:lnT>
+                    <a:lnB w="6350" cap="flat" cmpd="sng" algn="ctr">
+                      <a:solidFill>
+                        <a:srgbClr val="3A81BA"/>
+                      </a:solidFill>
+                      <a:prstDash val="sysDash"/>
+                      <a:round/>
+                      <a:headEnd type="none" w="med" len="med"/>
+                      <a:tailEnd type="none" w="med" len="med"/>
+                    </a:lnB>
+                    <a:lnTlToBr w="12700" cmpd="sng">
+                      <a:noFill/>
+                      <a:prstDash val="solid"/>
+                    </a:lnTlToBr>
+                    <a:lnBlToTr w="12700" cmpd="sng">
+                      <a:noFill/>
+                      <a:prstDash val="solid"/>
+                    </a:lnBlToTr>
+                    <a:noFill/>
+                  </a:tcPr>
+                </a:tc>
+                <a:tc>
+                  <a:txBody>
+                    <a:bodyPr/>
+                    <a:lstStyle/>
+                    <a:p>
+                      <a:pPr marL="18288" indent="-18288" algn="l"/>
+                      <a:r>
+                        <a:rPr lang="en-US" sz="1100" b="1" dirty="0">
+                          <a:latin typeface="Proxima Nova" charset="0"/>
+                          <a:ea typeface="Proxima Nova" charset="0"/>
+                          <a:cs typeface="Proxima Nova" charset="0"/>
+                        </a:rPr>
+                        <a:t>List Enclosures</a:t>
+                      </a:r>
+                    </a:p>
+                  </a:txBody>
+                  <a:tcPr anchor="ctr">
+                    <a:lnL w="12700" cmpd="sng">
+                      <a:noFill/>
+                    </a:lnL>
+                    <a:lnR w="12700" cmpd="sng">
+                      <a:noFill/>
+                    </a:lnR>
+                    <a:lnT w="12700" cmpd="sng">
+                      <a:noFill/>
+                    </a:lnT>
+                    <a:lnB w="6350" cap="flat" cmpd="sng" algn="ctr">
+                      <a:solidFill>
+                        <a:srgbClr val="3A81BA"/>
+                      </a:solidFill>
+                      <a:prstDash val="sysDash"/>
+                      <a:round/>
+                      <a:headEnd type="none" w="med" len="med"/>
+                      <a:tailEnd type="none" w="med" len="med"/>
+                    </a:lnB>
+                    <a:lnTlToBr w="12700" cmpd="sng">
+                      <a:noFill/>
+                      <a:prstDash val="solid"/>
+                    </a:lnTlToBr>
+                    <a:lnBlToTr w="12700" cmpd="sng">
+                      <a:noFill/>
+                      <a:prstDash val="solid"/>
+                    </a:lnBlToTr>
+                    <a:noFill/>
+                  </a:tcPr>
+                </a:tc>
+                <a:tc>
+                  <a:txBody>
+                    <a:bodyPr/>
+                    <a:lstStyle/>
+                    <a:p>
+                      <a:pPr marL="171450" indent="-171450">
+                        <a:spcAft>
+                          <a:spcPts val="300"/>
+                        </a:spcAft>
+                        <a:buFont typeface="Arial" charset="0"/>
+                        <a:buChar char="•"/>
+                      </a:pPr>
+                      <a:r>
+                        <a:rPr lang="en-US" sz="1100" b="0" i="0" u="none" strike="noStrike" cap="none" baseline="0" dirty="0">
+                          <a:solidFill>
+                            <a:schemeClr val="dk1"/>
+                          </a:solidFill>
+                          <a:latin typeface="Proxima Nova" charset="0"/>
+                          <a:ea typeface="Proxima Nova" charset="0"/>
+                          <a:cs typeface="Proxima Nova" charset="0"/>
+                          <a:sym typeface="Arial"/>
+                          <a:rtl val="0"/>
+                        </a:rPr>
+                        <a:t>List of enclosures with pagination.</a:t>
+                      </a:r>
+                    </a:p>
+                    <a:p>
+                      <a:pPr marL="171450" indent="-171450">
+                        <a:spcAft>
+                          <a:spcPts val="300"/>
+                        </a:spcAft>
+                        <a:buFont typeface="Arial" charset="0"/>
+                        <a:buChar char="•"/>
+                      </a:pPr>
+                      <a:r>
+                        <a:rPr lang="en-US" sz="1100" b="0" i="0" u="none" strike="noStrike" cap="none" baseline="0" dirty="0">
+                          <a:solidFill>
+                            <a:schemeClr val="dk1"/>
+                          </a:solidFill>
+                          <a:latin typeface="Proxima Nova" charset="0"/>
+                          <a:ea typeface="Proxima Nova" charset="0"/>
+                          <a:cs typeface="Proxima Nova" charset="0"/>
+                          <a:sym typeface="Arial"/>
+                          <a:rtl val="0"/>
+                        </a:rPr>
+                        <a:t>Each item of the enclosures list displays:</a:t>
+                      </a:r>
+                    </a:p>
+                    <a:p>
+                      <a:pPr marL="228600" lvl="4" indent="-228600" algn="l">
+                        <a:spcAft>
+                          <a:spcPts val="300"/>
+                        </a:spcAft>
+                        <a:buFont typeface="+mj-lt"/>
+                        <a:buAutoNum type="arabicPeriod"/>
+                      </a:pPr>
+                      <a:r>
+                        <a:rPr lang="en-US" sz="1100" b="0" i="0" u="none" strike="noStrike" cap="none" baseline="0" dirty="0">
+                          <a:solidFill>
+                            <a:schemeClr val="dk1"/>
+                          </a:solidFill>
+                          <a:latin typeface="Proxima Nova" charset="0"/>
+                          <a:ea typeface="Proxima Nova" charset="0"/>
+                          <a:cs typeface="Proxima Nova" charset="0"/>
+                          <a:sym typeface="Arial"/>
+                          <a:rtl val="0"/>
+                        </a:rPr>
+                        <a:t>Small picture</a:t>
+                      </a:r>
+                      <a:r>
+                        <a:rPr lang="en-US" sz="1100" b="1" i="0" u="none" strike="noStrike" cap="none" baseline="0" dirty="0">
+                          <a:solidFill>
+                            <a:srgbClr val="FF0000"/>
+                          </a:solidFill>
+                          <a:latin typeface="Proxima Nova" charset="0"/>
+                          <a:ea typeface="Proxima Nova" charset="0"/>
+                          <a:cs typeface="Proxima Nova" charset="0"/>
+                          <a:sym typeface="Arial"/>
+                          <a:rtl val="0"/>
+                        </a:rPr>
+                        <a:t>*</a:t>
+                      </a:r>
+                      <a:r>
+                        <a:rPr lang="en-US" sz="1100" b="0" i="0" u="none" strike="noStrike" cap="none" baseline="0" dirty="0">
+                          <a:solidFill>
+                            <a:schemeClr val="dk1"/>
+                          </a:solidFill>
+                          <a:latin typeface="Proxima Nova" charset="0"/>
+                          <a:ea typeface="Proxima Nova" charset="0"/>
+                          <a:cs typeface="Proxima Nova" charset="0"/>
+                          <a:sym typeface="Arial"/>
+                          <a:rtl val="0"/>
+                        </a:rPr>
+                        <a:t> of the enclosure.</a:t>
+                      </a:r>
+                    </a:p>
+                    <a:p>
+                      <a:pPr marL="228600" lvl="4" indent="-228600" algn="l">
+                        <a:spcAft>
+                          <a:spcPts val="300"/>
+                        </a:spcAft>
+                        <a:buFont typeface="+mj-lt"/>
+                        <a:buAutoNum type="arabicPeriod"/>
+                      </a:pPr>
+                      <a:r>
+                        <a:rPr lang="en-US" sz="1100" b="0" i="0" u="none" strike="noStrike" cap="none" baseline="0" dirty="0">
+                          <a:solidFill>
+                            <a:schemeClr val="dk1"/>
+                          </a:solidFill>
+                          <a:latin typeface="Proxima Nova" charset="0"/>
+                          <a:ea typeface="Proxima Nova" charset="0"/>
+                          <a:cs typeface="Proxima Nova" charset="0"/>
+                          <a:sym typeface="Arial"/>
+                          <a:rtl val="0"/>
+                        </a:rPr>
+                        <a:t>Title of the enclosure.</a:t>
+                      </a:r>
+                    </a:p>
+                    <a:p>
+                      <a:pPr marL="228600" lvl="4" indent="-228600" algn="l">
+                        <a:spcAft>
+                          <a:spcPts val="300"/>
+                        </a:spcAft>
+                        <a:buFont typeface="+mj-lt"/>
+                        <a:buAutoNum type="arabicPeriod"/>
+                      </a:pPr>
+                      <a:r>
+                        <a:rPr lang="en-US" sz="1100" b="0" i="0" u="none" strike="noStrike" cap="none" baseline="0" dirty="0">
+                          <a:solidFill>
+                            <a:schemeClr val="dk1"/>
+                          </a:solidFill>
+                          <a:latin typeface="Proxima Nova" charset="0"/>
+                          <a:ea typeface="Proxima Nova" charset="0"/>
+                          <a:cs typeface="Proxima Nova" charset="0"/>
+                          <a:sym typeface="Arial"/>
+                          <a:rtl val="0"/>
+                        </a:rPr>
+                        <a:t>Dimensions of the enclosure.</a:t>
+                      </a:r>
+                    </a:p>
+                    <a:p>
+                      <a:pPr marL="228600" lvl="4" indent="-228600" algn="l">
+                        <a:spcAft>
+                          <a:spcPts val="300"/>
+                        </a:spcAft>
+                        <a:buFont typeface="+mj-lt"/>
+                        <a:buAutoNum type="arabicPeriod"/>
+                      </a:pPr>
+                      <a:r>
+                        <a:rPr lang="en-US" sz="1100" b="0" i="0" u="none" strike="noStrike" cap="none" baseline="0" dirty="0">
+                          <a:solidFill>
+                            <a:schemeClr val="dk1"/>
+                          </a:solidFill>
+                          <a:latin typeface="Proxima Nova" charset="0"/>
+                          <a:ea typeface="Proxima Nova" charset="0"/>
+                          <a:cs typeface="Proxima Nova" charset="0"/>
+                          <a:sym typeface="Arial"/>
+                          <a:rtl val="0"/>
+                        </a:rPr>
+                        <a:t>Material of the enclosure.</a:t>
+                      </a:r>
+                    </a:p>
+                    <a:p>
+                      <a:pPr marL="228600" lvl="4" indent="-228600" algn="l">
+                        <a:spcAft>
+                          <a:spcPts val="300"/>
+                        </a:spcAft>
+                        <a:buFont typeface="+mj-lt"/>
+                        <a:buAutoNum type="arabicPeriod"/>
+                      </a:pPr>
+                      <a:r>
+                        <a:rPr lang="en-US" sz="1100" b="0" i="0" u="none" strike="noStrike" cap="none" baseline="0" dirty="0">
+                          <a:solidFill>
+                            <a:schemeClr val="dk1"/>
+                          </a:solidFill>
+                          <a:latin typeface="Proxima Nova" charset="0"/>
+                          <a:ea typeface="Proxima Nova" charset="0"/>
+                          <a:cs typeface="Proxima Nova" charset="0"/>
+                          <a:sym typeface="Arial"/>
+                          <a:rtl val="0"/>
+                        </a:rPr>
+                        <a:t>IP Protection of the enclosure.</a:t>
+                      </a:r>
+                    </a:p>
+                    <a:p>
+                      <a:pPr marL="228600" lvl="4" indent="-228600" algn="l">
+                        <a:spcAft>
+                          <a:spcPts val="300"/>
+                        </a:spcAft>
+                        <a:buFont typeface="+mj-lt"/>
+                        <a:buAutoNum type="arabicPeriod"/>
+                      </a:pPr>
+                      <a:r>
+                        <a:rPr lang="en-US" sz="1100" b="0" i="0" u="none" strike="noStrike" cap="none" baseline="0" dirty="0">
+                          <a:solidFill>
+                            <a:schemeClr val="dk1"/>
+                          </a:solidFill>
+                          <a:latin typeface="Proxima Nova" charset="0"/>
+                          <a:ea typeface="Proxima Nova" charset="0"/>
+                          <a:cs typeface="Proxima Nova" charset="0"/>
+                          <a:sym typeface="Arial"/>
+                          <a:rtl val="0"/>
+                        </a:rPr>
+                        <a:t>Outdoor Use  of the enclosure.</a:t>
+                      </a:r>
+                    </a:p>
+                    <a:p>
+                      <a:pPr marL="228600" lvl="4" indent="-228600" algn="l">
+                        <a:spcAft>
+                          <a:spcPts val="300"/>
+                        </a:spcAft>
+                        <a:buFont typeface="+mj-lt"/>
+                        <a:buAutoNum type="arabicPeriod"/>
+                      </a:pPr>
+                      <a:r>
+                        <a:rPr lang="en-US" sz="1100" b="0" i="0" u="none" strike="noStrike" cap="none" baseline="0" dirty="0">
+                          <a:solidFill>
+                            <a:schemeClr val="dk1"/>
+                          </a:solidFill>
+                          <a:latin typeface="Proxima Nova" charset="0"/>
+                          <a:ea typeface="Proxima Nova" charset="0"/>
+                          <a:cs typeface="Proxima Nova" charset="0"/>
+                          <a:sym typeface="Arial"/>
+                          <a:rtl val="0"/>
+                        </a:rPr>
+                        <a:t>UL Approval of the enclosure.</a:t>
+                      </a:r>
+                    </a:p>
+                    <a:p>
+                      <a:pPr marL="228600" lvl="4" indent="-228600" algn="l">
+                        <a:spcAft>
+                          <a:spcPts val="300"/>
+                        </a:spcAft>
+                        <a:buFont typeface="+mj-lt"/>
+                        <a:buAutoNum type="arabicPeriod"/>
+                      </a:pPr>
+                      <a:r>
+                        <a:rPr lang="en-US" sz="1100" b="0" i="0" u="none" strike="noStrike" cap="none" baseline="0" dirty="0">
+                          <a:solidFill>
+                            <a:schemeClr val="dk1"/>
+                          </a:solidFill>
+                          <a:latin typeface="Proxima Nova" charset="0"/>
+                          <a:ea typeface="Proxima Nova" charset="0"/>
+                          <a:cs typeface="Proxima Nova" charset="0"/>
+                          <a:sym typeface="Arial"/>
+                          <a:rtl val="0"/>
+                        </a:rPr>
+                        <a:t> NEMA 4X of the enclosure.</a:t>
+                      </a:r>
+                    </a:p>
+                    <a:p>
+                      <a:pPr marL="228600" lvl="4" indent="-228600" algn="l">
+                        <a:spcAft>
+                          <a:spcPts val="300"/>
+                        </a:spcAft>
+                        <a:buFont typeface="+mj-lt"/>
+                        <a:buAutoNum type="arabicPeriod"/>
+                      </a:pPr>
+                      <a:r>
+                        <a:rPr lang="en-US" sz="1100" b="0" i="0" u="none" strike="noStrike" cap="none" baseline="0" dirty="0">
+                          <a:solidFill>
+                            <a:schemeClr val="dk1"/>
+                          </a:solidFill>
+                          <a:latin typeface="Proxima Nova" charset="0"/>
+                          <a:ea typeface="Proxima Nova" charset="0"/>
+                          <a:cs typeface="Proxima Nova" charset="0"/>
+                          <a:sym typeface="Arial"/>
+                          <a:rtl val="0"/>
+                        </a:rPr>
+                        <a:t>Type of the enclosure.</a:t>
+                      </a:r>
+                    </a:p>
+                    <a:p>
+                      <a:pPr marL="228600" lvl="4" indent="-228600" algn="l">
+                        <a:spcAft>
+                          <a:spcPts val="300"/>
+                        </a:spcAft>
+                        <a:buFont typeface="+mj-lt"/>
+                        <a:buAutoNum type="arabicPeriod"/>
+                      </a:pPr>
+                      <a:r>
+                        <a:rPr lang="en-US" sz="1100" b="0" i="0" u="none" strike="noStrike" cap="none" baseline="0" dirty="0">
+                          <a:solidFill>
+                            <a:schemeClr val="dk1"/>
+                          </a:solidFill>
+                          <a:latin typeface="Proxima Nova" charset="0"/>
+                          <a:ea typeface="Proxima Nova" charset="0"/>
+                          <a:cs typeface="Proxima Nova" charset="0"/>
+                          <a:sym typeface="Arial"/>
+                          <a:rtl val="0"/>
+                        </a:rPr>
+                        <a:t>Part Number  of the enclosure.</a:t>
+                      </a:r>
+                    </a:p>
+                    <a:p>
+                      <a:pPr marL="228600" lvl="4" indent="-228600" algn="l">
+                        <a:spcAft>
+                          <a:spcPts val="300"/>
+                        </a:spcAft>
+                        <a:buFont typeface="+mj-lt"/>
+                        <a:buAutoNum type="arabicPeriod"/>
+                      </a:pPr>
+                      <a:r>
+                        <a:rPr lang="en-US" sz="1100" b="0" i="0" u="none" strike="noStrike" cap="none" baseline="0" dirty="0">
+                          <a:solidFill>
+                            <a:schemeClr val="dk1"/>
+                          </a:solidFill>
+                          <a:latin typeface="Proxima Nova" charset="0"/>
+                          <a:ea typeface="Proxima Nova" charset="0"/>
+                          <a:cs typeface="Proxima Nova" charset="0"/>
+                          <a:sym typeface="Arial"/>
+                          <a:rtl val="0"/>
+                        </a:rPr>
+                        <a:t>Description  of the enclosure.</a:t>
+                      </a:r>
+                    </a:p>
+                  </a:txBody>
+                  <a:tcPr anchor="ctr">
+                    <a:lnL w="12700" cmpd="sng">
+                      <a:noFill/>
+                    </a:lnL>
+                    <a:lnR w="12700" cmpd="sng">
+                      <a:noFill/>
+                    </a:lnR>
+                    <a:lnT w="12700" cmpd="sng">
+                      <a:noFill/>
+                    </a:lnT>
+                    <a:lnB w="6350" cap="flat" cmpd="sng" algn="ctr">
+                      <a:solidFill>
+                        <a:srgbClr val="3A81BA"/>
+                      </a:solidFill>
+                      <a:prstDash val="sysDash"/>
+                      <a:round/>
+                      <a:headEnd type="none" w="med" len="med"/>
+                      <a:tailEnd type="none" w="med" len="med"/>
+                    </a:lnB>
+                    <a:lnTlToBr w="12700" cmpd="sng">
+                      <a:noFill/>
+                      <a:prstDash val="solid"/>
+                    </a:lnTlToBr>
+                    <a:lnBlToTr w="12700" cmpd="sng">
+                      <a:noFill/>
+                      <a:prstDash val="solid"/>
+                    </a:lnBlToTr>
+                    <a:noFill/>
+                  </a:tcPr>
+                </a:tc>
+                <a:extLst>
+                  <a:ext uri="{0D108BD9-81ED-4DB2-BD59-A6C34878D82A}">
+                    <a16:rowId xmlns:a16="http://schemas.microsoft.com/office/drawing/2014/main" val="10000"/>
+                  </a:ext>
+                </a:extLst>
+              </a:tr>
+              <a:tr h="494803">
+                <a:tc>
+                  <a:txBody>
+                    <a:bodyPr/>
+                    <a:lstStyle/>
+                    <a:p>
+                      <a:r>
+                        <a:rPr lang="en-US" sz="1100" b="1" dirty="0">
+                          <a:latin typeface="Proxima Nova" charset="0"/>
+                          <a:ea typeface="Proxima Nova" charset="0"/>
+                          <a:cs typeface="Proxima Nova" charset="0"/>
+                        </a:rPr>
+                        <a:t>R2</a:t>
+                      </a:r>
+                    </a:p>
+                  </a:txBody>
+                  <a:tcPr anchor="ctr">
+                    <a:lnL w="12700" cmpd="sng">
+                      <a:noFill/>
+                    </a:lnL>
+                    <a:lnR w="12700" cmpd="sng">
+                      <a:noFill/>
+                    </a:lnR>
+                    <a:lnT w="6350" cap="flat" cmpd="sng" algn="ctr">
+                      <a:solidFill>
+                        <a:srgbClr val="3A81BA"/>
+                      </a:solidFill>
+                      <a:prstDash val="sysDash"/>
+                      <a:round/>
+                      <a:headEnd type="none" w="med" len="med"/>
+                      <a:tailEnd type="none" w="med" len="med"/>
+                    </a:lnT>
+                    <a:lnB w="6350" cap="flat" cmpd="sng" algn="ctr">
+                      <a:solidFill>
+                        <a:srgbClr val="3A81BA"/>
+                      </a:solidFill>
+                      <a:prstDash val="sysDash"/>
+                      <a:round/>
+                      <a:headEnd type="none" w="med" len="med"/>
+                      <a:tailEnd type="none" w="med" len="med"/>
+                    </a:lnB>
+                    <a:lnTlToBr w="12700" cmpd="sng">
+                      <a:noFill/>
+                      <a:prstDash val="solid"/>
+                    </a:lnTlToBr>
+                    <a:lnBlToTr w="12700" cmpd="sng">
+                      <a:noFill/>
+                      <a:prstDash val="solid"/>
+                    </a:lnBlToTr>
+                    <a:noFill/>
+                  </a:tcPr>
+                </a:tc>
+                <a:tc>
+                  <a:txBody>
+                    <a:bodyPr/>
+                    <a:lstStyle/>
+                    <a:p>
+                      <a:pPr marL="18288" marR="0" indent="-18288" algn="l" defTabSz="914400" rtl="0" eaLnBrk="1" fontAlgn="auto" latinLnBrk="0" hangingPunct="1">
+                        <a:lnSpc>
+                          <a:spcPct val="100000"/>
+                        </a:lnSpc>
+                        <a:spcBef>
+                          <a:spcPts val="0"/>
+                        </a:spcBef>
+                        <a:spcAft>
+                          <a:spcPts val="0"/>
+                        </a:spcAft>
+                        <a:buClrTx/>
+                        <a:buSzTx/>
+                        <a:buFontTx/>
+                        <a:buNone/>
+                        <a:tabLst/>
+                        <a:defRPr/>
+                      </a:pPr>
+                      <a:r>
+                        <a:rPr lang="en-US" sz="1100" b="1" dirty="0">
+                          <a:latin typeface="Proxima Nova" charset="0"/>
+                          <a:ea typeface="Proxima Nova" charset="0"/>
+                          <a:cs typeface="Proxima Nova" charset="0"/>
+                        </a:rPr>
+                        <a:t>Find Enclosure</a:t>
+                      </a:r>
+                    </a:p>
+                  </a:txBody>
+                  <a:tcPr anchor="ctr">
+                    <a:lnL w="12700" cmpd="sng">
+                      <a:noFill/>
+                    </a:lnL>
+                    <a:lnR w="12700" cmpd="sng">
+                      <a:noFill/>
+                    </a:lnR>
+                    <a:lnT w="6350" cap="flat" cmpd="sng" algn="ctr">
+                      <a:solidFill>
+                        <a:srgbClr val="3A81BA"/>
+                      </a:solidFill>
+                      <a:prstDash val="sysDash"/>
+                      <a:round/>
+                      <a:headEnd type="none" w="med" len="med"/>
+                      <a:tailEnd type="none" w="med" len="med"/>
+                    </a:lnT>
+                    <a:lnB w="6350" cap="flat" cmpd="sng" algn="ctr">
+                      <a:solidFill>
+                        <a:srgbClr val="3A81BA"/>
+                      </a:solidFill>
+                      <a:prstDash val="sysDash"/>
+                      <a:round/>
+                      <a:headEnd type="none" w="med" len="med"/>
+                      <a:tailEnd type="none" w="med" len="med"/>
+                    </a:lnB>
+                    <a:lnTlToBr w="12700" cmpd="sng">
+                      <a:noFill/>
+                      <a:prstDash val="solid"/>
+                    </a:lnTlToBr>
+                    <a:lnBlToTr w="12700" cmpd="sng">
+                      <a:noFill/>
+                      <a:prstDash val="solid"/>
+                    </a:lnBlToTr>
+                    <a:noFill/>
+                  </a:tcPr>
+                </a:tc>
+                <a:tc>
+                  <a:txBody>
+                    <a:bodyPr/>
+                    <a:lstStyle/>
+                    <a:p>
+                      <a:pPr marL="174625" marR="0" indent="-174625" algn="just" defTabSz="914400" rtl="0" eaLnBrk="1" fontAlgn="auto" latinLnBrk="0" hangingPunct="1">
+                        <a:lnSpc>
+                          <a:spcPct val="100000"/>
+                        </a:lnSpc>
+                        <a:spcBef>
+                          <a:spcPts val="0"/>
+                        </a:spcBef>
+                        <a:spcAft>
+                          <a:spcPts val="300"/>
+                        </a:spcAft>
+                        <a:buClrTx/>
+                        <a:buSzTx/>
+                        <a:buFont typeface="Arial"/>
+                        <a:buChar char="•"/>
+                        <a:tabLst/>
+                        <a:defRPr/>
+                      </a:pPr>
+                      <a:r>
+                        <a:rPr lang="en-US" sz="1100" baseline="0" dirty="0">
+                          <a:latin typeface="Proxima Nova" charset="0"/>
+                          <a:ea typeface="Proxima Nova" charset="0"/>
+                          <a:cs typeface="Proxima Nova" charset="0"/>
+                        </a:rPr>
+                        <a:t>Text box to type a searchable word about an enclosure.</a:t>
+                      </a:r>
+                    </a:p>
+                    <a:p>
+                      <a:pPr marL="174625" marR="0" indent="-174625" algn="just" defTabSz="914400" rtl="0" eaLnBrk="1" fontAlgn="auto" latinLnBrk="0" hangingPunct="1">
+                        <a:lnSpc>
+                          <a:spcPct val="100000"/>
+                        </a:lnSpc>
+                        <a:spcBef>
+                          <a:spcPts val="0"/>
+                        </a:spcBef>
+                        <a:spcAft>
+                          <a:spcPts val="300"/>
+                        </a:spcAft>
+                        <a:buClrTx/>
+                        <a:buSzTx/>
+                        <a:buFont typeface="Arial"/>
+                        <a:buChar char="•"/>
+                        <a:tabLst/>
+                        <a:defRPr/>
+                      </a:pPr>
+                      <a:r>
+                        <a:rPr lang="en-US" sz="1100" baseline="0" dirty="0">
+                          <a:latin typeface="Proxima Nova" charset="0"/>
+                          <a:ea typeface="Proxima Nova" charset="0"/>
+                          <a:cs typeface="Proxima Nova" charset="0"/>
+                        </a:rPr>
+                        <a:t>The searchable word could be:</a:t>
+                      </a:r>
+                    </a:p>
+                    <a:p>
+                      <a:pPr marL="228600" marR="0" indent="-228600" algn="just" defTabSz="914400" rtl="0" eaLnBrk="1" fontAlgn="auto" latinLnBrk="0" hangingPunct="1">
+                        <a:lnSpc>
+                          <a:spcPct val="100000"/>
+                        </a:lnSpc>
+                        <a:spcBef>
+                          <a:spcPts val="0"/>
+                        </a:spcBef>
+                        <a:spcAft>
+                          <a:spcPts val="300"/>
+                        </a:spcAft>
+                        <a:buClrTx/>
+                        <a:buSzTx/>
+                        <a:buFont typeface="+mj-lt"/>
+                        <a:buAutoNum type="arabicPeriod"/>
+                        <a:tabLst/>
+                        <a:defRPr/>
+                      </a:pPr>
+                      <a:r>
+                        <a:rPr lang="en-US" sz="1100" baseline="0" dirty="0">
+                          <a:latin typeface="Proxima Nova" charset="0"/>
+                          <a:ea typeface="Proxima Nova" charset="0"/>
+                          <a:cs typeface="Proxima Nova" charset="0"/>
+                        </a:rPr>
+                        <a:t>Title of the enclosure.</a:t>
+                      </a:r>
+                    </a:p>
+                    <a:p>
+                      <a:pPr marL="228600" marR="0" indent="-228600" algn="just" defTabSz="914400" rtl="0" eaLnBrk="1" fontAlgn="auto" latinLnBrk="0" hangingPunct="1">
+                        <a:lnSpc>
+                          <a:spcPct val="100000"/>
+                        </a:lnSpc>
+                        <a:spcBef>
+                          <a:spcPts val="0"/>
+                        </a:spcBef>
+                        <a:spcAft>
+                          <a:spcPts val="300"/>
+                        </a:spcAft>
+                        <a:buClrTx/>
+                        <a:buSzTx/>
+                        <a:buFont typeface="+mj-lt"/>
+                        <a:buAutoNum type="arabicPeriod"/>
+                        <a:tabLst/>
+                        <a:defRPr/>
+                      </a:pPr>
+                      <a:r>
+                        <a:rPr lang="en-US" sz="1100" baseline="0" dirty="0">
+                          <a:latin typeface="Proxima Nova" charset="0"/>
+                          <a:ea typeface="Proxima Nova" charset="0"/>
+                          <a:cs typeface="Proxima Nova" charset="0"/>
+                        </a:rPr>
+                        <a:t>Part number of the enclosure.</a:t>
+                      </a:r>
+                    </a:p>
+                  </a:txBody>
+                  <a:tcPr anchor="ctr">
+                    <a:lnL w="12700" cmpd="sng">
+                      <a:noFill/>
+                    </a:lnL>
+                    <a:lnR w="12700" cmpd="sng">
+                      <a:noFill/>
+                    </a:lnR>
+                    <a:lnT w="6350" cap="flat" cmpd="sng" algn="ctr">
+                      <a:solidFill>
+                        <a:srgbClr val="3A81BA"/>
+                      </a:solidFill>
+                      <a:prstDash val="sysDash"/>
+                      <a:round/>
+                      <a:headEnd type="none" w="med" len="med"/>
+                      <a:tailEnd type="none" w="med" len="med"/>
+                    </a:lnT>
+                    <a:lnB w="6350" cap="flat" cmpd="sng" algn="ctr">
+                      <a:solidFill>
+                        <a:srgbClr val="3A81BA"/>
+                      </a:solidFill>
+                      <a:prstDash val="sysDash"/>
+                      <a:round/>
+                      <a:headEnd type="none" w="med" len="med"/>
+                      <a:tailEnd type="none" w="med" len="med"/>
+                    </a:lnB>
+                    <a:lnTlToBr w="12700" cmpd="sng">
+                      <a:noFill/>
+                      <a:prstDash val="solid"/>
+                    </a:lnTlToBr>
+                    <a:lnBlToTr w="12700" cmpd="sng">
+                      <a:noFill/>
+                      <a:prstDash val="solid"/>
+                    </a:lnBlToTr>
+                    <a:noFill/>
+                  </a:tcPr>
+                </a:tc>
+                <a:extLst>
+                  <a:ext uri="{0D108BD9-81ED-4DB2-BD59-A6C34878D82A}">
+                    <a16:rowId xmlns:a16="http://schemas.microsoft.com/office/drawing/2014/main" val="10001"/>
+                  </a:ext>
+                </a:extLst>
+              </a:tr>
+              <a:tr h="494803">
+                <a:tc>
+                  <a:txBody>
+                    <a:bodyPr/>
+                    <a:lstStyle/>
+                    <a:p>
+                      <a:r>
+                        <a:rPr lang="en-US" sz="1100" b="1" dirty="0">
+                          <a:latin typeface="Proxima Nova" charset="0"/>
+                          <a:ea typeface="Proxima Nova" charset="0"/>
+                          <a:cs typeface="Proxima Nova" charset="0"/>
+                        </a:rPr>
+                        <a:t>R3</a:t>
+                      </a:r>
+                    </a:p>
+                  </a:txBody>
+                  <a:tcPr anchor="ctr">
+                    <a:lnL w="12700" cmpd="sng">
+                      <a:noFill/>
+                    </a:lnL>
+                    <a:lnR w="12700" cmpd="sng">
+                      <a:noFill/>
+                    </a:lnR>
+                    <a:lnT w="6350" cap="flat" cmpd="sng" algn="ctr">
+                      <a:solidFill>
+                        <a:srgbClr val="3A81BA"/>
+                      </a:solidFill>
+                      <a:prstDash val="sysDash"/>
+                      <a:round/>
+                      <a:headEnd type="none" w="med" len="med"/>
+                      <a:tailEnd type="none" w="med" len="med"/>
+                    </a:lnT>
+                    <a:lnB w="6350" cap="flat" cmpd="sng" algn="ctr">
+                      <a:solidFill>
+                        <a:srgbClr val="3A81BA"/>
+                      </a:solidFill>
+                      <a:prstDash val="sysDash"/>
+                      <a:round/>
+                      <a:headEnd type="none" w="med" len="med"/>
+                      <a:tailEnd type="none" w="med" len="med"/>
+                    </a:lnB>
+                    <a:lnTlToBr w="12700" cmpd="sng">
+                      <a:noFill/>
+                      <a:prstDash val="solid"/>
+                    </a:lnTlToBr>
+                    <a:lnBlToTr w="12700" cmpd="sng">
+                      <a:noFill/>
+                      <a:prstDash val="solid"/>
+                    </a:lnBlToTr>
+                    <a:noFill/>
+                  </a:tcPr>
+                </a:tc>
+                <a:tc>
+                  <a:txBody>
+                    <a:bodyPr/>
+                    <a:lstStyle/>
+                    <a:p>
+                      <a:pPr marL="182880" marR="0" indent="-457200" algn="l" defTabSz="914400" rtl="0" eaLnBrk="1" fontAlgn="auto" latinLnBrk="0" hangingPunct="1">
+                        <a:lnSpc>
+                          <a:spcPct val="100000"/>
+                        </a:lnSpc>
+                        <a:spcBef>
+                          <a:spcPts val="0"/>
+                        </a:spcBef>
+                        <a:spcAft>
+                          <a:spcPts val="0"/>
+                        </a:spcAft>
+                        <a:buClrTx/>
+                        <a:buSzTx/>
+                        <a:buFontTx/>
+                        <a:buNone/>
+                        <a:tabLst/>
+                        <a:defRPr/>
+                      </a:pPr>
+                      <a:r>
+                        <a:rPr lang="en-US" sz="1100" b="1" dirty="0">
+                          <a:latin typeface="Proxima Nova" charset="0"/>
+                          <a:ea typeface="Proxima Nova" charset="0"/>
+                          <a:cs typeface="Proxima Nova" charset="0"/>
+                        </a:rPr>
+                        <a:t>Filter Enclosures</a:t>
+                      </a:r>
+                    </a:p>
+                  </a:txBody>
+                  <a:tcPr anchor="ctr">
+                    <a:lnL w="12700" cmpd="sng">
+                      <a:noFill/>
+                    </a:lnL>
+                    <a:lnR w="12700" cmpd="sng">
+                      <a:noFill/>
+                    </a:lnR>
+                    <a:lnT w="6350" cap="flat" cmpd="sng" algn="ctr">
+                      <a:solidFill>
+                        <a:srgbClr val="3A81BA"/>
+                      </a:solidFill>
+                      <a:prstDash val="sysDash"/>
+                      <a:round/>
+                      <a:headEnd type="none" w="med" len="med"/>
+                      <a:tailEnd type="none" w="med" len="med"/>
+                    </a:lnT>
+                    <a:lnB w="6350" cap="flat" cmpd="sng" algn="ctr">
+                      <a:solidFill>
+                        <a:srgbClr val="3A81BA"/>
+                      </a:solidFill>
+                      <a:prstDash val="sysDash"/>
+                      <a:round/>
+                      <a:headEnd type="none" w="med" len="med"/>
+                      <a:tailEnd type="none" w="med" len="med"/>
+                    </a:lnB>
+                    <a:lnTlToBr w="12700" cmpd="sng">
+                      <a:noFill/>
+                      <a:prstDash val="solid"/>
+                    </a:lnTlToBr>
+                    <a:lnBlToTr w="12700" cmpd="sng">
+                      <a:noFill/>
+                      <a:prstDash val="solid"/>
+                    </a:lnBlToTr>
+                    <a:noFill/>
+                  </a:tcPr>
+                </a:tc>
+                <a:tc>
+                  <a:txBody>
+                    <a:bodyPr/>
+                    <a:lstStyle/>
+                    <a:p>
+                      <a:pPr marL="174625" indent="-174625" algn="just">
+                        <a:spcBef>
+                          <a:spcPts val="0"/>
+                        </a:spcBef>
+                        <a:spcAft>
+                          <a:spcPts val="300"/>
+                        </a:spcAft>
+                        <a:buFont typeface="Arial" panose="020B0604020202020204" pitchFamily="34" charset="0"/>
+                        <a:buChar char="•"/>
+                        <a:tabLst/>
+                      </a:pPr>
+                      <a:r>
+                        <a:rPr lang="en-US" sz="1100" baseline="0" dirty="0">
+                          <a:latin typeface="Proxima Nova" charset="0"/>
+                          <a:ea typeface="Proxima Nova" charset="0"/>
+                          <a:cs typeface="Proxima Nova" charset="0"/>
+                        </a:rPr>
+                        <a:t>Filter enclosures by the following criteria:</a:t>
+                      </a:r>
+                    </a:p>
+                  </a:txBody>
+                  <a:tcPr anchor="ctr">
+                    <a:lnL w="12700" cmpd="sng">
+                      <a:noFill/>
+                    </a:lnL>
+                    <a:lnR w="12700" cmpd="sng">
+                      <a:noFill/>
+                    </a:lnR>
+                    <a:lnT w="6350" cap="flat" cmpd="sng" algn="ctr">
+                      <a:solidFill>
+                        <a:srgbClr val="3A81BA"/>
+                      </a:solidFill>
+                      <a:prstDash val="sysDash"/>
+                      <a:round/>
+                      <a:headEnd type="none" w="med" len="med"/>
+                      <a:tailEnd type="none" w="med" len="med"/>
+                    </a:lnT>
+                    <a:lnB w="6350" cap="flat" cmpd="sng" algn="ctr">
+                      <a:solidFill>
+                        <a:srgbClr val="3A81BA"/>
+                      </a:solidFill>
+                      <a:prstDash val="sysDash"/>
+                      <a:round/>
+                      <a:headEnd type="none" w="med" len="med"/>
+                      <a:tailEnd type="none" w="med" len="med"/>
+                    </a:lnB>
+                    <a:lnTlToBr w="12700" cmpd="sng">
+                      <a:noFill/>
+                      <a:prstDash val="solid"/>
+                    </a:lnTlToBr>
+                    <a:lnBlToTr w="12700" cmpd="sng">
+                      <a:noFill/>
+                      <a:prstDash val="solid"/>
+                    </a:lnBlToTr>
+                    <a:noFill/>
+                  </a:tcPr>
+                </a:tc>
+                <a:extLst>
+                  <a:ext uri="{0D108BD9-81ED-4DB2-BD59-A6C34878D82A}">
+                    <a16:rowId xmlns:a16="http://schemas.microsoft.com/office/drawing/2014/main" val="10002"/>
+                  </a:ext>
+                </a:extLst>
+              </a:tr>
+            </a:tbl>
+          </a:graphicData>
+        </a:graphic>
+      </p:graphicFrame>
+      <p:pic>
+        <p:nvPicPr>
+          <p:cNvPr id="7" name="Picture 6"/>
+          <p:cNvPicPr>
+            <a:picLocks noChangeAspect="1"/>
+          </p:cNvPicPr>
+          <p:nvPr/>
+        </p:nvPicPr>
+        <p:blipFill>
+          <a:blip r:embed="rId3" cstate="print">
+            <a:extLst>
+              <a:ext uri="{28A0092B-C50C-407E-A947-70E740481C1C}">
+                <a14:useLocalDpi xmlns:a14="http://schemas.microsoft.com/office/drawing/2010/main" val="0"/>
+              </a:ext>
+            </a:extLst>
+          </a:blip>
+          <a:stretch>
+            <a:fillRect/>
+          </a:stretch>
+        </p:blipFill>
+        <p:spPr>
+          <a:xfrm>
+            <a:off x="7376038" y="-17104"/>
+            <a:ext cx="1596512" cy="414480"/>
+          </a:xfrm>
+          <a:prstGeom prst="rect">
+            <a:avLst/>
+          </a:prstGeom>
+        </p:spPr>
+      </p:pic>
+      <p:sp>
+        <p:nvSpPr>
+          <p:cNvPr id="8" name="TextBox 7"/>
+          <p:cNvSpPr txBox="1"/>
+          <p:nvPr/>
+        </p:nvSpPr>
+        <p:spPr>
+          <a:xfrm>
+            <a:off x="6010521" y="2643758"/>
+            <a:ext cx="2521919" cy="923330"/>
+          </a:xfrm>
+          <a:prstGeom prst="rect">
+            <a:avLst/>
+          </a:prstGeom>
+          <a:noFill/>
+        </p:spPr>
+        <p:txBody>
+          <a:bodyPr wrap="square" rtlCol="0">
+            <a:spAutoFit/>
+          </a:bodyPr>
+          <a:lstStyle/>
+          <a:p>
+            <a:r>
+              <a:rPr lang="en-US" b="1" dirty="0">
+                <a:solidFill>
+                  <a:srgbClr val="FF0000"/>
+                </a:solidFill>
+              </a:rPr>
+              <a:t>* Provide small &amp; big picture for each enclosure</a:t>
+            </a:r>
+          </a:p>
+        </p:txBody>
+      </p:sp>
+    </p:spTree>
+    <p:extLst>
+      <p:ext uri="{BB962C8B-B14F-4D97-AF65-F5344CB8AC3E}">
+        <p14:creationId xmlns:p14="http://schemas.microsoft.com/office/powerpoint/2010/main" val="610664424"/>
+      </p:ext>
+    </p:extLst>
+  </p:cSld>
+  <p:clrMapOvr>
+    <a:masterClrMapping/>
+  </p:clrMapOvr>
+  <p:transition spd="slow">
+    <p:cut/>
+  </p:transition>
+</p:sld>
+</file>
+
+<file path=ppt/slides/slide9.xml><?xml version="1.0" encoding="utf-8"?>
+<p:sld xmlns:a="http://schemas.openxmlformats.org/drawingml/2006/main" xmlns:r="http://schemas.openxmlformats.org/officeDocument/2006/relationships" xmlns:p="http://schemas.openxmlformats.org/presentationml/2006/main">
+  <p:cSld>
+    <p:spTree>
+      <p:nvGrpSpPr>
+        <p:cNvPr id="1" name="Shape 312"/>
+        <p:cNvGrpSpPr/>
+        <p:nvPr/>
+      </p:nvGrpSpPr>
+      <p:grpSpPr>
+        <a:xfrm>
+          <a:off x="0" y="0"/>
+          <a:ext cx="0" cy="0"/>
+          <a:chOff x="0" y="0"/>
+          <a:chExt cx="0" cy="0"/>
+        </a:xfrm>
+      </p:grpSpPr>
+      <p:sp>
+        <p:nvSpPr>
+          <p:cNvPr id="18" name="Shape 115"/>
+          <p:cNvSpPr txBox="1">
+            <a:spLocks noGrp="1"/>
+          </p:cNvSpPr>
+          <p:nvPr>
+            <p:ph type="ctrTitle"/>
+          </p:nvPr>
+        </p:nvSpPr>
+        <p:spPr>
+          <a:xfrm>
+            <a:off x="0" y="380067"/>
+            <a:ext cx="9143999" cy="535499"/>
+          </a:xfrm>
+          <a:prstGeom prst="rect">
+            <a:avLst/>
+          </a:prstGeom>
+        </p:spPr>
+        <p:txBody>
+          <a:bodyPr lIns="91425" tIns="91425" rIns="91425" bIns="91425" anchor="ctr" anchorCtr="0">
+            <a:noAutofit/>
+          </a:bodyPr>
+          <a:lstStyle/>
+          <a:p>
+            <a:r>
+              <a:rPr lang="en-US" sz="3000" dirty="0">
+                <a:solidFill>
+                  <a:srgbClr val="000000"/>
+                </a:solidFill>
+                <a:latin typeface="Montserrat"/>
+                <a:ea typeface="Montserrat"/>
+                <a:cs typeface="Montserrat"/>
+                <a:sym typeface="Montserrat"/>
+              </a:rPr>
+              <a:t>FEATURE LIST – </a:t>
+            </a:r>
+            <a:r>
+              <a:rPr lang="en-US" sz="3200" dirty="0">
+                <a:latin typeface="Proxima Nova" charset="0"/>
+                <a:ea typeface="Proxima Nova" charset="0"/>
+                <a:cs typeface="Proxima Nova" charset="0"/>
+                <a:sym typeface="Proxima Nova"/>
+              </a:rPr>
+              <a:t>Enclosures Finder Web App</a:t>
+            </a:r>
+            <a:endParaRPr lang="en-US" sz="3000" dirty="0">
+              <a:solidFill>
+                <a:srgbClr val="000000"/>
+              </a:solidFill>
+              <a:latin typeface="Montserrat"/>
+              <a:ea typeface="Montserrat"/>
+              <a:cs typeface="Montserrat"/>
+              <a:sym typeface="Montserrat"/>
+            </a:endParaRPr>
+          </a:p>
+        </p:txBody>
+      </p:sp>
+      <p:cxnSp>
+        <p:nvCxnSpPr>
+          <p:cNvPr id="11" name="Shape 77"/>
+          <p:cNvCxnSpPr/>
+          <p:nvPr/>
+        </p:nvCxnSpPr>
+        <p:spPr>
+          <a:xfrm>
+            <a:off x="171450" y="383240"/>
+            <a:ext cx="8801100" cy="0"/>
+          </a:xfrm>
+          <a:prstGeom prst="straightConnector1">
+            <a:avLst/>
+          </a:prstGeom>
+          <a:noFill/>
+          <a:ln w="9525" cap="flat">
+            <a:solidFill>
+              <a:srgbClr val="D9D9D9"/>
+            </a:solidFill>
+            <a:prstDash val="solid"/>
+            <a:round/>
+            <a:headEnd type="none" w="lg" len="lg"/>
+            <a:tailEnd type="none" w="lg" len="lg"/>
+          </a:ln>
+        </p:spPr>
+      </p:cxnSp>
+      <p:graphicFrame>
+        <p:nvGraphicFramePr>
+          <p:cNvPr id="6" name="Table 5"/>
+          <p:cNvGraphicFramePr>
+            <a:graphicFrameLocks noGrp="1"/>
+          </p:cNvGraphicFramePr>
+          <p:nvPr>
+            <p:extLst>
+              <p:ext uri="{D42A27DB-BD31-4B8C-83A1-F6EECF244321}">
+                <p14:modId xmlns:p14="http://schemas.microsoft.com/office/powerpoint/2010/main" val="2776809685"/>
+              </p:ext>
+            </p:extLst>
+          </p:nvPr>
+        </p:nvGraphicFramePr>
+        <p:xfrm>
+          <a:off x="179513" y="843559"/>
+          <a:ext cx="8640960" cy="3816423"/>
+        </p:xfrm>
+        <a:graphic>
+          <a:graphicData uri="http://schemas.openxmlformats.org/drawingml/2006/table">
+            <a:tbl>
+              <a:tblPr>
+                <a:tableStyleId>{5C22544A-7EE6-4342-B048-85BDC9FD1C3A}</a:tableStyleId>
+              </a:tblPr>
+              <a:tblGrid>
+                <a:gridCol w="539668">
+                  <a:extLst>
+                    <a:ext uri="{9D8B030D-6E8A-4147-A177-3AD203B41FA5}">
+                      <a16:colId xmlns:a16="http://schemas.microsoft.com/office/drawing/2014/main" val="20000"/>
+                    </a:ext>
+                  </a:extLst>
+                </a:gridCol>
+                <a:gridCol w="1856735">
+                  <a:extLst>
+                    <a:ext uri="{9D8B030D-6E8A-4147-A177-3AD203B41FA5}">
+                      <a16:colId xmlns:a16="http://schemas.microsoft.com/office/drawing/2014/main" val="20001"/>
+                    </a:ext>
+                  </a:extLst>
+                </a:gridCol>
+                <a:gridCol w="6244557">
+                  <a:extLst>
+                    <a:ext uri="{9D8B030D-6E8A-4147-A177-3AD203B41FA5}">
+                      <a16:colId xmlns:a16="http://schemas.microsoft.com/office/drawing/2014/main" val="20002"/>
+                    </a:ext>
+                  </a:extLst>
+                </a:gridCol>
+              </a:tblGrid>
+              <a:tr h="1505859">
+                <a:tc>
+                  <a:txBody>
+                    <a:bodyPr/>
+                    <a:lstStyle/>
+                    <a:p>
+                      <a:r>
+                        <a:rPr lang="en-US" sz="1100" b="1" dirty="0">
+                          <a:latin typeface="Proxima Nova" charset="0"/>
+                          <a:ea typeface="Proxima Nova" charset="0"/>
+                          <a:cs typeface="Proxima Nova" charset="0"/>
+                        </a:rPr>
+                        <a:t>R3</a:t>
+                      </a:r>
+                    </a:p>
+                  </a:txBody>
+                  <a:tcPr anchor="ctr">
+                    <a:lnL w="12700" cmpd="sng">
+                      <a:noFill/>
+                    </a:lnL>
+                    <a:lnR w="12700" cmpd="sng">
+                      <a:noFill/>
+                    </a:lnR>
+                    <a:lnT w="12700" cmpd="sng">
+                      <a:noFill/>
+                    </a:lnT>
+                    <a:lnB w="6350" cap="flat" cmpd="sng" algn="ctr">
+                      <a:solidFill>
+                        <a:srgbClr val="3A81BA"/>
+                      </a:solidFill>
+                      <a:prstDash val="sysDash"/>
+                      <a:round/>
+                      <a:headEnd type="none" w="med" len="med"/>
+                      <a:tailEnd type="none" w="med" len="med"/>
+                    </a:lnB>
+                    <a:lnTlToBr w="12700" cmpd="sng">
+                      <a:noFill/>
+                      <a:prstDash val="solid"/>
+                    </a:lnTlToBr>
+                    <a:lnBlToTr w="12700" cmpd="sng">
+                      <a:noFill/>
+                      <a:prstDash val="solid"/>
+                    </a:lnBlToTr>
+                    <a:noFill/>
+                  </a:tcPr>
+                </a:tc>
+                <a:tc>
+                  <a:txBody>
+                    <a:bodyPr/>
+                    <a:lstStyle/>
+                    <a:p>
+                      <a:pPr marL="18288" indent="-18288" algn="l"/>
+                      <a:r>
+                        <a:rPr lang="en-US" sz="1100" b="1" dirty="0">
+                          <a:latin typeface="Proxima Nova" charset="0"/>
+                          <a:ea typeface="Proxima Nova" charset="0"/>
+                          <a:cs typeface="Proxima Nova" charset="0"/>
+                        </a:rPr>
+                        <a:t>Filter Enclosure</a:t>
+                      </a:r>
+                    </a:p>
+                  </a:txBody>
+                  <a:tcPr anchor="ctr">
+                    <a:lnL w="12700" cmpd="sng">
+                      <a:noFill/>
+                    </a:lnL>
+                    <a:lnR w="12700" cmpd="sng">
+                      <a:noFill/>
+                    </a:lnR>
+                    <a:lnT w="12700" cmpd="sng">
+                      <a:noFill/>
+                    </a:lnT>
+                    <a:lnB w="6350" cap="flat" cmpd="sng" algn="ctr">
+                      <a:solidFill>
+                        <a:srgbClr val="3A81BA"/>
+                      </a:solidFill>
+                      <a:prstDash val="sysDash"/>
+                      <a:round/>
+                      <a:headEnd type="none" w="med" len="med"/>
+                      <a:tailEnd type="none" w="med" len="med"/>
+                    </a:lnB>
+                    <a:lnTlToBr w="12700" cmpd="sng">
+                      <a:noFill/>
+                      <a:prstDash val="solid"/>
+                    </a:lnTlToBr>
+                    <a:lnBlToTr w="12700" cmpd="sng">
+                      <a:noFill/>
+                      <a:prstDash val="solid"/>
+                    </a:lnBlToTr>
+                    <a:noFill/>
+                  </a:tcPr>
+                </a:tc>
+                <a:tc>
+                  <a:txBody>
+                    <a:bodyPr/>
+                    <a:lstStyle/>
+                    <a:p>
+                      <a:pPr marL="228600" lvl="4" indent="-228600" algn="l">
+                        <a:spcAft>
+                          <a:spcPts val="300"/>
+                        </a:spcAft>
+                        <a:buFont typeface="+mj-lt"/>
+                        <a:buAutoNum type="arabicPeriod"/>
+                      </a:pPr>
+                      <a:r>
+                        <a:rPr lang="en-US" sz="1100" b="0" i="0" u="none" strike="noStrike" cap="none" baseline="0" dirty="0">
+                          <a:solidFill>
+                            <a:schemeClr val="dk1"/>
+                          </a:solidFill>
+                          <a:latin typeface="Proxima Nova" charset="0"/>
+                          <a:ea typeface="Proxima Nova" charset="0"/>
+                          <a:cs typeface="Proxima Nova" charset="0"/>
+                          <a:sym typeface="Arial"/>
+                          <a:rtl val="0"/>
+                        </a:rPr>
+                        <a:t>Material: Polycarbonate, etc. </a:t>
+                      </a:r>
+                      <a:r>
+                        <a:rPr lang="en-US" sz="1100" b="1" i="0" u="none" strike="noStrike" cap="none" baseline="0" dirty="0">
+                          <a:solidFill>
+                            <a:srgbClr val="FF0000"/>
+                          </a:solidFill>
+                          <a:latin typeface="Proxima Nova" charset="0"/>
+                          <a:ea typeface="Proxima Nova" charset="0"/>
+                          <a:cs typeface="Proxima Nova" charset="0"/>
+                          <a:sym typeface="Arial"/>
+                          <a:rtl val="0"/>
+                        </a:rPr>
+                        <a:t>(List of material is needed)</a:t>
+                      </a:r>
+                    </a:p>
+                    <a:p>
+                      <a:pPr marL="228600" lvl="4" indent="-228600" algn="l">
+                        <a:spcAft>
+                          <a:spcPts val="300"/>
+                        </a:spcAft>
+                        <a:buFont typeface="+mj-lt"/>
+                        <a:buAutoNum type="arabicPeriod"/>
+                      </a:pPr>
+                      <a:r>
+                        <a:rPr lang="en-US" sz="1100" b="0" i="0" u="none" strike="noStrike" cap="none" baseline="0" dirty="0">
+                          <a:solidFill>
+                            <a:schemeClr val="dk1"/>
+                          </a:solidFill>
+                          <a:latin typeface="Proxima Nova" charset="0"/>
+                          <a:ea typeface="Proxima Nova" charset="0"/>
+                          <a:cs typeface="Proxima Nova" charset="0"/>
+                          <a:sym typeface="Arial"/>
+                          <a:rtl val="0"/>
+                        </a:rPr>
+                        <a:t>Dimensions: Length (in and mm), Width (in and mm), and Depth (in and mm)</a:t>
+                      </a:r>
+                    </a:p>
+                    <a:p>
+                      <a:pPr marL="228600" lvl="4" indent="-228600" algn="l">
+                        <a:spcAft>
+                          <a:spcPts val="300"/>
+                        </a:spcAft>
+                        <a:buFont typeface="+mj-lt"/>
+                        <a:buAutoNum type="arabicPeriod"/>
+                      </a:pPr>
+                      <a:r>
+                        <a:rPr lang="en-US" sz="1100" b="0" i="0" u="none" strike="noStrike" cap="none" baseline="0" dirty="0">
+                          <a:solidFill>
+                            <a:schemeClr val="dk1"/>
+                          </a:solidFill>
+                          <a:latin typeface="Proxima Nova" charset="0"/>
+                          <a:ea typeface="Proxima Nova" charset="0"/>
+                          <a:cs typeface="Proxima Nova" charset="0"/>
+                          <a:sym typeface="Arial"/>
+                          <a:rtl val="0"/>
+                        </a:rPr>
+                        <a:t>Type: </a:t>
+                      </a:r>
+                      <a:r>
+                        <a:rPr lang="en-US" sz="1100" b="1" i="0" u="none" strike="noStrike" cap="none" baseline="0" dirty="0">
+                          <a:solidFill>
+                            <a:srgbClr val="FF0000"/>
+                          </a:solidFill>
+                          <a:latin typeface="Proxima Nova" charset="0"/>
+                          <a:ea typeface="Proxima Nova" charset="0"/>
+                          <a:cs typeface="Proxima Nova" charset="0"/>
+                          <a:sym typeface="Arial"/>
+                          <a:rtl val="0"/>
+                        </a:rPr>
+                        <a:t>(List of type is needed)</a:t>
+                      </a:r>
+                      <a:r>
+                        <a:rPr lang="en-US" sz="1100" b="0" i="0" u="none" strike="noStrike" cap="none" baseline="0" dirty="0">
+                          <a:solidFill>
+                            <a:schemeClr val="dk1"/>
+                          </a:solidFill>
+                          <a:latin typeface="Proxima Nova" charset="0"/>
+                          <a:ea typeface="Proxima Nova" charset="0"/>
+                          <a:cs typeface="Proxima Nova" charset="0"/>
+                          <a:sym typeface="Arial"/>
+                          <a:rtl val="0"/>
+                        </a:rPr>
+                        <a:t>.</a:t>
+                      </a:r>
+                    </a:p>
+                    <a:p>
+                      <a:pPr marL="228600" lvl="4" indent="-228600" algn="l">
+                        <a:spcAft>
+                          <a:spcPts val="300"/>
+                        </a:spcAft>
+                        <a:buFont typeface="+mj-lt"/>
+                        <a:buAutoNum type="arabicPeriod"/>
+                      </a:pPr>
+                      <a:r>
+                        <a:rPr lang="en-US" sz="1100" b="0" i="0" u="none" strike="noStrike" cap="none" baseline="0" dirty="0">
+                          <a:solidFill>
+                            <a:schemeClr val="dk1"/>
+                          </a:solidFill>
+                          <a:latin typeface="Proxima Nova" charset="0"/>
+                          <a:ea typeface="Proxima Nova" charset="0"/>
+                          <a:cs typeface="Proxima Nova" charset="0"/>
+                          <a:sym typeface="Arial"/>
+                          <a:rtl val="0"/>
+                        </a:rPr>
+                        <a:t>IP Protection: IP55, etc. </a:t>
+                      </a:r>
+                      <a:r>
+                        <a:rPr lang="en-US" sz="1100" b="1" i="0" u="none" strike="noStrike" cap="none" baseline="0" dirty="0">
+                          <a:solidFill>
+                            <a:srgbClr val="FF0000"/>
+                          </a:solidFill>
+                          <a:latin typeface="Proxima Nova" charset="0"/>
+                          <a:ea typeface="Proxima Nova" charset="0"/>
+                          <a:cs typeface="Proxima Nova" charset="0"/>
+                          <a:sym typeface="Arial"/>
+                          <a:rtl val="0"/>
+                        </a:rPr>
+                        <a:t>(List of IP Protection is needed)</a:t>
+                      </a:r>
+                      <a:endParaRPr lang="en-US" sz="1100" b="0" i="0" u="none" strike="noStrike" cap="none" baseline="0" dirty="0">
+                        <a:solidFill>
+                          <a:schemeClr val="dk1"/>
+                        </a:solidFill>
+                        <a:latin typeface="Proxima Nova" charset="0"/>
+                        <a:ea typeface="Proxima Nova" charset="0"/>
+                        <a:cs typeface="Proxima Nova" charset="0"/>
+                        <a:sym typeface="Arial"/>
+                        <a:rtl val="0"/>
+                      </a:endParaRPr>
+                    </a:p>
+                    <a:p>
+                      <a:pPr marL="228600" lvl="4" indent="-228600" algn="l">
+                        <a:spcAft>
+                          <a:spcPts val="300"/>
+                        </a:spcAft>
+                        <a:buFont typeface="+mj-lt"/>
+                        <a:buAutoNum type="arabicPeriod"/>
+                      </a:pPr>
+                      <a:r>
+                        <a:rPr lang="en-US" sz="1100" b="0" i="0" u="none" strike="noStrike" cap="none" baseline="0" dirty="0">
+                          <a:solidFill>
+                            <a:schemeClr val="dk1"/>
+                          </a:solidFill>
+                          <a:latin typeface="Proxima Nova" charset="0"/>
+                          <a:ea typeface="Proxima Nova" charset="0"/>
+                          <a:cs typeface="Proxima Nova" charset="0"/>
+                          <a:sym typeface="Arial"/>
+                          <a:rtl val="0"/>
+                        </a:rPr>
+                        <a:t>Outdoor Use: Yes or No.</a:t>
+                      </a:r>
+                    </a:p>
+                    <a:p>
+                      <a:pPr marL="228600" lvl="4" indent="-228600" algn="l">
+                        <a:spcAft>
+                          <a:spcPts val="300"/>
+                        </a:spcAft>
+                        <a:buFont typeface="+mj-lt"/>
+                        <a:buAutoNum type="arabicPeriod"/>
+                      </a:pPr>
+                      <a:r>
+                        <a:rPr lang="en-US" sz="1100" b="0" i="0" u="none" strike="noStrike" cap="none" baseline="0" dirty="0">
+                          <a:solidFill>
+                            <a:schemeClr val="dk1"/>
+                          </a:solidFill>
+                          <a:latin typeface="Proxima Nova" charset="0"/>
+                          <a:ea typeface="Proxima Nova" charset="0"/>
+                          <a:cs typeface="Proxima Nova" charset="0"/>
+                          <a:sym typeface="Arial"/>
+                          <a:rtl val="0"/>
+                        </a:rPr>
+                        <a:t>UL Approval: Yes or No.</a:t>
+                      </a:r>
+                    </a:p>
+                    <a:p>
+                      <a:pPr marL="228600" lvl="4" indent="-228600" algn="l">
+                        <a:spcAft>
+                          <a:spcPts val="300"/>
+                        </a:spcAft>
+                        <a:buFont typeface="+mj-lt"/>
+                        <a:buAutoNum type="arabicPeriod"/>
+                      </a:pPr>
+                      <a:r>
+                        <a:rPr lang="en-US" sz="1100" b="0" i="0" u="none" strike="noStrike" cap="none" baseline="0" dirty="0">
+                          <a:solidFill>
+                            <a:schemeClr val="dk1"/>
+                          </a:solidFill>
+                          <a:latin typeface="Proxima Nova" charset="0"/>
+                          <a:ea typeface="Proxima Nova" charset="0"/>
+                          <a:cs typeface="Proxima Nova" charset="0"/>
+                          <a:sym typeface="Arial"/>
+                          <a:rtl val="0"/>
+                        </a:rPr>
+                        <a:t>NEMA 4X: Yes or No.</a:t>
+                      </a:r>
+                    </a:p>
+                  </a:txBody>
+                  <a:tcPr anchor="ctr">
+                    <a:lnL w="12700" cmpd="sng">
+                      <a:noFill/>
+                    </a:lnL>
+                    <a:lnR w="12700" cmpd="sng">
+                      <a:noFill/>
+                    </a:lnR>
+                    <a:lnT w="12700" cmpd="sng">
+                      <a:noFill/>
+                    </a:lnT>
+                    <a:lnB w="6350" cap="flat" cmpd="sng" algn="ctr">
+                      <a:solidFill>
+                        <a:srgbClr val="3A81BA"/>
+                      </a:solidFill>
+                      <a:prstDash val="sysDash"/>
+                      <a:round/>
+                      <a:headEnd type="none" w="med" len="med"/>
+                      <a:tailEnd type="none" w="med" len="med"/>
+                    </a:lnB>
+                    <a:lnTlToBr w="12700" cmpd="sng">
+                      <a:noFill/>
+                      <a:prstDash val="solid"/>
+                    </a:lnTlToBr>
+                    <a:lnBlToTr w="12700" cmpd="sng">
+                      <a:noFill/>
+                      <a:prstDash val="solid"/>
+                    </a:lnBlToTr>
+                    <a:noFill/>
+                  </a:tcPr>
+                </a:tc>
+                <a:extLst>
+                  <a:ext uri="{0D108BD9-81ED-4DB2-BD59-A6C34878D82A}">
+                    <a16:rowId xmlns:a16="http://schemas.microsoft.com/office/drawing/2014/main" val="10000"/>
+                  </a:ext>
+                </a:extLst>
+              </a:tr>
+              <a:tr h="2310564">
+                <a:tc>
+                  <a:txBody>
+                    <a:bodyPr/>
+                    <a:lstStyle/>
+                    <a:p>
+                      <a:r>
+                        <a:rPr lang="en-US" sz="1100" b="1" dirty="0">
+                          <a:latin typeface="Proxima Nova" charset="0"/>
+                          <a:ea typeface="Proxima Nova" charset="0"/>
+                          <a:cs typeface="Proxima Nova" charset="0"/>
+                        </a:rPr>
+                        <a:t>R4</a:t>
+                      </a:r>
+                    </a:p>
+                  </a:txBody>
+                  <a:tcPr anchor="ctr">
+                    <a:lnL w="12700" cmpd="sng">
+                      <a:noFill/>
+                    </a:lnL>
+                    <a:lnR w="12700" cmpd="sng">
+                      <a:noFill/>
+                    </a:lnR>
+                    <a:lnT w="6350" cap="flat" cmpd="sng" algn="ctr">
+                      <a:solidFill>
+                        <a:srgbClr val="3A81BA"/>
+                      </a:solidFill>
+                      <a:prstDash val="sysDash"/>
+                      <a:round/>
+                      <a:headEnd type="none" w="med" len="med"/>
+                      <a:tailEnd type="none" w="med" len="med"/>
+                    </a:lnT>
+                    <a:lnB w="6350" cap="flat" cmpd="sng" algn="ctr">
+                      <a:solidFill>
+                        <a:srgbClr val="3A81BA"/>
+                      </a:solidFill>
+                      <a:prstDash val="sysDash"/>
+                      <a:round/>
+                      <a:headEnd type="none" w="med" len="med"/>
+                      <a:tailEnd type="none" w="med" len="med"/>
+                    </a:lnB>
+                    <a:lnTlToBr w="12700" cmpd="sng">
+                      <a:noFill/>
+                      <a:prstDash val="solid"/>
+                    </a:lnTlToBr>
+                    <a:lnBlToTr w="12700" cmpd="sng">
+                      <a:noFill/>
+                      <a:prstDash val="solid"/>
+                    </a:lnBlToTr>
+                    <a:noFill/>
+                  </a:tcPr>
+                </a:tc>
+                <a:tc>
+                  <a:txBody>
+                    <a:bodyPr/>
+                    <a:lstStyle/>
+                    <a:p>
+                      <a:pPr marL="18288" marR="0" indent="-18288" algn="l" defTabSz="914400" rtl="0" eaLnBrk="1" fontAlgn="auto" latinLnBrk="0" hangingPunct="1">
+                        <a:lnSpc>
+                          <a:spcPct val="100000"/>
+                        </a:lnSpc>
+                        <a:spcBef>
+                          <a:spcPts val="0"/>
+                        </a:spcBef>
+                        <a:spcAft>
+                          <a:spcPts val="0"/>
+                        </a:spcAft>
+                        <a:buClrTx/>
+                        <a:buSzTx/>
+                        <a:buFontTx/>
+                        <a:buNone/>
+                        <a:tabLst/>
+                        <a:defRPr/>
+                      </a:pPr>
+                      <a:r>
+                        <a:rPr lang="en-US" sz="1100" b="1" dirty="0">
+                          <a:latin typeface="Proxima Nova" charset="0"/>
+                          <a:ea typeface="Proxima Nova" charset="0"/>
+                          <a:cs typeface="Proxima Nova" charset="0"/>
+                        </a:rPr>
+                        <a:t>Detail of  Enclosure</a:t>
+                      </a:r>
+                    </a:p>
+                  </a:txBody>
+                  <a:tcPr anchor="ctr">
+                    <a:lnL w="12700" cmpd="sng">
+                      <a:noFill/>
+                    </a:lnL>
+                    <a:lnR w="12700" cmpd="sng">
+                      <a:noFill/>
+                    </a:lnR>
+                    <a:lnT w="6350" cap="flat" cmpd="sng" algn="ctr">
+                      <a:solidFill>
+                        <a:srgbClr val="3A81BA"/>
+                      </a:solidFill>
+                      <a:prstDash val="sysDash"/>
+                      <a:round/>
+                      <a:headEnd type="none" w="med" len="med"/>
+                      <a:tailEnd type="none" w="med" len="med"/>
+                    </a:lnT>
+                    <a:lnB w="6350" cap="flat" cmpd="sng" algn="ctr">
+                      <a:solidFill>
+                        <a:srgbClr val="3A81BA"/>
+                      </a:solidFill>
+                      <a:prstDash val="sysDash"/>
+                      <a:round/>
+                      <a:headEnd type="none" w="med" len="med"/>
+                      <a:tailEnd type="none" w="med" len="med"/>
+                    </a:lnB>
+                    <a:lnTlToBr w="12700" cmpd="sng">
+                      <a:noFill/>
+                      <a:prstDash val="solid"/>
+                    </a:lnTlToBr>
+                    <a:lnBlToTr w="12700" cmpd="sng">
+                      <a:noFill/>
+                      <a:prstDash val="solid"/>
+                    </a:lnBlToTr>
+                    <a:noFill/>
+                  </a:tcPr>
+                </a:tc>
+                <a:tc>
+                  <a:txBody>
+                    <a:bodyPr/>
+                    <a:lstStyle/>
+                    <a:p>
+                      <a:pPr marL="174625" marR="0" indent="-174625" algn="just" defTabSz="914400" rtl="0" eaLnBrk="1" fontAlgn="auto" latinLnBrk="0" hangingPunct="1">
+                        <a:lnSpc>
+                          <a:spcPct val="100000"/>
+                        </a:lnSpc>
+                        <a:spcBef>
+                          <a:spcPts val="0"/>
+                        </a:spcBef>
+                        <a:spcAft>
+                          <a:spcPts val="300"/>
+                        </a:spcAft>
+                        <a:buClrTx/>
+                        <a:buSzTx/>
+                        <a:buFont typeface="Arial"/>
+                        <a:buChar char="•"/>
+                        <a:tabLst/>
+                        <a:defRPr/>
+                      </a:pPr>
+                      <a:r>
+                        <a:rPr lang="en-US" sz="1100" baseline="0" dirty="0">
+                          <a:latin typeface="Proxima Nova" charset="0"/>
+                          <a:ea typeface="Proxima Nova" charset="0"/>
+                          <a:cs typeface="Proxima Nova" charset="0"/>
+                        </a:rPr>
+                        <a:t>Display the following enclosure’s data:</a:t>
+                      </a:r>
+                    </a:p>
+                    <a:p>
+                      <a:pPr marL="228600" lvl="4" indent="-228600" algn="l">
+                        <a:spcAft>
+                          <a:spcPts val="300"/>
+                        </a:spcAft>
+                        <a:buFont typeface="+mj-lt"/>
+                        <a:buAutoNum type="arabicPeriod"/>
+                      </a:pPr>
+                      <a:r>
+                        <a:rPr lang="en-US" sz="1100" b="0" i="0" u="none" strike="noStrike" cap="none" baseline="0" dirty="0">
+                          <a:solidFill>
+                            <a:schemeClr val="dk1"/>
+                          </a:solidFill>
+                          <a:latin typeface="Proxima Nova" charset="0"/>
+                          <a:ea typeface="Proxima Nova" charset="0"/>
+                          <a:cs typeface="Proxima Nova" charset="0"/>
+                          <a:sym typeface="Arial"/>
+                          <a:rtl val="0"/>
+                        </a:rPr>
+                        <a:t>Big picture</a:t>
+                      </a:r>
+                      <a:r>
+                        <a:rPr lang="en-US" sz="1100" b="1" i="0" u="none" strike="noStrike" cap="none" baseline="0" dirty="0">
+                          <a:solidFill>
+                            <a:srgbClr val="FF0000"/>
+                          </a:solidFill>
+                          <a:latin typeface="Proxima Nova" charset="0"/>
+                          <a:ea typeface="Proxima Nova" charset="0"/>
+                          <a:cs typeface="Proxima Nova" charset="0"/>
+                          <a:sym typeface="Arial"/>
+                          <a:rtl val="0"/>
+                        </a:rPr>
+                        <a:t>*</a:t>
+                      </a:r>
+                      <a:r>
+                        <a:rPr lang="en-US" sz="1100" b="0" i="0" u="none" strike="noStrike" cap="none" baseline="0" dirty="0">
+                          <a:solidFill>
+                            <a:schemeClr val="dk1"/>
+                          </a:solidFill>
+                          <a:latin typeface="Proxima Nova" charset="0"/>
+                          <a:ea typeface="Proxima Nova" charset="0"/>
+                          <a:cs typeface="Proxima Nova" charset="0"/>
+                          <a:sym typeface="Arial"/>
+                          <a:rtl val="0"/>
+                        </a:rPr>
+                        <a:t> of the enclosure.                                       8.    NEMA 4X of the enclosure.</a:t>
+                      </a:r>
+                    </a:p>
+                    <a:p>
+                      <a:pPr marL="228600" lvl="4" indent="-228600" algn="l">
+                        <a:spcAft>
+                          <a:spcPts val="300"/>
+                        </a:spcAft>
+                        <a:buFont typeface="+mj-lt"/>
+                        <a:buAutoNum type="arabicPeriod"/>
+                      </a:pPr>
+                      <a:r>
+                        <a:rPr lang="en-US" sz="1100" b="0" i="0" u="none" strike="noStrike" cap="none" baseline="0" dirty="0">
+                          <a:solidFill>
+                            <a:schemeClr val="dk1"/>
+                          </a:solidFill>
+                          <a:latin typeface="Proxima Nova" charset="0"/>
+                          <a:ea typeface="Proxima Nova" charset="0"/>
+                          <a:cs typeface="Proxima Nova" charset="0"/>
+                          <a:sym typeface="Arial"/>
+                          <a:rtl val="0"/>
+                        </a:rPr>
+                        <a:t>Title of the enclosure.                                                     9.   Type of the enclosure.  </a:t>
+                      </a:r>
+                    </a:p>
+                    <a:p>
+                      <a:pPr marL="228600" marR="0" lvl="4" indent="-228600" algn="l" defTabSz="914400" rtl="0" eaLnBrk="1" fontAlgn="auto" latinLnBrk="0" hangingPunct="1">
+                        <a:lnSpc>
+                          <a:spcPct val="100000"/>
+                        </a:lnSpc>
+                        <a:spcBef>
+                          <a:spcPts val="0"/>
+                        </a:spcBef>
+                        <a:spcAft>
+                          <a:spcPts val="300"/>
+                        </a:spcAft>
+                        <a:buClrTx/>
+                        <a:buSzTx/>
+                        <a:buFont typeface="+mj-lt"/>
+                        <a:buAutoNum type="arabicPeriod"/>
+                        <a:tabLst/>
+                        <a:defRPr/>
+                      </a:pPr>
+                      <a:r>
+                        <a:rPr lang="en-US" sz="1100" b="0" i="0" u="none" strike="noStrike" cap="none" baseline="0" dirty="0">
+                          <a:solidFill>
+                            <a:schemeClr val="dk1"/>
+                          </a:solidFill>
+                          <a:latin typeface="Proxima Nova" charset="0"/>
+                          <a:ea typeface="Proxima Nova" charset="0"/>
+                          <a:cs typeface="Proxima Nova" charset="0"/>
+                          <a:sym typeface="Arial"/>
+                          <a:rtl val="0"/>
+                        </a:rPr>
+                        <a:t>Dimensions of the enclosure.                                        10. Part Number  of the enclosure.</a:t>
+                      </a:r>
+                    </a:p>
+                    <a:p>
+                      <a:pPr marL="228600" marR="0" lvl="4" indent="-228600" algn="l" defTabSz="914400" rtl="0" eaLnBrk="1" fontAlgn="auto" latinLnBrk="0" hangingPunct="1">
+                        <a:lnSpc>
+                          <a:spcPct val="100000"/>
+                        </a:lnSpc>
+                        <a:spcBef>
+                          <a:spcPts val="0"/>
+                        </a:spcBef>
+                        <a:spcAft>
+                          <a:spcPts val="300"/>
+                        </a:spcAft>
+                        <a:buClrTx/>
+                        <a:buSzTx/>
+                        <a:buFont typeface="+mj-lt"/>
+                        <a:buAutoNum type="arabicPeriod"/>
+                        <a:tabLst/>
+                        <a:defRPr/>
+                      </a:pPr>
+                      <a:r>
+                        <a:rPr lang="en-US" sz="1100" b="0" i="0" u="none" strike="noStrike" cap="none" baseline="0" dirty="0">
+                          <a:solidFill>
+                            <a:schemeClr val="dk1"/>
+                          </a:solidFill>
+                          <a:latin typeface="Proxima Nova" charset="0"/>
+                          <a:ea typeface="Proxima Nova" charset="0"/>
+                          <a:cs typeface="Proxima Nova" charset="0"/>
+                          <a:sym typeface="Arial"/>
+                          <a:rtl val="0"/>
+                        </a:rPr>
+                        <a:t>Material of the enclosure.                                              11. Description of the enclosure.</a:t>
+                      </a:r>
+                    </a:p>
+                    <a:p>
+                      <a:pPr marL="228600" lvl="4" indent="-228600" algn="l">
+                        <a:spcAft>
+                          <a:spcPts val="300"/>
+                        </a:spcAft>
+                        <a:buFont typeface="+mj-lt"/>
+                        <a:buAutoNum type="arabicPeriod"/>
+                      </a:pPr>
+                      <a:r>
+                        <a:rPr lang="en-US" sz="1100" b="0" i="0" u="none" strike="noStrike" cap="none" baseline="0" dirty="0">
+                          <a:solidFill>
+                            <a:schemeClr val="dk1"/>
+                          </a:solidFill>
+                          <a:latin typeface="Proxima Nova" charset="0"/>
+                          <a:ea typeface="Proxima Nova" charset="0"/>
+                          <a:cs typeface="Proxima Nova" charset="0"/>
+                          <a:sym typeface="Arial"/>
+                          <a:rtl val="0"/>
+                        </a:rPr>
+                        <a:t>IP Protection of the enclosure.                                      12. Link to drawing of the enclosure.</a:t>
+                      </a:r>
+                    </a:p>
+                    <a:p>
+                      <a:pPr marL="228600" lvl="4" indent="-228600" algn="l">
+                        <a:spcAft>
+                          <a:spcPts val="300"/>
+                        </a:spcAft>
+                        <a:buFont typeface="+mj-lt"/>
+                        <a:buAutoNum type="arabicPeriod"/>
+                      </a:pPr>
+                      <a:r>
+                        <a:rPr lang="en-US" sz="1100" b="0" i="0" u="none" strike="noStrike" cap="none" baseline="0" dirty="0">
+                          <a:solidFill>
+                            <a:schemeClr val="dk1"/>
+                          </a:solidFill>
+                          <a:latin typeface="Proxima Nova" charset="0"/>
+                          <a:ea typeface="Proxima Nova" charset="0"/>
+                          <a:cs typeface="Proxima Nova" charset="0"/>
+                          <a:sym typeface="Arial"/>
+                          <a:rtl val="0"/>
+                        </a:rPr>
+                        <a:t>Outdoor Use  of the enclosure.                                     13. Link to model of the enclosure.</a:t>
+                      </a:r>
+                    </a:p>
+                    <a:p>
+                      <a:pPr marL="228600" lvl="4" indent="-228600" algn="l">
+                        <a:spcAft>
+                          <a:spcPts val="300"/>
+                        </a:spcAft>
+                        <a:buFont typeface="+mj-lt"/>
+                        <a:buAutoNum type="arabicPeriod"/>
+                      </a:pPr>
+                      <a:r>
+                        <a:rPr lang="en-US" sz="1100" b="0" i="0" u="none" strike="noStrike" cap="none" baseline="0" dirty="0">
+                          <a:solidFill>
+                            <a:schemeClr val="dk1"/>
+                          </a:solidFill>
+                          <a:latin typeface="Proxima Nova" charset="0"/>
+                          <a:ea typeface="Proxima Nova" charset="0"/>
+                          <a:cs typeface="Proxima Nova" charset="0"/>
+                          <a:sym typeface="Arial"/>
+                          <a:rtl val="0"/>
+                        </a:rPr>
+                        <a:t>UL Approval of the enclosure.                                       14. Link to PDF of the enclosure</a:t>
+                      </a:r>
+                      <a:endParaRPr lang="en-US" sz="1100" baseline="0" dirty="0">
+                        <a:latin typeface="Proxima Nova" charset="0"/>
+                        <a:ea typeface="Proxima Nova" charset="0"/>
+                        <a:cs typeface="Proxima Nova" charset="0"/>
+                      </a:endParaRPr>
+                    </a:p>
+                  </a:txBody>
+                  <a:tcPr anchor="ctr">
+                    <a:lnL w="12700" cmpd="sng">
+                      <a:noFill/>
+                    </a:lnL>
+                    <a:lnR w="12700" cmpd="sng">
+                      <a:noFill/>
+                    </a:lnR>
+                    <a:lnT w="6350" cap="flat" cmpd="sng" algn="ctr">
+                      <a:solidFill>
+                        <a:srgbClr val="3A81BA"/>
+                      </a:solidFill>
+                      <a:prstDash val="sysDash"/>
+                      <a:round/>
+                      <a:headEnd type="none" w="med" len="med"/>
+                      <a:tailEnd type="none" w="med" len="med"/>
+                    </a:lnT>
+                    <a:lnB w="6350" cap="flat" cmpd="sng" algn="ctr">
+                      <a:solidFill>
+                        <a:srgbClr val="3A81BA"/>
+                      </a:solidFill>
+                      <a:prstDash val="sysDash"/>
+                      <a:round/>
+                      <a:headEnd type="none" w="med" len="med"/>
+                      <a:tailEnd type="none" w="med" len="med"/>
+                    </a:lnB>
+                    <a:lnTlToBr w="12700" cmpd="sng">
+                      <a:noFill/>
+                      <a:prstDash val="solid"/>
+                    </a:lnTlToBr>
+                    <a:lnBlToTr w="12700" cmpd="sng">
+                      <a:noFill/>
+                      <a:prstDash val="solid"/>
+                    </a:lnBlToTr>
+                    <a:noFill/>
+                  </a:tcPr>
+                </a:tc>
+                <a:extLst>
+                  <a:ext uri="{0D108BD9-81ED-4DB2-BD59-A6C34878D82A}">
+                    <a16:rowId xmlns:a16="http://schemas.microsoft.com/office/drawing/2014/main" val="10001"/>
+                  </a:ext>
+                </a:extLst>
+              </a:tr>
+            </a:tbl>
+          </a:graphicData>
+        </a:graphic>
+      </p:graphicFrame>
+      <p:pic>
+        <p:nvPicPr>
+          <p:cNvPr id="7" name="Picture 6"/>
+          <p:cNvPicPr>
+            <a:picLocks noChangeAspect="1"/>
+          </p:cNvPicPr>
+          <p:nvPr/>
+        </p:nvPicPr>
+        <p:blipFill>
+          <a:blip r:embed="rId3" cstate="print">
+            <a:extLst>
+              <a:ext uri="{28A0092B-C50C-407E-A947-70E740481C1C}">
+                <a14:useLocalDpi xmlns:a14="http://schemas.microsoft.com/office/drawing/2010/main" val="0"/>
+              </a:ext>
+            </a:extLst>
+          </a:blip>
+          <a:stretch>
+            <a:fillRect/>
+          </a:stretch>
+        </p:blipFill>
+        <p:spPr>
+          <a:xfrm>
+            <a:off x="7376038" y="-17104"/>
+            <a:ext cx="1596512" cy="414480"/>
+          </a:xfrm>
+          <a:prstGeom prst="rect">
+            <a:avLst/>
+          </a:prstGeom>
+        </p:spPr>
+      </p:pic>
+      <p:sp>
+        <p:nvSpPr>
+          <p:cNvPr id="2" name="TextBox 1"/>
+          <p:cNvSpPr txBox="1"/>
+          <p:nvPr/>
+        </p:nvSpPr>
+        <p:spPr>
+          <a:xfrm>
+            <a:off x="107504" y="4731990"/>
+            <a:ext cx="5429692" cy="369332"/>
+          </a:xfrm>
+          <a:prstGeom prst="rect">
+            <a:avLst/>
+          </a:prstGeom>
+          <a:noFill/>
+        </p:spPr>
+        <p:txBody>
+          <a:bodyPr wrap="none" rtlCol="0">
+            <a:spAutoFit/>
+          </a:bodyPr>
+          <a:lstStyle/>
+          <a:p>
+            <a:r>
+              <a:rPr lang="en-US" b="1" dirty="0">
+                <a:solidFill>
+                  <a:srgbClr val="FF0000"/>
+                </a:solidFill>
+              </a:rPr>
+              <a:t>* Provide small &amp; big picture for each enclosure</a:t>
+            </a:r>
+          </a:p>
+        </p:txBody>
+      </p:sp>
+    </p:spTree>
+    <p:extLst>
+      <p:ext uri="{BB962C8B-B14F-4D97-AF65-F5344CB8AC3E}">
+        <p14:creationId xmlns:p14="http://schemas.microsoft.com/office/powerpoint/2010/main" val="2360131311"/>
       </p:ext>
     </p:extLst>
   </p:cSld>
